--- a/lectures/DJ-02-Model-Single.pptx
+++ b/lectures/DJ-02-Model-Single.pptx
@@ -212,7 +212,7 @@
           <a:p>
             <a:fld id="{C97B56FC-7D2E-F343-9D09-0D14B00AA564}" type="datetimeFigureOut">
               <a:rPr lang="en-US" smtClean="0"/>
-              <a:t>2/8/19</a:t>
+              <a:t>9/11/19</a:t>
             </a:fld>
             <a:endParaRPr lang="en-US"/>
           </a:p>
@@ -1149,7 +1149,7 @@
           <a:p>
             <a:fld id="{EEE7C04C-7AF8-1445-A186-502B631B934F}" type="datetimeFigureOut">
               <a:rPr lang="en-US" smtClean="0"/>
-              <a:t>2/8/19</a:t>
+              <a:t>9/11/19</a:t>
             </a:fld>
             <a:endParaRPr lang="en-US"/>
           </a:p>
@@ -1314,7 +1314,7 @@
           <a:p>
             <a:fld id="{EEE7C04C-7AF8-1445-A186-502B631B934F}" type="datetimeFigureOut">
               <a:rPr lang="en-US" smtClean="0"/>
-              <a:t>2/8/19</a:t>
+              <a:t>9/11/19</a:t>
             </a:fld>
             <a:endParaRPr lang="en-US"/>
           </a:p>
@@ -1489,7 +1489,7 @@
           <a:p>
             <a:fld id="{EEE7C04C-7AF8-1445-A186-502B631B934F}" type="datetimeFigureOut">
               <a:rPr lang="en-US" smtClean="0"/>
-              <a:t>2/8/19</a:t>
+              <a:t>9/11/19</a:t>
             </a:fld>
             <a:endParaRPr lang="en-US"/>
           </a:p>
@@ -1654,7 +1654,7 @@
           <a:p>
             <a:fld id="{EEE7C04C-7AF8-1445-A186-502B631B934F}" type="datetimeFigureOut">
               <a:rPr lang="en-US" smtClean="0"/>
-              <a:t>2/8/19</a:t>
+              <a:t>9/11/19</a:t>
             </a:fld>
             <a:endParaRPr lang="en-US"/>
           </a:p>
@@ -1895,7 +1895,7 @@
           <a:p>
             <a:fld id="{EEE7C04C-7AF8-1445-A186-502B631B934F}" type="datetimeFigureOut">
               <a:rPr lang="en-US" smtClean="0"/>
-              <a:t>2/8/19</a:t>
+              <a:t>9/11/19</a:t>
             </a:fld>
             <a:endParaRPr lang="en-US"/>
           </a:p>
@@ -2122,7 +2122,7 @@
           <a:p>
             <a:fld id="{EEE7C04C-7AF8-1445-A186-502B631B934F}" type="datetimeFigureOut">
               <a:rPr lang="en-US" smtClean="0"/>
-              <a:t>2/8/19</a:t>
+              <a:t>9/11/19</a:t>
             </a:fld>
             <a:endParaRPr lang="en-US"/>
           </a:p>
@@ -2484,7 +2484,7 @@
           <a:p>
             <a:fld id="{EEE7C04C-7AF8-1445-A186-502B631B934F}" type="datetimeFigureOut">
               <a:rPr lang="en-US" smtClean="0"/>
-              <a:t>2/8/19</a:t>
+              <a:t>9/11/19</a:t>
             </a:fld>
             <a:endParaRPr lang="en-US"/>
           </a:p>
@@ -2597,7 +2597,7 @@
           <a:p>
             <a:fld id="{EEE7C04C-7AF8-1445-A186-502B631B934F}" type="datetimeFigureOut">
               <a:rPr lang="en-US" smtClean="0"/>
-              <a:t>2/8/19</a:t>
+              <a:t>9/11/19</a:t>
             </a:fld>
             <a:endParaRPr lang="en-US"/>
           </a:p>
@@ -2687,7 +2687,7 @@
           <a:p>
             <a:fld id="{EEE7C04C-7AF8-1445-A186-502B631B934F}" type="datetimeFigureOut">
               <a:rPr lang="en-US" smtClean="0"/>
-              <a:t>2/8/19</a:t>
+              <a:t>9/11/19</a:t>
             </a:fld>
             <a:endParaRPr lang="en-US"/>
           </a:p>
@@ -2959,7 +2959,7 @@
           <a:p>
             <a:fld id="{EEE7C04C-7AF8-1445-A186-502B631B934F}" type="datetimeFigureOut">
               <a:rPr lang="en-US" smtClean="0"/>
-              <a:t>2/8/19</a:t>
+              <a:t>9/11/19</a:t>
             </a:fld>
             <a:endParaRPr lang="en-US"/>
           </a:p>
@@ -3211,7 +3211,7 @@
           <a:p>
             <a:fld id="{EEE7C04C-7AF8-1445-A186-502B631B934F}" type="datetimeFigureOut">
               <a:rPr lang="en-US" smtClean="0"/>
-              <a:t>2/8/19</a:t>
+              <a:t>9/11/19</a:t>
             </a:fld>
             <a:endParaRPr lang="en-US"/>
           </a:p>
@@ -3419,7 +3419,7 @@
           <a:p>
             <a:fld id="{EEE7C04C-7AF8-1445-A186-502B631B934F}" type="datetimeFigureOut">
               <a:rPr lang="en-US" smtClean="0"/>
-              <a:t>2/8/19</a:t>
+              <a:t>9/11/19</a:t>
             </a:fld>
             <a:endParaRPr lang="en-US"/>
           </a:p>
@@ -3837,10 +3837,10 @@
           <p:cNvPr id="10" name="Rectangle 9">
             <a:extLst>
               <a:ext uri="{FF2B5EF4-FFF2-40B4-BE49-F238E27FC236}">
-                <a16:creationId xmlns="" xmlns:a16="http://schemas.microsoft.com/office/drawing/2014/main" id="{E20EB187-900F-4AF5-813B-101456D9FD39}"/>
+                <a16:creationId xmlns:a16="http://schemas.microsoft.com/office/drawing/2014/main" xmlns="" id="{E20EB187-900F-4AF5-813B-101456D9FD39}"/>
               </a:ext>
               <a:ext uri="{C183D7F6-B498-43B3-948B-1728B52AA6E4}">
-                <adec:decorative xmlns="" xmlns:adec="http://schemas.microsoft.com/office/drawing/2017/decorative" val="1"/>
+                <adec:decorative xmlns:adec="http://schemas.microsoft.com/office/drawing/2017/decorative" xmlns="" val="1"/>
               </a:ext>
             </a:extLst>
           </p:cNvPr>
@@ -3895,36 +3895,6 @@
           </a:p>
         </p:txBody>
       </p:sp>
-      <p:pic>
-        <p:nvPicPr>
-          <p:cNvPr id="4" name="Picture 3"/>
-          <p:cNvPicPr>
-            <a:picLocks noChangeAspect="1"/>
-          </p:cNvPicPr>
-          <p:nvPr/>
-        </p:nvPicPr>
-        <p:blipFill rotWithShape="1">
-          <a:blip r:embed="rId2">
-            <a:alphaModFix amt="50000"/>
-            <a:extLst>
-              <a:ext uri="{28A0092B-C50C-407E-A947-70E740481C1C}">
-                <a14:useLocalDpi xmlns:a14="http://schemas.microsoft.com/office/drawing/2010/main" val="0"/>
-              </a:ext>
-            </a:extLst>
-          </a:blip>
-          <a:srcRect b="2174"/>
-          <a:stretch/>
-        </p:blipFill>
-        <p:spPr>
-          <a:xfrm>
-            <a:off x="20" y="1"/>
-            <a:ext cx="12191980" cy="6857999"/>
-          </a:xfrm>
-          <a:prstGeom prst="rect">
-            <a:avLst/>
-          </a:prstGeom>
-        </p:spPr>
-      </p:pic>
       <p:sp>
         <p:nvSpPr>
           <p:cNvPr id="2" name="Title 1"/>
@@ -4014,10 +3984,10 @@
           <p:cNvPr id="12" name="Straight Connector 11">
             <a:extLst>
               <a:ext uri="{FF2B5EF4-FFF2-40B4-BE49-F238E27FC236}">
-                <a16:creationId xmlns="" xmlns:a16="http://schemas.microsoft.com/office/drawing/2014/main" id="{624D17C8-E9C2-48A4-AA36-D7048A6CCC41}"/>
+                <a16:creationId xmlns:a16="http://schemas.microsoft.com/office/drawing/2014/main" xmlns="" id="{624D17C8-E9C2-48A4-AA36-D7048A6CCC41}"/>
               </a:ext>
               <a:ext uri="{C183D7F6-B498-43B3-948B-1728B52AA6E4}">
-                <adec:decorative xmlns="" xmlns:adec="http://schemas.microsoft.com/office/drawing/2017/decorative" val="1"/>
+                <adec:decorative xmlns:adec="http://schemas.microsoft.com/office/drawing/2017/decorative" xmlns="" val="1"/>
               </a:ext>
             </a:extLst>
           </p:cNvPr>
@@ -4070,7 +4040,7 @@
           <p:nvPr/>
         </p:nvPicPr>
         <p:blipFill>
-          <a:blip r:embed="rId3">
+          <a:blip r:embed="rId2">
             <a:extLst>
               <a:ext uri="{28A0092B-C50C-407E-A947-70E740481C1C}">
                 <a14:useLocalDpi xmlns:a14="http://schemas.microsoft.com/office/drawing/2010/main" val="0"/>
@@ -9341,16 +9311,38 @@
             <a:r>
               <a:rPr lang="en-US" dirty="0">
                 <a:solidFill>
+                  <a:srgbClr val="FFFF00"/>
+                </a:solidFill>
+                <a:latin typeface="Courier" charset="0"/>
+                <a:ea typeface="Courier" charset="0"/>
+                <a:cs typeface="Courier" charset="0"/>
+              </a:rPr>
+              <a:t>sqlite3 zip.sqlite3</a:t>
+            </a:r>
+          </a:p>
+          <a:p>
+            <a:r>
+              <a:rPr lang="it-IT" dirty="0" err="1">
+                <a:solidFill>
                   <a:schemeClr val="tx2"/>
                 </a:solidFill>
                 <a:latin typeface="Courier" charset="0"/>
                 <a:ea typeface="Courier" charset="0"/>
                 <a:cs typeface="Courier" charset="0"/>
               </a:rPr>
-              <a:t>sqlite3 zip.sqlite3</a:t>
-            </a:r>
-          </a:p>
-          <a:p>
+              <a:t>SQLite</a:t>
+            </a:r>
+            <a:r>
+              <a:rPr lang="it-IT" dirty="0">
+                <a:solidFill>
+                  <a:schemeClr val="tx2"/>
+                </a:solidFill>
+                <a:latin typeface="Courier" charset="0"/>
+                <a:ea typeface="Courier" charset="0"/>
+                <a:cs typeface="Courier" charset="0"/>
+              </a:rPr>
+              <a:t> </a:t>
+            </a:r>
             <a:r>
               <a:rPr lang="it-IT" dirty="0" err="1">
                 <a:solidFill>
@@ -9360,7 +9352,7 @@
                 <a:ea typeface="Courier" charset="0"/>
                 <a:cs typeface="Courier" charset="0"/>
               </a:rPr>
-              <a:t>SQLite</a:t>
+              <a:t>version</a:t>
             </a:r>
             <a:r>
               <a:rPr lang="it-IT" dirty="0">
@@ -9371,6 +9363,52 @@
                 <a:ea typeface="Courier" charset="0"/>
                 <a:cs typeface="Courier" charset="0"/>
               </a:rPr>
+              <a:t> 3.11.0 2016-02-15 17:29:24</a:t>
+            </a:r>
+          </a:p>
+          <a:p>
+            <a:r>
+              <a:rPr lang="it-IT" dirty="0" err="1">
+                <a:solidFill>
+                  <a:schemeClr val="tx2"/>
+                </a:solidFill>
+                <a:latin typeface="Courier" charset="0"/>
+                <a:ea typeface="Courier" charset="0"/>
+                <a:cs typeface="Courier" charset="0"/>
+              </a:rPr>
+              <a:t>Enter</a:t>
+            </a:r>
+            <a:r>
+              <a:rPr lang="it-IT" dirty="0">
+                <a:solidFill>
+                  <a:schemeClr val="tx2"/>
+                </a:solidFill>
+                <a:latin typeface="Courier" charset="0"/>
+                <a:ea typeface="Courier" charset="0"/>
+                <a:cs typeface="Courier" charset="0"/>
+              </a:rPr>
+              <a:t> ".help" for </a:t>
+            </a:r>
+            <a:r>
+              <a:rPr lang="it-IT" dirty="0" err="1">
+                <a:solidFill>
+                  <a:schemeClr val="tx2"/>
+                </a:solidFill>
+                <a:latin typeface="Courier" charset="0"/>
+                <a:ea typeface="Courier" charset="0"/>
+                <a:cs typeface="Courier" charset="0"/>
+              </a:rPr>
+              <a:t>usage</a:t>
+            </a:r>
+            <a:r>
+              <a:rPr lang="it-IT" dirty="0">
+                <a:solidFill>
+                  <a:schemeClr val="tx2"/>
+                </a:solidFill>
+                <a:latin typeface="Courier" charset="0"/>
+                <a:ea typeface="Courier" charset="0"/>
+                <a:cs typeface="Courier" charset="0"/>
+              </a:rPr>
               <a:t> </a:t>
             </a:r>
             <a:r>
@@ -9382,7 +9420,7 @@
                 <a:ea typeface="Courier" charset="0"/>
                 <a:cs typeface="Courier" charset="0"/>
               </a:rPr>
-              <a:t>version</a:t>
+              <a:t>hints</a:t>
             </a:r>
             <a:r>
               <a:rPr lang="it-IT" dirty="0">
@@ -9393,7 +9431,7 @@
                 <a:ea typeface="Courier" charset="0"/>
                 <a:cs typeface="Courier" charset="0"/>
               </a:rPr>
-              <a:t> 3.11.0 2016-02-15 17:29:24</a:t>
+              <a:t>.</a:t>
             </a:r>
           </a:p>
           <a:p>
@@ -9406,7 +9444,7 @@
                 <a:ea typeface="Courier" charset="0"/>
                 <a:cs typeface="Courier" charset="0"/>
               </a:rPr>
-              <a:t>Enter</a:t>
+              <a:t>sqlite</a:t>
             </a:r>
             <a:r>
               <a:rPr lang="it-IT" dirty="0">
@@ -9417,80 +9455,23 @@
                 <a:ea typeface="Courier" charset="0"/>
                 <a:cs typeface="Courier" charset="0"/>
               </a:rPr>
-              <a:t> ".help" for </a:t>
+              <a:t>&gt; </a:t>
+            </a:r>
+            <a:r>
+              <a:rPr lang="it-IT" dirty="0">
+                <a:solidFill>
+                  <a:srgbClr val="FFFF00"/>
+                </a:solidFill>
+                <a:latin typeface="Courier" charset="0"/>
+                <a:ea typeface="Courier" charset="0"/>
+                <a:cs typeface="Courier" charset="0"/>
+              </a:rPr>
+              <a:t>.</a:t>
             </a:r>
             <a:r>
               <a:rPr lang="it-IT" dirty="0" err="1">
                 <a:solidFill>
-                  <a:schemeClr val="tx2"/>
-                </a:solidFill>
-                <a:latin typeface="Courier" charset="0"/>
-                <a:ea typeface="Courier" charset="0"/>
-                <a:cs typeface="Courier" charset="0"/>
-              </a:rPr>
-              <a:t>usage</a:t>
-            </a:r>
-            <a:r>
-              <a:rPr lang="it-IT" dirty="0">
-                <a:solidFill>
-                  <a:schemeClr val="tx2"/>
-                </a:solidFill>
-                <a:latin typeface="Courier" charset="0"/>
-                <a:ea typeface="Courier" charset="0"/>
-                <a:cs typeface="Courier" charset="0"/>
-              </a:rPr>
-              <a:t> </a:t>
-            </a:r>
-            <a:r>
-              <a:rPr lang="it-IT" dirty="0" err="1">
-                <a:solidFill>
-                  <a:schemeClr val="tx2"/>
-                </a:solidFill>
-                <a:latin typeface="Courier" charset="0"/>
-                <a:ea typeface="Courier" charset="0"/>
-                <a:cs typeface="Courier" charset="0"/>
-              </a:rPr>
-              <a:t>hints</a:t>
-            </a:r>
-            <a:r>
-              <a:rPr lang="it-IT" dirty="0">
-                <a:solidFill>
-                  <a:schemeClr val="tx2"/>
-                </a:solidFill>
-                <a:latin typeface="Courier" charset="0"/>
-                <a:ea typeface="Courier" charset="0"/>
-                <a:cs typeface="Courier" charset="0"/>
-              </a:rPr>
-              <a:t>.</a:t>
-            </a:r>
-          </a:p>
-          <a:p>
-            <a:r>
-              <a:rPr lang="it-IT" dirty="0" err="1">
-                <a:solidFill>
-                  <a:schemeClr val="tx2"/>
-                </a:solidFill>
-                <a:latin typeface="Courier" charset="0"/>
-                <a:ea typeface="Courier" charset="0"/>
-                <a:cs typeface="Courier" charset="0"/>
-              </a:rPr>
-              <a:t>sqlite</a:t>
-            </a:r>
-            <a:r>
-              <a:rPr lang="it-IT" dirty="0">
-                <a:solidFill>
-                  <a:schemeClr val="tx2"/>
-                </a:solidFill>
-                <a:latin typeface="Courier" charset="0"/>
-                <a:ea typeface="Courier" charset="0"/>
-                <a:cs typeface="Courier" charset="0"/>
-              </a:rPr>
-              <a:t>&gt; .</a:t>
-            </a:r>
-            <a:r>
-              <a:rPr lang="it-IT" dirty="0" err="1">
-                <a:solidFill>
-                  <a:schemeClr val="tx2"/>
+                  <a:srgbClr val="FFFF00"/>
                 </a:solidFill>
                 <a:latin typeface="Courier" charset="0"/>
                 <a:ea typeface="Courier" charset="0"/>
@@ -9500,7 +9481,7 @@
             </a:r>
             <a:endParaRPr lang="it-IT" dirty="0">
               <a:solidFill>
-                <a:schemeClr val="tx2"/>
+                <a:srgbClr val="FFFF00"/>
               </a:solidFill>
               <a:latin typeface="Courier" charset="0"/>
               <a:ea typeface="Courier" charset="0"/>
@@ -9528,12 +9509,23 @@
                 <a:ea typeface="Courier" charset="0"/>
                 <a:cs typeface="Courier" charset="0"/>
               </a:rPr>
-              <a:t>&gt; CREATE TABLE </a:t>
+              <a:t>&gt; </a:t>
+            </a:r>
+            <a:r>
+              <a:rPr lang="it-IT" dirty="0">
+                <a:solidFill>
+                  <a:srgbClr val="FFFF00"/>
+                </a:solidFill>
+                <a:latin typeface="Courier" charset="0"/>
+                <a:ea typeface="Courier" charset="0"/>
+                <a:cs typeface="Courier" charset="0"/>
+              </a:rPr>
+              <a:t>CREATE TABLE </a:t>
             </a:r>
             <a:r>
               <a:rPr lang="it-IT" dirty="0" err="1">
                 <a:solidFill>
-                  <a:schemeClr val="tx2"/>
+                  <a:srgbClr val="FFFF00"/>
                 </a:solidFill>
                 <a:latin typeface="Courier" charset="0"/>
                 <a:ea typeface="Courier" charset="0"/>
@@ -9544,7 +9536,7 @@
             <a:r>
               <a:rPr lang="it-IT" dirty="0">
                 <a:solidFill>
-                  <a:schemeClr val="tx2"/>
+                  <a:srgbClr val="FFFF00"/>
                 </a:solidFill>
                 <a:latin typeface="Courier" charset="0"/>
                 <a:ea typeface="Courier" charset="0"/>
@@ -9554,7 +9546,7 @@
             </a:r>
             <a:endParaRPr lang="it-IT" dirty="0" smtClean="0">
               <a:solidFill>
-                <a:schemeClr val="tx2"/>
+                <a:srgbClr val="FFFF00"/>
               </a:solidFill>
               <a:latin typeface="Courier" charset="0"/>
               <a:ea typeface="Courier" charset="0"/>
@@ -9564,9 +9556,6 @@
           <a:p>
             <a:r>
               <a:rPr lang="mr-IN" dirty="0">
-                <a:solidFill>
-                  <a:schemeClr val="tx2"/>
-                </a:solidFill>
                 <a:latin typeface="Courier" charset="0"/>
                 <a:ea typeface="Courier" charset="0"/>
                 <a:cs typeface="Courier" charset="0"/>
@@ -9575,9 +9564,6 @@
             </a:r>
             <a:r>
               <a:rPr lang="en-US" dirty="0" smtClean="0">
-                <a:solidFill>
-                  <a:schemeClr val="tx2"/>
-                </a:solidFill>
                 <a:latin typeface="Courier" charset="0"/>
                 <a:ea typeface="Courier" charset="0"/>
                 <a:cs typeface="Courier" charset="0"/>
@@ -9586,9 +9572,6 @@
             </a:r>
             <a:r>
               <a:rPr lang="mr-IN" dirty="0" smtClean="0">
-                <a:solidFill>
-                  <a:schemeClr val="tx2"/>
-                </a:solidFill>
                 <a:latin typeface="Courier" charset="0"/>
                 <a:ea typeface="Courier" charset="0"/>
                 <a:cs typeface="Courier" charset="0"/>
@@ -9597,9 +9580,6 @@
             </a:r>
             <a:r>
               <a:rPr lang="it-IT" dirty="0">
-                <a:solidFill>
-                  <a:schemeClr val="tx2"/>
-                </a:solidFill>
                 <a:latin typeface="Courier" charset="0"/>
                 <a:ea typeface="Courier" charset="0"/>
                 <a:cs typeface="Courier" charset="0"/>
@@ -9608,19 +9588,27 @@
             </a:r>
             <a:r>
               <a:rPr lang="it-IT" dirty="0" smtClean="0">
-                <a:solidFill>
-                  <a:schemeClr val="tx2"/>
-                </a:solidFill>
-                <a:latin typeface="Courier" charset="0"/>
-                <a:ea typeface="Courier" charset="0"/>
-                <a:cs typeface="Courier" charset="0"/>
-              </a:rPr>
-              <a:t> id INTEGER NOT </a:t>
+                <a:latin typeface="Courier" charset="0"/>
+                <a:ea typeface="Courier" charset="0"/>
+                <a:cs typeface="Courier" charset="0"/>
+              </a:rPr>
+              <a:t> </a:t>
+            </a:r>
+            <a:r>
+              <a:rPr lang="it-IT" dirty="0" smtClean="0">
+                <a:solidFill>
+                  <a:srgbClr val="FFFF00"/>
+                </a:solidFill>
+                <a:latin typeface="Courier" charset="0"/>
+                <a:ea typeface="Courier" charset="0"/>
+                <a:cs typeface="Courier" charset="0"/>
+              </a:rPr>
+              <a:t>id INTEGER NOT </a:t>
             </a:r>
             <a:r>
               <a:rPr lang="it-IT" dirty="0">
                 <a:solidFill>
-                  <a:schemeClr val="tx2"/>
+                  <a:srgbClr val="FFFF00"/>
                 </a:solidFill>
                 <a:latin typeface="Courier" charset="0"/>
                 <a:ea typeface="Courier" charset="0"/>
@@ -9630,7 +9618,7 @@
             </a:r>
             <a:endParaRPr lang="it-IT" dirty="0" smtClean="0">
               <a:solidFill>
-                <a:schemeClr val="tx2"/>
+                <a:srgbClr val="FFFF00"/>
               </a:solidFill>
               <a:latin typeface="Courier" charset="0"/>
               <a:ea typeface="Courier" charset="0"/>
@@ -9640,9 +9628,6 @@
           <a:p>
             <a:r>
               <a:rPr lang="it-IT" dirty="0">
-                <a:solidFill>
-                  <a:schemeClr val="tx2"/>
-                </a:solidFill>
                 <a:latin typeface="Courier" charset="0"/>
                 <a:ea typeface="Courier" charset="0"/>
                 <a:cs typeface="Courier" charset="0"/>
@@ -9651,9 +9636,6 @@
             </a:r>
             <a:r>
               <a:rPr lang="it-IT" dirty="0" smtClean="0">
-                <a:solidFill>
-                  <a:schemeClr val="tx2"/>
-                </a:solidFill>
                 <a:latin typeface="Courier" charset="0"/>
                 <a:ea typeface="Courier" charset="0"/>
                 <a:cs typeface="Courier" charset="0"/>
@@ -9662,9 +9644,6 @@
             </a:r>
             <a:r>
               <a:rPr lang="en-US" dirty="0" smtClean="0">
-                <a:solidFill>
-                  <a:schemeClr val="tx2"/>
-                </a:solidFill>
                 <a:latin typeface="Courier" charset="0"/>
                 <a:ea typeface="Courier" charset="0"/>
                 <a:cs typeface="Courier" charset="0"/>
@@ -9674,7 +9653,7 @@
             <a:r>
               <a:rPr lang="it-IT" dirty="0" smtClean="0">
                 <a:solidFill>
-                  <a:schemeClr val="tx2"/>
+                  <a:srgbClr val="FFFF00"/>
                 </a:solidFill>
                 <a:latin typeface="Courier" charset="0"/>
                 <a:ea typeface="Courier" charset="0"/>
@@ -9685,7 +9664,7 @@
             <a:r>
               <a:rPr lang="it-IT" dirty="0">
                 <a:solidFill>
-                  <a:schemeClr val="tx2"/>
+                  <a:srgbClr val="FFFF00"/>
                 </a:solidFill>
                 <a:latin typeface="Courier" charset="0"/>
                 <a:ea typeface="Courier" charset="0"/>
@@ -9696,7 +9675,7 @@
             <a:r>
               <a:rPr lang="it-IT" dirty="0" smtClean="0">
                 <a:solidFill>
-                  <a:schemeClr val="tx2"/>
+                  <a:srgbClr val="FFFF00"/>
                 </a:solidFill>
                 <a:latin typeface="Courier" charset="0"/>
                 <a:ea typeface="Courier" charset="0"/>
@@ -9707,7 +9686,7 @@
             <a:r>
               <a:rPr lang="it-IT" dirty="0">
                 <a:solidFill>
-                  <a:schemeClr val="tx2"/>
+                  <a:srgbClr val="FFFF00"/>
                 </a:solidFill>
                 <a:latin typeface="Courier" charset="0"/>
                 <a:ea typeface="Courier" charset="0"/>
@@ -9719,9 +9698,6 @@
           <a:p>
             <a:r>
               <a:rPr lang="mr-IN" dirty="0">
-                <a:solidFill>
-                  <a:schemeClr val="tx2"/>
-                </a:solidFill>
                 <a:latin typeface="Courier" charset="0"/>
                 <a:ea typeface="Courier" charset="0"/>
                 <a:cs typeface="Courier" charset="0"/>
@@ -9731,7 +9707,7 @@
             <a:r>
               <a:rPr lang="mr-IN" dirty="0" err="1">
                 <a:solidFill>
-                  <a:schemeClr val="tx2"/>
+                  <a:srgbClr val="FFFF00"/>
                 </a:solidFill>
                 <a:latin typeface="Courier" charset="0"/>
                 <a:ea typeface="Courier" charset="0"/>
@@ -9742,7 +9718,7 @@
             <a:r>
               <a:rPr lang="mr-IN" dirty="0">
                 <a:solidFill>
-                  <a:schemeClr val="tx2"/>
+                  <a:srgbClr val="FFFF00"/>
                 </a:solidFill>
                 <a:latin typeface="Courier" charset="0"/>
                 <a:ea typeface="Courier" charset="0"/>
@@ -9754,9 +9730,6 @@
           <a:p>
             <a:r>
               <a:rPr lang="mr-IN" dirty="0">
-                <a:solidFill>
-                  <a:schemeClr val="tx2"/>
-                </a:solidFill>
                 <a:latin typeface="Courier" charset="0"/>
                 <a:ea typeface="Courier" charset="0"/>
                 <a:cs typeface="Courier" charset="0"/>
@@ -9766,7 +9739,7 @@
             <a:r>
               <a:rPr lang="mr-IN" dirty="0" err="1">
                 <a:solidFill>
-                  <a:schemeClr val="tx2"/>
+                  <a:srgbClr val="FFFF00"/>
                 </a:solidFill>
                 <a:latin typeface="Courier" charset="0"/>
                 <a:ea typeface="Courier" charset="0"/>
@@ -9777,7 +9750,7 @@
             <a:r>
               <a:rPr lang="mr-IN" dirty="0">
                 <a:solidFill>
-                  <a:schemeClr val="tx2"/>
+                  <a:srgbClr val="FFFF00"/>
                 </a:solidFill>
                 <a:latin typeface="Courier" charset="0"/>
                 <a:ea typeface="Courier" charset="0"/>
@@ -9789,9 +9762,6 @@
           <a:p>
             <a:r>
               <a:rPr lang="mr-IN" dirty="0">
-                <a:solidFill>
-                  <a:schemeClr val="tx2"/>
-                </a:solidFill>
                 <a:latin typeface="Courier" charset="0"/>
                 <a:ea typeface="Courier" charset="0"/>
                 <a:cs typeface="Courier" charset="0"/>
@@ -9801,7 +9771,7 @@
             <a:r>
               <a:rPr lang="mr-IN" dirty="0" smtClean="0">
                 <a:solidFill>
-                  <a:schemeClr val="tx2"/>
+                  <a:srgbClr val="FFFF00"/>
                 </a:solidFill>
                 <a:latin typeface="Courier" charset="0"/>
                 <a:ea typeface="Courier" charset="0"/>
@@ -9812,7 +9782,7 @@
             <a:r>
               <a:rPr lang="en-US" dirty="0" smtClean="0">
                 <a:solidFill>
-                  <a:schemeClr val="tx2"/>
+                  <a:srgbClr val="FFFF00"/>
                 </a:solidFill>
                 <a:latin typeface="Courier" charset="0"/>
                 <a:ea typeface="Courier" charset="0"/>
@@ -9822,7 +9792,7 @@
             </a:r>
             <a:endParaRPr lang="mr-IN" dirty="0">
               <a:solidFill>
-                <a:schemeClr val="tx2"/>
+                <a:srgbClr val="FFFF00"/>
               </a:solidFill>
               <a:latin typeface="Courier" charset="0"/>
               <a:ea typeface="Courier" charset="0"/>
@@ -9850,13 +9820,24 @@
                 <a:ea typeface="Courier" charset="0"/>
                 <a:cs typeface="Courier" charset="0"/>
               </a:rPr>
-              <a:t>&gt; .tables</a:t>
-            </a:r>
-          </a:p>
-          <a:p>
+              <a:t>&gt; </a:t>
+            </a:r>
             <a:r>
               <a:rPr lang="en-US" dirty="0">
                 <a:solidFill>
+                  <a:srgbClr val="FFFF00"/>
+                </a:solidFill>
+                <a:latin typeface="Courier" charset="0"/>
+                <a:ea typeface="Courier" charset="0"/>
+                <a:cs typeface="Courier" charset="0"/>
+              </a:rPr>
+              <a:t>.tables</a:t>
+            </a:r>
+          </a:p>
+          <a:p>
+            <a:r>
+              <a:rPr lang="en-US" dirty="0">
+                <a:solidFill>
                   <a:schemeClr val="tx2"/>
                 </a:solidFill>
                 <a:latin typeface="Courier" charset="0"/>
@@ -9887,7 +9868,18 @@
                 <a:ea typeface="Courier" charset="0"/>
                 <a:cs typeface="Courier" charset="0"/>
               </a:rPr>
-              <a:t>&gt; .schema Users</a:t>
+              <a:t>&gt; </a:t>
+            </a:r>
+            <a:r>
+              <a:rPr lang="en-US" dirty="0">
+                <a:solidFill>
+                  <a:srgbClr val="FFFF00"/>
+                </a:solidFill>
+                <a:latin typeface="Courier" charset="0"/>
+                <a:ea typeface="Courier" charset="0"/>
+                <a:cs typeface="Courier" charset="0"/>
+              </a:rPr>
+              <a:t>.schema Users</a:t>
             </a:r>
           </a:p>
           <a:p>
@@ -10804,7 +10796,7 @@
           <a:p>
             <a:r>
               <a:rPr lang="en-US" dirty="0" smtClean="0"/>
-              <a:t>Object Relational Mapping</a:t>
+              <a:t>Object Relational Mapping (ORM)</a:t>
             </a:r>
             <a:endParaRPr lang="en-US" dirty="0"/>
           </a:p>
@@ -12992,7 +12984,18 @@
                 <a:ea typeface="Courier" charset="0"/>
                 <a:cs typeface="Courier" charset="0"/>
               </a:rPr>
-              <a:t>&gt; .tables</a:t>
+              <a:t>&gt; </a:t>
+            </a:r>
+            <a:r>
+              <a:rPr lang="en-US" dirty="0">
+                <a:solidFill>
+                  <a:srgbClr val="FFFF00"/>
+                </a:solidFill>
+                <a:latin typeface="Courier" charset="0"/>
+                <a:ea typeface="Courier" charset="0"/>
+                <a:cs typeface="Courier" charset="0"/>
+              </a:rPr>
+              <a:t>.tables</a:t>
             </a:r>
           </a:p>
           <a:p>

--- a/lectures/DJ-02-Model-Single.pptx
+++ b/lectures/DJ-02-Model-Single.pptx
@@ -20,8 +20,8 @@
     <p:sldId id="330" r:id="rId11"/>
     <p:sldId id="331" r:id="rId12"/>
     <p:sldId id="336" r:id="rId13"/>
-    <p:sldId id="333" r:id="rId14"/>
-    <p:sldId id="334" r:id="rId15"/>
+    <p:sldId id="334" r:id="rId14"/>
+    <p:sldId id="333" r:id="rId15"/>
     <p:sldId id="332" r:id="rId16"/>
     <p:sldId id="273" r:id="rId17"/>
   </p:sldIdLst>
@@ -3837,10 +3837,10 @@
           <p:cNvPr id="10" name="Rectangle 9">
             <a:extLst>
               <a:ext uri="{FF2B5EF4-FFF2-40B4-BE49-F238E27FC236}">
-                <a16:creationId xmlns:a16="http://schemas.microsoft.com/office/drawing/2014/main" xmlns="" id="{E20EB187-900F-4AF5-813B-101456D9FD39}"/>
+                <a16:creationId xmlns="" xmlns:a16="http://schemas.microsoft.com/office/drawing/2014/main" id="{E20EB187-900F-4AF5-813B-101456D9FD39}"/>
               </a:ext>
               <a:ext uri="{C183D7F6-B498-43B3-948B-1728B52AA6E4}">
-                <adec:decorative xmlns:adec="http://schemas.microsoft.com/office/drawing/2017/decorative" xmlns="" val="1"/>
+                <adec:decorative xmlns="" xmlns:adec="http://schemas.microsoft.com/office/drawing/2017/decorative" val="1"/>
               </a:ext>
             </a:extLst>
           </p:cNvPr>
@@ -3984,10 +3984,10 @@
           <p:cNvPr id="12" name="Straight Connector 11">
             <a:extLst>
               <a:ext uri="{FF2B5EF4-FFF2-40B4-BE49-F238E27FC236}">
-                <a16:creationId xmlns:a16="http://schemas.microsoft.com/office/drawing/2014/main" xmlns="" id="{624D17C8-E9C2-48A4-AA36-D7048A6CCC41}"/>
+                <a16:creationId xmlns="" xmlns:a16="http://schemas.microsoft.com/office/drawing/2014/main" id="{624D17C8-E9C2-48A4-AA36-D7048A6CCC41}"/>
               </a:ext>
               <a:ext uri="{C183D7F6-B498-43B3-948B-1728B52AA6E4}">
-                <adec:decorative xmlns:adec="http://schemas.microsoft.com/office/drawing/2017/decorative" xmlns="" val="1"/>
+                <adec:decorative xmlns="" xmlns:adec="http://schemas.microsoft.com/office/drawing/2017/decorative" val="1"/>
               </a:ext>
             </a:extLst>
           </p:cNvPr>
@@ -5520,119 +5520,6 @@
 </file>
 
 <file path=ppt/slides/slide13.xml><?xml version="1.0" encoding="utf-8"?>
-<p:sld xmlns:a="http://schemas.openxmlformats.org/drawingml/2006/main" xmlns:r="http://schemas.openxmlformats.org/officeDocument/2006/relationships" xmlns:p="http://schemas.openxmlformats.org/presentationml/2006/main">
-  <p:cSld>
-    <p:spTree>
-      <p:nvGrpSpPr>
-        <p:cNvPr id="1" name=""/>
-        <p:cNvGrpSpPr/>
-        <p:nvPr/>
-      </p:nvGrpSpPr>
-      <p:grpSpPr>
-        <a:xfrm>
-          <a:off x="0" y="0"/>
-          <a:ext cx="0" cy="0"/>
-          <a:chOff x="0" y="0"/>
-          <a:chExt cx="0" cy="0"/>
-        </a:xfrm>
-      </p:grpSpPr>
-      <p:pic>
-        <p:nvPicPr>
-          <p:cNvPr id="4" name="Picture 3"/>
-          <p:cNvPicPr>
-            <a:picLocks noChangeAspect="1"/>
-          </p:cNvPicPr>
-          <p:nvPr/>
-        </p:nvPicPr>
-        <p:blipFill rotWithShape="1">
-          <a:blip r:embed="rId2">
-            <a:alphaModFix amt="50000"/>
-            <a:extLst>
-              <a:ext uri="{28A0092B-C50C-407E-A947-70E740481C1C}">
-                <a14:useLocalDpi xmlns:a14="http://schemas.microsoft.com/office/drawing/2010/main" val="0"/>
-              </a:ext>
-            </a:extLst>
-          </a:blip>
-          <a:srcRect b="2174"/>
-          <a:stretch/>
-        </p:blipFill>
-        <p:spPr>
-          <a:xfrm>
-            <a:off x="20" y="1"/>
-            <a:ext cx="12191980" cy="6857999"/>
-          </a:xfrm>
-          <a:prstGeom prst="rect">
-            <a:avLst/>
-          </a:prstGeom>
-        </p:spPr>
-      </p:pic>
-      <p:sp>
-        <p:nvSpPr>
-          <p:cNvPr id="2" name="Title 1"/>
-          <p:cNvSpPr>
-            <a:spLocks noGrp="1"/>
-          </p:cNvSpPr>
-          <p:nvPr>
-            <p:ph type="title"/>
-          </p:nvPr>
-        </p:nvSpPr>
-        <p:spPr/>
-        <p:txBody>
-          <a:bodyPr/>
-          <a:lstStyle/>
-          <a:p>
-            <a:r>
-              <a:rPr lang="en-US" dirty="0" smtClean="0"/>
-              <a:t>Demo</a:t>
-            </a:r>
-            <a:endParaRPr lang="en-US" dirty="0"/>
-          </a:p>
-        </p:txBody>
-      </p:sp>
-      <p:sp>
-        <p:nvSpPr>
-          <p:cNvPr id="3" name="Text Placeholder 2"/>
-          <p:cNvSpPr>
-            <a:spLocks noGrp="1"/>
-          </p:cNvSpPr>
-          <p:nvPr>
-            <p:ph type="body" idx="1"/>
-          </p:nvPr>
-        </p:nvSpPr>
-        <p:spPr/>
-        <p:txBody>
-          <a:bodyPr/>
-          <a:lstStyle/>
-          <a:p>
-            <a:r>
-              <a:rPr lang="en-US" dirty="0"/>
-              <a:t>https://</a:t>
-            </a:r>
-            <a:r>
-              <a:rPr lang="en-US" dirty="0" smtClean="0"/>
-              <a:t>www.dj4e.com/lectures/DJ-03-Model-Single.txt</a:t>
-            </a:r>
-            <a:endParaRPr lang="en-US" dirty="0"/>
-          </a:p>
-          <a:p>
-            <a:endParaRPr lang="en-US" dirty="0"/>
-          </a:p>
-        </p:txBody>
-      </p:sp>
-    </p:spTree>
-    <p:extLst>
-      <p:ext uri="{BB962C8B-B14F-4D97-AF65-F5344CB8AC3E}">
-        <p14:creationId xmlns:p14="http://schemas.microsoft.com/office/powerpoint/2010/main" val="495488396"/>
-      </p:ext>
-    </p:extLst>
-  </p:cSld>
-  <p:clrMapOvr>
-    <a:masterClrMapping/>
-  </p:clrMapOvr>
-</p:sld>
-</file>
-
-<file path=ppt/slides/slide14.xml><?xml version="1.0" encoding="utf-8"?>
 <p:sld xmlns:a="http://schemas.openxmlformats.org/drawingml/2006/main" xmlns:r="http://schemas.openxmlformats.org/officeDocument/2006/relationships" xmlns:p="http://schemas.openxmlformats.org/presentationml/2006/main">
   <p:cSld>
     <p:spTree>
@@ -7542,6 +7429,119 @@
       </p:par>
     </p:tnLst>
   </p:timing>
+</p:sld>
+</file>
+
+<file path=ppt/slides/slide14.xml><?xml version="1.0" encoding="utf-8"?>
+<p:sld xmlns:a="http://schemas.openxmlformats.org/drawingml/2006/main" xmlns:r="http://schemas.openxmlformats.org/officeDocument/2006/relationships" xmlns:p="http://schemas.openxmlformats.org/presentationml/2006/main">
+  <p:cSld>
+    <p:spTree>
+      <p:nvGrpSpPr>
+        <p:cNvPr id="1" name=""/>
+        <p:cNvGrpSpPr/>
+        <p:nvPr/>
+      </p:nvGrpSpPr>
+      <p:grpSpPr>
+        <a:xfrm>
+          <a:off x="0" y="0"/>
+          <a:ext cx="0" cy="0"/>
+          <a:chOff x="0" y="0"/>
+          <a:chExt cx="0" cy="0"/>
+        </a:xfrm>
+      </p:grpSpPr>
+      <p:pic>
+        <p:nvPicPr>
+          <p:cNvPr id="4" name="Picture 3"/>
+          <p:cNvPicPr>
+            <a:picLocks noChangeAspect="1"/>
+          </p:cNvPicPr>
+          <p:nvPr/>
+        </p:nvPicPr>
+        <p:blipFill rotWithShape="1">
+          <a:blip r:embed="rId2">
+            <a:alphaModFix amt="50000"/>
+            <a:extLst>
+              <a:ext uri="{28A0092B-C50C-407E-A947-70E740481C1C}">
+                <a14:useLocalDpi xmlns:a14="http://schemas.microsoft.com/office/drawing/2010/main" val="0"/>
+              </a:ext>
+            </a:extLst>
+          </a:blip>
+          <a:srcRect b="2174"/>
+          <a:stretch/>
+        </p:blipFill>
+        <p:spPr>
+          <a:xfrm>
+            <a:off x="20" y="1"/>
+            <a:ext cx="12191980" cy="6857999"/>
+          </a:xfrm>
+          <a:prstGeom prst="rect">
+            <a:avLst/>
+          </a:prstGeom>
+        </p:spPr>
+      </p:pic>
+      <p:sp>
+        <p:nvSpPr>
+          <p:cNvPr id="2" name="Title 1"/>
+          <p:cNvSpPr>
+            <a:spLocks noGrp="1"/>
+          </p:cNvSpPr>
+          <p:nvPr>
+            <p:ph type="title"/>
+          </p:nvPr>
+        </p:nvSpPr>
+        <p:spPr/>
+        <p:txBody>
+          <a:bodyPr/>
+          <a:lstStyle/>
+          <a:p>
+            <a:r>
+              <a:rPr lang="en-US" dirty="0" smtClean="0"/>
+              <a:t>Demo</a:t>
+            </a:r>
+            <a:endParaRPr lang="en-US" dirty="0"/>
+          </a:p>
+        </p:txBody>
+      </p:sp>
+      <p:sp>
+        <p:nvSpPr>
+          <p:cNvPr id="3" name="Text Placeholder 2"/>
+          <p:cNvSpPr>
+            <a:spLocks noGrp="1"/>
+          </p:cNvSpPr>
+          <p:nvPr>
+            <p:ph type="body" idx="1"/>
+          </p:nvPr>
+        </p:nvSpPr>
+        <p:spPr/>
+        <p:txBody>
+          <a:bodyPr/>
+          <a:lstStyle/>
+          <a:p>
+            <a:r>
+              <a:rPr lang="en-US" dirty="0"/>
+              <a:t>https://</a:t>
+            </a:r>
+            <a:r>
+              <a:rPr lang="en-US" dirty="0" smtClean="0"/>
+              <a:t>www.dj4e.com/lectures/DJ-03-Model-Single.txt</a:t>
+            </a:r>
+            <a:endParaRPr lang="en-US" dirty="0"/>
+          </a:p>
+          <a:p>
+            <a:endParaRPr lang="en-US" dirty="0"/>
+          </a:p>
+        </p:txBody>
+      </p:sp>
+    </p:spTree>
+    <p:extLst>
+      <p:ext uri="{BB962C8B-B14F-4D97-AF65-F5344CB8AC3E}">
+        <p14:creationId xmlns:p14="http://schemas.microsoft.com/office/powerpoint/2010/main" val="495488396"/>
+      </p:ext>
+    </p:extLst>
+  </p:cSld>
+  <p:clrMapOvr>
+    <a:masterClrMapping/>
+  </p:clrMapOvr>
 </p:sld>
 </file>
 

--- a/lectures/DJ-02-Model-Single.pptx
+++ b/lectures/DJ-02-Model-Single.pptx
@@ -212,7 +212,7 @@
           <a:p>
             <a:fld id="{C97B56FC-7D2E-F343-9D09-0D14B00AA564}" type="datetimeFigureOut">
               <a:rPr lang="en-US" smtClean="0"/>
-              <a:t>9/11/19</a:t>
+              <a:t>9/13/19</a:t>
             </a:fld>
             <a:endParaRPr lang="en-US"/>
           </a:p>
@@ -1149,7 +1149,7 @@
           <a:p>
             <a:fld id="{EEE7C04C-7AF8-1445-A186-502B631B934F}" type="datetimeFigureOut">
               <a:rPr lang="en-US" smtClean="0"/>
-              <a:t>9/11/19</a:t>
+              <a:t>9/13/19</a:t>
             </a:fld>
             <a:endParaRPr lang="en-US"/>
           </a:p>
@@ -1314,7 +1314,7 @@
           <a:p>
             <a:fld id="{EEE7C04C-7AF8-1445-A186-502B631B934F}" type="datetimeFigureOut">
               <a:rPr lang="en-US" smtClean="0"/>
-              <a:t>9/11/19</a:t>
+              <a:t>9/13/19</a:t>
             </a:fld>
             <a:endParaRPr lang="en-US"/>
           </a:p>
@@ -1489,7 +1489,7 @@
           <a:p>
             <a:fld id="{EEE7C04C-7AF8-1445-A186-502B631B934F}" type="datetimeFigureOut">
               <a:rPr lang="en-US" smtClean="0"/>
-              <a:t>9/11/19</a:t>
+              <a:t>9/13/19</a:t>
             </a:fld>
             <a:endParaRPr lang="en-US"/>
           </a:p>
@@ -1654,7 +1654,7 @@
           <a:p>
             <a:fld id="{EEE7C04C-7AF8-1445-A186-502B631B934F}" type="datetimeFigureOut">
               <a:rPr lang="en-US" smtClean="0"/>
-              <a:t>9/11/19</a:t>
+              <a:t>9/13/19</a:t>
             </a:fld>
             <a:endParaRPr lang="en-US"/>
           </a:p>
@@ -1895,7 +1895,7 @@
           <a:p>
             <a:fld id="{EEE7C04C-7AF8-1445-A186-502B631B934F}" type="datetimeFigureOut">
               <a:rPr lang="en-US" smtClean="0"/>
-              <a:t>9/11/19</a:t>
+              <a:t>9/13/19</a:t>
             </a:fld>
             <a:endParaRPr lang="en-US"/>
           </a:p>
@@ -2122,7 +2122,7 @@
           <a:p>
             <a:fld id="{EEE7C04C-7AF8-1445-A186-502B631B934F}" type="datetimeFigureOut">
               <a:rPr lang="en-US" smtClean="0"/>
-              <a:t>9/11/19</a:t>
+              <a:t>9/13/19</a:t>
             </a:fld>
             <a:endParaRPr lang="en-US"/>
           </a:p>
@@ -2484,7 +2484,7 @@
           <a:p>
             <a:fld id="{EEE7C04C-7AF8-1445-A186-502B631B934F}" type="datetimeFigureOut">
               <a:rPr lang="en-US" smtClean="0"/>
-              <a:t>9/11/19</a:t>
+              <a:t>9/13/19</a:t>
             </a:fld>
             <a:endParaRPr lang="en-US"/>
           </a:p>
@@ -2597,7 +2597,7 @@
           <a:p>
             <a:fld id="{EEE7C04C-7AF8-1445-A186-502B631B934F}" type="datetimeFigureOut">
               <a:rPr lang="en-US" smtClean="0"/>
-              <a:t>9/11/19</a:t>
+              <a:t>9/13/19</a:t>
             </a:fld>
             <a:endParaRPr lang="en-US"/>
           </a:p>
@@ -2687,7 +2687,7 @@
           <a:p>
             <a:fld id="{EEE7C04C-7AF8-1445-A186-502B631B934F}" type="datetimeFigureOut">
               <a:rPr lang="en-US" smtClean="0"/>
-              <a:t>9/11/19</a:t>
+              <a:t>9/13/19</a:t>
             </a:fld>
             <a:endParaRPr lang="en-US"/>
           </a:p>
@@ -2959,7 +2959,7 @@
           <a:p>
             <a:fld id="{EEE7C04C-7AF8-1445-A186-502B631B934F}" type="datetimeFigureOut">
               <a:rPr lang="en-US" smtClean="0"/>
-              <a:t>9/11/19</a:t>
+              <a:t>9/13/19</a:t>
             </a:fld>
             <a:endParaRPr lang="en-US"/>
           </a:p>
@@ -3211,7 +3211,7 @@
           <a:p>
             <a:fld id="{EEE7C04C-7AF8-1445-A186-502B631B934F}" type="datetimeFigureOut">
               <a:rPr lang="en-US" smtClean="0"/>
-              <a:t>9/11/19</a:t>
+              <a:t>9/13/19</a:t>
             </a:fld>
             <a:endParaRPr lang="en-US"/>
           </a:p>
@@ -3419,7 +3419,7 @@
           <a:p>
             <a:fld id="{EEE7C04C-7AF8-1445-A186-502B631B934F}" type="datetimeFigureOut">
               <a:rPr lang="en-US" smtClean="0"/>
-              <a:t>9/11/19</a:t>
+              <a:t>9/13/19</a:t>
             </a:fld>
             <a:endParaRPr lang="en-US"/>
           </a:p>
@@ -3837,10 +3837,10 @@
           <p:cNvPr id="10" name="Rectangle 9">
             <a:extLst>
               <a:ext uri="{FF2B5EF4-FFF2-40B4-BE49-F238E27FC236}">
-                <a16:creationId xmlns="" xmlns:a16="http://schemas.microsoft.com/office/drawing/2014/main" id="{E20EB187-900F-4AF5-813B-101456D9FD39}"/>
+                <a16:creationId xmlns:a16="http://schemas.microsoft.com/office/drawing/2014/main" xmlns="" id="{E20EB187-900F-4AF5-813B-101456D9FD39}"/>
               </a:ext>
               <a:ext uri="{C183D7F6-B498-43B3-948B-1728B52AA6E4}">
-                <adec:decorative xmlns="" xmlns:adec="http://schemas.microsoft.com/office/drawing/2017/decorative" val="1"/>
+                <adec:decorative xmlns:adec="http://schemas.microsoft.com/office/drawing/2017/decorative" xmlns="" val="1"/>
               </a:ext>
             </a:extLst>
           </p:cNvPr>
@@ -3984,10 +3984,10 @@
           <p:cNvPr id="12" name="Straight Connector 11">
             <a:extLst>
               <a:ext uri="{FF2B5EF4-FFF2-40B4-BE49-F238E27FC236}">
-                <a16:creationId xmlns="" xmlns:a16="http://schemas.microsoft.com/office/drawing/2014/main" id="{624D17C8-E9C2-48A4-AA36-D7048A6CCC41}"/>
+                <a16:creationId xmlns:a16="http://schemas.microsoft.com/office/drawing/2014/main" xmlns="" id="{624D17C8-E9C2-48A4-AA36-D7048A6CCC41}"/>
               </a:ext>
               <a:ext uri="{C183D7F6-B498-43B3-948B-1728B52AA6E4}">
-                <adec:decorative xmlns="" xmlns:adec="http://schemas.microsoft.com/office/drawing/2017/decorative" val="1"/>
+                <adec:decorative xmlns:adec="http://schemas.microsoft.com/office/drawing/2017/decorative" xmlns="" val="1"/>
               </a:ext>
             </a:extLst>
           </p:cNvPr>
@@ -4600,6 +4600,13 @@
   <p:clrMapOvr>
     <a:masterClrMapping/>
   </p:clrMapOvr>
+  <p:timing>
+    <p:tnLst>
+      <p:par>
+        <p:cTn id="1" dur="indefinite" restart="never" nodeType="tmRoot"/>
+      </p:par>
+    </p:tnLst>
+  </p:timing>
 </p:sld>
 </file>
 
@@ -4963,6 +4970,13 @@
   <p:clrMapOvr>
     <a:masterClrMapping/>
   </p:clrMapOvr>
+  <p:timing>
+    <p:tnLst>
+      <p:par>
+        <p:cTn id="1" dur="indefinite" restart="never" nodeType="tmRoot"/>
+      </p:par>
+    </p:tnLst>
+  </p:timing>
 </p:sld>
 </file>
 
@@ -5516,6 +5530,13 @@
   <p:clrMapOvr>
     <a:masterClrMapping/>
   </p:clrMapOvr>
+  <p:timing>
+    <p:tnLst>
+      <p:par>
+        <p:cTn id="1" dur="indefinite" restart="never" nodeType="tmRoot"/>
+      </p:par>
+    </p:tnLst>
+  </p:timing>
 </p:sld>
 </file>
 
@@ -5719,8 +5740,8 @@
           <a:p>
             <a:pPr algn="r"/>
             <a:r>
-              <a:rPr lang="en-US" dirty="0" err="1" smtClean="0"/>
-              <a:t>DJango</a:t>
+              <a:rPr lang="en-US" smtClean="0"/>
+              <a:t>Django</a:t>
             </a:r>
             <a:endParaRPr lang="en-US" dirty="0"/>
           </a:p>
@@ -7542,6 +7563,13 @@
   <p:clrMapOvr>
     <a:masterClrMapping/>
   </p:clrMapOvr>
+  <p:timing>
+    <p:tnLst>
+      <p:par>
+        <p:cTn id="1" dur="indefinite" restart="never" nodeType="tmRoot"/>
+      </p:par>
+    </p:tnLst>
+  </p:timing>
 </p:sld>
 </file>
 
@@ -7659,6 +7687,13 @@
   <p:clrMapOvr>
     <a:masterClrMapping/>
   </p:clrMapOvr>
+  <p:timing>
+    <p:tnLst>
+      <p:par>
+        <p:cTn id="1" dur="indefinite" restart="never" nodeType="tmRoot"/>
+      </p:par>
+    </p:tnLst>
+  </p:timing>
 </p:sld>
 </file>
 
@@ -8407,6 +8442,13 @@
   <p:clrMapOvr>
     <a:masterClrMapping/>
   </p:clrMapOvr>
+  <p:timing>
+    <p:tnLst>
+      <p:par>
+        <p:cTn id="1" dur="indefinite" restart="never" nodeType="tmRoot"/>
+      </p:par>
+    </p:tnLst>
+  </p:timing>
 </p:sld>
 </file>
 
@@ -11127,6 +11169,13 @@
   <p:clrMapOvr>
     <a:masterClrMapping/>
   </p:clrMapOvr>
+  <p:timing>
+    <p:tnLst>
+      <p:par>
+        <p:cTn id="1" dur="indefinite" restart="never" nodeType="tmRoot"/>
+      </p:par>
+    </p:tnLst>
+  </p:timing>
 </p:sld>
 </file>
 
@@ -11956,6 +12005,13 @@
   <p:clrMapOvr>
     <a:masterClrMapping/>
   </p:clrMapOvr>
+  <p:timing>
+    <p:tnLst>
+      <p:par>
+        <p:cTn id="1" dur="indefinite" restart="never" nodeType="tmRoot"/>
+      </p:par>
+    </p:tnLst>
+  </p:timing>
 </p:sld>
 </file>
 
@@ -12843,6 +12899,13 @@
   <p:clrMapOvr>
     <a:masterClrMapping/>
   </p:clrMapOvr>
+  <p:timing>
+    <p:tnLst>
+      <p:par>
+        <p:cTn id="1" dur="indefinite" restart="never" nodeType="tmRoot"/>
+      </p:par>
+    </p:tnLst>
+  </p:timing>
 </p:sld>
 </file>
 
@@ -13427,6 +13490,13 @@
   <p:clrMapOvr>
     <a:masterClrMapping/>
   </p:clrMapOvr>
+  <p:timing>
+    <p:tnLst>
+      <p:par>
+        <p:cTn id="1" dur="indefinite" restart="never" nodeType="tmRoot"/>
+      </p:par>
+    </p:tnLst>
+  </p:timing>
 </p:sld>
 </file>
 
@@ -13960,6 +14030,13 @@
   <p:clrMapOvr>
     <a:masterClrMapping/>
   </p:clrMapOvr>
+  <p:timing>
+    <p:tnLst>
+      <p:par>
+        <p:cTn id="1" dur="indefinite" restart="never" nodeType="tmRoot"/>
+      </p:par>
+    </p:tnLst>
+  </p:timing>
 </p:sld>
 </file>
 

--- a/lectures/DJ-02-Model-Single.pptx
+++ b/lectures/DJ-02-Model-Single.pptx
@@ -3837,10 +3837,10 @@
           <p:cNvPr id="10" name="Rectangle 9">
             <a:extLst>
               <a:ext uri="{FF2B5EF4-FFF2-40B4-BE49-F238E27FC236}">
-                <a16:creationId xmlns:a16="http://schemas.microsoft.com/office/drawing/2014/main" xmlns="" id="{E20EB187-900F-4AF5-813B-101456D9FD39}"/>
+                <a16:creationId xmlns="" xmlns:a16="http://schemas.microsoft.com/office/drawing/2014/main" id="{E20EB187-900F-4AF5-813B-101456D9FD39}"/>
               </a:ext>
               <a:ext uri="{C183D7F6-B498-43B3-948B-1728B52AA6E4}">
-                <adec:decorative xmlns:adec="http://schemas.microsoft.com/office/drawing/2017/decorative" xmlns="" val="1"/>
+                <adec:decorative xmlns="" xmlns:adec="http://schemas.microsoft.com/office/drawing/2017/decorative" val="1"/>
               </a:ext>
             </a:extLst>
           </p:cNvPr>
@@ -3984,10 +3984,10 @@
           <p:cNvPr id="12" name="Straight Connector 11">
             <a:extLst>
               <a:ext uri="{FF2B5EF4-FFF2-40B4-BE49-F238E27FC236}">
-                <a16:creationId xmlns:a16="http://schemas.microsoft.com/office/drawing/2014/main" xmlns="" id="{624D17C8-E9C2-48A4-AA36-D7048A6CCC41}"/>
+                <a16:creationId xmlns="" xmlns:a16="http://schemas.microsoft.com/office/drawing/2014/main" id="{624D17C8-E9C2-48A4-AA36-D7048A6CCC41}"/>
               </a:ext>
               <a:ext uri="{C183D7F6-B498-43B3-948B-1728B52AA6E4}">
-                <adec:decorative xmlns:adec="http://schemas.microsoft.com/office/drawing/2017/decorative" xmlns="" val="1"/>
+                <adec:decorative xmlns="" xmlns:adec="http://schemas.microsoft.com/office/drawing/2017/decorative" val="1"/>
               </a:ext>
             </a:extLst>
           </p:cNvPr>
@@ -13548,7 +13548,7 @@
         </p:nvSpPr>
         <p:spPr>
           <a:xfrm>
-            <a:off x="206957" y="5041897"/>
+            <a:off x="206957" y="5284784"/>
             <a:ext cx="11799224" cy="552373"/>
           </a:xfrm>
           <a:prstGeom prst="rect">
@@ -13702,8 +13702,8 @@
         </p:nvSpPr>
         <p:spPr>
           <a:xfrm>
-            <a:off x="2771775" y="1877574"/>
-            <a:ext cx="7629012" cy="2585323"/>
+            <a:off x="2800350" y="1348937"/>
+            <a:ext cx="7629012" cy="3693319"/>
           </a:xfrm>
           <a:prstGeom prst="rect">
             <a:avLst/>
@@ -13717,12 +13717,116 @@
           <a:lstStyle/>
           <a:p>
             <a:r>
+              <a:rPr lang="en-US" dirty="0" smtClean="0">
+                <a:latin typeface="Courier" charset="0"/>
+                <a:ea typeface="Courier" charset="0"/>
+                <a:cs typeface="Courier" charset="0"/>
+              </a:rPr>
+              <a:t>$ </a:t>
+            </a:r>
+            <a:r>
+              <a:rPr lang="en-US" dirty="0" smtClean="0">
+                <a:solidFill>
+                  <a:srgbClr val="FFFF00"/>
+                </a:solidFill>
+                <a:latin typeface="Courier" charset="0"/>
+                <a:ea typeface="Courier" charset="0"/>
+                <a:cs typeface="Courier" charset="0"/>
+              </a:rPr>
+              <a:t>cd ~/dj4e-samples</a:t>
+            </a:r>
+            <a:endParaRPr lang="en-US" dirty="0" smtClean="0">
+              <a:latin typeface="Courier" charset="0"/>
+              <a:ea typeface="Courier" charset="0"/>
+              <a:cs typeface="Courier" charset="0"/>
+            </a:endParaRPr>
+          </a:p>
+          <a:p>
+            <a:r>
+              <a:rPr lang="en-US" dirty="0" smtClean="0">
+                <a:latin typeface="Courier" charset="0"/>
+                <a:ea typeface="Courier" charset="0"/>
+                <a:cs typeface="Courier" charset="0"/>
+              </a:rPr>
+              <a:t>$ </a:t>
+            </a:r>
+            <a:r>
+              <a:rPr lang="en-US" dirty="0" smtClean="0">
+                <a:solidFill>
+                  <a:srgbClr val="FFFF00"/>
+                </a:solidFill>
+                <a:latin typeface="Courier" charset="0"/>
+                <a:ea typeface="Courier" charset="0"/>
+                <a:cs typeface="Courier" charset="0"/>
+              </a:rPr>
+              <a:t>python3 </a:t>
+            </a:r>
+            <a:r>
+              <a:rPr lang="en-US" dirty="0" err="1" smtClean="0">
+                <a:solidFill>
+                  <a:srgbClr val="FFFF00"/>
+                </a:solidFill>
+                <a:latin typeface="Courier" charset="0"/>
+                <a:ea typeface="Courier" charset="0"/>
+                <a:cs typeface="Courier" charset="0"/>
+              </a:rPr>
+              <a:t>manage.py</a:t>
+            </a:r>
+            <a:r>
+              <a:rPr lang="en-US" dirty="0" smtClean="0">
+                <a:solidFill>
+                  <a:srgbClr val="FFFF00"/>
+                </a:solidFill>
+                <a:latin typeface="Courier" charset="0"/>
+                <a:ea typeface="Courier" charset="0"/>
+                <a:cs typeface="Courier" charset="0"/>
+              </a:rPr>
+              <a:t> </a:t>
+            </a:r>
+            <a:r>
+              <a:rPr lang="en-US" dirty="0" err="1" smtClean="0">
+                <a:solidFill>
+                  <a:srgbClr val="FFFF00"/>
+                </a:solidFill>
+                <a:latin typeface="Courier" charset="0"/>
+                <a:ea typeface="Courier" charset="0"/>
+                <a:cs typeface="Courier" charset="0"/>
+              </a:rPr>
+              <a:t>makemigrations</a:t>
+            </a:r>
+            <a:r>
+              <a:rPr lang="en-US" dirty="0" smtClean="0">
+                <a:solidFill>
+                  <a:srgbClr val="FFFF00"/>
+                </a:solidFill>
+                <a:latin typeface="Courier" charset="0"/>
+                <a:ea typeface="Courier" charset="0"/>
+                <a:cs typeface="Courier" charset="0"/>
+              </a:rPr>
+              <a:t>     # if needed</a:t>
+            </a:r>
+            <a:r>
               <a:rPr lang="en-US" dirty="0">
                 <a:latin typeface="Courier" charset="0"/>
                 <a:ea typeface="Courier" charset="0"/>
                 <a:cs typeface="Courier" charset="0"/>
               </a:rPr>
-              <a:t>    $ </a:t>
+              <a:t>  </a:t>
+            </a:r>
+            <a:endParaRPr lang="en-US" dirty="0" smtClean="0">
+              <a:latin typeface="Courier" charset="0"/>
+              <a:ea typeface="Courier" charset="0"/>
+              <a:cs typeface="Courier" charset="0"/>
+            </a:endParaRPr>
+          </a:p>
+          <a:p>
+            <a:r>
+              <a:rPr lang="en-US" dirty="0" smtClean="0">
+                <a:latin typeface="Courier" charset="0"/>
+                <a:ea typeface="Courier" charset="0"/>
+                <a:cs typeface="Courier" charset="0"/>
+              </a:rPr>
+              <a:t>$ </a:t>
             </a:r>
             <a:r>
               <a:rPr lang="en-US" dirty="0">
@@ -13755,17 +13859,130 @@
                 <a:ea typeface="Courier" charset="0"/>
                 <a:cs typeface="Courier" charset="0"/>
               </a:rPr>
+              <a:t> </a:t>
+            </a:r>
+            <a:r>
+              <a:rPr lang="en-US" dirty="0" smtClean="0">
+                <a:solidFill>
+                  <a:srgbClr val="FFFF00"/>
+                </a:solidFill>
+                <a:latin typeface="Courier" charset="0"/>
+                <a:ea typeface="Courier" charset="0"/>
+                <a:cs typeface="Courier" charset="0"/>
+              </a:rPr>
+              <a:t>migrate            </a:t>
+            </a:r>
+            <a:r>
+              <a:rPr lang="en-US" dirty="0">
+                <a:solidFill>
+                  <a:srgbClr val="FFFF00"/>
+                </a:solidFill>
+                <a:latin typeface="Courier" charset="0"/>
+                <a:ea typeface="Courier" charset="0"/>
+                <a:cs typeface="Courier" charset="0"/>
+              </a:rPr>
+              <a:t># if </a:t>
+            </a:r>
+            <a:r>
+              <a:rPr lang="en-US" dirty="0" smtClean="0">
+                <a:solidFill>
+                  <a:srgbClr val="FFFF00"/>
+                </a:solidFill>
+                <a:latin typeface="Courier" charset="0"/>
+                <a:ea typeface="Courier" charset="0"/>
+                <a:cs typeface="Courier" charset="0"/>
+              </a:rPr>
+              <a:t>needed</a:t>
+            </a:r>
+          </a:p>
+          <a:p>
+            <a:r>
+              <a:rPr lang="en-US" dirty="0">
+                <a:latin typeface="Courier" charset="0"/>
+                <a:ea typeface="Courier" charset="0"/>
+                <a:cs typeface="Courier" charset="0"/>
+              </a:rPr>
+              <a:t>  </a:t>
+            </a:r>
+            <a:endParaRPr lang="en-US" dirty="0" smtClean="0">
+              <a:latin typeface="Courier" charset="0"/>
+              <a:ea typeface="Courier" charset="0"/>
+              <a:cs typeface="Courier" charset="0"/>
+            </a:endParaRPr>
+          </a:p>
+          <a:p>
+            <a:r>
+              <a:rPr lang="en-US" dirty="0" smtClean="0">
+                <a:latin typeface="Courier" charset="0"/>
+                <a:ea typeface="Courier" charset="0"/>
+                <a:cs typeface="Courier" charset="0"/>
+              </a:rPr>
+              <a:t>$ </a:t>
+            </a:r>
+            <a:r>
+              <a:rPr lang="en-US" dirty="0">
+                <a:solidFill>
+                  <a:srgbClr val="FFFF00"/>
+                </a:solidFill>
+                <a:latin typeface="Courier" charset="0"/>
+                <a:ea typeface="Courier" charset="0"/>
+                <a:cs typeface="Courier" charset="0"/>
+              </a:rPr>
+              <a:t>python3 </a:t>
+            </a:r>
+            <a:r>
+              <a:rPr lang="en-US" dirty="0" err="1">
+                <a:solidFill>
+                  <a:srgbClr val="FFFF00"/>
+                </a:solidFill>
+                <a:latin typeface="Courier" charset="0"/>
+                <a:ea typeface="Courier" charset="0"/>
+                <a:cs typeface="Courier" charset="0"/>
+              </a:rPr>
+              <a:t>manage.py</a:t>
+            </a:r>
+            <a:r>
+              <a:rPr lang="en-US" dirty="0">
+                <a:solidFill>
+                  <a:srgbClr val="FFFF00"/>
+                </a:solidFill>
+                <a:latin typeface="Courier" charset="0"/>
+                <a:ea typeface="Courier" charset="0"/>
+                <a:cs typeface="Courier" charset="0"/>
+              </a:rPr>
               <a:t> shell</a:t>
             </a:r>
           </a:p>
           <a:p>
             <a:r>
+              <a:rPr lang="en-US" dirty="0" smtClean="0">
+                <a:latin typeface="Courier" charset="0"/>
+                <a:ea typeface="Courier" charset="0"/>
+                <a:cs typeface="Courier" charset="0"/>
+              </a:rPr>
+              <a:t>&gt;&gt;&gt; </a:t>
+            </a:r>
+            <a:r>
               <a:rPr lang="en-US" dirty="0">
-                <a:latin typeface="Courier" charset="0"/>
-                <a:ea typeface="Courier" charset="0"/>
-                <a:cs typeface="Courier" charset="0"/>
-              </a:rPr>
-              <a:t>    &gt;&gt;&gt; </a:t>
+                <a:solidFill>
+                  <a:srgbClr val="FFFF00"/>
+                </a:solidFill>
+                <a:latin typeface="Courier" charset="0"/>
+                <a:ea typeface="Courier" charset="0"/>
+                <a:cs typeface="Courier" charset="0"/>
+              </a:rPr>
+              <a:t>from </a:t>
+            </a:r>
+            <a:r>
+              <a:rPr lang="en-US" dirty="0" err="1">
+                <a:solidFill>
+                  <a:srgbClr val="FFFF00"/>
+                </a:solidFill>
+                <a:latin typeface="Courier" charset="0"/>
+                <a:ea typeface="Courier" charset="0"/>
+                <a:cs typeface="Courier" charset="0"/>
+              </a:rPr>
+              <a:t>usermodel.models</a:t>
             </a:r>
             <a:r>
               <a:rPr lang="en-US" dirty="0">
@@ -13776,7 +13993,28 @@
                 <a:ea typeface="Courier" charset="0"/>
                 <a:cs typeface="Courier" charset="0"/>
               </a:rPr>
-              <a:t>from </a:t>
+              <a:t> import User</a:t>
+            </a:r>
+          </a:p>
+          <a:p>
+            <a:r>
+              <a:rPr lang="en-US" dirty="0" smtClean="0">
+                <a:latin typeface="Courier" charset="0"/>
+                <a:ea typeface="Courier" charset="0"/>
+                <a:cs typeface="Courier" charset="0"/>
+              </a:rPr>
+              <a:t>&gt;&gt;&gt; </a:t>
+            </a:r>
+            <a:r>
+              <a:rPr lang="en-US" dirty="0">
+                <a:solidFill>
+                  <a:srgbClr val="FFFF00"/>
+                </a:solidFill>
+                <a:latin typeface="Courier" charset="0"/>
+                <a:ea typeface="Courier" charset="0"/>
+                <a:cs typeface="Courier" charset="0"/>
+              </a:rPr>
+              <a:t>u = User(name='Kristen', email='</a:t>
             </a:r>
             <a:r>
               <a:rPr lang="en-US" dirty="0" err="1">
@@ -13787,7 +14025,7 @@
                 <a:ea typeface="Courier" charset="0"/>
                 <a:cs typeface="Courier" charset="0"/>
               </a:rPr>
-              <a:t>usermodel.models</a:t>
+              <a:t>kf@umich.edu</a:t>
             </a:r>
             <a:r>
               <a:rPr lang="en-US" dirty="0">
@@ -13798,17 +14036,49 @@
                 <a:ea typeface="Courier" charset="0"/>
                 <a:cs typeface="Courier" charset="0"/>
               </a:rPr>
-              <a:t> import User</a:t>
-            </a:r>
-          </a:p>
-          <a:p>
+              <a:t>')</a:t>
+            </a:r>
+          </a:p>
+          <a:p>
+            <a:r>
+              <a:rPr lang="en-US" dirty="0" smtClean="0">
+                <a:latin typeface="Courier" charset="0"/>
+                <a:ea typeface="Courier" charset="0"/>
+                <a:cs typeface="Courier" charset="0"/>
+              </a:rPr>
+              <a:t>&gt;&gt;&gt; </a:t>
+            </a:r>
+            <a:r>
+              <a:rPr lang="en-US" dirty="0" err="1">
+                <a:solidFill>
+                  <a:srgbClr val="FFFF00"/>
+                </a:solidFill>
+                <a:latin typeface="Courier" charset="0"/>
+                <a:ea typeface="Courier" charset="0"/>
+                <a:cs typeface="Courier" charset="0"/>
+              </a:rPr>
+              <a:t>u.save</a:t>
+            </a:r>
             <a:r>
               <a:rPr lang="en-US" dirty="0">
-                <a:latin typeface="Courier" charset="0"/>
-                <a:ea typeface="Courier" charset="0"/>
-                <a:cs typeface="Courier" charset="0"/>
-              </a:rPr>
-              <a:t>    &gt;&gt;&gt; </a:t>
+                <a:solidFill>
+                  <a:srgbClr val="FFFF00"/>
+                </a:solidFill>
+                <a:latin typeface="Courier" charset="0"/>
+                <a:ea typeface="Courier" charset="0"/>
+                <a:cs typeface="Courier" charset="0"/>
+              </a:rPr>
+              <a:t>()</a:t>
+            </a:r>
+          </a:p>
+          <a:p>
+            <a:r>
+              <a:rPr lang="en-US" dirty="0" smtClean="0">
+                <a:latin typeface="Courier" charset="0"/>
+                <a:ea typeface="Courier" charset="0"/>
+                <a:cs typeface="Courier" charset="0"/>
+              </a:rPr>
+              <a:t>&gt;&gt;&gt; </a:t>
             </a:r>
             <a:r>
               <a:rPr lang="en-US" dirty="0">
@@ -13819,7 +14089,7 @@
                 <a:ea typeface="Courier" charset="0"/>
                 <a:cs typeface="Courier" charset="0"/>
               </a:rPr>
-              <a:t>u = User(name='Kristen', email='</a:t>
+              <a:t>print(</a:t>
             </a:r>
             <a:r>
               <a:rPr lang="en-US" dirty="0" err="1">
@@ -13830,7 +14100,7 @@
                 <a:ea typeface="Courier" charset="0"/>
                 <a:cs typeface="Courier" charset="0"/>
               </a:rPr>
-              <a:t>kf@umich.edu</a:t>
+              <a:t>u.id</a:t>
             </a:r>
             <a:r>
               <a:rPr lang="en-US" dirty="0">
@@ -13841,153 +14111,17 @@
                 <a:ea typeface="Courier" charset="0"/>
                 <a:cs typeface="Courier" charset="0"/>
               </a:rPr>
-              <a:t>')</a:t>
-            </a:r>
-          </a:p>
-          <a:p>
-            <a:r>
-              <a:rPr lang="en-US" dirty="0">
-                <a:latin typeface="Courier" charset="0"/>
-                <a:ea typeface="Courier" charset="0"/>
-                <a:cs typeface="Courier" charset="0"/>
-              </a:rPr>
-              <a:t>    &gt;&gt;&gt; </a:t>
-            </a:r>
-            <a:r>
-              <a:rPr lang="en-US" dirty="0" err="1">
-                <a:solidFill>
-                  <a:srgbClr val="FFFF00"/>
-                </a:solidFill>
-                <a:latin typeface="Courier" charset="0"/>
-                <a:ea typeface="Courier" charset="0"/>
-                <a:cs typeface="Courier" charset="0"/>
-              </a:rPr>
-              <a:t>u.save</a:t>
-            </a:r>
-            <a:r>
-              <a:rPr lang="en-US" dirty="0">
-                <a:solidFill>
-                  <a:srgbClr val="FFFF00"/>
-                </a:solidFill>
-                <a:latin typeface="Courier" charset="0"/>
-                <a:ea typeface="Courier" charset="0"/>
-                <a:cs typeface="Courier" charset="0"/>
-              </a:rPr>
-              <a:t>()</a:t>
-            </a:r>
-          </a:p>
-          <a:p>
-            <a:r>
-              <a:rPr lang="en-US" dirty="0">
-                <a:latin typeface="Courier" charset="0"/>
-                <a:ea typeface="Courier" charset="0"/>
-                <a:cs typeface="Courier" charset="0"/>
-              </a:rPr>
-              <a:t>    &gt;&gt;&gt; </a:t>
-            </a:r>
-            <a:r>
-              <a:rPr lang="en-US" dirty="0">
-                <a:solidFill>
-                  <a:srgbClr val="FFFF00"/>
-                </a:solidFill>
-                <a:latin typeface="Courier" charset="0"/>
-                <a:ea typeface="Courier" charset="0"/>
-                <a:cs typeface="Courier" charset="0"/>
-              </a:rPr>
-              <a:t>print(</a:t>
-            </a:r>
-            <a:r>
-              <a:rPr lang="en-US" dirty="0" err="1">
-                <a:solidFill>
-                  <a:srgbClr val="FFFF00"/>
-                </a:solidFill>
-                <a:latin typeface="Courier" charset="0"/>
-                <a:ea typeface="Courier" charset="0"/>
-                <a:cs typeface="Courier" charset="0"/>
-              </a:rPr>
-              <a:t>u.id</a:t>
-            </a:r>
-            <a:r>
-              <a:rPr lang="en-US" dirty="0">
-                <a:solidFill>
-                  <a:srgbClr val="FFFF00"/>
-                </a:solidFill>
-                <a:latin typeface="Courier" charset="0"/>
-                <a:ea typeface="Courier" charset="0"/>
-                <a:cs typeface="Courier" charset="0"/>
-              </a:rPr>
               <a:t>)</a:t>
             </a:r>
           </a:p>
           <a:p>
             <a:r>
-              <a:rPr lang="en-US" dirty="0">
-                <a:latin typeface="Courier" charset="0"/>
-                <a:ea typeface="Courier" charset="0"/>
-                <a:cs typeface="Courier" charset="0"/>
-              </a:rPr>
-              <a:t>    1</a:t>
-            </a:r>
-          </a:p>
-          <a:p>
-            <a:r>
-              <a:rPr lang="en-US" dirty="0">
-                <a:latin typeface="Courier" charset="0"/>
-                <a:ea typeface="Courier" charset="0"/>
-                <a:cs typeface="Courier" charset="0"/>
-              </a:rPr>
-              <a:t>    &gt;&gt;&gt; </a:t>
-            </a:r>
-            <a:r>
-              <a:rPr lang="en-US" dirty="0">
-                <a:solidFill>
-                  <a:srgbClr val="FFFF00"/>
-                </a:solidFill>
-                <a:latin typeface="Courier" charset="0"/>
-                <a:ea typeface="Courier" charset="0"/>
-                <a:cs typeface="Courier" charset="0"/>
-              </a:rPr>
-              <a:t>print(</a:t>
-            </a:r>
-            <a:r>
-              <a:rPr lang="en-US" dirty="0" err="1">
-                <a:solidFill>
-                  <a:srgbClr val="FFFF00"/>
-                </a:solidFill>
-                <a:latin typeface="Courier" charset="0"/>
-                <a:ea typeface="Courier" charset="0"/>
-                <a:cs typeface="Courier" charset="0"/>
-              </a:rPr>
-              <a:t>u.email</a:t>
-            </a:r>
-            <a:r>
-              <a:rPr lang="en-US" dirty="0">
-                <a:solidFill>
-                  <a:srgbClr val="FFFF00"/>
-                </a:solidFill>
-                <a:latin typeface="Courier" charset="0"/>
-                <a:ea typeface="Courier" charset="0"/>
-                <a:cs typeface="Courier" charset="0"/>
-              </a:rPr>
-              <a:t>)</a:t>
-            </a:r>
-          </a:p>
-          <a:p>
-            <a:r>
-              <a:rPr lang="en-US" dirty="0">
-                <a:latin typeface="Courier" charset="0"/>
-                <a:ea typeface="Courier" charset="0"/>
-                <a:cs typeface="Courier" charset="0"/>
-              </a:rPr>
-              <a:t>    </a:t>
-            </a:r>
-            <a:r>
-              <a:rPr lang="en-US" dirty="0" err="1">
-                <a:latin typeface="Courier" charset="0"/>
-                <a:ea typeface="Courier" charset="0"/>
-                <a:cs typeface="Courier" charset="0"/>
-              </a:rPr>
-              <a:t>kf@umich.edu</a:t>
+              <a:rPr lang="en-US" dirty="0" smtClean="0">
+                <a:latin typeface="Courier" charset="0"/>
+                <a:ea typeface="Courier" charset="0"/>
+                <a:cs typeface="Courier" charset="0"/>
+              </a:rPr>
+              <a:t>1</a:t>
             </a:r>
             <a:endParaRPr lang="en-US" dirty="0">
               <a:latin typeface="Courier" charset="0"/>
@@ -13997,13 +14131,63 @@
           </a:p>
           <a:p>
             <a:r>
+              <a:rPr lang="en-US" dirty="0" smtClean="0">
+                <a:latin typeface="Courier" charset="0"/>
+                <a:ea typeface="Courier" charset="0"/>
+                <a:cs typeface="Courier" charset="0"/>
+              </a:rPr>
+              <a:t>&gt;&gt;&gt; </a:t>
+            </a:r>
+            <a:r>
               <a:rPr lang="en-US" dirty="0">
-                <a:latin typeface="Courier" charset="0"/>
-                <a:ea typeface="Courier" charset="0"/>
-                <a:cs typeface="Courier" charset="0"/>
-              </a:rPr>
-              <a:t>    </a:t>
-            </a:r>
+                <a:solidFill>
+                  <a:srgbClr val="FFFF00"/>
+                </a:solidFill>
+                <a:latin typeface="Courier" charset="0"/>
+                <a:ea typeface="Courier" charset="0"/>
+                <a:cs typeface="Courier" charset="0"/>
+              </a:rPr>
+              <a:t>print(</a:t>
+            </a:r>
+            <a:r>
+              <a:rPr lang="en-US" dirty="0" err="1">
+                <a:solidFill>
+                  <a:srgbClr val="FFFF00"/>
+                </a:solidFill>
+                <a:latin typeface="Courier" charset="0"/>
+                <a:ea typeface="Courier" charset="0"/>
+                <a:cs typeface="Courier" charset="0"/>
+              </a:rPr>
+              <a:t>u.email</a:t>
+            </a:r>
+            <a:r>
+              <a:rPr lang="en-US" dirty="0">
+                <a:solidFill>
+                  <a:srgbClr val="FFFF00"/>
+                </a:solidFill>
+                <a:latin typeface="Courier" charset="0"/>
+                <a:ea typeface="Courier" charset="0"/>
+                <a:cs typeface="Courier" charset="0"/>
+              </a:rPr>
+              <a:t>)</a:t>
+            </a:r>
+          </a:p>
+          <a:p>
+            <a:r>
+              <a:rPr lang="en-US" dirty="0" err="1" smtClean="0">
+                <a:latin typeface="Courier" charset="0"/>
+                <a:ea typeface="Courier" charset="0"/>
+                <a:cs typeface="Courier" charset="0"/>
+              </a:rPr>
+              <a:t>kf@umich.edu</a:t>
+            </a:r>
+            <a:endParaRPr lang="en-US" dirty="0">
+              <a:latin typeface="Courier" charset="0"/>
+              <a:ea typeface="Courier" charset="0"/>
+              <a:cs typeface="Courier" charset="0"/>
+            </a:endParaRPr>
+          </a:p>
+          <a:p>
             <a:r>
               <a:rPr lang="en-US" dirty="0" smtClean="0">
                 <a:latin typeface="Courier" charset="0"/>

--- a/lectures/DJ-02-Model-Single.pptx
+++ b/lectures/DJ-02-Model-Single.pptx
@@ -3837,10 +3837,10 @@
           <p:cNvPr id="10" name="Rectangle 9">
             <a:extLst>
               <a:ext uri="{FF2B5EF4-FFF2-40B4-BE49-F238E27FC236}">
-                <a16:creationId xmlns="" xmlns:a16="http://schemas.microsoft.com/office/drawing/2014/main" id="{E20EB187-900F-4AF5-813B-101456D9FD39}"/>
+                <a16:creationId xmlns:a16="http://schemas.microsoft.com/office/drawing/2014/main" xmlns="" id="{E20EB187-900F-4AF5-813B-101456D9FD39}"/>
               </a:ext>
               <a:ext uri="{C183D7F6-B498-43B3-948B-1728B52AA6E4}">
-                <adec:decorative xmlns="" xmlns:adec="http://schemas.microsoft.com/office/drawing/2017/decorative" val="1"/>
+                <adec:decorative xmlns:adec="http://schemas.microsoft.com/office/drawing/2017/decorative" xmlns="" val="1"/>
               </a:ext>
             </a:extLst>
           </p:cNvPr>
@@ -3984,10 +3984,10 @@
           <p:cNvPr id="12" name="Straight Connector 11">
             <a:extLst>
               <a:ext uri="{FF2B5EF4-FFF2-40B4-BE49-F238E27FC236}">
-                <a16:creationId xmlns="" xmlns:a16="http://schemas.microsoft.com/office/drawing/2014/main" id="{624D17C8-E9C2-48A4-AA36-D7048A6CCC41}"/>
+                <a16:creationId xmlns:a16="http://schemas.microsoft.com/office/drawing/2014/main" xmlns="" id="{624D17C8-E9C2-48A4-AA36-D7048A6CCC41}"/>
               </a:ext>
               <a:ext uri="{C183D7F6-B498-43B3-948B-1728B52AA6E4}">
-                <adec:decorative xmlns="" xmlns:adec="http://schemas.microsoft.com/office/drawing/2017/decorative" val="1"/>
+                <adec:decorative xmlns:adec="http://schemas.microsoft.com/office/drawing/2017/decorative" xmlns="" val="1"/>
               </a:ext>
             </a:extLst>
           </p:cNvPr>
@@ -12076,8 +12076,8 @@
         </p:nvSpPr>
         <p:spPr>
           <a:xfrm>
-            <a:off x="6106569" y="657226"/>
-            <a:ext cx="5698996" cy="3139321"/>
+            <a:off x="6106569" y="842969"/>
+            <a:ext cx="5698996" cy="3416320"/>
           </a:xfrm>
           <a:prstGeom prst="rect">
             <a:avLst/>
@@ -12092,6 +12092,43 @@
           <a:p>
             <a:r>
               <a:rPr lang="en-US" dirty="0">
+                <a:latin typeface="Courier" charset="0"/>
+                <a:ea typeface="Courier" charset="0"/>
+                <a:cs typeface="Courier" charset="0"/>
+              </a:rPr>
+              <a:t>$ </a:t>
+            </a:r>
+            <a:r>
+              <a:rPr lang="en-US" dirty="0">
+                <a:solidFill>
+                  <a:srgbClr val="FFFF00"/>
+                </a:solidFill>
+                <a:latin typeface="Courier" charset="0"/>
+                <a:ea typeface="Courier" charset="0"/>
+                <a:cs typeface="Courier" charset="0"/>
+              </a:rPr>
+              <a:t>cd ~/</a:t>
+            </a:r>
+            <a:r>
+              <a:rPr lang="en-US" dirty="0" smtClean="0">
+                <a:solidFill>
+                  <a:srgbClr val="FFFF00"/>
+                </a:solidFill>
+                <a:latin typeface="Courier" charset="0"/>
+                <a:ea typeface="Courier" charset="0"/>
+                <a:cs typeface="Courier" charset="0"/>
+              </a:rPr>
+              <a:t>dj4e-samples</a:t>
+            </a:r>
+            <a:endParaRPr lang="en-US" dirty="0" smtClean="0">
+              <a:latin typeface="Courier" charset="0"/>
+              <a:ea typeface="Courier" charset="0"/>
+              <a:cs typeface="Courier" charset="0"/>
+            </a:endParaRPr>
+          </a:p>
+          <a:p>
+            <a:r>
+              <a:rPr lang="en-US" dirty="0" smtClean="0">
                 <a:latin typeface="Courier" charset="0"/>
                 <a:ea typeface="Courier" charset="0"/>
                 <a:cs typeface="Courier" charset="0"/>
@@ -13703,7 +13740,7 @@
         <p:spPr>
           <a:xfrm>
             <a:off x="2800350" y="1348937"/>
-            <a:ext cx="7629012" cy="3693319"/>
+            <a:ext cx="7077579" cy="2862322"/>
           </a:xfrm>
           <a:prstGeom prst="rect">
             <a:avLst/>
@@ -13734,175 +13771,6 @@
                 <a:cs typeface="Courier" charset="0"/>
               </a:rPr>
               <a:t>cd ~/dj4e-samples</a:t>
-            </a:r>
-            <a:endParaRPr lang="en-US" dirty="0" smtClean="0">
-              <a:latin typeface="Courier" charset="0"/>
-              <a:ea typeface="Courier" charset="0"/>
-              <a:cs typeface="Courier" charset="0"/>
-            </a:endParaRPr>
-          </a:p>
-          <a:p>
-            <a:r>
-              <a:rPr lang="en-US" dirty="0" smtClean="0">
-                <a:latin typeface="Courier" charset="0"/>
-                <a:ea typeface="Courier" charset="0"/>
-                <a:cs typeface="Courier" charset="0"/>
-              </a:rPr>
-              <a:t>$ </a:t>
-            </a:r>
-            <a:r>
-              <a:rPr lang="en-US" dirty="0" smtClean="0">
-                <a:solidFill>
-                  <a:srgbClr val="FFFF00"/>
-                </a:solidFill>
-                <a:latin typeface="Courier" charset="0"/>
-                <a:ea typeface="Courier" charset="0"/>
-                <a:cs typeface="Courier" charset="0"/>
-              </a:rPr>
-              <a:t>python3 </a:t>
-            </a:r>
-            <a:r>
-              <a:rPr lang="en-US" dirty="0" err="1" smtClean="0">
-                <a:solidFill>
-                  <a:srgbClr val="FFFF00"/>
-                </a:solidFill>
-                <a:latin typeface="Courier" charset="0"/>
-                <a:ea typeface="Courier" charset="0"/>
-                <a:cs typeface="Courier" charset="0"/>
-              </a:rPr>
-              <a:t>manage.py</a:t>
-            </a:r>
-            <a:r>
-              <a:rPr lang="en-US" dirty="0" smtClean="0">
-                <a:solidFill>
-                  <a:srgbClr val="FFFF00"/>
-                </a:solidFill>
-                <a:latin typeface="Courier" charset="0"/>
-                <a:ea typeface="Courier" charset="0"/>
-                <a:cs typeface="Courier" charset="0"/>
-              </a:rPr>
-              <a:t> </a:t>
-            </a:r>
-            <a:r>
-              <a:rPr lang="en-US" dirty="0" err="1" smtClean="0">
-                <a:solidFill>
-                  <a:srgbClr val="FFFF00"/>
-                </a:solidFill>
-                <a:latin typeface="Courier" charset="0"/>
-                <a:ea typeface="Courier" charset="0"/>
-                <a:cs typeface="Courier" charset="0"/>
-              </a:rPr>
-              <a:t>makemigrations</a:t>
-            </a:r>
-            <a:r>
-              <a:rPr lang="en-US" dirty="0" smtClean="0">
-                <a:solidFill>
-                  <a:srgbClr val="FFFF00"/>
-                </a:solidFill>
-                <a:latin typeface="Courier" charset="0"/>
-                <a:ea typeface="Courier" charset="0"/>
-                <a:cs typeface="Courier" charset="0"/>
-              </a:rPr>
-              <a:t>     # if needed</a:t>
-            </a:r>
-            <a:r>
-              <a:rPr lang="en-US" dirty="0">
-                <a:latin typeface="Courier" charset="0"/>
-                <a:ea typeface="Courier" charset="0"/>
-                <a:cs typeface="Courier" charset="0"/>
-              </a:rPr>
-              <a:t>  </a:t>
-            </a:r>
-            <a:endParaRPr lang="en-US" dirty="0" smtClean="0">
-              <a:latin typeface="Courier" charset="0"/>
-              <a:ea typeface="Courier" charset="0"/>
-              <a:cs typeface="Courier" charset="0"/>
-            </a:endParaRPr>
-          </a:p>
-          <a:p>
-            <a:r>
-              <a:rPr lang="en-US" dirty="0" smtClean="0">
-                <a:latin typeface="Courier" charset="0"/>
-                <a:ea typeface="Courier" charset="0"/>
-                <a:cs typeface="Courier" charset="0"/>
-              </a:rPr>
-              <a:t>$ </a:t>
-            </a:r>
-            <a:r>
-              <a:rPr lang="en-US" dirty="0">
-                <a:solidFill>
-                  <a:srgbClr val="FFFF00"/>
-                </a:solidFill>
-                <a:latin typeface="Courier" charset="0"/>
-                <a:ea typeface="Courier" charset="0"/>
-                <a:cs typeface="Courier" charset="0"/>
-              </a:rPr>
-              <a:t>python3 </a:t>
-            </a:r>
-            <a:r>
-              <a:rPr lang="en-US" dirty="0" err="1">
-                <a:solidFill>
-                  <a:srgbClr val="FFFF00"/>
-                </a:solidFill>
-                <a:latin typeface="Courier" charset="0"/>
-                <a:ea typeface="Courier" charset="0"/>
-                <a:cs typeface="Courier" charset="0"/>
-              </a:rPr>
-              <a:t>manage.py</a:t>
-            </a:r>
-            <a:r>
-              <a:rPr lang="en-US" dirty="0">
-                <a:solidFill>
-                  <a:srgbClr val="FFFF00"/>
-                </a:solidFill>
-                <a:latin typeface="Courier" charset="0"/>
-                <a:ea typeface="Courier" charset="0"/>
-                <a:cs typeface="Courier" charset="0"/>
-              </a:rPr>
-              <a:t> </a:t>
-            </a:r>
-            <a:r>
-              <a:rPr lang="en-US" dirty="0" smtClean="0">
-                <a:solidFill>
-                  <a:srgbClr val="FFFF00"/>
-                </a:solidFill>
-                <a:latin typeface="Courier" charset="0"/>
-                <a:ea typeface="Courier" charset="0"/>
-                <a:cs typeface="Courier" charset="0"/>
-              </a:rPr>
-              <a:t>migrate            </a:t>
-            </a:r>
-            <a:r>
-              <a:rPr lang="en-US" dirty="0">
-                <a:solidFill>
-                  <a:srgbClr val="FFFF00"/>
-                </a:solidFill>
-                <a:latin typeface="Courier" charset="0"/>
-                <a:ea typeface="Courier" charset="0"/>
-                <a:cs typeface="Courier" charset="0"/>
-              </a:rPr>
-              <a:t># if </a:t>
-            </a:r>
-            <a:r>
-              <a:rPr lang="en-US" dirty="0" smtClean="0">
-                <a:solidFill>
-                  <a:srgbClr val="FFFF00"/>
-                </a:solidFill>
-                <a:latin typeface="Courier" charset="0"/>
-                <a:ea typeface="Courier" charset="0"/>
-                <a:cs typeface="Courier" charset="0"/>
-              </a:rPr>
-              <a:t>needed</a:t>
-            </a:r>
-          </a:p>
-          <a:p>
-            <a:r>
-              <a:rPr lang="en-US" dirty="0">
-                <a:latin typeface="Courier" charset="0"/>
-                <a:ea typeface="Courier" charset="0"/>
-                <a:cs typeface="Courier" charset="0"/>
-              </a:rPr>
-              <a:t>  </a:t>
             </a:r>
             <a:endParaRPr lang="en-US" dirty="0" smtClean="0">
               <a:latin typeface="Courier" charset="0"/>

--- a/lectures/DJ-02-Model-Single.pptx
+++ b/lectures/DJ-02-Model-Single.pptx
@@ -4320,13 +4320,19 @@
               <a:rPr lang="pl-PL" dirty="0">
                 <a:latin typeface="Menlo" charset="0"/>
               </a:rPr>
-              <a:t>': 'INSERT INTO "</a:t>
-            </a:r>
-            <a:r>
-              <a:rPr lang="pl-PL" dirty="0" err="1">
+              <a:t>': 'INSERT INTO </a:t>
+            </a:r>
+            <a:r>
+              <a:rPr lang="pl-PL" dirty="0" smtClean="0">
                 <a:latin typeface="Menlo" charset="0"/>
               </a:rPr>
-              <a:t>usermodel_user</a:t>
+              <a:t>"</a:t>
+            </a:r>
+            <a:r>
+              <a:rPr lang="pl-PL" dirty="0" err="1" smtClean="0">
+                <a:latin typeface="Menlo" charset="0"/>
+              </a:rPr>
+              <a:t>users_user</a:t>
             </a:r>
             <a:r>
               <a:rPr lang="pl-PL" dirty="0">
@@ -5954,6 +5960,11 @@
           <a:prstGeom prst="roundRect">
             <a:avLst/>
           </a:prstGeom>
+          <a:solidFill>
+            <a:schemeClr val="tx1">
+              <a:lumMod val="85000"/>
+            </a:schemeClr>
+          </a:solidFill>
         </p:spPr>
         <p:style>
           <a:lnRef idx="1">
@@ -6395,6 +6406,11 @@
           <a:prstGeom prst="roundRect">
             <a:avLst/>
           </a:prstGeom>
+          <a:solidFill>
+            <a:schemeClr val="tx1">
+              <a:lumMod val="85000"/>
+            </a:schemeClr>
+          </a:solidFill>
         </p:spPr>
         <p:style>
           <a:lnRef idx="1">
@@ -6437,6 +6453,11 @@
           <a:prstGeom prst="roundRect">
             <a:avLst/>
           </a:prstGeom>
+          <a:solidFill>
+            <a:schemeClr val="tx1">
+              <a:lumMod val="85000"/>
+            </a:schemeClr>
+          </a:solidFill>
         </p:spPr>
         <p:style>
           <a:lnRef idx="1">
@@ -6962,6 +6983,11 @@
           <a:prstGeom prst="roundRect">
             <a:avLst/>
           </a:prstGeom>
+          <a:solidFill>
+            <a:schemeClr val="tx1">
+              <a:lumMod val="85000"/>
+            </a:schemeClr>
+          </a:solidFill>
         </p:spPr>
         <p:style>
           <a:lnRef idx="1">
@@ -12076,7 +12102,7 @@
         </p:nvSpPr>
         <p:spPr>
           <a:xfrm>
-            <a:off x="6106569" y="842969"/>
+            <a:off x="6106569" y="515660"/>
             <a:ext cx="5698996" cy="3416320"/>
           </a:xfrm>
           <a:prstGeom prst="rect">
@@ -12203,33 +12229,7 @@
                 <a:ea typeface="Courier" charset="0"/>
                 <a:cs typeface="Courier" charset="0"/>
               </a:rPr>
-              <a:t>for '</a:t>
-            </a:r>
-            <a:r>
-              <a:rPr lang="en-US" dirty="0" err="1">
-                <a:latin typeface="Courier" charset="0"/>
-                <a:ea typeface="Courier" charset="0"/>
-                <a:cs typeface="Courier" charset="0"/>
-              </a:rPr>
-              <a:t>usermodel</a:t>
-            </a:r>
-            <a:r>
-              <a:rPr lang="en-US" dirty="0">
-                <a:latin typeface="Courier" charset="0"/>
-                <a:ea typeface="Courier" charset="0"/>
-                <a:cs typeface="Courier" charset="0"/>
-              </a:rPr>
-              <a:t>':</a:t>
-            </a:r>
-          </a:p>
-          <a:p>
-            <a:r>
-              <a:rPr lang="en-US" dirty="0" err="1" smtClean="0">
-                <a:latin typeface="Courier" charset="0"/>
-                <a:ea typeface="Courier" charset="0"/>
-                <a:cs typeface="Courier" charset="0"/>
-              </a:rPr>
-              <a:t>usermodel</a:t>
+              <a:t>for </a:t>
             </a:r>
             <a:r>
               <a:rPr lang="en-US" dirty="0" smtClean="0">
@@ -12237,7 +12237,7 @@
                 <a:ea typeface="Courier" charset="0"/>
                 <a:cs typeface="Courier" charset="0"/>
               </a:rPr>
-              <a:t>/migrations/0001_initial.py</a:t>
+              <a:t>'users':</a:t>
             </a:r>
             <a:endParaRPr lang="en-US" dirty="0">
               <a:latin typeface="Courier" charset="0"/>
@@ -12247,39 +12247,13 @@
           </a:p>
           <a:p>
             <a:r>
-              <a:rPr lang="en-US" dirty="0">
-                <a:latin typeface="Courier" charset="0"/>
-                <a:ea typeface="Courier" charset="0"/>
-                <a:cs typeface="Courier" charset="0"/>
-              </a:rPr>
-              <a:t>   </a:t>
-            </a:r>
-            <a:r>
               <a:rPr lang="en-US" dirty="0" smtClean="0">
                 <a:latin typeface="Courier" charset="0"/>
                 <a:ea typeface="Courier" charset="0"/>
                 <a:cs typeface="Courier" charset="0"/>
               </a:rPr>
-              <a:t> </a:t>
-            </a:r>
-            <a:r>
-              <a:rPr lang="en-US" dirty="0">
-                <a:latin typeface="Courier" charset="0"/>
-                <a:ea typeface="Courier" charset="0"/>
-                <a:cs typeface="Courier" charset="0"/>
-              </a:rPr>
-              <a:t>- Create model </a:t>
-            </a:r>
-            <a:r>
-              <a:rPr lang="en-US" dirty="0" smtClean="0">
-                <a:latin typeface="Courier" charset="0"/>
-                <a:ea typeface="Courier" charset="0"/>
-                <a:cs typeface="Courier" charset="0"/>
-              </a:rPr>
-              <a:t>User</a:t>
-            </a:r>
-          </a:p>
-          <a:p>
+              <a:t>users/migrations/0001_initial.py</a:t>
+            </a:r>
             <a:endParaRPr lang="en-US" dirty="0">
               <a:latin typeface="Courier" charset="0"/>
               <a:ea typeface="Courier" charset="0"/>
@@ -12288,92 +12262,39 @@
           </a:p>
           <a:p>
             <a:r>
+              <a:rPr lang="en-US" dirty="0">
+                <a:latin typeface="Courier" charset="0"/>
+                <a:ea typeface="Courier" charset="0"/>
+                <a:cs typeface="Courier" charset="0"/>
+              </a:rPr>
+              <a:t>   </a:t>
+            </a:r>
+            <a:r>
               <a:rPr lang="en-US" dirty="0" smtClean="0">
                 <a:latin typeface="Courier" charset="0"/>
                 <a:ea typeface="Courier" charset="0"/>
                 <a:cs typeface="Courier" charset="0"/>
               </a:rPr>
-              <a:t>$ </a:t>
+              <a:t> </a:t>
             </a:r>
             <a:r>
               <a:rPr lang="en-US" dirty="0">
-                <a:solidFill>
-                  <a:srgbClr val="FFFF00"/>
-                </a:solidFill>
-                <a:latin typeface="Courier" charset="0"/>
-                <a:ea typeface="Courier" charset="0"/>
-                <a:cs typeface="Courier" charset="0"/>
-              </a:rPr>
-              <a:t>python3 </a:t>
-            </a:r>
-            <a:r>
-              <a:rPr lang="en-US" dirty="0" err="1">
-                <a:solidFill>
-                  <a:srgbClr val="FFFF00"/>
-                </a:solidFill>
-                <a:latin typeface="Courier" charset="0"/>
-                <a:ea typeface="Courier" charset="0"/>
-                <a:cs typeface="Courier" charset="0"/>
-              </a:rPr>
-              <a:t>manage.py</a:t>
-            </a:r>
-            <a:r>
-              <a:rPr lang="en-US" dirty="0">
-                <a:solidFill>
-                  <a:srgbClr val="FFFF00"/>
-                </a:solidFill>
-                <a:latin typeface="Courier" charset="0"/>
-                <a:ea typeface="Courier" charset="0"/>
-                <a:cs typeface="Courier" charset="0"/>
-              </a:rPr>
-              <a:t> migrate</a:t>
-            </a:r>
-          </a:p>
-          <a:p>
+                <a:latin typeface="Courier" charset="0"/>
+                <a:ea typeface="Courier" charset="0"/>
+                <a:cs typeface="Courier" charset="0"/>
+              </a:rPr>
+              <a:t>- Create model </a:t>
+            </a:r>
             <a:r>
               <a:rPr lang="en-US" dirty="0" smtClean="0">
                 <a:latin typeface="Courier" charset="0"/>
                 <a:ea typeface="Courier" charset="0"/>
                 <a:cs typeface="Courier" charset="0"/>
               </a:rPr>
-              <a:t>Running </a:t>
-            </a:r>
-            <a:r>
-              <a:rPr lang="en-US" dirty="0">
-                <a:latin typeface="Courier" charset="0"/>
-                <a:ea typeface="Courier" charset="0"/>
-                <a:cs typeface="Courier" charset="0"/>
-              </a:rPr>
-              <a:t>migrations:</a:t>
-            </a:r>
-          </a:p>
-          <a:p>
-            <a:r>
-              <a:rPr lang="en-US" dirty="0" smtClean="0">
-                <a:latin typeface="Courier" charset="0"/>
-                <a:ea typeface="Courier" charset="0"/>
-                <a:cs typeface="Courier" charset="0"/>
-              </a:rPr>
-              <a:t>Applying </a:t>
-            </a:r>
-            <a:r>
-              <a:rPr lang="en-US" dirty="0">
-                <a:latin typeface="Courier" charset="0"/>
-                <a:ea typeface="Courier" charset="0"/>
-                <a:cs typeface="Courier" charset="0"/>
-              </a:rPr>
-              <a:t>contenttypes.0001_initial... OK</a:t>
-            </a:r>
-          </a:p>
-          <a:p>
-            <a:r>
-              <a:rPr lang="en-US" dirty="0" smtClean="0">
-                <a:latin typeface="Courier" charset="0"/>
-                <a:ea typeface="Courier" charset="0"/>
-                <a:cs typeface="Courier" charset="0"/>
-              </a:rPr>
-              <a:t>...</a:t>
-            </a:r>
+              <a:t>User</a:t>
+            </a:r>
+          </a:p>
+          <a:p>
             <a:endParaRPr lang="en-US" dirty="0">
               <a:latin typeface="Courier" charset="0"/>
               <a:ea typeface="Courier" charset="0"/>
@@ -12387,6 +12308,67 @@
                 <a:ea typeface="Courier" charset="0"/>
                 <a:cs typeface="Courier" charset="0"/>
               </a:rPr>
+              <a:t>$ </a:t>
+            </a:r>
+            <a:r>
+              <a:rPr lang="en-US" dirty="0">
+                <a:solidFill>
+                  <a:srgbClr val="FFFF00"/>
+                </a:solidFill>
+                <a:latin typeface="Courier" charset="0"/>
+                <a:ea typeface="Courier" charset="0"/>
+                <a:cs typeface="Courier" charset="0"/>
+              </a:rPr>
+              <a:t>python3 </a:t>
+            </a:r>
+            <a:r>
+              <a:rPr lang="en-US" dirty="0" err="1">
+                <a:solidFill>
+                  <a:srgbClr val="FFFF00"/>
+                </a:solidFill>
+                <a:latin typeface="Courier" charset="0"/>
+                <a:ea typeface="Courier" charset="0"/>
+                <a:cs typeface="Courier" charset="0"/>
+              </a:rPr>
+              <a:t>manage.py</a:t>
+            </a:r>
+            <a:r>
+              <a:rPr lang="en-US" dirty="0">
+                <a:solidFill>
+                  <a:srgbClr val="FFFF00"/>
+                </a:solidFill>
+                <a:latin typeface="Courier" charset="0"/>
+                <a:ea typeface="Courier" charset="0"/>
+                <a:cs typeface="Courier" charset="0"/>
+              </a:rPr>
+              <a:t> migrate</a:t>
+            </a:r>
+          </a:p>
+          <a:p>
+            <a:r>
+              <a:rPr lang="en-US" dirty="0" smtClean="0">
+                <a:latin typeface="Courier" charset="0"/>
+                <a:ea typeface="Courier" charset="0"/>
+                <a:cs typeface="Courier" charset="0"/>
+              </a:rPr>
+              <a:t>Running </a:t>
+            </a:r>
+            <a:r>
+              <a:rPr lang="en-US" dirty="0">
+                <a:latin typeface="Courier" charset="0"/>
+                <a:ea typeface="Courier" charset="0"/>
+                <a:cs typeface="Courier" charset="0"/>
+              </a:rPr>
+              <a:t>migrations:</a:t>
+            </a:r>
+          </a:p>
+          <a:p>
+            <a:r>
+              <a:rPr lang="en-US" dirty="0" smtClean="0">
+                <a:latin typeface="Courier" charset="0"/>
+                <a:ea typeface="Courier" charset="0"/>
+                <a:cs typeface="Courier" charset="0"/>
+              </a:rPr>
               <a:t>Applying </a:t>
             </a:r>
             <a:r>
@@ -12395,6 +12377,39 @@
                 <a:ea typeface="Courier" charset="0"/>
                 <a:cs typeface="Courier" charset="0"/>
               </a:rPr>
+              <a:t>contenttypes.0001_initial... OK</a:t>
+            </a:r>
+          </a:p>
+          <a:p>
+            <a:r>
+              <a:rPr lang="en-US" dirty="0" smtClean="0">
+                <a:latin typeface="Courier" charset="0"/>
+                <a:ea typeface="Courier" charset="0"/>
+                <a:cs typeface="Courier" charset="0"/>
+              </a:rPr>
+              <a:t>...</a:t>
+            </a:r>
+            <a:endParaRPr lang="en-US" dirty="0">
+              <a:latin typeface="Courier" charset="0"/>
+              <a:ea typeface="Courier" charset="0"/>
+              <a:cs typeface="Courier" charset="0"/>
+            </a:endParaRPr>
+          </a:p>
+          <a:p>
+            <a:r>
+              <a:rPr lang="en-US" dirty="0" smtClean="0">
+                <a:latin typeface="Courier" charset="0"/>
+                <a:ea typeface="Courier" charset="0"/>
+                <a:cs typeface="Courier" charset="0"/>
+              </a:rPr>
+              <a:t>Applying </a:t>
+            </a:r>
+            <a:r>
+              <a:rPr lang="en-US" dirty="0">
+                <a:latin typeface="Courier" charset="0"/>
+                <a:ea typeface="Courier" charset="0"/>
+                <a:cs typeface="Courier" charset="0"/>
+              </a:rPr>
               <a:t>sessions.0001_initial... OK</a:t>
             </a:r>
           </a:p>
@@ -12408,12 +12423,20 @@
               <a:t>Applying </a:t>
             </a:r>
             <a:r>
+              <a:rPr lang="en-US" dirty="0" smtClean="0">
+                <a:latin typeface="Courier" charset="0"/>
+                <a:ea typeface="Courier" charset="0"/>
+                <a:cs typeface="Courier" charset="0"/>
+              </a:rPr>
+              <a:t>users.0001_initial</a:t>
+            </a:r>
+            <a:r>
               <a:rPr lang="en-US" dirty="0">
                 <a:latin typeface="Courier" charset="0"/>
                 <a:ea typeface="Courier" charset="0"/>
                 <a:cs typeface="Courier" charset="0"/>
               </a:rPr>
-              <a:t>usermodel.0001_initial... </a:t>
+              <a:t>... </a:t>
             </a:r>
             <a:r>
               <a:rPr lang="en-US" dirty="0" smtClean="0">
@@ -12913,14 +12936,23 @@
             <p:ph type="title"/>
           </p:nvPr>
         </p:nvSpPr>
-        <p:spPr/>
+        <p:spPr>
+          <a:xfrm>
+            <a:off x="838200" y="365125"/>
+            <a:ext cx="4562475" cy="1325563"/>
+          </a:xfrm>
+        </p:spPr>
         <p:txBody>
           <a:bodyPr/>
           <a:lstStyle/>
           <a:p>
             <a:r>
               <a:rPr lang="en-US" dirty="0" smtClean="0"/>
-              <a:t>Creating the Table</a:t>
+              <a:t>Creating </a:t>
+            </a:r>
+            <a:r>
+              <a:rPr lang="en-US" smtClean="0"/>
+              <a:t>the Table from the Model</a:t>
             </a:r>
             <a:endParaRPr lang="en-US" dirty="0"/>
           </a:p>
@@ -13022,6 +13054,32 @@
           <a:lstStyle/>
           <a:p>
             <a:r>
+              <a:rPr lang="en-US" dirty="0" smtClean="0">
+                <a:latin typeface="Courier" charset="0"/>
+                <a:ea typeface="Courier" charset="0"/>
+                <a:cs typeface="Courier" charset="0"/>
+              </a:rPr>
+              <a:t>    $ </a:t>
+            </a:r>
+            <a:r>
+              <a:rPr lang="en-US" dirty="0" smtClean="0">
+                <a:solidFill>
+                  <a:srgbClr val="FFFF00"/>
+                </a:solidFill>
+                <a:latin typeface="Courier" charset="0"/>
+                <a:ea typeface="Courier" charset="0"/>
+                <a:cs typeface="Courier" charset="0"/>
+              </a:rPr>
+              <a:t>cd ~/dj4e-samples</a:t>
+            </a:r>
+            <a:endParaRPr lang="en-US" dirty="0" smtClean="0">
+              <a:latin typeface="Courier" charset="0"/>
+              <a:ea typeface="Courier" charset="0"/>
+              <a:cs typeface="Courier" charset="0"/>
+            </a:endParaRPr>
+          </a:p>
+          <a:p>
+            <a:r>
               <a:rPr lang="en-US" dirty="0">
                 <a:latin typeface="Courier" charset="0"/>
                 <a:ea typeface="Courier" charset="0"/>
@@ -13147,12 +13205,41 @@
               <a:t>    </a:t>
             </a:r>
             <a:r>
+              <a:rPr lang="en-US" dirty="0" smtClean="0">
+                <a:solidFill>
+                  <a:srgbClr val="FF40FF"/>
+                </a:solidFill>
+                <a:latin typeface="Courier" charset="0"/>
+                <a:ea typeface="Courier" charset="0"/>
+                <a:cs typeface="Courier" charset="0"/>
+              </a:rPr>
+              <a:t>[ ..snip ..]</a:t>
+            </a:r>
+            <a:endParaRPr lang="en-US" dirty="0">
+              <a:solidFill>
+                <a:srgbClr val="FF40FF"/>
+              </a:solidFill>
+              <a:latin typeface="Courier" charset="0"/>
+              <a:ea typeface="Courier" charset="0"/>
+              <a:cs typeface="Courier" charset="0"/>
+            </a:endParaRPr>
+          </a:p>
+          <a:p>
+            <a:r>
+              <a:rPr lang="en-US" dirty="0">
+                <a:latin typeface="Courier" charset="0"/>
+                <a:ea typeface="Courier" charset="0"/>
+                <a:cs typeface="Courier" charset="0"/>
+              </a:rPr>
+              <a:t>    </a:t>
+            </a:r>
+            <a:r>
               <a:rPr lang="en-US" dirty="0" err="1">
                 <a:latin typeface="Courier" charset="0"/>
                 <a:ea typeface="Courier" charset="0"/>
                 <a:cs typeface="Courier" charset="0"/>
               </a:rPr>
-              <a:t>auth_group_permissions</a:t>
+              <a:t>auth_user</a:t>
             </a:r>
             <a:r>
               <a:rPr lang="en-US" dirty="0">
@@ -13160,7 +13247,7 @@
                 <a:ea typeface="Courier" charset="0"/>
                 <a:cs typeface="Courier" charset="0"/>
               </a:rPr>
-              <a:t>      </a:t>
+              <a:t>                   </a:t>
             </a:r>
             <a:r>
               <a:rPr lang="en-US" dirty="0" err="1">
@@ -13168,7 +13255,7 @@
                 <a:ea typeface="Courier" charset="0"/>
                 <a:cs typeface="Courier" charset="0"/>
               </a:rPr>
-              <a:t>django_content_type</a:t>
+              <a:t>django_session</a:t>
             </a:r>
             <a:endParaRPr lang="en-US" dirty="0">
               <a:latin typeface="Courier" charset="0"/>
@@ -13191,7 +13278,7 @@
                 <a:ea typeface="Courier" charset="0"/>
                 <a:cs typeface="Courier" charset="0"/>
               </a:rPr>
-              <a:t>auth_permission</a:t>
+              <a:t>auth_user_groups</a:t>
             </a:r>
             <a:r>
               <a:rPr lang="en-US" dirty="0">
@@ -13199,88 +13286,10 @@
                 <a:ea typeface="Courier" charset="0"/>
                 <a:cs typeface="Courier" charset="0"/>
               </a:rPr>
-              <a:t>             </a:t>
-            </a:r>
-            <a:r>
-              <a:rPr lang="en-US" dirty="0" err="1">
-                <a:latin typeface="Courier" charset="0"/>
-                <a:ea typeface="Courier" charset="0"/>
-                <a:cs typeface="Courier" charset="0"/>
-              </a:rPr>
-              <a:t>django_migrations</a:t>
-            </a:r>
-            <a:endParaRPr lang="en-US" dirty="0">
-              <a:latin typeface="Courier" charset="0"/>
-              <a:ea typeface="Courier" charset="0"/>
-              <a:cs typeface="Courier" charset="0"/>
-            </a:endParaRPr>
-          </a:p>
-          <a:p>
-            <a:r>
-              <a:rPr lang="en-US" dirty="0">
-                <a:latin typeface="Courier" charset="0"/>
-                <a:ea typeface="Courier" charset="0"/>
-                <a:cs typeface="Courier" charset="0"/>
-              </a:rPr>
-              <a:t>    </a:t>
-            </a:r>
-            <a:r>
-              <a:rPr lang="en-US" dirty="0" err="1">
-                <a:latin typeface="Courier" charset="0"/>
-                <a:ea typeface="Courier" charset="0"/>
-                <a:cs typeface="Courier" charset="0"/>
-              </a:rPr>
-              <a:t>auth_user</a:t>
-            </a:r>
-            <a:r>
-              <a:rPr lang="en-US" dirty="0">
-                <a:latin typeface="Courier" charset="0"/>
-                <a:ea typeface="Courier" charset="0"/>
-                <a:cs typeface="Courier" charset="0"/>
-              </a:rPr>
-              <a:t>                   </a:t>
-            </a:r>
-            <a:r>
-              <a:rPr lang="en-US" dirty="0" err="1">
-                <a:latin typeface="Courier" charset="0"/>
-                <a:ea typeface="Courier" charset="0"/>
-                <a:cs typeface="Courier" charset="0"/>
-              </a:rPr>
-              <a:t>django_session</a:t>
-            </a:r>
-            <a:endParaRPr lang="en-US" dirty="0">
-              <a:latin typeface="Courier" charset="0"/>
-              <a:ea typeface="Courier" charset="0"/>
-              <a:cs typeface="Courier" charset="0"/>
-            </a:endParaRPr>
-          </a:p>
-          <a:p>
-            <a:r>
-              <a:rPr lang="en-US" dirty="0">
-                <a:latin typeface="Courier" charset="0"/>
-                <a:ea typeface="Courier" charset="0"/>
-                <a:cs typeface="Courier" charset="0"/>
-              </a:rPr>
-              <a:t>    </a:t>
-            </a:r>
-            <a:r>
-              <a:rPr lang="en-US" dirty="0" err="1">
-                <a:latin typeface="Courier" charset="0"/>
-                <a:ea typeface="Courier" charset="0"/>
-                <a:cs typeface="Courier" charset="0"/>
-              </a:rPr>
-              <a:t>auth_user_groups</a:t>
-            </a:r>
-            <a:r>
-              <a:rPr lang="en-US" dirty="0">
-                <a:latin typeface="Courier" charset="0"/>
-                <a:ea typeface="Courier" charset="0"/>
-                <a:cs typeface="Courier" charset="0"/>
-              </a:rPr>
               <a:t>            </a:t>
             </a:r>
             <a:r>
-              <a:rPr lang="en-US" dirty="0" err="1">
+              <a:rPr lang="en-US" dirty="0" err="1" smtClean="0">
                 <a:solidFill>
                   <a:srgbClr val="00FDFF"/>
                 </a:solidFill>
@@ -13288,7 +13297,7 @@
                 <a:ea typeface="Courier" charset="0"/>
                 <a:cs typeface="Courier" charset="0"/>
               </a:rPr>
-              <a:t>usermodel_user</a:t>
+              <a:t>users_user</a:t>
             </a:r>
             <a:endParaRPr lang="en-US" dirty="0">
               <a:solidFill>
@@ -13359,7 +13368,7 @@
               <a:t>.schema </a:t>
             </a:r>
             <a:r>
-              <a:rPr lang="en-US" dirty="0" err="1">
+              <a:rPr lang="en-US" dirty="0" err="1" smtClean="0">
                 <a:solidFill>
                   <a:srgbClr val="FFFF00"/>
                 </a:solidFill>
@@ -13367,7 +13376,7 @@
                 <a:ea typeface="Courier" charset="0"/>
                 <a:cs typeface="Courier" charset="0"/>
               </a:rPr>
-              <a:t>usermodel_user</a:t>
+              <a:t>users_user</a:t>
             </a:r>
             <a:endParaRPr lang="en-US" dirty="0">
               <a:solidFill>
@@ -13388,12 +13397,12 @@
               <a:t>    CREATE TABLE IF NOT EXISTS "</a:t>
             </a:r>
             <a:r>
-              <a:rPr lang="en-US" dirty="0" err="1">
-                <a:latin typeface="Courier" charset="0"/>
-                <a:ea typeface="Courier" charset="0"/>
-                <a:cs typeface="Courier" charset="0"/>
-              </a:rPr>
-              <a:t>usermodel_user</a:t>
+              <a:rPr lang="en-US" dirty="0" err="1" smtClean="0">
+                <a:latin typeface="Courier" charset="0"/>
+                <a:ea typeface="Courier" charset="0"/>
+                <a:cs typeface="Courier" charset="0"/>
+              </a:rPr>
+              <a:t>users_user</a:t>
             </a:r>
             <a:r>
               <a:rPr lang="en-US" dirty="0">
@@ -13500,7 +13509,12 @@
             <p:ph type="title"/>
           </p:nvPr>
         </p:nvSpPr>
-        <p:spPr/>
+        <p:spPr>
+          <a:xfrm>
+            <a:off x="838200" y="365125"/>
+            <a:ext cx="3348038" cy="1325563"/>
+          </a:xfrm>
+        </p:spPr>
         <p:txBody>
           <a:bodyPr/>
           <a:lstStyle/>
@@ -13842,7 +13856,7 @@
               <a:t>from </a:t>
             </a:r>
             <a:r>
-              <a:rPr lang="en-US" dirty="0" err="1">
+              <a:rPr lang="en-US" dirty="0" err="1" smtClean="0">
                 <a:solidFill>
                   <a:srgbClr val="FFFF00"/>
                 </a:solidFill>
@@ -13850,7 +13864,18 @@
                 <a:ea typeface="Courier" charset="0"/>
                 <a:cs typeface="Courier" charset="0"/>
               </a:rPr>
-              <a:t>usermodel.models</a:t>
+              <a:t>users.models</a:t>
+            </a:r>
+            <a:r>
+              <a:rPr lang="en-US" dirty="0" smtClean="0">
+                <a:solidFill>
+                  <a:srgbClr val="FFFF00"/>
+                </a:solidFill>
+                <a:latin typeface="Courier" charset="0"/>
+                <a:ea typeface="Courier" charset="0"/>
+                <a:cs typeface="Courier" charset="0"/>
+              </a:rPr>
+              <a:t> </a:t>
             </a:r>
             <a:r>
               <a:rPr lang="en-US" dirty="0">
@@ -13861,7 +13886,7 @@
                 <a:ea typeface="Courier" charset="0"/>
                 <a:cs typeface="Courier" charset="0"/>
               </a:rPr>
-              <a:t> import User</a:t>
+              <a:t>import User</a:t>
             </a:r>
           </a:p>
           <a:p>

--- a/lectures/DJ-02-Model-Single.pptx
+++ b/lectures/DJ-02-Model-Single.pptx
@@ -4307,7 +4307,7 @@
         </p:nvSpPr>
         <p:spPr>
           <a:xfrm>
-            <a:off x="2800350" y="1348937"/>
+            <a:off x="2757488" y="1690688"/>
             <a:ext cx="7077579" cy="2862322"/>
           </a:xfrm>
           <a:prstGeom prst="rect">
@@ -5782,7 +5782,7 @@
         </p:nvSpPr>
         <p:spPr>
           <a:xfrm>
-            <a:off x="3259198" y="6311900"/>
+            <a:off x="4060286" y="5640389"/>
             <a:ext cx="6781280" cy="369332"/>
           </a:xfrm>
           <a:prstGeom prst="rect">

--- a/lectures/DJ-02-Model-Single.pptx
+++ b/lectures/DJ-02-Model-Single.pptx
@@ -212,7 +212,7 @@
           <a:p>
             <a:fld id="{C97B56FC-7D2E-F343-9D09-0D14B00AA564}" type="datetimeFigureOut">
               <a:rPr lang="en-US" smtClean="0"/>
-              <a:t>9/18/19</a:t>
+              <a:t>9/20/19</a:t>
             </a:fld>
             <a:endParaRPr lang="en-US"/>
           </a:p>
@@ -1149,7 +1149,7 @@
           <a:p>
             <a:fld id="{EEE7C04C-7AF8-1445-A186-502B631B934F}" type="datetimeFigureOut">
               <a:rPr lang="en-US" smtClean="0"/>
-              <a:t>9/18/19</a:t>
+              <a:t>9/20/19</a:t>
             </a:fld>
             <a:endParaRPr lang="en-US"/>
           </a:p>
@@ -1314,7 +1314,7 @@
           <a:p>
             <a:fld id="{EEE7C04C-7AF8-1445-A186-502B631B934F}" type="datetimeFigureOut">
               <a:rPr lang="en-US" smtClean="0"/>
-              <a:t>9/18/19</a:t>
+              <a:t>9/20/19</a:t>
             </a:fld>
             <a:endParaRPr lang="en-US"/>
           </a:p>
@@ -1489,7 +1489,7 @@
           <a:p>
             <a:fld id="{EEE7C04C-7AF8-1445-A186-502B631B934F}" type="datetimeFigureOut">
               <a:rPr lang="en-US" smtClean="0"/>
-              <a:t>9/18/19</a:t>
+              <a:t>9/20/19</a:t>
             </a:fld>
             <a:endParaRPr lang="en-US"/>
           </a:p>
@@ -1654,7 +1654,7 @@
           <a:p>
             <a:fld id="{EEE7C04C-7AF8-1445-A186-502B631B934F}" type="datetimeFigureOut">
               <a:rPr lang="en-US" smtClean="0"/>
-              <a:t>9/18/19</a:t>
+              <a:t>9/20/19</a:t>
             </a:fld>
             <a:endParaRPr lang="en-US"/>
           </a:p>
@@ -1895,7 +1895,7 @@
           <a:p>
             <a:fld id="{EEE7C04C-7AF8-1445-A186-502B631B934F}" type="datetimeFigureOut">
               <a:rPr lang="en-US" smtClean="0"/>
-              <a:t>9/18/19</a:t>
+              <a:t>9/20/19</a:t>
             </a:fld>
             <a:endParaRPr lang="en-US"/>
           </a:p>
@@ -2122,7 +2122,7 @@
           <a:p>
             <a:fld id="{EEE7C04C-7AF8-1445-A186-502B631B934F}" type="datetimeFigureOut">
               <a:rPr lang="en-US" smtClean="0"/>
-              <a:t>9/18/19</a:t>
+              <a:t>9/20/19</a:t>
             </a:fld>
             <a:endParaRPr lang="en-US"/>
           </a:p>
@@ -2484,7 +2484,7 @@
           <a:p>
             <a:fld id="{EEE7C04C-7AF8-1445-A186-502B631B934F}" type="datetimeFigureOut">
               <a:rPr lang="en-US" smtClean="0"/>
-              <a:t>9/18/19</a:t>
+              <a:t>9/20/19</a:t>
             </a:fld>
             <a:endParaRPr lang="en-US"/>
           </a:p>
@@ -2597,7 +2597,7 @@
           <a:p>
             <a:fld id="{EEE7C04C-7AF8-1445-A186-502B631B934F}" type="datetimeFigureOut">
               <a:rPr lang="en-US" smtClean="0"/>
-              <a:t>9/18/19</a:t>
+              <a:t>9/20/19</a:t>
             </a:fld>
             <a:endParaRPr lang="en-US"/>
           </a:p>
@@ -2687,7 +2687,7 @@
           <a:p>
             <a:fld id="{EEE7C04C-7AF8-1445-A186-502B631B934F}" type="datetimeFigureOut">
               <a:rPr lang="en-US" smtClean="0"/>
-              <a:t>9/18/19</a:t>
+              <a:t>9/20/19</a:t>
             </a:fld>
             <a:endParaRPr lang="en-US"/>
           </a:p>
@@ -2959,7 +2959,7 @@
           <a:p>
             <a:fld id="{EEE7C04C-7AF8-1445-A186-502B631B934F}" type="datetimeFigureOut">
               <a:rPr lang="en-US" smtClean="0"/>
-              <a:t>9/18/19</a:t>
+              <a:t>9/20/19</a:t>
             </a:fld>
             <a:endParaRPr lang="en-US"/>
           </a:p>
@@ -3211,7 +3211,7 @@
           <a:p>
             <a:fld id="{EEE7C04C-7AF8-1445-A186-502B631B934F}" type="datetimeFigureOut">
               <a:rPr lang="en-US" smtClean="0"/>
-              <a:t>9/18/19</a:t>
+              <a:t>9/20/19</a:t>
             </a:fld>
             <a:endParaRPr lang="en-US"/>
           </a:p>
@@ -3419,7 +3419,7 @@
           <a:p>
             <a:fld id="{EEE7C04C-7AF8-1445-A186-502B631B934F}" type="datetimeFigureOut">
               <a:rPr lang="en-US" smtClean="0"/>
-              <a:t>9/18/19</a:t>
+              <a:t>9/20/19</a:t>
             </a:fld>
             <a:endParaRPr lang="en-US"/>
           </a:p>
@@ -3837,10 +3837,10 @@
           <p:cNvPr id="10" name="Rectangle 9">
             <a:extLst>
               <a:ext uri="{FF2B5EF4-FFF2-40B4-BE49-F238E27FC236}">
-                <a16:creationId xmlns="" xmlns:a16="http://schemas.microsoft.com/office/drawing/2014/main" id="{E20EB187-900F-4AF5-813B-101456D9FD39}"/>
+                <a16:creationId xmlns:a16="http://schemas.microsoft.com/office/drawing/2014/main" xmlns="" id="{E20EB187-900F-4AF5-813B-101456D9FD39}"/>
               </a:ext>
               <a:ext uri="{C183D7F6-B498-43B3-948B-1728B52AA6E4}">
-                <adec:decorative xmlns="" xmlns:adec="http://schemas.microsoft.com/office/drawing/2017/decorative" val="1"/>
+                <adec:decorative xmlns:adec="http://schemas.microsoft.com/office/drawing/2017/decorative" xmlns="" val="1"/>
               </a:ext>
             </a:extLst>
           </p:cNvPr>
@@ -3984,10 +3984,10 @@
           <p:cNvPr id="12" name="Straight Connector 11">
             <a:extLst>
               <a:ext uri="{FF2B5EF4-FFF2-40B4-BE49-F238E27FC236}">
-                <a16:creationId xmlns="" xmlns:a16="http://schemas.microsoft.com/office/drawing/2014/main" id="{624D17C8-E9C2-48A4-AA36-D7048A6CCC41}"/>
+                <a16:creationId xmlns:a16="http://schemas.microsoft.com/office/drawing/2014/main" xmlns="" id="{624D17C8-E9C2-48A4-AA36-D7048A6CCC41}"/>
               </a:ext>
               <a:ext uri="{C183D7F6-B498-43B3-948B-1728B52AA6E4}">
-                <adec:decorative xmlns="" xmlns:adec="http://schemas.microsoft.com/office/drawing/2017/decorative" val="1"/>
+                <adec:decorative xmlns:adec="http://schemas.microsoft.com/office/drawing/2017/decorative" xmlns="" val="1"/>
               </a:ext>
             </a:extLst>
           </p:cNvPr>
@@ -8309,7 +8309,7 @@
             <a:pPr algn="ctr"/>
             <a:r>
               <a:rPr lang="en-US" dirty="0" err="1" smtClean="0"/>
-              <a:t>model.py</a:t>
+              <a:t>models.py</a:t>
             </a:r>
             <a:endParaRPr lang="en-US" dirty="0"/>
           </a:p>

--- a/lectures/DJ-02-Model-Single.pptx
+++ b/lectures/DJ-02-Model-Single.pptx
@@ -5,7 +5,7 @@
     <p:sldMasterId id="2147483660" r:id="rId1"/>
   </p:sldMasterIdLst>
   <p:notesMasterIdLst>
-    <p:notesMasterId r:id="rId18"/>
+    <p:notesMasterId r:id="rId24"/>
   </p:notesMasterIdLst>
   <p:sldIdLst>
     <p:sldId id="258" r:id="rId2"/>
@@ -21,9 +21,15 @@
     <p:sldId id="330" r:id="rId12"/>
     <p:sldId id="331" r:id="rId13"/>
     <p:sldId id="336" r:id="rId14"/>
-    <p:sldId id="333" r:id="rId15"/>
-    <p:sldId id="332" r:id="rId16"/>
-    <p:sldId id="273" r:id="rId17"/>
+    <p:sldId id="338" r:id="rId15"/>
+    <p:sldId id="339" r:id="rId16"/>
+    <p:sldId id="340" r:id="rId17"/>
+    <p:sldId id="341" r:id="rId18"/>
+    <p:sldId id="342" r:id="rId19"/>
+    <p:sldId id="343" r:id="rId20"/>
+    <p:sldId id="333" r:id="rId21"/>
+    <p:sldId id="332" r:id="rId22"/>
+    <p:sldId id="273" r:id="rId23"/>
   </p:sldIdLst>
   <p:sldSz cx="12192000" cy="6858000"/>
   <p:notesSz cx="6858000" cy="9144000"/>
@@ -3837,10 +3843,10 @@
           <p:cNvPr id="10" name="Rectangle 9">
             <a:extLst>
               <a:ext uri="{FF2B5EF4-FFF2-40B4-BE49-F238E27FC236}">
-                <a16:creationId xmlns:a16="http://schemas.microsoft.com/office/drawing/2014/main" xmlns="" id="{E20EB187-900F-4AF5-813B-101456D9FD39}"/>
+                <a16:creationId xmlns="" xmlns:a16="http://schemas.microsoft.com/office/drawing/2014/main" id="{E20EB187-900F-4AF5-813B-101456D9FD39}"/>
               </a:ext>
               <a:ext uri="{C183D7F6-B498-43B3-948B-1728B52AA6E4}">
-                <adec:decorative xmlns:adec="http://schemas.microsoft.com/office/drawing/2017/decorative" xmlns="" val="1"/>
+                <adec:decorative xmlns="" xmlns:adec="http://schemas.microsoft.com/office/drawing/2017/decorative" val="1"/>
               </a:ext>
             </a:extLst>
           </p:cNvPr>
@@ -3984,10 +3990,10 @@
           <p:cNvPr id="12" name="Straight Connector 11">
             <a:extLst>
               <a:ext uri="{FF2B5EF4-FFF2-40B4-BE49-F238E27FC236}">
-                <a16:creationId xmlns:a16="http://schemas.microsoft.com/office/drawing/2014/main" xmlns="" id="{624D17C8-E9C2-48A4-AA36-D7048A6CCC41}"/>
+                <a16:creationId xmlns="" xmlns:a16="http://schemas.microsoft.com/office/drawing/2014/main" id="{624D17C8-E9C2-48A4-AA36-D7048A6CCC41}"/>
               </a:ext>
               <a:ext uri="{C183D7F6-B498-43B3-948B-1728B52AA6E4}">
-                <adec:decorative xmlns:adec="http://schemas.microsoft.com/office/drawing/2017/decorative" xmlns="" val="1"/>
+                <adec:decorative xmlns="" xmlns:adec="http://schemas.microsoft.com/office/drawing/2017/decorative" val="1"/>
               </a:ext>
             </a:extLst>
           </p:cNvPr>
@@ -6129,39 +6135,9 @@
           <a:chExt cx="0" cy="0"/>
         </a:xfrm>
       </p:grpSpPr>
-      <p:pic>
-        <p:nvPicPr>
-          <p:cNvPr id="4" name="Picture 3"/>
-          <p:cNvPicPr>
-            <a:picLocks noChangeAspect="1"/>
-          </p:cNvPicPr>
-          <p:nvPr/>
-        </p:nvPicPr>
-        <p:blipFill rotWithShape="1">
-          <a:blip r:embed="rId2">
-            <a:alphaModFix amt="50000"/>
-            <a:extLst>
-              <a:ext uri="{28A0092B-C50C-407E-A947-70E740481C1C}">
-                <a14:useLocalDpi xmlns:a14="http://schemas.microsoft.com/office/drawing/2010/main" val="0"/>
-              </a:ext>
-            </a:extLst>
-          </a:blip>
-          <a:srcRect b="2174"/>
-          <a:stretch/>
-        </p:blipFill>
-        <p:spPr>
-          <a:xfrm>
-            <a:off x="20" y="1"/>
-            <a:ext cx="12191980" cy="6857999"/>
-          </a:xfrm>
-          <a:prstGeom prst="rect">
-            <a:avLst/>
-          </a:prstGeom>
-        </p:spPr>
-      </p:pic>
       <p:sp>
         <p:nvSpPr>
-          <p:cNvPr id="2" name="Title 1"/>
+          <p:cNvPr id="4" name="Title 3"/>
           <p:cNvSpPr>
             <a:spLocks noGrp="1"/>
           </p:cNvSpPr>
@@ -6176,7 +6152,7 @@
           <a:p>
             <a:r>
               <a:rPr lang="en-US" dirty="0" smtClean="0"/>
-              <a:t>Demo</a:t>
+              <a:t>Models, Migrations, and Database Tables</a:t>
             </a:r>
             <a:endParaRPr lang="en-US" dirty="0"/>
           </a:p>
@@ -6184,7 +6160,7 @@
       </p:sp>
       <p:sp>
         <p:nvSpPr>
-          <p:cNvPr id="3" name="Text Placeholder 2"/>
+          <p:cNvPr id="6" name="Text Placeholder 5"/>
           <p:cNvSpPr>
             <a:spLocks noGrp="1"/>
           </p:cNvSpPr>
@@ -6197,25 +6173,14 @@
           <a:bodyPr/>
           <a:lstStyle/>
           <a:p>
-            <a:r>
-              <a:rPr lang="en-US" dirty="0"/>
-              <a:t>https://</a:t>
-            </a:r>
-            <a:r>
-              <a:rPr lang="en-US" dirty="0" smtClean="0"/>
-              <a:t>www.dj4e.com/lectures/DJ-03-Model-Single.txt</a:t>
-            </a:r>
-            <a:endParaRPr lang="en-US" dirty="0"/>
-          </a:p>
-          <a:p>
-            <a:endParaRPr lang="en-US" dirty="0"/>
+            <a:endParaRPr lang="en-US"/>
           </a:p>
         </p:txBody>
       </p:sp>
     </p:spTree>
     <p:extLst>
       <p:ext uri="{BB962C8B-B14F-4D97-AF65-F5344CB8AC3E}">
-        <p14:creationId xmlns:p14="http://schemas.microsoft.com/office/powerpoint/2010/main" val="495488396"/>
+        <p14:creationId xmlns:p14="http://schemas.microsoft.com/office/powerpoint/2010/main" val="1784464580"/>
       </p:ext>
     </p:extLst>
   </p:cSld>
@@ -6265,10 +6230,9 @@
           <a:lstStyle/>
           <a:p>
             <a:r>
-              <a:rPr lang="en-US" dirty="0" smtClean="0"/>
-              <a:t>Summary</a:t>
-            </a:r>
-            <a:endParaRPr lang="en-US" dirty="0"/>
+              <a:rPr lang="en-US" dirty="0"/>
+              <a:t>Migrations: From Model to Database</a:t>
+            </a:r>
           </a:p>
         </p:txBody>
       </p:sp>
@@ -6289,49 +6253,103 @@
           <a:p>
             <a:r>
               <a:rPr lang="en-US" dirty="0" smtClean="0"/>
-              <a:t>The Django Models feature implements an Object Relational Mapper</a:t>
-            </a:r>
-          </a:p>
-          <a:p>
+              <a:t>The </a:t>
+            </a:r>
+            <a:r>
+              <a:rPr lang="en-US" dirty="0" err="1" smtClean="0">
+                <a:solidFill>
+                  <a:srgbClr val="FFFF00"/>
+                </a:solidFill>
+              </a:rPr>
+              <a:t>makemigrations</a:t>
+            </a:r>
+            <a:r>
+              <a:rPr lang="en-US" dirty="0" smtClean="0">
+                <a:solidFill>
+                  <a:srgbClr val="FFFF00"/>
+                </a:solidFill>
+              </a:rPr>
+              <a:t> </a:t>
+            </a:r>
             <a:r>
               <a:rPr lang="en-US" dirty="0" smtClean="0"/>
-              <a:t>Benefits</a:t>
-            </a:r>
-          </a:p>
-          <a:p>
-            <a:pPr lvl="1"/>
+              <a:t>command reads all the </a:t>
+            </a:r>
+            <a:r>
+              <a:rPr lang="en-US" dirty="0" err="1" smtClean="0">
+                <a:solidFill>
+                  <a:srgbClr val="FFFF00"/>
+                </a:solidFill>
+              </a:rPr>
+              <a:t>models.py</a:t>
+            </a:r>
             <a:r>
               <a:rPr lang="en-US" dirty="0" smtClean="0"/>
-              <a:t>We can write only Python code (i.e. no explicit SQL)</a:t>
-            </a:r>
-          </a:p>
-          <a:p>
-            <a:pPr lvl="1"/>
+              <a:t> files in all the applications, end creates / evolves the migration files</a:t>
+            </a:r>
+          </a:p>
+          <a:p>
             <a:r>
               <a:rPr lang="en-US" dirty="0" smtClean="0"/>
-              <a:t>We gain database portability</a:t>
-            </a:r>
-          </a:p>
-          <a:p>
-            <a:pPr lvl="1"/>
+              <a:t>Guided by the applications listed in </a:t>
+            </a:r>
+            <a:r>
+              <a:rPr lang="en-US" dirty="0" err="1" smtClean="0">
+                <a:solidFill>
+                  <a:srgbClr val="FFFF00"/>
+                </a:solidFill>
+              </a:rPr>
+              <a:t>settings.py</a:t>
+            </a:r>
+            <a:endParaRPr lang="en-US" dirty="0" smtClean="0">
+              <a:solidFill>
+                <a:srgbClr val="FFFF00"/>
+              </a:solidFill>
+            </a:endParaRPr>
+          </a:p>
+          <a:p>
             <a:r>
               <a:rPr lang="en-US" dirty="0" smtClean="0"/>
-              <a:t>Migrations both create and evolve our database schema</a:t>
-            </a:r>
-          </a:p>
-          <a:p>
-            <a:pPr lvl="1"/>
+              <a:t>Migrations are portable across databases</a:t>
+            </a:r>
+          </a:p>
+          <a:p>
+            <a:endParaRPr lang="en-US" dirty="0"/>
+          </a:p>
+          <a:p>
             <a:r>
               <a:rPr lang="en-US" dirty="0" smtClean="0"/>
-              <a:t>A sweet administrator interface</a:t>
-            </a:r>
-          </a:p>
-          <a:p>
-            <a:pPr lvl="1"/>
+              <a:t>The </a:t>
+            </a:r>
+            <a:r>
+              <a:rPr lang="en-US" dirty="0" smtClean="0">
+                <a:solidFill>
+                  <a:srgbClr val="FFFF00"/>
+                </a:solidFill>
+              </a:rPr>
+              <a:t>migrate </a:t>
+            </a:r>
             <a:r>
               <a:rPr lang="en-US" dirty="0" smtClean="0"/>
-              <a:t>Automatic form generation and validation (later)</a:t>
-            </a:r>
+              <a:t>command reads all the </a:t>
+            </a:r>
+            <a:r>
+              <a:rPr lang="en-US" dirty="0" smtClean="0">
+                <a:solidFill>
+                  <a:srgbClr val="FFFF00"/>
+                </a:solidFill>
+              </a:rPr>
+              <a:t>migrations</a:t>
+            </a:r>
+            <a:r>
+              <a:rPr lang="en-US" dirty="0" smtClean="0"/>
+              <a:t> folders in the application folders and creates / evolves the tables in the database (i.e. db.sqlite3)</a:t>
+            </a:r>
+          </a:p>
+          <a:p>
+            <a:endParaRPr lang="en-US" dirty="0"/>
+          </a:p>
+          <a:p>
             <a:endParaRPr lang="en-US" dirty="0"/>
           </a:p>
         </p:txBody>
@@ -6339,7 +6357,7 @@
     </p:spTree>
     <p:extLst>
       <p:ext uri="{BB962C8B-B14F-4D97-AF65-F5344CB8AC3E}">
-        <p14:creationId xmlns:p14="http://schemas.microsoft.com/office/powerpoint/2010/main" val="1285407203"/>
+        <p14:creationId xmlns:p14="http://schemas.microsoft.com/office/powerpoint/2010/main" val="1887065705"/>
       </p:ext>
     </p:extLst>
   </p:cSld>
@@ -6375,7 +6393,7 @@
       </p:grpSpPr>
       <p:sp>
         <p:nvSpPr>
-          <p:cNvPr id="4" name="Title 3"/>
+          <p:cNvPr id="2" name="Title 1"/>
           <p:cNvSpPr>
             <a:spLocks noGrp="1"/>
           </p:cNvSpPr>
@@ -6389,704 +6407,2259 @@
           <a:lstStyle/>
           <a:p>
             <a:r>
-              <a:rPr lang="en-US" dirty="0"/>
-              <a:t>Acknowledgements / Contributions</a:t>
-            </a:r>
+              <a:rPr lang="en-US" dirty="0" err="1" smtClean="0"/>
+              <a:t>makemigrations</a:t>
+            </a:r>
+            <a:endParaRPr lang="en-US" dirty="0"/>
           </a:p>
         </p:txBody>
       </p:sp>
       <p:sp>
         <p:nvSpPr>
-          <p:cNvPr id="8" name="TextBox 4"/>
-          <p:cNvSpPr txBox="1">
-            <a:spLocks noChangeArrowheads="1"/>
-          </p:cNvSpPr>
+          <p:cNvPr id="4" name="TextBox 3"/>
+          <p:cNvSpPr txBox="1"/>
           <p:nvPr/>
         </p:nvSpPr>
-        <p:spPr bwMode="auto">
+        <p:spPr>
           <a:xfrm>
-            <a:off x="838200" y="1512888"/>
-            <a:ext cx="5257800" cy="4401205"/>
+            <a:off x="6562523" y="1721912"/>
+            <a:ext cx="4628190" cy="3785652"/>
           </a:xfrm>
           <a:prstGeom prst="rect">
             <a:avLst/>
           </a:prstGeom>
           <a:noFill/>
-          <a:ln>
-            <a:noFill/>
-          </a:ln>
+        </p:spPr>
+        <p:txBody>
+          <a:bodyPr wrap="none" rtlCol="0">
+            <a:spAutoFit/>
+          </a:bodyPr>
+          <a:lstStyle/>
+          <a:p>
+            <a:r>
+              <a:rPr lang="en-US" sz="1600" b="1" dirty="0" smtClean="0">
+                <a:solidFill>
+                  <a:srgbClr val="00FDFF"/>
+                </a:solidFill>
+                <a:latin typeface="Courier" charset="0"/>
+                <a:ea typeface="Courier" charset="0"/>
+                <a:cs typeface="Courier" charset="0"/>
+              </a:rPr>
+              <a:t>dj4e-samples$ </a:t>
+            </a:r>
+            <a:r>
+              <a:rPr lang="en-US" sz="1600" b="1" dirty="0" smtClean="0">
+                <a:solidFill>
+                  <a:srgbClr val="FFFF00"/>
+                </a:solidFill>
+                <a:latin typeface="Courier" charset="0"/>
+                <a:ea typeface="Courier" charset="0"/>
+                <a:cs typeface="Courier" charset="0"/>
+              </a:rPr>
+              <a:t>ls  */migrations/0*.</a:t>
+            </a:r>
+            <a:r>
+              <a:rPr lang="en-US" sz="1600" b="1" dirty="0" err="1" smtClean="0">
+                <a:solidFill>
+                  <a:srgbClr val="FFFF00"/>
+                </a:solidFill>
+                <a:latin typeface="Courier" charset="0"/>
+                <a:ea typeface="Courier" charset="0"/>
+                <a:cs typeface="Courier" charset="0"/>
+              </a:rPr>
+              <a:t>py</a:t>
+            </a:r>
+            <a:endParaRPr lang="en-US" sz="1600" b="1" dirty="0" smtClean="0">
+              <a:solidFill>
+                <a:srgbClr val="FFFF00"/>
+              </a:solidFill>
+              <a:latin typeface="Courier" charset="0"/>
+              <a:ea typeface="Courier" charset="0"/>
+              <a:cs typeface="Courier" charset="0"/>
+            </a:endParaRPr>
+          </a:p>
+          <a:p>
+            <a:r>
+              <a:rPr lang="en-US" sz="1600" dirty="0">
+                <a:latin typeface="Courier" charset="0"/>
+                <a:ea typeface="Courier" charset="0"/>
+                <a:cs typeface="Courier" charset="0"/>
+              </a:rPr>
+              <a:t>autos/migrations/0001_initial.py</a:t>
+            </a:r>
+          </a:p>
+          <a:p>
+            <a:r>
+              <a:rPr lang="en-US" sz="1600" dirty="0" err="1">
+                <a:latin typeface="Courier" charset="0"/>
+                <a:ea typeface="Courier" charset="0"/>
+                <a:cs typeface="Courier" charset="0"/>
+              </a:rPr>
+              <a:t>bookmany</a:t>
+            </a:r>
+            <a:r>
+              <a:rPr lang="en-US" sz="1600" dirty="0">
+                <a:latin typeface="Courier" charset="0"/>
+                <a:ea typeface="Courier" charset="0"/>
+                <a:cs typeface="Courier" charset="0"/>
+              </a:rPr>
+              <a:t>/migrations/0001_initial.py</a:t>
+            </a:r>
+          </a:p>
+          <a:p>
+            <a:r>
+              <a:rPr lang="en-US" sz="1600" dirty="0" err="1">
+                <a:latin typeface="Courier" charset="0"/>
+                <a:ea typeface="Courier" charset="0"/>
+                <a:cs typeface="Courier" charset="0"/>
+              </a:rPr>
+              <a:t>bookone</a:t>
+            </a:r>
+            <a:r>
+              <a:rPr lang="en-US" sz="1600" dirty="0">
+                <a:latin typeface="Courier" charset="0"/>
+                <a:ea typeface="Courier" charset="0"/>
+                <a:cs typeface="Courier" charset="0"/>
+              </a:rPr>
+              <a:t>/migrations/0001_initial.py</a:t>
+            </a:r>
+          </a:p>
+          <a:p>
+            <a:r>
+              <a:rPr lang="en-US" sz="1600" dirty="0">
+                <a:latin typeface="Courier" charset="0"/>
+                <a:ea typeface="Courier" charset="0"/>
+                <a:cs typeface="Courier" charset="0"/>
+              </a:rPr>
+              <a:t>favs/migrations/0001_initial.py</a:t>
+            </a:r>
+          </a:p>
+          <a:p>
+            <a:r>
+              <a:rPr lang="en-US" sz="1600" dirty="0" err="1">
+                <a:latin typeface="Courier" charset="0"/>
+                <a:ea typeface="Courier" charset="0"/>
+                <a:cs typeface="Courier" charset="0"/>
+              </a:rPr>
+              <a:t>favsql</a:t>
+            </a:r>
+            <a:r>
+              <a:rPr lang="en-US" sz="1600" dirty="0">
+                <a:latin typeface="Courier" charset="0"/>
+                <a:ea typeface="Courier" charset="0"/>
+                <a:cs typeface="Courier" charset="0"/>
+              </a:rPr>
+              <a:t>/migrations/0001_initial.py</a:t>
+            </a:r>
+          </a:p>
+          <a:p>
+            <a:r>
+              <a:rPr lang="en-US" sz="1600" dirty="0">
+                <a:latin typeface="Courier" charset="0"/>
+                <a:ea typeface="Courier" charset="0"/>
+                <a:cs typeface="Courier" charset="0"/>
+              </a:rPr>
+              <a:t>forums/migrations/0001_initial.py</a:t>
+            </a:r>
+          </a:p>
+          <a:p>
+            <a:r>
+              <a:rPr lang="en-US" sz="1600" dirty="0" err="1">
+                <a:latin typeface="Courier" charset="0"/>
+                <a:ea typeface="Courier" charset="0"/>
+                <a:cs typeface="Courier" charset="0"/>
+              </a:rPr>
+              <a:t>gview</a:t>
+            </a:r>
+            <a:r>
+              <a:rPr lang="en-US" sz="1600" dirty="0">
+                <a:latin typeface="Courier" charset="0"/>
+                <a:ea typeface="Courier" charset="0"/>
+                <a:cs typeface="Courier" charset="0"/>
+              </a:rPr>
+              <a:t>/migrations/0001_initial.py</a:t>
+            </a:r>
+          </a:p>
+          <a:p>
+            <a:r>
+              <a:rPr lang="en-US" sz="1600" dirty="0">
+                <a:latin typeface="Courier" charset="0"/>
+                <a:ea typeface="Courier" charset="0"/>
+                <a:cs typeface="Courier" charset="0"/>
+              </a:rPr>
+              <a:t>many/migrations/0001_initial.py</a:t>
+            </a:r>
+          </a:p>
+          <a:p>
+            <a:r>
+              <a:rPr lang="en-US" sz="1600" dirty="0" err="1">
+                <a:latin typeface="Courier" charset="0"/>
+                <a:ea typeface="Courier" charset="0"/>
+                <a:cs typeface="Courier" charset="0"/>
+              </a:rPr>
+              <a:t>myarts</a:t>
+            </a:r>
+            <a:r>
+              <a:rPr lang="en-US" sz="1600" dirty="0">
+                <a:latin typeface="Courier" charset="0"/>
+                <a:ea typeface="Courier" charset="0"/>
+                <a:cs typeface="Courier" charset="0"/>
+              </a:rPr>
+              <a:t>/migrations/0001_initial.py</a:t>
+            </a:r>
+          </a:p>
+          <a:p>
+            <a:r>
+              <a:rPr lang="en-US" sz="1600" dirty="0">
+                <a:latin typeface="Courier" charset="0"/>
+                <a:ea typeface="Courier" charset="0"/>
+                <a:cs typeface="Courier" charset="0"/>
+              </a:rPr>
+              <a:t>pics/migrations/0001_initial.py</a:t>
+            </a:r>
+          </a:p>
+          <a:p>
+            <a:r>
+              <a:rPr lang="en-US" sz="1600" dirty="0">
+                <a:latin typeface="Courier" charset="0"/>
+                <a:ea typeface="Courier" charset="0"/>
+                <a:cs typeface="Courier" charset="0"/>
+              </a:rPr>
+              <a:t>rest/migrations/0001_initial.py</a:t>
+            </a:r>
+          </a:p>
+          <a:p>
+            <a:r>
+              <a:rPr lang="en-US" sz="1600" dirty="0">
+                <a:latin typeface="Courier" charset="0"/>
+                <a:ea typeface="Courier" charset="0"/>
+                <a:cs typeface="Courier" charset="0"/>
+              </a:rPr>
+              <a:t>tracks/migrations/0001_initial.py</a:t>
+            </a:r>
+          </a:p>
+          <a:p>
+            <a:r>
+              <a:rPr lang="en-US" sz="1600" dirty="0" smtClean="0">
+                <a:latin typeface="Courier" charset="0"/>
+                <a:ea typeface="Courier" charset="0"/>
+                <a:cs typeface="Courier" charset="0"/>
+              </a:rPr>
+              <a:t>users/migrations/0001_initial.py</a:t>
+            </a:r>
+          </a:p>
+          <a:p>
+            <a:r>
+              <a:rPr lang="en-US" sz="1600" b="1" dirty="0" smtClean="0">
+                <a:solidFill>
+                  <a:srgbClr val="00FDFF"/>
+                </a:solidFill>
+                <a:latin typeface="Courier" charset="0"/>
+                <a:ea typeface="Courier" charset="0"/>
+                <a:cs typeface="Courier" charset="0"/>
+              </a:rPr>
+              <a:t>dj4e-samples$</a:t>
+            </a:r>
+            <a:endParaRPr lang="en-US" sz="1600" b="1" dirty="0">
+              <a:solidFill>
+                <a:srgbClr val="00FDFF"/>
+              </a:solidFill>
+              <a:latin typeface="Courier" charset="0"/>
+              <a:ea typeface="Courier" charset="0"/>
+              <a:cs typeface="Courier" charset="0"/>
+            </a:endParaRPr>
+          </a:p>
+        </p:txBody>
+      </p:sp>
+      <p:sp>
+        <p:nvSpPr>
+          <p:cNvPr id="5" name="TextBox 4"/>
+          <p:cNvSpPr txBox="1"/>
+          <p:nvPr/>
+        </p:nvSpPr>
+        <p:spPr>
+          <a:xfrm>
+            <a:off x="300266" y="1857612"/>
+            <a:ext cx="5052986" cy="3293209"/>
+          </a:xfrm>
+          <a:prstGeom prst="rect">
+            <a:avLst/>
+          </a:prstGeom>
+          <a:noFill/>
+        </p:spPr>
+        <p:txBody>
+          <a:bodyPr wrap="none" rtlCol="0">
+            <a:spAutoFit/>
+          </a:bodyPr>
+          <a:lstStyle/>
+          <a:p>
+            <a:r>
+              <a:rPr lang="en-US" sz="1600" b="1" dirty="0" smtClean="0">
+                <a:solidFill>
+                  <a:srgbClr val="00FDFF"/>
+                </a:solidFill>
+                <a:latin typeface="Courier" charset="0"/>
+                <a:ea typeface="Courier" charset="0"/>
+                <a:cs typeface="Courier" charset="0"/>
+              </a:rPr>
+              <a:t>dj4e-samples$ </a:t>
+            </a:r>
+            <a:r>
+              <a:rPr lang="en-US" sz="1600" b="1" dirty="0">
+                <a:solidFill>
+                  <a:srgbClr val="FFFF00"/>
+                </a:solidFill>
+                <a:latin typeface="Courier" charset="0"/>
+                <a:ea typeface="Courier" charset="0"/>
+                <a:cs typeface="Courier" charset="0"/>
+              </a:rPr>
+              <a:t>ls */</a:t>
+            </a:r>
+            <a:r>
+              <a:rPr lang="en-US" sz="1600" b="1" dirty="0" err="1">
+                <a:solidFill>
+                  <a:srgbClr val="FFFF00"/>
+                </a:solidFill>
+                <a:latin typeface="Courier" charset="0"/>
+                <a:ea typeface="Courier" charset="0"/>
+                <a:cs typeface="Courier" charset="0"/>
+              </a:rPr>
+              <a:t>models.py</a:t>
+            </a:r>
+            <a:endParaRPr lang="en-US" sz="1600" b="1" dirty="0">
+              <a:solidFill>
+                <a:srgbClr val="FFFF00"/>
+              </a:solidFill>
+              <a:latin typeface="Courier" charset="0"/>
+              <a:ea typeface="Courier" charset="0"/>
+              <a:cs typeface="Courier" charset="0"/>
+            </a:endParaRPr>
+          </a:p>
+          <a:p>
+            <a:r>
+              <a:rPr lang="en-US" sz="1600" b="1" dirty="0">
+                <a:latin typeface="Courier" charset="0"/>
+                <a:ea typeface="Courier" charset="0"/>
+                <a:cs typeface="Courier" charset="0"/>
+              </a:rPr>
+              <a:t>autos/</a:t>
+            </a:r>
+            <a:r>
+              <a:rPr lang="en-US" sz="1600" b="1" dirty="0" err="1">
+                <a:latin typeface="Courier" charset="0"/>
+                <a:ea typeface="Courier" charset="0"/>
+                <a:cs typeface="Courier" charset="0"/>
+              </a:rPr>
+              <a:t>models.py</a:t>
+            </a:r>
+            <a:r>
+              <a:rPr lang="en-US" sz="1600" b="1" dirty="0">
+                <a:latin typeface="Courier" charset="0"/>
+                <a:ea typeface="Courier" charset="0"/>
+                <a:cs typeface="Courier" charset="0"/>
+              </a:rPr>
+              <a:t>	</a:t>
+            </a:r>
+            <a:r>
+              <a:rPr lang="en-US" sz="1600" b="1" dirty="0" smtClean="0">
+                <a:latin typeface="Courier" charset="0"/>
+                <a:ea typeface="Courier" charset="0"/>
+                <a:cs typeface="Courier" charset="0"/>
+              </a:rPr>
+              <a:t>many/</a:t>
+            </a:r>
+            <a:r>
+              <a:rPr lang="en-US" sz="1600" b="1" dirty="0" err="1" smtClean="0">
+                <a:latin typeface="Courier" charset="0"/>
+                <a:ea typeface="Courier" charset="0"/>
+                <a:cs typeface="Courier" charset="0"/>
+              </a:rPr>
+              <a:t>models.py</a:t>
+            </a:r>
+            <a:endParaRPr lang="en-US" sz="1600" b="1" dirty="0">
+              <a:latin typeface="Courier" charset="0"/>
+              <a:ea typeface="Courier" charset="0"/>
+              <a:cs typeface="Courier" charset="0"/>
+            </a:endParaRPr>
+          </a:p>
+          <a:p>
+            <a:r>
+              <a:rPr lang="en-US" sz="1600" b="1" dirty="0" err="1">
+                <a:latin typeface="Courier" charset="0"/>
+                <a:ea typeface="Courier" charset="0"/>
+                <a:cs typeface="Courier" charset="0"/>
+              </a:rPr>
+              <a:t>bookone</a:t>
+            </a:r>
+            <a:r>
+              <a:rPr lang="en-US" sz="1600" b="1" dirty="0">
+                <a:latin typeface="Courier" charset="0"/>
+                <a:ea typeface="Courier" charset="0"/>
+                <a:cs typeface="Courier" charset="0"/>
+              </a:rPr>
+              <a:t>/</a:t>
+            </a:r>
+            <a:r>
+              <a:rPr lang="en-US" sz="1600" b="1" dirty="0" err="1">
+                <a:latin typeface="Courier" charset="0"/>
+                <a:ea typeface="Courier" charset="0"/>
+                <a:cs typeface="Courier" charset="0"/>
+              </a:rPr>
+              <a:t>models.py</a:t>
+            </a:r>
+            <a:r>
+              <a:rPr lang="en-US" sz="1600" b="1" dirty="0">
+                <a:latin typeface="Courier" charset="0"/>
+                <a:ea typeface="Courier" charset="0"/>
+                <a:cs typeface="Courier" charset="0"/>
+              </a:rPr>
+              <a:t>	menu/</a:t>
+            </a:r>
+            <a:r>
+              <a:rPr lang="en-US" sz="1600" b="1" dirty="0" err="1">
+                <a:latin typeface="Courier" charset="0"/>
+                <a:ea typeface="Courier" charset="0"/>
+                <a:cs typeface="Courier" charset="0"/>
+              </a:rPr>
+              <a:t>models.py</a:t>
+            </a:r>
+            <a:endParaRPr lang="en-US" sz="1600" b="1" dirty="0">
+              <a:latin typeface="Courier" charset="0"/>
+              <a:ea typeface="Courier" charset="0"/>
+              <a:cs typeface="Courier" charset="0"/>
+            </a:endParaRPr>
+          </a:p>
+          <a:p>
+            <a:r>
+              <a:rPr lang="en-US" sz="1600" b="1" dirty="0">
+                <a:latin typeface="Courier" charset="0"/>
+                <a:ea typeface="Courier" charset="0"/>
+                <a:cs typeface="Courier" charset="0"/>
+              </a:rPr>
+              <a:t>crispy/</a:t>
+            </a:r>
+            <a:r>
+              <a:rPr lang="en-US" sz="1600" b="1" dirty="0" err="1">
+                <a:latin typeface="Courier" charset="0"/>
+                <a:ea typeface="Courier" charset="0"/>
+                <a:cs typeface="Courier" charset="0"/>
+              </a:rPr>
+              <a:t>models.py</a:t>
+            </a:r>
+            <a:r>
+              <a:rPr lang="en-US" sz="1600" b="1" dirty="0">
+                <a:latin typeface="Courier" charset="0"/>
+                <a:ea typeface="Courier" charset="0"/>
+                <a:cs typeface="Courier" charset="0"/>
+              </a:rPr>
+              <a:t>	</a:t>
+            </a:r>
+            <a:r>
+              <a:rPr lang="en-US" sz="1600" b="1" dirty="0" err="1">
+                <a:latin typeface="Courier" charset="0"/>
+                <a:ea typeface="Courier" charset="0"/>
+                <a:cs typeface="Courier" charset="0"/>
+              </a:rPr>
+              <a:t>myarts</a:t>
+            </a:r>
+            <a:r>
+              <a:rPr lang="en-US" sz="1600" b="1" dirty="0">
+                <a:latin typeface="Courier" charset="0"/>
+                <a:ea typeface="Courier" charset="0"/>
+                <a:cs typeface="Courier" charset="0"/>
+              </a:rPr>
+              <a:t>/</a:t>
+            </a:r>
+            <a:r>
+              <a:rPr lang="en-US" sz="1600" b="1" dirty="0" err="1">
+                <a:latin typeface="Courier" charset="0"/>
+                <a:ea typeface="Courier" charset="0"/>
+                <a:cs typeface="Courier" charset="0"/>
+              </a:rPr>
+              <a:t>models.py</a:t>
+            </a:r>
+            <a:endParaRPr lang="en-US" sz="1600" b="1" dirty="0">
+              <a:latin typeface="Courier" charset="0"/>
+              <a:ea typeface="Courier" charset="0"/>
+              <a:cs typeface="Courier" charset="0"/>
+            </a:endParaRPr>
+          </a:p>
+          <a:p>
+            <a:r>
+              <a:rPr lang="en-US" sz="1600" b="1" dirty="0">
+                <a:latin typeface="Courier" charset="0"/>
+                <a:ea typeface="Courier" charset="0"/>
+                <a:cs typeface="Courier" charset="0"/>
+              </a:rPr>
+              <a:t>favs/</a:t>
+            </a:r>
+            <a:r>
+              <a:rPr lang="en-US" sz="1600" b="1" dirty="0" err="1">
+                <a:latin typeface="Courier" charset="0"/>
+                <a:ea typeface="Courier" charset="0"/>
+                <a:cs typeface="Courier" charset="0"/>
+              </a:rPr>
+              <a:t>models.py</a:t>
+            </a:r>
+            <a:r>
+              <a:rPr lang="en-US" sz="1600" b="1" dirty="0">
+                <a:latin typeface="Courier" charset="0"/>
+                <a:ea typeface="Courier" charset="0"/>
+                <a:cs typeface="Courier" charset="0"/>
+              </a:rPr>
+              <a:t>		pics/</a:t>
+            </a:r>
+            <a:r>
+              <a:rPr lang="en-US" sz="1600" b="1" dirty="0" err="1">
+                <a:latin typeface="Courier" charset="0"/>
+                <a:ea typeface="Courier" charset="0"/>
+                <a:cs typeface="Courier" charset="0"/>
+              </a:rPr>
+              <a:t>models.py</a:t>
+            </a:r>
+            <a:endParaRPr lang="en-US" sz="1600" b="1" dirty="0">
+              <a:latin typeface="Courier" charset="0"/>
+              <a:ea typeface="Courier" charset="0"/>
+              <a:cs typeface="Courier" charset="0"/>
+            </a:endParaRPr>
+          </a:p>
+          <a:p>
+            <a:r>
+              <a:rPr lang="en-US" sz="1600" b="1" dirty="0" err="1">
+                <a:latin typeface="Courier" charset="0"/>
+                <a:ea typeface="Courier" charset="0"/>
+                <a:cs typeface="Courier" charset="0"/>
+              </a:rPr>
+              <a:t>favsql</a:t>
+            </a:r>
+            <a:r>
+              <a:rPr lang="en-US" sz="1600" b="1" dirty="0">
+                <a:latin typeface="Courier" charset="0"/>
+                <a:ea typeface="Courier" charset="0"/>
+                <a:cs typeface="Courier" charset="0"/>
+              </a:rPr>
+              <a:t>/</a:t>
+            </a:r>
+            <a:r>
+              <a:rPr lang="en-US" sz="1600" b="1" dirty="0" err="1">
+                <a:latin typeface="Courier" charset="0"/>
+                <a:ea typeface="Courier" charset="0"/>
+                <a:cs typeface="Courier" charset="0"/>
+              </a:rPr>
+              <a:t>models.py</a:t>
+            </a:r>
+            <a:r>
+              <a:rPr lang="en-US" sz="1600" b="1" dirty="0">
+                <a:latin typeface="Courier" charset="0"/>
+                <a:ea typeface="Courier" charset="0"/>
+                <a:cs typeface="Courier" charset="0"/>
+              </a:rPr>
+              <a:t>	rest/</a:t>
+            </a:r>
+            <a:r>
+              <a:rPr lang="en-US" sz="1600" b="1" dirty="0" err="1">
+                <a:latin typeface="Courier" charset="0"/>
+                <a:ea typeface="Courier" charset="0"/>
+                <a:cs typeface="Courier" charset="0"/>
+              </a:rPr>
+              <a:t>models.py</a:t>
+            </a:r>
+            <a:endParaRPr lang="en-US" sz="1600" b="1" dirty="0">
+              <a:latin typeface="Courier" charset="0"/>
+              <a:ea typeface="Courier" charset="0"/>
+              <a:cs typeface="Courier" charset="0"/>
+            </a:endParaRPr>
+          </a:p>
+          <a:p>
+            <a:r>
+              <a:rPr lang="en-US" sz="1600" b="1" dirty="0">
+                <a:latin typeface="Courier" charset="0"/>
+                <a:ea typeface="Courier" charset="0"/>
+                <a:cs typeface="Courier" charset="0"/>
+              </a:rPr>
+              <a:t>form/</a:t>
+            </a:r>
+            <a:r>
+              <a:rPr lang="en-US" sz="1600" b="1" dirty="0" err="1">
+                <a:latin typeface="Courier" charset="0"/>
+                <a:ea typeface="Courier" charset="0"/>
+                <a:cs typeface="Courier" charset="0"/>
+              </a:rPr>
+              <a:t>models.py</a:t>
+            </a:r>
+            <a:r>
+              <a:rPr lang="en-US" sz="1600" b="1" dirty="0">
+                <a:latin typeface="Courier" charset="0"/>
+                <a:ea typeface="Courier" charset="0"/>
+                <a:cs typeface="Courier" charset="0"/>
+              </a:rPr>
+              <a:t>		route/</a:t>
+            </a:r>
+            <a:r>
+              <a:rPr lang="en-US" sz="1600" b="1" dirty="0" err="1">
+                <a:latin typeface="Courier" charset="0"/>
+                <a:ea typeface="Courier" charset="0"/>
+                <a:cs typeface="Courier" charset="0"/>
+              </a:rPr>
+              <a:t>models.py</a:t>
+            </a:r>
+            <a:endParaRPr lang="en-US" sz="1600" b="1" dirty="0">
+              <a:latin typeface="Courier" charset="0"/>
+              <a:ea typeface="Courier" charset="0"/>
+              <a:cs typeface="Courier" charset="0"/>
+            </a:endParaRPr>
+          </a:p>
+          <a:p>
+            <a:r>
+              <a:rPr lang="en-US" sz="1600" b="1" dirty="0">
+                <a:latin typeface="Courier" charset="0"/>
+                <a:ea typeface="Courier" charset="0"/>
+                <a:cs typeface="Courier" charset="0"/>
+              </a:rPr>
+              <a:t>forums/</a:t>
+            </a:r>
+            <a:r>
+              <a:rPr lang="en-US" sz="1600" b="1" dirty="0" err="1">
+                <a:latin typeface="Courier" charset="0"/>
+                <a:ea typeface="Courier" charset="0"/>
+                <a:cs typeface="Courier" charset="0"/>
+              </a:rPr>
+              <a:t>models.py</a:t>
+            </a:r>
+            <a:r>
+              <a:rPr lang="en-US" sz="1600" b="1" dirty="0">
+                <a:latin typeface="Courier" charset="0"/>
+                <a:ea typeface="Courier" charset="0"/>
+                <a:cs typeface="Courier" charset="0"/>
+              </a:rPr>
+              <a:t>	session/</a:t>
+            </a:r>
+            <a:r>
+              <a:rPr lang="en-US" sz="1600" b="1" dirty="0" err="1">
+                <a:latin typeface="Courier" charset="0"/>
+                <a:ea typeface="Courier" charset="0"/>
+                <a:cs typeface="Courier" charset="0"/>
+              </a:rPr>
+              <a:t>models.py</a:t>
+            </a:r>
+            <a:endParaRPr lang="en-US" sz="1600" b="1" dirty="0">
+              <a:latin typeface="Courier" charset="0"/>
+              <a:ea typeface="Courier" charset="0"/>
+              <a:cs typeface="Courier" charset="0"/>
+            </a:endParaRPr>
+          </a:p>
+          <a:p>
+            <a:r>
+              <a:rPr lang="en-US" sz="1600" b="1" dirty="0" err="1">
+                <a:latin typeface="Courier" charset="0"/>
+                <a:ea typeface="Courier" charset="0"/>
+                <a:cs typeface="Courier" charset="0"/>
+              </a:rPr>
+              <a:t>getpost</a:t>
+            </a:r>
+            <a:r>
+              <a:rPr lang="en-US" sz="1600" b="1" dirty="0">
+                <a:latin typeface="Courier" charset="0"/>
+                <a:ea typeface="Courier" charset="0"/>
+                <a:cs typeface="Courier" charset="0"/>
+              </a:rPr>
+              <a:t>/</a:t>
+            </a:r>
+            <a:r>
+              <a:rPr lang="en-US" sz="1600" b="1" dirty="0" err="1">
+                <a:latin typeface="Courier" charset="0"/>
+                <a:ea typeface="Courier" charset="0"/>
+                <a:cs typeface="Courier" charset="0"/>
+              </a:rPr>
+              <a:t>models.py</a:t>
+            </a:r>
+            <a:r>
+              <a:rPr lang="en-US" sz="1600" b="1" dirty="0">
+                <a:latin typeface="Courier" charset="0"/>
+                <a:ea typeface="Courier" charset="0"/>
+                <a:cs typeface="Courier" charset="0"/>
+              </a:rPr>
+              <a:t>	</a:t>
+            </a:r>
+            <a:r>
+              <a:rPr lang="en-US" sz="1600" b="1" dirty="0" err="1">
+                <a:latin typeface="Courier" charset="0"/>
+                <a:ea typeface="Courier" charset="0"/>
+                <a:cs typeface="Courier" charset="0"/>
+              </a:rPr>
+              <a:t>tmpl</a:t>
+            </a:r>
+            <a:r>
+              <a:rPr lang="en-US" sz="1600" b="1" dirty="0">
+                <a:latin typeface="Courier" charset="0"/>
+                <a:ea typeface="Courier" charset="0"/>
+                <a:cs typeface="Courier" charset="0"/>
+              </a:rPr>
+              <a:t>/</a:t>
+            </a:r>
+            <a:r>
+              <a:rPr lang="en-US" sz="1600" b="1" dirty="0" err="1">
+                <a:latin typeface="Courier" charset="0"/>
+                <a:ea typeface="Courier" charset="0"/>
+                <a:cs typeface="Courier" charset="0"/>
+              </a:rPr>
+              <a:t>models.py</a:t>
+            </a:r>
+            <a:endParaRPr lang="en-US" sz="1600" b="1" dirty="0">
+              <a:latin typeface="Courier" charset="0"/>
+              <a:ea typeface="Courier" charset="0"/>
+              <a:cs typeface="Courier" charset="0"/>
+            </a:endParaRPr>
+          </a:p>
+          <a:p>
+            <a:r>
+              <a:rPr lang="en-US" sz="1600" b="1" dirty="0" err="1">
+                <a:latin typeface="Courier" charset="0"/>
+                <a:ea typeface="Courier" charset="0"/>
+                <a:cs typeface="Courier" charset="0"/>
+              </a:rPr>
+              <a:t>gview</a:t>
+            </a:r>
+            <a:r>
+              <a:rPr lang="en-US" sz="1600" b="1" dirty="0">
+                <a:latin typeface="Courier" charset="0"/>
+                <a:ea typeface="Courier" charset="0"/>
+                <a:cs typeface="Courier" charset="0"/>
+              </a:rPr>
+              <a:t>/</a:t>
+            </a:r>
+            <a:r>
+              <a:rPr lang="en-US" sz="1600" b="1" dirty="0" err="1">
+                <a:latin typeface="Courier" charset="0"/>
+                <a:ea typeface="Courier" charset="0"/>
+                <a:cs typeface="Courier" charset="0"/>
+              </a:rPr>
+              <a:t>models.py</a:t>
+            </a:r>
+            <a:r>
+              <a:rPr lang="en-US" sz="1600" b="1" dirty="0">
+                <a:latin typeface="Courier" charset="0"/>
+                <a:ea typeface="Courier" charset="0"/>
+                <a:cs typeface="Courier" charset="0"/>
+              </a:rPr>
+              <a:t>	</a:t>
+            </a:r>
+            <a:r>
+              <a:rPr lang="en-US" sz="1600" b="1" dirty="0" smtClean="0">
+                <a:latin typeface="Courier" charset="0"/>
+                <a:ea typeface="Courier" charset="0"/>
+                <a:cs typeface="Courier" charset="0"/>
+              </a:rPr>
+              <a:t>tracks/</a:t>
+            </a:r>
+            <a:r>
+              <a:rPr lang="en-US" sz="1600" b="1" dirty="0" err="1" smtClean="0">
+                <a:latin typeface="Courier" charset="0"/>
+                <a:ea typeface="Courier" charset="0"/>
+                <a:cs typeface="Courier" charset="0"/>
+              </a:rPr>
+              <a:t>models.py</a:t>
+            </a:r>
+            <a:endParaRPr lang="en-US" sz="1600" b="1" dirty="0">
+              <a:latin typeface="Courier" charset="0"/>
+              <a:ea typeface="Courier" charset="0"/>
+              <a:cs typeface="Courier" charset="0"/>
+            </a:endParaRPr>
+          </a:p>
+          <a:p>
+            <a:r>
+              <a:rPr lang="en-US" sz="1600" b="1" dirty="0">
+                <a:latin typeface="Courier" charset="0"/>
+                <a:ea typeface="Courier" charset="0"/>
+                <a:cs typeface="Courier" charset="0"/>
+              </a:rPr>
+              <a:t>hello/</a:t>
+            </a:r>
+            <a:r>
+              <a:rPr lang="en-US" sz="1600" b="1" dirty="0" err="1">
+                <a:latin typeface="Courier" charset="0"/>
+                <a:ea typeface="Courier" charset="0"/>
+                <a:cs typeface="Courier" charset="0"/>
+              </a:rPr>
+              <a:t>models.py</a:t>
+            </a:r>
+            <a:r>
+              <a:rPr lang="en-US" sz="1600" b="1" dirty="0">
+                <a:latin typeface="Courier" charset="0"/>
+                <a:ea typeface="Courier" charset="0"/>
+                <a:cs typeface="Courier" charset="0"/>
+              </a:rPr>
+              <a:t>	</a:t>
+            </a:r>
+            <a:r>
+              <a:rPr lang="en-US" sz="1600" b="1" dirty="0" smtClean="0">
+                <a:latin typeface="Courier" charset="0"/>
+                <a:ea typeface="Courier" charset="0"/>
+                <a:cs typeface="Courier" charset="0"/>
+              </a:rPr>
+              <a:t>users/</a:t>
+            </a:r>
+            <a:r>
+              <a:rPr lang="en-US" sz="1600" b="1" dirty="0" err="1" smtClean="0">
+                <a:latin typeface="Courier" charset="0"/>
+                <a:ea typeface="Courier" charset="0"/>
+                <a:cs typeface="Courier" charset="0"/>
+              </a:rPr>
+              <a:t>models.py</a:t>
+            </a:r>
+            <a:endParaRPr lang="en-US" sz="1600" b="1" dirty="0">
+              <a:latin typeface="Courier" charset="0"/>
+              <a:ea typeface="Courier" charset="0"/>
+              <a:cs typeface="Courier" charset="0"/>
+            </a:endParaRPr>
+          </a:p>
+          <a:p>
+            <a:r>
+              <a:rPr lang="en-US" sz="1600" b="1" dirty="0">
+                <a:latin typeface="Courier" charset="0"/>
+                <a:ea typeface="Courier" charset="0"/>
+                <a:cs typeface="Courier" charset="0"/>
+              </a:rPr>
+              <a:t>home/</a:t>
+            </a:r>
+            <a:r>
+              <a:rPr lang="en-US" sz="1600" b="1" dirty="0" err="1">
+                <a:latin typeface="Courier" charset="0"/>
+                <a:ea typeface="Courier" charset="0"/>
+                <a:cs typeface="Courier" charset="0"/>
+              </a:rPr>
+              <a:t>models.py</a:t>
+            </a:r>
+            <a:r>
+              <a:rPr lang="en-US" sz="1600" b="1" dirty="0">
+                <a:latin typeface="Courier" charset="0"/>
+                <a:ea typeface="Courier" charset="0"/>
+                <a:cs typeface="Courier" charset="0"/>
+              </a:rPr>
+              <a:t>		views/</a:t>
+            </a:r>
+            <a:r>
+              <a:rPr lang="en-US" sz="1600" b="1" dirty="0" err="1">
+                <a:latin typeface="Courier" charset="0"/>
+                <a:ea typeface="Courier" charset="0"/>
+                <a:cs typeface="Courier" charset="0"/>
+              </a:rPr>
+              <a:t>models.py</a:t>
+            </a:r>
+            <a:endParaRPr lang="en-US" sz="1600" b="1" dirty="0">
+              <a:latin typeface="Courier" charset="0"/>
+              <a:ea typeface="Courier" charset="0"/>
+              <a:cs typeface="Courier" charset="0"/>
+            </a:endParaRPr>
+          </a:p>
+          <a:p>
+            <a:r>
+              <a:rPr lang="en-US" sz="1600" b="1" dirty="0" smtClean="0">
+                <a:solidFill>
+                  <a:srgbClr val="00FDFF"/>
+                </a:solidFill>
+                <a:latin typeface="Courier" charset="0"/>
+                <a:ea typeface="Courier" charset="0"/>
+                <a:cs typeface="Courier" charset="0"/>
+              </a:rPr>
+              <a:t>dj4e-samples$ </a:t>
+            </a:r>
+            <a:endParaRPr lang="en-US" sz="1600" b="1" dirty="0">
+              <a:solidFill>
+                <a:srgbClr val="00FDFF"/>
+              </a:solidFill>
+              <a:latin typeface="Courier" charset="0"/>
+              <a:ea typeface="Courier" charset="0"/>
+              <a:cs typeface="Courier" charset="0"/>
+            </a:endParaRPr>
+          </a:p>
+        </p:txBody>
+      </p:sp>
+      <p:sp>
+        <p:nvSpPr>
+          <p:cNvPr id="6" name="Right Arrow 5"/>
+          <p:cNvSpPr/>
+          <p:nvPr/>
+        </p:nvSpPr>
+        <p:spPr>
+          <a:xfrm>
+            <a:off x="5543550" y="3357563"/>
+            <a:ext cx="828675" cy="514350"/>
+          </a:xfrm>
+          <a:prstGeom prst="rightArrow">
+            <a:avLst/>
+          </a:prstGeom>
+        </p:spPr>
+        <p:style>
+          <a:lnRef idx="2">
+            <a:schemeClr val="accent1">
+              <a:shade val="50000"/>
+            </a:schemeClr>
+          </a:lnRef>
+          <a:fillRef idx="1">
+            <a:schemeClr val="accent1"/>
+          </a:fillRef>
+          <a:effectRef idx="0">
+            <a:schemeClr val="accent1"/>
+          </a:effectRef>
+          <a:fontRef idx="minor">
+            <a:schemeClr val="lt1"/>
+          </a:fontRef>
+        </p:style>
+        <p:txBody>
+          <a:bodyPr rtlCol="0" anchor="ctr"/>
+          <a:lstStyle/>
+          <a:p>
+            <a:pPr algn="ctr"/>
+            <a:endParaRPr lang="en-US"/>
+          </a:p>
+        </p:txBody>
+      </p:sp>
+    </p:spTree>
+    <p:extLst>
+      <p:ext uri="{BB962C8B-B14F-4D97-AF65-F5344CB8AC3E}">
+        <p14:creationId xmlns:p14="http://schemas.microsoft.com/office/powerpoint/2010/main" val="1874805039"/>
+      </p:ext>
+    </p:extLst>
+  </p:cSld>
+  <p:clrMapOvr>
+    <a:masterClrMapping/>
+  </p:clrMapOvr>
+  <p:timing>
+    <p:tnLst>
+      <p:par>
+        <p:cTn id="1" dur="indefinite" restart="never" nodeType="tmRoot"/>
+      </p:par>
+    </p:tnLst>
+  </p:timing>
+</p:sld>
+</file>
+
+<file path=ppt/slides/slide17.xml><?xml version="1.0" encoding="utf-8"?>
+<p:sld xmlns:a="http://schemas.openxmlformats.org/drawingml/2006/main" xmlns:r="http://schemas.openxmlformats.org/officeDocument/2006/relationships" xmlns:p="http://schemas.openxmlformats.org/presentationml/2006/main">
+  <p:cSld>
+    <p:spTree>
+      <p:nvGrpSpPr>
+        <p:cNvPr id="1" name=""/>
+        <p:cNvGrpSpPr/>
+        <p:nvPr/>
+      </p:nvGrpSpPr>
+      <p:grpSpPr>
+        <a:xfrm>
+          <a:off x="0" y="0"/>
+          <a:ext cx="0" cy="0"/>
+          <a:chOff x="0" y="0"/>
+          <a:chExt cx="0" cy="0"/>
+        </a:xfrm>
+      </p:grpSpPr>
+      <p:sp>
+        <p:nvSpPr>
+          <p:cNvPr id="2" name="Title 1"/>
+          <p:cNvSpPr>
+            <a:spLocks noGrp="1"/>
+          </p:cNvSpPr>
+          <p:nvPr>
+            <p:ph type="title"/>
+          </p:nvPr>
+        </p:nvSpPr>
+        <p:spPr/>
+        <p:txBody>
+          <a:bodyPr/>
+          <a:lstStyle/>
+          <a:p>
+            <a:r>
+              <a:rPr lang="en-US" dirty="0" smtClean="0"/>
+              <a:t>migrate</a:t>
+            </a:r>
+            <a:endParaRPr lang="en-US" dirty="0"/>
+          </a:p>
+        </p:txBody>
+      </p:sp>
+      <p:sp>
+        <p:nvSpPr>
+          <p:cNvPr id="6" name="Right Arrow 5"/>
+          <p:cNvSpPr/>
+          <p:nvPr/>
+        </p:nvSpPr>
+        <p:spPr>
+          <a:xfrm>
+            <a:off x="5439494" y="3083926"/>
+            <a:ext cx="828675" cy="514350"/>
+          </a:xfrm>
+          <a:prstGeom prst="rightArrow">
+            <a:avLst/>
+          </a:prstGeom>
+        </p:spPr>
+        <p:style>
+          <a:lnRef idx="2">
+            <a:schemeClr val="accent1">
+              <a:shade val="50000"/>
+            </a:schemeClr>
+          </a:lnRef>
+          <a:fillRef idx="1">
+            <a:schemeClr val="accent1"/>
+          </a:fillRef>
+          <a:effectRef idx="0">
+            <a:schemeClr val="accent1"/>
+          </a:effectRef>
+          <a:fontRef idx="minor">
+            <a:schemeClr val="lt1"/>
+          </a:fontRef>
+        </p:style>
+        <p:txBody>
+          <a:bodyPr rtlCol="0" anchor="ctr"/>
+          <a:lstStyle/>
+          <a:p>
+            <a:pPr algn="ctr"/>
+            <a:endParaRPr lang="en-US"/>
+          </a:p>
+        </p:txBody>
+      </p:sp>
+      <p:sp>
+        <p:nvSpPr>
+          <p:cNvPr id="7" name="Rectangle 6"/>
+          <p:cNvSpPr/>
+          <p:nvPr/>
+        </p:nvSpPr>
+        <p:spPr>
+          <a:xfrm>
+            <a:off x="6707044" y="785929"/>
+            <a:ext cx="5308748" cy="5078313"/>
+          </a:xfrm>
+          <a:prstGeom prst="rect">
+            <a:avLst/>
+          </a:prstGeom>
         </p:spPr>
         <p:txBody>
           <a:bodyPr wrap="square">
             <a:spAutoFit/>
           </a:bodyPr>
-          <a:lstStyle>
-            <a:lvl1pPr>
-              <a:defRPr sz="2000">
-                <a:solidFill>
-                  <a:srgbClr val="FFFFFF"/>
-                </a:solidFill>
-                <a:latin typeface="Gill Sans" charset="0"/>
-                <a:ea typeface="ヒラギノ角ゴ ProN W3" charset="-128"/>
-                <a:sym typeface="Gill Sans" charset="0"/>
-              </a:defRPr>
-            </a:lvl1pPr>
-            <a:lvl2pPr marL="742950" indent="-285750">
-              <a:defRPr sz="2000">
-                <a:solidFill>
-                  <a:srgbClr val="FFFFFF"/>
-                </a:solidFill>
-                <a:latin typeface="Gill Sans" charset="0"/>
-                <a:ea typeface="ヒラギノ角ゴ ProN W3" charset="-128"/>
-                <a:sym typeface="Gill Sans" charset="0"/>
-              </a:defRPr>
-            </a:lvl2pPr>
-            <a:lvl3pPr marL="1143000" indent="-228600">
-              <a:defRPr sz="2000">
-                <a:solidFill>
-                  <a:srgbClr val="FFFFFF"/>
-                </a:solidFill>
-                <a:latin typeface="Gill Sans" charset="0"/>
-                <a:ea typeface="ヒラギノ角ゴ ProN W3" charset="-128"/>
-                <a:sym typeface="Gill Sans" charset="0"/>
-              </a:defRPr>
-            </a:lvl3pPr>
-            <a:lvl4pPr marL="1600200" indent="-228600">
-              <a:defRPr sz="2000">
-                <a:solidFill>
-                  <a:srgbClr val="FFFFFF"/>
-                </a:solidFill>
-                <a:latin typeface="Gill Sans" charset="0"/>
-                <a:ea typeface="ヒラギノ角ゴ ProN W3" charset="-128"/>
-                <a:sym typeface="Gill Sans" charset="0"/>
-              </a:defRPr>
-            </a:lvl4pPr>
-            <a:lvl5pPr marL="2057400" indent="-228600">
-              <a:defRPr sz="2000">
-                <a:solidFill>
-                  <a:srgbClr val="FFFFFF"/>
-                </a:solidFill>
-                <a:latin typeface="Gill Sans" charset="0"/>
-                <a:ea typeface="ヒラギノ角ゴ ProN W3" charset="-128"/>
-                <a:sym typeface="Gill Sans" charset="0"/>
-              </a:defRPr>
-            </a:lvl5pPr>
-            <a:lvl6pPr marL="2514600" indent="-228600" eaLnBrk="0" fontAlgn="base" hangingPunct="0">
-              <a:spcBef>
-                <a:spcPct val="0"/>
-              </a:spcBef>
-              <a:spcAft>
-                <a:spcPct val="0"/>
-              </a:spcAft>
-              <a:defRPr sz="2000">
-                <a:solidFill>
-                  <a:srgbClr val="FFFFFF"/>
-                </a:solidFill>
-                <a:latin typeface="Gill Sans" charset="0"/>
-                <a:ea typeface="ヒラギノ角ゴ ProN W3" charset="-128"/>
-                <a:sym typeface="Gill Sans" charset="0"/>
-              </a:defRPr>
-            </a:lvl6pPr>
-            <a:lvl7pPr marL="2971800" indent="-228600" eaLnBrk="0" fontAlgn="base" hangingPunct="0">
-              <a:spcBef>
-                <a:spcPct val="0"/>
-              </a:spcBef>
-              <a:spcAft>
-                <a:spcPct val="0"/>
-              </a:spcAft>
-              <a:defRPr sz="2000">
-                <a:solidFill>
-                  <a:srgbClr val="FFFFFF"/>
-                </a:solidFill>
-                <a:latin typeface="Gill Sans" charset="0"/>
-                <a:ea typeface="ヒラギノ角ゴ ProN W3" charset="-128"/>
-                <a:sym typeface="Gill Sans" charset="0"/>
-              </a:defRPr>
-            </a:lvl7pPr>
-            <a:lvl8pPr marL="3429000" indent="-228600" eaLnBrk="0" fontAlgn="base" hangingPunct="0">
-              <a:spcBef>
-                <a:spcPct val="0"/>
-              </a:spcBef>
-              <a:spcAft>
-                <a:spcPct val="0"/>
-              </a:spcAft>
-              <a:defRPr sz="2000">
-                <a:solidFill>
-                  <a:srgbClr val="FFFFFF"/>
-                </a:solidFill>
-                <a:latin typeface="Gill Sans" charset="0"/>
-                <a:ea typeface="ヒラギノ角ゴ ProN W3" charset="-128"/>
-                <a:sym typeface="Gill Sans" charset="0"/>
-              </a:defRPr>
-            </a:lvl8pPr>
-            <a:lvl9pPr marL="3886200" indent="-228600" eaLnBrk="0" fontAlgn="base" hangingPunct="0">
-              <a:spcBef>
-                <a:spcPct val="0"/>
-              </a:spcBef>
-              <a:spcAft>
-                <a:spcPct val="0"/>
-              </a:spcAft>
-              <a:defRPr sz="2000">
-                <a:solidFill>
-                  <a:srgbClr val="FFFFFF"/>
-                </a:solidFill>
-                <a:latin typeface="Gill Sans" charset="0"/>
-                <a:ea typeface="ヒラギノ角ゴ ProN W3" charset="-128"/>
-                <a:sym typeface="Gill Sans" charset="0"/>
-              </a:defRPr>
-            </a:lvl9pPr>
-          </a:lstStyle>
-          <a:p>
-            <a:pPr eaLnBrk="1" hangingPunct="1"/>
-            <a:r>
-              <a:rPr lang="en-US" altLang="x-none" sz="1400" dirty="0">
-                <a:solidFill>
-                  <a:schemeClr val="tx1"/>
-                </a:solidFill>
-              </a:rPr>
-              <a:t>These slides are Copyright 2019-  Charles R. Severance (</a:t>
-            </a:r>
-            <a:r>
-              <a:rPr lang="en-US" altLang="x-none" sz="1400" dirty="0" err="1">
-                <a:solidFill>
-                  <a:schemeClr val="tx1"/>
-                </a:solidFill>
-              </a:rPr>
-              <a:t>www.dr-chuck.com</a:t>
-            </a:r>
-            <a:r>
-              <a:rPr lang="en-US" altLang="x-none" sz="1400" dirty="0">
-                <a:solidFill>
-                  <a:schemeClr val="tx1"/>
-                </a:solidFill>
-              </a:rPr>
-              <a:t>) as part of www.dj4e.com and made available under a Creative Commons Attribution 4.0 License.  Please maintain this last slide in all copies of the document to comply with the attribution requirements of the license.  If you make a change, feel free to add your name and organization to the list of contributors on this page as you republish the materials.</a:t>
-            </a:r>
-          </a:p>
-          <a:p>
-            <a:pPr eaLnBrk="1" hangingPunct="1"/>
-            <a:endParaRPr lang="en-US" altLang="x-none" sz="1400" dirty="0">
+          <a:lstStyle/>
+          <a:p>
+            <a:r>
+              <a:rPr lang="en-US" sz="1200" b="1" dirty="0" smtClean="0">
+                <a:solidFill>
+                  <a:srgbClr val="00FDFF"/>
+                </a:solidFill>
+                <a:latin typeface="Courier" charset="0"/>
+                <a:ea typeface="Courier" charset="0"/>
+                <a:cs typeface="Courier" charset="0"/>
+              </a:rPr>
+              <a:t>dj4e-samples$</a:t>
+            </a:r>
+            <a:r>
+              <a:rPr lang="en-US" sz="1200" b="1" dirty="0" smtClean="0">
+                <a:latin typeface="Courier" charset="0"/>
+                <a:ea typeface="Courier" charset="0"/>
+                <a:cs typeface="Courier" charset="0"/>
+              </a:rPr>
+              <a:t> </a:t>
+            </a:r>
+            <a:r>
+              <a:rPr lang="en-US" sz="1200" b="1" dirty="0">
+                <a:latin typeface="Courier" charset="0"/>
+                <a:ea typeface="Courier" charset="0"/>
+                <a:cs typeface="Courier" charset="0"/>
+              </a:rPr>
+              <a:t>s</a:t>
+            </a:r>
+            <a:r>
+              <a:rPr lang="en-US" sz="1200" b="1" dirty="0">
+                <a:solidFill>
+                  <a:srgbClr val="FFFF00"/>
+                </a:solidFill>
+                <a:latin typeface="Courier" charset="0"/>
+                <a:ea typeface="Courier" charset="0"/>
+                <a:cs typeface="Courier" charset="0"/>
+              </a:rPr>
+              <a:t>qlite3 db.sqlite3 </a:t>
+            </a:r>
+          </a:p>
+          <a:p>
+            <a:r>
+              <a:rPr lang="de-DE" sz="1200" b="1" dirty="0" err="1">
+                <a:latin typeface="Courier" charset="0"/>
+                <a:ea typeface="Courier" charset="0"/>
+                <a:cs typeface="Courier" charset="0"/>
+              </a:rPr>
+              <a:t>SQLite</a:t>
+            </a:r>
+            <a:r>
+              <a:rPr lang="de-DE" sz="1200" b="1" dirty="0">
+                <a:latin typeface="Courier" charset="0"/>
+                <a:ea typeface="Courier" charset="0"/>
+                <a:cs typeface="Courier" charset="0"/>
+              </a:rPr>
+              <a:t> </a:t>
+            </a:r>
+            <a:r>
+              <a:rPr lang="de-DE" sz="1200" b="1" dirty="0" err="1">
+                <a:latin typeface="Courier" charset="0"/>
+                <a:ea typeface="Courier" charset="0"/>
+                <a:cs typeface="Courier" charset="0"/>
+              </a:rPr>
+              <a:t>version</a:t>
+            </a:r>
+            <a:r>
+              <a:rPr lang="de-DE" sz="1200" b="1" dirty="0">
+                <a:latin typeface="Courier" charset="0"/>
+                <a:ea typeface="Courier" charset="0"/>
+                <a:cs typeface="Courier" charset="0"/>
+              </a:rPr>
+              <a:t> 3.24.0 2018-06-04 14:10:15</a:t>
+            </a:r>
+          </a:p>
+          <a:p>
+            <a:r>
+              <a:rPr lang="de-DE" sz="1200" b="1" dirty="0">
+                <a:latin typeface="Courier" charset="0"/>
+                <a:ea typeface="Courier" charset="0"/>
+                <a:cs typeface="Courier" charset="0"/>
+              </a:rPr>
+              <a:t>Enter ".</a:t>
+            </a:r>
+            <a:r>
+              <a:rPr lang="de-DE" sz="1200" b="1" dirty="0" err="1">
+                <a:latin typeface="Courier" charset="0"/>
+                <a:ea typeface="Courier" charset="0"/>
+                <a:cs typeface="Courier" charset="0"/>
+              </a:rPr>
+              <a:t>help</a:t>
+            </a:r>
+            <a:r>
+              <a:rPr lang="de-DE" sz="1200" b="1" dirty="0">
+                <a:latin typeface="Courier" charset="0"/>
+                <a:ea typeface="Courier" charset="0"/>
+                <a:cs typeface="Courier" charset="0"/>
+              </a:rPr>
+              <a:t>" </a:t>
+            </a:r>
+            <a:r>
+              <a:rPr lang="de-DE" sz="1200" b="1" dirty="0" err="1">
+                <a:latin typeface="Courier" charset="0"/>
+                <a:ea typeface="Courier" charset="0"/>
+                <a:cs typeface="Courier" charset="0"/>
+              </a:rPr>
+              <a:t>for</a:t>
+            </a:r>
+            <a:r>
+              <a:rPr lang="de-DE" sz="1200" b="1" dirty="0">
+                <a:latin typeface="Courier" charset="0"/>
+                <a:ea typeface="Courier" charset="0"/>
+                <a:cs typeface="Courier" charset="0"/>
+              </a:rPr>
+              <a:t> </a:t>
+            </a:r>
+            <a:r>
+              <a:rPr lang="de-DE" sz="1200" b="1" dirty="0" err="1">
+                <a:latin typeface="Courier" charset="0"/>
+                <a:ea typeface="Courier" charset="0"/>
+                <a:cs typeface="Courier" charset="0"/>
+              </a:rPr>
+              <a:t>usage</a:t>
+            </a:r>
+            <a:r>
+              <a:rPr lang="de-DE" sz="1200" b="1" dirty="0">
+                <a:latin typeface="Courier" charset="0"/>
+                <a:ea typeface="Courier" charset="0"/>
+                <a:cs typeface="Courier" charset="0"/>
+              </a:rPr>
+              <a:t> </a:t>
+            </a:r>
+            <a:r>
+              <a:rPr lang="de-DE" sz="1200" b="1" dirty="0" err="1">
+                <a:latin typeface="Courier" charset="0"/>
+                <a:ea typeface="Courier" charset="0"/>
+                <a:cs typeface="Courier" charset="0"/>
+              </a:rPr>
+              <a:t>hints</a:t>
+            </a:r>
+            <a:r>
+              <a:rPr lang="de-DE" sz="1200" b="1" dirty="0">
+                <a:latin typeface="Courier" charset="0"/>
+                <a:ea typeface="Courier" charset="0"/>
+                <a:cs typeface="Courier" charset="0"/>
+              </a:rPr>
+              <a:t>.</a:t>
+            </a:r>
+          </a:p>
+          <a:p>
+            <a:r>
+              <a:rPr lang="de-DE" sz="1200" b="1" dirty="0" err="1">
+                <a:solidFill>
+                  <a:srgbClr val="00FF00"/>
+                </a:solidFill>
+                <a:latin typeface="Courier" charset="0"/>
+                <a:ea typeface="Courier" charset="0"/>
+                <a:cs typeface="Courier" charset="0"/>
+              </a:rPr>
+              <a:t>sqlite</a:t>
+            </a:r>
+            <a:r>
+              <a:rPr lang="de-DE" sz="1200" b="1" dirty="0">
+                <a:solidFill>
+                  <a:srgbClr val="00FF00"/>
+                </a:solidFill>
+                <a:latin typeface="Courier" charset="0"/>
+                <a:ea typeface="Courier" charset="0"/>
+                <a:cs typeface="Courier" charset="0"/>
+              </a:rPr>
+              <a:t>&gt; </a:t>
+            </a:r>
+            <a:r>
+              <a:rPr lang="de-DE" sz="1200" b="1" dirty="0">
+                <a:solidFill>
+                  <a:srgbClr val="FFFF00"/>
+                </a:solidFill>
+                <a:latin typeface="Courier" charset="0"/>
+                <a:ea typeface="Courier" charset="0"/>
+                <a:cs typeface="Courier" charset="0"/>
+              </a:rPr>
+              <a:t>.</a:t>
+            </a:r>
+            <a:r>
+              <a:rPr lang="de-DE" sz="1200" b="1" dirty="0" err="1">
+                <a:solidFill>
+                  <a:srgbClr val="FFFF00"/>
+                </a:solidFill>
+                <a:latin typeface="Courier" charset="0"/>
+                <a:ea typeface="Courier" charset="0"/>
+                <a:cs typeface="Courier" charset="0"/>
+              </a:rPr>
+              <a:t>tables</a:t>
+            </a:r>
+            <a:endParaRPr lang="de-DE" sz="1200" b="1" dirty="0">
               <a:solidFill>
-                <a:schemeClr val="tx1"/>
+                <a:srgbClr val="FFFF00"/>
               </a:solidFill>
+              <a:latin typeface="Courier" charset="0"/>
+              <a:ea typeface="Courier" charset="0"/>
+              <a:cs typeface="Courier" charset="0"/>
             </a:endParaRPr>
           </a:p>
           <a:p>
-            <a:pPr eaLnBrk="1" hangingPunct="1"/>
-            <a:r>
-              <a:rPr lang="en-US" altLang="x-none" sz="1400" dirty="0">
-                <a:solidFill>
-                  <a:schemeClr val="tx1"/>
-                </a:solidFill>
-              </a:rPr>
-              <a:t>Initial Development: Charles Severance, University of Michigan School of Information</a:t>
-            </a:r>
-          </a:p>
-          <a:p>
-            <a:pPr eaLnBrk="1" hangingPunct="1"/>
-            <a:endParaRPr lang="en-US" altLang="x-none" sz="1400" dirty="0">
+            <a:r>
+              <a:rPr lang="mr-IN" sz="1200" b="1" dirty="0" err="1">
+                <a:latin typeface="Courier" charset="0"/>
+                <a:ea typeface="Courier" charset="0"/>
+                <a:cs typeface="Courier" charset="0"/>
+              </a:rPr>
+              <a:t>auth_group</a:t>
+            </a:r>
+            <a:r>
+              <a:rPr lang="mr-IN" sz="1200" b="1" dirty="0">
+                <a:latin typeface="Courier" charset="0"/>
+                <a:ea typeface="Courier" charset="0"/>
+                <a:cs typeface="Courier" charset="0"/>
+              </a:rPr>
+              <a:t>                  </a:t>
+            </a:r>
+            <a:r>
+              <a:rPr lang="mr-IN" sz="1200" b="1" dirty="0" err="1">
+                <a:latin typeface="Courier" charset="0"/>
+                <a:ea typeface="Courier" charset="0"/>
+                <a:cs typeface="Courier" charset="0"/>
+              </a:rPr>
+              <a:t>gview_car</a:t>
+            </a:r>
+            <a:r>
+              <a:rPr lang="mr-IN" sz="1200" b="1" dirty="0">
+                <a:latin typeface="Courier" charset="0"/>
+                <a:ea typeface="Courier" charset="0"/>
+                <a:cs typeface="Courier" charset="0"/>
+              </a:rPr>
+              <a:t>                 </a:t>
+            </a:r>
+          </a:p>
+          <a:p>
+            <a:r>
+              <a:rPr lang="en-US" sz="1200" b="1" dirty="0" err="1">
+                <a:latin typeface="Courier" charset="0"/>
+                <a:ea typeface="Courier" charset="0"/>
+                <a:cs typeface="Courier" charset="0"/>
+              </a:rPr>
+              <a:t>auth_group_permissions</a:t>
+            </a:r>
+            <a:r>
+              <a:rPr lang="en-US" sz="1200" b="1" dirty="0">
+                <a:latin typeface="Courier" charset="0"/>
+                <a:ea typeface="Courier" charset="0"/>
+                <a:cs typeface="Courier" charset="0"/>
+              </a:rPr>
+              <a:t>      </a:t>
+            </a:r>
+            <a:r>
+              <a:rPr lang="en-US" sz="1200" b="1" dirty="0" err="1">
+                <a:latin typeface="Courier" charset="0"/>
+                <a:ea typeface="Courier" charset="0"/>
+                <a:cs typeface="Courier" charset="0"/>
+              </a:rPr>
+              <a:t>gview_cat</a:t>
+            </a:r>
+            <a:r>
+              <a:rPr lang="en-US" sz="1200" b="1" dirty="0">
+                <a:latin typeface="Courier" charset="0"/>
+                <a:ea typeface="Courier" charset="0"/>
+                <a:cs typeface="Courier" charset="0"/>
+              </a:rPr>
+              <a:t>                 </a:t>
+            </a:r>
+          </a:p>
+          <a:p>
+            <a:r>
+              <a:rPr lang="mr-IN" sz="1200" b="1" dirty="0" err="1">
+                <a:latin typeface="Courier" charset="0"/>
+                <a:ea typeface="Courier" charset="0"/>
+                <a:cs typeface="Courier" charset="0"/>
+              </a:rPr>
+              <a:t>auth_permission</a:t>
+            </a:r>
+            <a:r>
+              <a:rPr lang="mr-IN" sz="1200" b="1" dirty="0">
+                <a:latin typeface="Courier" charset="0"/>
+                <a:ea typeface="Courier" charset="0"/>
+                <a:cs typeface="Courier" charset="0"/>
+              </a:rPr>
+              <a:t>             </a:t>
+            </a:r>
+            <a:r>
+              <a:rPr lang="mr-IN" sz="1200" b="1" dirty="0" err="1">
+                <a:latin typeface="Courier" charset="0"/>
+                <a:ea typeface="Courier" charset="0"/>
+                <a:cs typeface="Courier" charset="0"/>
+              </a:rPr>
+              <a:t>gview_dog</a:t>
+            </a:r>
+            <a:r>
+              <a:rPr lang="mr-IN" sz="1200" b="1" dirty="0">
+                <a:latin typeface="Courier" charset="0"/>
+                <a:ea typeface="Courier" charset="0"/>
+                <a:cs typeface="Courier" charset="0"/>
+              </a:rPr>
+              <a:t>                 </a:t>
+            </a:r>
+          </a:p>
+          <a:p>
+            <a:r>
+              <a:rPr lang="mr-IN" sz="1200" b="1" dirty="0" err="1">
+                <a:latin typeface="Courier" charset="0"/>
+                <a:ea typeface="Courier" charset="0"/>
+                <a:cs typeface="Courier" charset="0"/>
+              </a:rPr>
+              <a:t>auth_user</a:t>
+            </a:r>
+            <a:r>
+              <a:rPr lang="mr-IN" sz="1200" b="1" dirty="0">
+                <a:latin typeface="Courier" charset="0"/>
+                <a:ea typeface="Courier" charset="0"/>
+                <a:cs typeface="Courier" charset="0"/>
+              </a:rPr>
+              <a:t>                   </a:t>
+            </a:r>
+            <a:r>
+              <a:rPr lang="mr-IN" sz="1200" b="1" dirty="0" err="1">
+                <a:latin typeface="Courier" charset="0"/>
+                <a:ea typeface="Courier" charset="0"/>
+                <a:cs typeface="Courier" charset="0"/>
+              </a:rPr>
+              <a:t>gview_horse</a:t>
+            </a:r>
+            <a:r>
+              <a:rPr lang="mr-IN" sz="1200" b="1" dirty="0">
+                <a:latin typeface="Courier" charset="0"/>
+                <a:ea typeface="Courier" charset="0"/>
+                <a:cs typeface="Courier" charset="0"/>
+              </a:rPr>
+              <a:t>               </a:t>
+            </a:r>
+          </a:p>
+          <a:p>
+            <a:r>
+              <a:rPr lang="mr-IN" sz="1200" b="1" dirty="0" err="1">
+                <a:latin typeface="Courier" charset="0"/>
+                <a:ea typeface="Courier" charset="0"/>
+                <a:cs typeface="Courier" charset="0"/>
+              </a:rPr>
+              <a:t>auth_user_groups</a:t>
+            </a:r>
+            <a:r>
+              <a:rPr lang="mr-IN" sz="1200" b="1" dirty="0">
+                <a:latin typeface="Courier" charset="0"/>
+                <a:ea typeface="Courier" charset="0"/>
+                <a:cs typeface="Courier" charset="0"/>
+              </a:rPr>
+              <a:t>            </a:t>
+            </a:r>
+            <a:r>
+              <a:rPr lang="mr-IN" sz="1200" b="1" dirty="0" err="1">
+                <a:latin typeface="Courier" charset="0"/>
+                <a:ea typeface="Courier" charset="0"/>
+                <a:cs typeface="Courier" charset="0"/>
+              </a:rPr>
+              <a:t>many_course</a:t>
+            </a:r>
+            <a:r>
+              <a:rPr lang="mr-IN" sz="1200" b="1" dirty="0">
+                <a:latin typeface="Courier" charset="0"/>
+                <a:ea typeface="Courier" charset="0"/>
+                <a:cs typeface="Courier" charset="0"/>
+              </a:rPr>
+              <a:t>               </a:t>
+            </a:r>
+          </a:p>
+          <a:p>
+            <a:r>
+              <a:rPr lang="en-US" sz="1200" b="1" dirty="0" err="1">
+                <a:latin typeface="Courier" charset="0"/>
+                <a:ea typeface="Courier" charset="0"/>
+                <a:cs typeface="Courier" charset="0"/>
+              </a:rPr>
+              <a:t>auth_user_user_permissions</a:t>
+            </a:r>
+            <a:r>
+              <a:rPr lang="en-US" sz="1200" b="1" dirty="0">
+                <a:latin typeface="Courier" charset="0"/>
+                <a:ea typeface="Courier" charset="0"/>
+                <a:cs typeface="Courier" charset="0"/>
+              </a:rPr>
+              <a:t>  </a:t>
+            </a:r>
+            <a:r>
+              <a:rPr lang="en-US" sz="1200" b="1" dirty="0" err="1">
+                <a:latin typeface="Courier" charset="0"/>
+                <a:ea typeface="Courier" charset="0"/>
+                <a:cs typeface="Courier" charset="0"/>
+              </a:rPr>
+              <a:t>many_membership</a:t>
+            </a:r>
+            <a:r>
+              <a:rPr lang="en-US" sz="1200" b="1" dirty="0">
+                <a:latin typeface="Courier" charset="0"/>
+                <a:ea typeface="Courier" charset="0"/>
+                <a:cs typeface="Courier" charset="0"/>
+              </a:rPr>
+              <a:t>           </a:t>
+            </a:r>
+          </a:p>
+          <a:p>
+            <a:r>
+              <a:rPr lang="mr-IN" sz="1200" b="1" dirty="0" err="1">
+                <a:latin typeface="Courier" charset="0"/>
+                <a:ea typeface="Courier" charset="0"/>
+                <a:cs typeface="Courier" charset="0"/>
+              </a:rPr>
+              <a:t>autos_auto</a:t>
+            </a:r>
+            <a:r>
+              <a:rPr lang="mr-IN" sz="1200" b="1" dirty="0">
+                <a:latin typeface="Courier" charset="0"/>
+                <a:ea typeface="Courier" charset="0"/>
+                <a:cs typeface="Courier" charset="0"/>
+              </a:rPr>
+              <a:t>                  </a:t>
+            </a:r>
+            <a:r>
+              <a:rPr lang="mr-IN" sz="1200" b="1" dirty="0" err="1">
+                <a:latin typeface="Courier" charset="0"/>
+                <a:ea typeface="Courier" charset="0"/>
+                <a:cs typeface="Courier" charset="0"/>
+              </a:rPr>
+              <a:t>many_person</a:t>
+            </a:r>
+            <a:r>
+              <a:rPr lang="mr-IN" sz="1200" b="1" dirty="0">
+                <a:latin typeface="Courier" charset="0"/>
+                <a:ea typeface="Courier" charset="0"/>
+                <a:cs typeface="Courier" charset="0"/>
+              </a:rPr>
+              <a:t>               </a:t>
+            </a:r>
+          </a:p>
+          <a:p>
+            <a:r>
+              <a:rPr lang="mr-IN" sz="1200" b="1" dirty="0" err="1">
+                <a:latin typeface="Courier" charset="0"/>
+                <a:ea typeface="Courier" charset="0"/>
+                <a:cs typeface="Courier" charset="0"/>
+              </a:rPr>
+              <a:t>autos_make</a:t>
+            </a:r>
+            <a:r>
+              <a:rPr lang="mr-IN" sz="1200" b="1" dirty="0">
+                <a:latin typeface="Courier" charset="0"/>
+                <a:ea typeface="Courier" charset="0"/>
+                <a:cs typeface="Courier" charset="0"/>
+              </a:rPr>
+              <a:t>                  </a:t>
+            </a:r>
+            <a:r>
+              <a:rPr lang="mr-IN" sz="1200" b="1" dirty="0" err="1">
+                <a:latin typeface="Courier" charset="0"/>
+                <a:ea typeface="Courier" charset="0"/>
+                <a:cs typeface="Courier" charset="0"/>
+              </a:rPr>
+              <a:t>myarts_article</a:t>
+            </a:r>
+            <a:r>
+              <a:rPr lang="mr-IN" sz="1200" b="1" dirty="0">
+                <a:latin typeface="Courier" charset="0"/>
+                <a:ea typeface="Courier" charset="0"/>
+                <a:cs typeface="Courier" charset="0"/>
+              </a:rPr>
+              <a:t>            </a:t>
+            </a:r>
+          </a:p>
+          <a:p>
+            <a:r>
+              <a:rPr lang="mr-IN" sz="1200" b="1" dirty="0" err="1">
+                <a:latin typeface="Courier" charset="0"/>
+                <a:ea typeface="Courier" charset="0"/>
+                <a:cs typeface="Courier" charset="0"/>
+              </a:rPr>
+              <a:t>bookone_book</a:t>
+            </a:r>
+            <a:r>
+              <a:rPr lang="mr-IN" sz="1200" b="1" dirty="0">
+                <a:latin typeface="Courier" charset="0"/>
+                <a:ea typeface="Courier" charset="0"/>
+                <a:cs typeface="Courier" charset="0"/>
+              </a:rPr>
+              <a:t>                </a:t>
+            </a:r>
+            <a:r>
+              <a:rPr lang="mr-IN" sz="1200" b="1" dirty="0" err="1">
+                <a:latin typeface="Courier" charset="0"/>
+                <a:ea typeface="Courier" charset="0"/>
+                <a:cs typeface="Courier" charset="0"/>
+              </a:rPr>
+              <a:t>pics_pic</a:t>
+            </a:r>
+            <a:r>
+              <a:rPr lang="mr-IN" sz="1200" b="1" dirty="0">
+                <a:latin typeface="Courier" charset="0"/>
+                <a:ea typeface="Courier" charset="0"/>
+                <a:cs typeface="Courier" charset="0"/>
+              </a:rPr>
+              <a:t>                  </a:t>
+            </a:r>
+          </a:p>
+          <a:p>
+            <a:r>
+              <a:rPr lang="mr-IN" sz="1200" b="1" dirty="0" err="1">
+                <a:latin typeface="Courier" charset="0"/>
+                <a:ea typeface="Courier" charset="0"/>
+                <a:cs typeface="Courier" charset="0"/>
+              </a:rPr>
+              <a:t>bookone_instance</a:t>
+            </a:r>
+            <a:r>
+              <a:rPr lang="mr-IN" sz="1200" b="1" dirty="0">
+                <a:latin typeface="Courier" charset="0"/>
+                <a:ea typeface="Courier" charset="0"/>
+                <a:cs typeface="Courier" charset="0"/>
+              </a:rPr>
+              <a:t>            </a:t>
+            </a:r>
+            <a:r>
+              <a:rPr lang="mr-IN" sz="1200" b="1" dirty="0" err="1">
+                <a:latin typeface="Courier" charset="0"/>
+                <a:ea typeface="Courier" charset="0"/>
+                <a:cs typeface="Courier" charset="0"/>
+              </a:rPr>
+              <a:t>rest_breed</a:t>
+            </a:r>
+            <a:r>
+              <a:rPr lang="mr-IN" sz="1200" b="1" dirty="0">
+                <a:latin typeface="Courier" charset="0"/>
+                <a:ea typeface="Courier" charset="0"/>
+                <a:cs typeface="Courier" charset="0"/>
+              </a:rPr>
+              <a:t>                </a:t>
+            </a:r>
+          </a:p>
+          <a:p>
+            <a:r>
+              <a:rPr lang="mr-IN" sz="1200" b="1" dirty="0" err="1">
+                <a:latin typeface="Courier" charset="0"/>
+                <a:ea typeface="Courier" charset="0"/>
+                <a:cs typeface="Courier" charset="0"/>
+              </a:rPr>
+              <a:t>bookone_lang</a:t>
+            </a:r>
+            <a:r>
+              <a:rPr lang="mr-IN" sz="1200" b="1" dirty="0">
+                <a:latin typeface="Courier" charset="0"/>
+                <a:ea typeface="Courier" charset="0"/>
+                <a:cs typeface="Courier" charset="0"/>
+              </a:rPr>
+              <a:t>                </a:t>
+            </a:r>
+            <a:r>
+              <a:rPr lang="mr-IN" sz="1200" b="1" dirty="0" err="1">
+                <a:latin typeface="Courier" charset="0"/>
+                <a:ea typeface="Courier" charset="0"/>
+                <a:cs typeface="Courier" charset="0"/>
+              </a:rPr>
+              <a:t>rest_cat</a:t>
+            </a:r>
+            <a:r>
+              <a:rPr lang="mr-IN" sz="1200" b="1" dirty="0">
+                <a:latin typeface="Courier" charset="0"/>
+                <a:ea typeface="Courier" charset="0"/>
+                <a:cs typeface="Courier" charset="0"/>
+              </a:rPr>
+              <a:t>                  </a:t>
+            </a:r>
+          </a:p>
+          <a:p>
+            <a:r>
+              <a:rPr lang="en-US" sz="1200" b="1" dirty="0" err="1">
+                <a:latin typeface="Courier" charset="0"/>
+                <a:ea typeface="Courier" charset="0"/>
+                <a:cs typeface="Courier" charset="0"/>
+              </a:rPr>
+              <a:t>django_admin_log</a:t>
+            </a:r>
+            <a:r>
+              <a:rPr lang="en-US" sz="1200" b="1" dirty="0">
+                <a:latin typeface="Courier" charset="0"/>
+                <a:ea typeface="Courier" charset="0"/>
+                <a:cs typeface="Courier" charset="0"/>
+              </a:rPr>
+              <a:t>            </a:t>
+            </a:r>
+            <a:r>
+              <a:rPr lang="en-US" sz="1200" b="1" dirty="0" err="1">
+                <a:latin typeface="Courier" charset="0"/>
+                <a:ea typeface="Courier" charset="0"/>
+                <a:cs typeface="Courier" charset="0"/>
+              </a:rPr>
+              <a:t>social_auth_association</a:t>
+            </a:r>
+            <a:r>
+              <a:rPr lang="en-US" sz="1200" b="1" dirty="0">
+                <a:latin typeface="Courier" charset="0"/>
+                <a:ea typeface="Courier" charset="0"/>
+                <a:cs typeface="Courier" charset="0"/>
+              </a:rPr>
+              <a:t>   </a:t>
+            </a:r>
+          </a:p>
+          <a:p>
+            <a:r>
+              <a:rPr lang="en-US" sz="1200" b="1" dirty="0" err="1">
+                <a:latin typeface="Courier" charset="0"/>
+                <a:ea typeface="Courier" charset="0"/>
+                <a:cs typeface="Courier" charset="0"/>
+              </a:rPr>
+              <a:t>django_content_type</a:t>
+            </a:r>
+            <a:r>
+              <a:rPr lang="en-US" sz="1200" b="1" dirty="0">
+                <a:latin typeface="Courier" charset="0"/>
+                <a:ea typeface="Courier" charset="0"/>
+                <a:cs typeface="Courier" charset="0"/>
+              </a:rPr>
+              <a:t>         </a:t>
+            </a:r>
+            <a:r>
+              <a:rPr lang="en-US" sz="1200" b="1" dirty="0" err="1">
+                <a:latin typeface="Courier" charset="0"/>
+                <a:ea typeface="Courier" charset="0"/>
+                <a:cs typeface="Courier" charset="0"/>
+              </a:rPr>
+              <a:t>social_auth_code</a:t>
+            </a:r>
+            <a:r>
+              <a:rPr lang="en-US" sz="1200" b="1" dirty="0">
+                <a:latin typeface="Courier" charset="0"/>
+                <a:ea typeface="Courier" charset="0"/>
+                <a:cs typeface="Courier" charset="0"/>
+              </a:rPr>
+              <a:t>          </a:t>
+            </a:r>
+          </a:p>
+          <a:p>
+            <a:r>
+              <a:rPr lang="en-US" sz="1200" b="1" dirty="0" err="1">
+                <a:latin typeface="Courier" charset="0"/>
+                <a:ea typeface="Courier" charset="0"/>
+                <a:cs typeface="Courier" charset="0"/>
+              </a:rPr>
+              <a:t>django_migrations</a:t>
+            </a:r>
+            <a:r>
+              <a:rPr lang="en-US" sz="1200" b="1" dirty="0">
+                <a:latin typeface="Courier" charset="0"/>
+                <a:ea typeface="Courier" charset="0"/>
+                <a:cs typeface="Courier" charset="0"/>
+              </a:rPr>
+              <a:t>           </a:t>
+            </a:r>
+            <a:r>
+              <a:rPr lang="en-US" sz="1200" b="1" dirty="0" err="1">
+                <a:latin typeface="Courier" charset="0"/>
+                <a:ea typeface="Courier" charset="0"/>
+                <a:cs typeface="Courier" charset="0"/>
+              </a:rPr>
+              <a:t>social_auth_nonce</a:t>
+            </a:r>
+            <a:r>
+              <a:rPr lang="en-US" sz="1200" b="1" dirty="0">
+                <a:latin typeface="Courier" charset="0"/>
+                <a:ea typeface="Courier" charset="0"/>
+                <a:cs typeface="Courier" charset="0"/>
+              </a:rPr>
+              <a:t>         </a:t>
+            </a:r>
+          </a:p>
+          <a:p>
+            <a:r>
+              <a:rPr lang="en-US" sz="1200" b="1" dirty="0" err="1">
+                <a:latin typeface="Courier" charset="0"/>
+                <a:ea typeface="Courier" charset="0"/>
+                <a:cs typeface="Courier" charset="0"/>
+              </a:rPr>
+              <a:t>django_session</a:t>
+            </a:r>
+            <a:r>
+              <a:rPr lang="en-US" sz="1200" b="1" dirty="0">
+                <a:latin typeface="Courier" charset="0"/>
+                <a:ea typeface="Courier" charset="0"/>
+                <a:cs typeface="Courier" charset="0"/>
+              </a:rPr>
+              <a:t>              </a:t>
+            </a:r>
+            <a:r>
+              <a:rPr lang="en-US" sz="1200" b="1" dirty="0" err="1">
+                <a:latin typeface="Courier" charset="0"/>
+                <a:ea typeface="Courier" charset="0"/>
+                <a:cs typeface="Courier" charset="0"/>
+              </a:rPr>
+              <a:t>social_auth_partial</a:t>
+            </a:r>
+            <a:r>
+              <a:rPr lang="en-US" sz="1200" b="1" dirty="0">
+                <a:latin typeface="Courier" charset="0"/>
+                <a:ea typeface="Courier" charset="0"/>
+                <a:cs typeface="Courier" charset="0"/>
+              </a:rPr>
+              <a:t>       </a:t>
+            </a:r>
+          </a:p>
+          <a:p>
+            <a:r>
+              <a:rPr lang="en-US" sz="1200" b="1" dirty="0" err="1">
+                <a:latin typeface="Courier" charset="0"/>
+                <a:ea typeface="Courier" charset="0"/>
+                <a:cs typeface="Courier" charset="0"/>
+              </a:rPr>
+              <a:t>favs_fav</a:t>
+            </a:r>
+            <a:r>
+              <a:rPr lang="en-US" sz="1200" b="1" dirty="0">
+                <a:latin typeface="Courier" charset="0"/>
+                <a:ea typeface="Courier" charset="0"/>
+                <a:cs typeface="Courier" charset="0"/>
+              </a:rPr>
+              <a:t>                    </a:t>
+            </a:r>
+            <a:r>
+              <a:rPr lang="en-US" sz="1200" b="1" dirty="0" err="1">
+                <a:latin typeface="Courier" charset="0"/>
+                <a:ea typeface="Courier" charset="0"/>
+                <a:cs typeface="Courier" charset="0"/>
+              </a:rPr>
+              <a:t>social_auth_usersocialauth</a:t>
+            </a:r>
+            <a:endParaRPr lang="en-US" sz="1200" b="1" dirty="0">
+              <a:latin typeface="Courier" charset="0"/>
+              <a:ea typeface="Courier" charset="0"/>
+              <a:cs typeface="Courier" charset="0"/>
+            </a:endParaRPr>
+          </a:p>
+          <a:p>
+            <a:r>
+              <a:rPr lang="mr-IN" sz="1200" b="1" dirty="0" err="1">
+                <a:latin typeface="Courier" charset="0"/>
+                <a:ea typeface="Courier" charset="0"/>
+                <a:cs typeface="Courier" charset="0"/>
+              </a:rPr>
+              <a:t>favs_thing</a:t>
+            </a:r>
+            <a:r>
+              <a:rPr lang="mr-IN" sz="1200" b="1" dirty="0">
+                <a:latin typeface="Courier" charset="0"/>
+                <a:ea typeface="Courier" charset="0"/>
+                <a:cs typeface="Courier" charset="0"/>
+              </a:rPr>
+              <a:t>                  </a:t>
+            </a:r>
+            <a:r>
+              <a:rPr lang="mr-IN" sz="1200" b="1" dirty="0" err="1">
+                <a:latin typeface="Courier" charset="0"/>
+                <a:ea typeface="Courier" charset="0"/>
+                <a:cs typeface="Courier" charset="0"/>
+              </a:rPr>
+              <a:t>tracks_album</a:t>
+            </a:r>
+            <a:r>
+              <a:rPr lang="mr-IN" sz="1200" b="1" dirty="0">
+                <a:latin typeface="Courier" charset="0"/>
+                <a:ea typeface="Courier" charset="0"/>
+                <a:cs typeface="Courier" charset="0"/>
+              </a:rPr>
+              <a:t>              </a:t>
+            </a:r>
+          </a:p>
+          <a:p>
+            <a:r>
+              <a:rPr lang="mr-IN" sz="1200" b="1" dirty="0" err="1">
+                <a:latin typeface="Courier" charset="0"/>
+                <a:ea typeface="Courier" charset="0"/>
+                <a:cs typeface="Courier" charset="0"/>
+              </a:rPr>
+              <a:t>favsql_fav</a:t>
+            </a:r>
+            <a:r>
+              <a:rPr lang="mr-IN" sz="1200" b="1" dirty="0">
+                <a:latin typeface="Courier" charset="0"/>
+                <a:ea typeface="Courier" charset="0"/>
+                <a:cs typeface="Courier" charset="0"/>
+              </a:rPr>
+              <a:t>                  </a:t>
+            </a:r>
+            <a:r>
+              <a:rPr lang="mr-IN" sz="1200" b="1" dirty="0" err="1">
+                <a:latin typeface="Courier" charset="0"/>
+                <a:ea typeface="Courier" charset="0"/>
+                <a:cs typeface="Courier" charset="0"/>
+              </a:rPr>
+              <a:t>tracks_artist</a:t>
+            </a:r>
+            <a:r>
+              <a:rPr lang="mr-IN" sz="1200" b="1" dirty="0">
+                <a:latin typeface="Courier" charset="0"/>
+                <a:ea typeface="Courier" charset="0"/>
+                <a:cs typeface="Courier" charset="0"/>
+              </a:rPr>
+              <a:t>             </a:t>
+            </a:r>
+          </a:p>
+          <a:p>
+            <a:r>
+              <a:rPr lang="mr-IN" sz="1200" b="1" dirty="0" err="1">
+                <a:latin typeface="Courier" charset="0"/>
+                <a:ea typeface="Courier" charset="0"/>
+                <a:cs typeface="Courier" charset="0"/>
+              </a:rPr>
+              <a:t>favsql_thing</a:t>
+            </a:r>
+            <a:r>
+              <a:rPr lang="mr-IN" sz="1200" b="1" dirty="0">
+                <a:latin typeface="Courier" charset="0"/>
+                <a:ea typeface="Courier" charset="0"/>
+                <a:cs typeface="Courier" charset="0"/>
+              </a:rPr>
+              <a:t>                </a:t>
+            </a:r>
+            <a:r>
+              <a:rPr lang="mr-IN" sz="1200" b="1" dirty="0" err="1">
+                <a:latin typeface="Courier" charset="0"/>
+                <a:ea typeface="Courier" charset="0"/>
+                <a:cs typeface="Courier" charset="0"/>
+              </a:rPr>
+              <a:t>tracks_genre</a:t>
+            </a:r>
+            <a:r>
+              <a:rPr lang="mr-IN" sz="1200" b="1" dirty="0">
+                <a:latin typeface="Courier" charset="0"/>
+                <a:ea typeface="Courier" charset="0"/>
+                <a:cs typeface="Courier" charset="0"/>
+              </a:rPr>
+              <a:t>              </a:t>
+            </a:r>
+          </a:p>
+          <a:p>
+            <a:r>
+              <a:rPr lang="mr-IN" sz="1200" b="1" dirty="0" err="1">
+                <a:latin typeface="Courier" charset="0"/>
+                <a:ea typeface="Courier" charset="0"/>
+                <a:cs typeface="Courier" charset="0"/>
+              </a:rPr>
+              <a:t>forums_comment</a:t>
+            </a:r>
+            <a:r>
+              <a:rPr lang="mr-IN" sz="1200" b="1" dirty="0">
+                <a:latin typeface="Courier" charset="0"/>
+                <a:ea typeface="Courier" charset="0"/>
+                <a:cs typeface="Courier" charset="0"/>
+              </a:rPr>
+              <a:t>              </a:t>
+            </a:r>
+            <a:r>
+              <a:rPr lang="mr-IN" sz="1200" b="1" dirty="0" err="1">
+                <a:latin typeface="Courier" charset="0"/>
+                <a:ea typeface="Courier" charset="0"/>
+                <a:cs typeface="Courier" charset="0"/>
+              </a:rPr>
+              <a:t>tracks_track</a:t>
+            </a:r>
+            <a:r>
+              <a:rPr lang="mr-IN" sz="1200" b="1" dirty="0">
+                <a:latin typeface="Courier" charset="0"/>
+                <a:ea typeface="Courier" charset="0"/>
+                <a:cs typeface="Courier" charset="0"/>
+              </a:rPr>
+              <a:t>              </a:t>
+            </a:r>
+          </a:p>
+          <a:p>
+            <a:r>
+              <a:rPr lang="mr-IN" sz="1200" b="1" dirty="0" err="1">
+                <a:latin typeface="Courier" charset="0"/>
+                <a:ea typeface="Courier" charset="0"/>
+                <a:cs typeface="Courier" charset="0"/>
+              </a:rPr>
+              <a:t>forums_forum</a:t>
+            </a:r>
+            <a:r>
+              <a:rPr lang="mr-IN" sz="1200" b="1" dirty="0">
+                <a:latin typeface="Courier" charset="0"/>
+                <a:ea typeface="Courier" charset="0"/>
+                <a:cs typeface="Courier" charset="0"/>
+              </a:rPr>
+              <a:t>                </a:t>
+            </a:r>
+            <a:r>
+              <a:rPr lang="mr-IN" sz="1200" b="1" dirty="0" err="1">
+                <a:latin typeface="Courier" charset="0"/>
+                <a:ea typeface="Courier" charset="0"/>
+                <a:cs typeface="Courier" charset="0"/>
+              </a:rPr>
+              <a:t>users_user</a:t>
+            </a:r>
+            <a:r>
+              <a:rPr lang="mr-IN" sz="1200" b="1" dirty="0">
+                <a:latin typeface="Courier" charset="0"/>
+                <a:ea typeface="Courier" charset="0"/>
+                <a:cs typeface="Courier" charset="0"/>
+              </a:rPr>
+              <a:t>                </a:t>
+            </a:r>
+          </a:p>
+          <a:p>
+            <a:r>
+              <a:rPr lang="en-US" sz="1200" b="1" dirty="0" err="1">
+                <a:solidFill>
+                  <a:srgbClr val="00FF00"/>
+                </a:solidFill>
+                <a:latin typeface="Courier" charset="0"/>
+                <a:ea typeface="Courier" charset="0"/>
+                <a:cs typeface="Courier" charset="0"/>
+              </a:rPr>
+              <a:t>sqlite</a:t>
+            </a:r>
+            <a:r>
+              <a:rPr lang="en-US" sz="1200" b="1" dirty="0">
+                <a:solidFill>
+                  <a:srgbClr val="00FF00"/>
+                </a:solidFill>
+                <a:latin typeface="Courier" charset="0"/>
+                <a:ea typeface="Courier" charset="0"/>
+                <a:cs typeface="Courier" charset="0"/>
+              </a:rPr>
+              <a:t>&gt; </a:t>
+            </a:r>
+            <a:r>
+              <a:rPr lang="en-US" sz="1200" b="1" dirty="0" smtClean="0">
+                <a:solidFill>
+                  <a:srgbClr val="FFFF00"/>
+                </a:solidFill>
+                <a:latin typeface="Courier" charset="0"/>
+                <a:ea typeface="Courier" charset="0"/>
+                <a:cs typeface="Courier" charset="0"/>
+              </a:rPr>
+              <a:t>.quit</a:t>
+            </a:r>
+          </a:p>
+          <a:p>
+            <a:r>
+              <a:rPr lang="en-US" sz="1200" b="1" dirty="0">
+                <a:solidFill>
+                  <a:srgbClr val="00FDFF"/>
+                </a:solidFill>
+                <a:latin typeface="Courier" charset="0"/>
+                <a:ea typeface="Courier" charset="0"/>
+                <a:cs typeface="Courier" charset="0"/>
+              </a:rPr>
+              <a:t>dj4e-samples$</a:t>
+            </a:r>
+            <a:endParaRPr lang="is-IS" sz="1200" b="1" dirty="0">
               <a:solidFill>
-                <a:schemeClr val="tx1"/>
+                <a:srgbClr val="00FF00"/>
               </a:solidFill>
-            </a:endParaRPr>
-          </a:p>
-          <a:p>
-            <a:pPr eaLnBrk="1" hangingPunct="1"/>
-            <a:r>
-              <a:rPr lang="en-US" altLang="x-none" sz="1400" dirty="0">
-                <a:solidFill>
-                  <a:srgbClr val="FFCC66"/>
-                </a:solidFill>
-              </a:rPr>
-              <a:t>Insert new Contributors and Translators here including names and dates</a:t>
-            </a:r>
-          </a:p>
-          <a:p>
-            <a:pPr eaLnBrk="1" hangingPunct="1"/>
-            <a:endParaRPr lang="en-US" altLang="x-none" sz="1400" dirty="0">
-              <a:solidFill>
-                <a:srgbClr val="7575D1"/>
-              </a:solidFill>
-            </a:endParaRPr>
-          </a:p>
-          <a:p>
-            <a:pPr eaLnBrk="1" hangingPunct="1"/>
-            <a:endParaRPr lang="en-US" altLang="x-none" sz="1400" dirty="0">
-              <a:solidFill>
-                <a:srgbClr val="7575D1"/>
-              </a:solidFill>
-            </a:endParaRPr>
-          </a:p>
-          <a:p>
-            <a:pPr eaLnBrk="1" hangingPunct="1"/>
-            <a:endParaRPr lang="en-US" altLang="x-none" sz="1400" dirty="0">
-              <a:solidFill>
-                <a:srgbClr val="7575D1"/>
-              </a:solidFill>
-            </a:endParaRPr>
-          </a:p>
-          <a:p>
-            <a:pPr eaLnBrk="1" hangingPunct="1"/>
-            <a:endParaRPr lang="en-US" altLang="x-none" sz="1400" dirty="0">
-              <a:solidFill>
-                <a:srgbClr val="7575D1"/>
-              </a:solidFill>
-            </a:endParaRPr>
-          </a:p>
-          <a:p>
-            <a:pPr eaLnBrk="1" hangingPunct="1"/>
-            <a:endParaRPr lang="en-US" altLang="x-none" sz="1400" dirty="0">
-              <a:solidFill>
-                <a:srgbClr val="7575D1"/>
-              </a:solidFill>
-            </a:endParaRPr>
-          </a:p>
-          <a:p>
-            <a:pPr eaLnBrk="1" hangingPunct="1"/>
-            <a:endParaRPr lang="en-US" altLang="x-none" sz="1400" dirty="0">
-              <a:solidFill>
-                <a:srgbClr val="7575D1"/>
-              </a:solidFill>
-            </a:endParaRPr>
-          </a:p>
-          <a:p>
-            <a:pPr eaLnBrk="1" hangingPunct="1"/>
-            <a:endParaRPr lang="en-US" altLang="x-none" sz="1400" dirty="0">
-              <a:solidFill>
-                <a:srgbClr val="7575D1"/>
-              </a:solidFill>
+              <a:effectLst/>
+              <a:latin typeface="Courier" charset="0"/>
+              <a:ea typeface="Courier" charset="0"/>
+              <a:cs typeface="Courier" charset="0"/>
             </a:endParaRPr>
           </a:p>
         </p:txBody>
       </p:sp>
       <p:sp>
         <p:nvSpPr>
-          <p:cNvPr id="9" name="TextBox 5"/>
-          <p:cNvSpPr txBox="1">
-            <a:spLocks noChangeArrowheads="1"/>
-          </p:cNvSpPr>
+          <p:cNvPr id="8" name="TextBox 7"/>
+          <p:cNvSpPr txBox="1"/>
           <p:nvPr/>
         </p:nvSpPr>
-        <p:spPr bwMode="auto">
+        <p:spPr>
           <a:xfrm>
-            <a:off x="6310312" y="1512888"/>
-            <a:ext cx="5257800" cy="4893647"/>
+            <a:off x="838200" y="1731870"/>
+            <a:ext cx="4628190" cy="3785652"/>
           </a:xfrm>
           <a:prstGeom prst="rect">
             <a:avLst/>
           </a:prstGeom>
           <a:noFill/>
-          <a:ln>
-            <a:noFill/>
-          </a:ln>
         </p:spPr>
         <p:txBody>
-          <a:bodyPr wrap="square">
+          <a:bodyPr wrap="none" rtlCol="0">
             <a:spAutoFit/>
           </a:bodyPr>
-          <a:lstStyle>
-            <a:lvl1pPr>
-              <a:defRPr sz="2000">
-                <a:solidFill>
-                  <a:srgbClr val="FFFFFF"/>
-                </a:solidFill>
-                <a:latin typeface="Gill Sans" charset="0"/>
-                <a:ea typeface="ヒラギノ角ゴ ProN W3" charset="-128"/>
-                <a:sym typeface="Gill Sans" charset="0"/>
-              </a:defRPr>
-            </a:lvl1pPr>
-            <a:lvl2pPr marL="742950" indent="-285750">
-              <a:defRPr sz="2000">
-                <a:solidFill>
-                  <a:srgbClr val="FFFFFF"/>
-                </a:solidFill>
-                <a:latin typeface="Gill Sans" charset="0"/>
-                <a:ea typeface="ヒラギノ角ゴ ProN W3" charset="-128"/>
-                <a:sym typeface="Gill Sans" charset="0"/>
-              </a:defRPr>
-            </a:lvl2pPr>
-            <a:lvl3pPr marL="1143000" indent="-228600">
-              <a:defRPr sz="2000">
-                <a:solidFill>
-                  <a:srgbClr val="FFFFFF"/>
-                </a:solidFill>
-                <a:latin typeface="Gill Sans" charset="0"/>
-                <a:ea typeface="ヒラギノ角ゴ ProN W3" charset="-128"/>
-                <a:sym typeface="Gill Sans" charset="0"/>
-              </a:defRPr>
-            </a:lvl3pPr>
-            <a:lvl4pPr marL="1600200" indent="-228600">
-              <a:defRPr sz="2000">
-                <a:solidFill>
-                  <a:srgbClr val="FFFFFF"/>
-                </a:solidFill>
-                <a:latin typeface="Gill Sans" charset="0"/>
-                <a:ea typeface="ヒラギノ角ゴ ProN W3" charset="-128"/>
-                <a:sym typeface="Gill Sans" charset="0"/>
-              </a:defRPr>
-            </a:lvl4pPr>
-            <a:lvl5pPr marL="2057400" indent="-228600">
-              <a:defRPr sz="2000">
-                <a:solidFill>
-                  <a:srgbClr val="FFFFFF"/>
-                </a:solidFill>
-                <a:latin typeface="Gill Sans" charset="0"/>
-                <a:ea typeface="ヒラギノ角ゴ ProN W3" charset="-128"/>
-                <a:sym typeface="Gill Sans" charset="0"/>
-              </a:defRPr>
-            </a:lvl5pPr>
-            <a:lvl6pPr marL="2514600" indent="-228600" eaLnBrk="0" fontAlgn="base" hangingPunct="0">
-              <a:spcBef>
-                <a:spcPct val="0"/>
-              </a:spcBef>
-              <a:spcAft>
-                <a:spcPct val="0"/>
-              </a:spcAft>
-              <a:defRPr sz="2000">
-                <a:solidFill>
-                  <a:srgbClr val="FFFFFF"/>
-                </a:solidFill>
-                <a:latin typeface="Gill Sans" charset="0"/>
-                <a:ea typeface="ヒラギノ角ゴ ProN W3" charset="-128"/>
-                <a:sym typeface="Gill Sans" charset="0"/>
-              </a:defRPr>
-            </a:lvl6pPr>
-            <a:lvl7pPr marL="2971800" indent="-228600" eaLnBrk="0" fontAlgn="base" hangingPunct="0">
-              <a:spcBef>
-                <a:spcPct val="0"/>
-              </a:spcBef>
-              <a:spcAft>
-                <a:spcPct val="0"/>
-              </a:spcAft>
-              <a:defRPr sz="2000">
-                <a:solidFill>
-                  <a:srgbClr val="FFFFFF"/>
-                </a:solidFill>
-                <a:latin typeface="Gill Sans" charset="0"/>
-                <a:ea typeface="ヒラギノ角ゴ ProN W3" charset="-128"/>
-                <a:sym typeface="Gill Sans" charset="0"/>
-              </a:defRPr>
-            </a:lvl7pPr>
-            <a:lvl8pPr marL="3429000" indent="-228600" eaLnBrk="0" fontAlgn="base" hangingPunct="0">
-              <a:spcBef>
-                <a:spcPct val="0"/>
-              </a:spcBef>
-              <a:spcAft>
-                <a:spcPct val="0"/>
-              </a:spcAft>
-              <a:defRPr sz="2000">
-                <a:solidFill>
-                  <a:srgbClr val="FFFFFF"/>
-                </a:solidFill>
-                <a:latin typeface="Gill Sans" charset="0"/>
-                <a:ea typeface="ヒラギノ角ゴ ProN W3" charset="-128"/>
-                <a:sym typeface="Gill Sans" charset="0"/>
-              </a:defRPr>
-            </a:lvl8pPr>
-            <a:lvl9pPr marL="3886200" indent="-228600" eaLnBrk="0" fontAlgn="base" hangingPunct="0">
-              <a:spcBef>
-                <a:spcPct val="0"/>
-              </a:spcBef>
-              <a:spcAft>
-                <a:spcPct val="0"/>
-              </a:spcAft>
-              <a:defRPr sz="2000">
-                <a:solidFill>
-                  <a:srgbClr val="FFFFFF"/>
-                </a:solidFill>
-                <a:latin typeface="Gill Sans" charset="0"/>
-                <a:ea typeface="ヒラギノ角ゴ ProN W3" charset="-128"/>
-                <a:sym typeface="Gill Sans" charset="0"/>
-              </a:defRPr>
-            </a:lvl9pPr>
-          </a:lstStyle>
-          <a:p>
-            <a:pPr algn="ctr" eaLnBrk="1" hangingPunct="1"/>
-            <a:r>
-              <a:rPr lang="en-US" altLang="x-none" sz="1200" dirty="0">
-                <a:solidFill>
-                  <a:srgbClr val="FFCC66"/>
-                </a:solidFill>
-                <a:latin typeface="Helvetica" charset="0"/>
-                <a:ea typeface="ＭＳ Ｐゴシック" charset="-128"/>
-                <a:sym typeface="Helvetica" charset="0"/>
-              </a:rPr>
-              <a:t>Continue new Contributors and Translators here</a:t>
-            </a:r>
-          </a:p>
-          <a:p>
-            <a:pPr algn="ctr" eaLnBrk="1" hangingPunct="1"/>
-            <a:endParaRPr lang="en-US" altLang="x-none" sz="1200" dirty="0">
+          <a:lstStyle/>
+          <a:p>
+            <a:r>
+              <a:rPr lang="en-US" sz="1600" b="1" dirty="0" smtClean="0">
+                <a:solidFill>
+                  <a:srgbClr val="00FDFF"/>
+                </a:solidFill>
+                <a:latin typeface="Courier" charset="0"/>
+                <a:ea typeface="Courier" charset="0"/>
+                <a:cs typeface="Courier" charset="0"/>
+              </a:rPr>
+              <a:t>dj4e-samples$ </a:t>
+            </a:r>
+            <a:r>
+              <a:rPr lang="en-US" sz="1600" b="1" dirty="0" smtClean="0">
+                <a:solidFill>
+                  <a:srgbClr val="FFFF00"/>
+                </a:solidFill>
+                <a:latin typeface="Courier" charset="0"/>
+                <a:ea typeface="Courier" charset="0"/>
+                <a:cs typeface="Courier" charset="0"/>
+              </a:rPr>
+              <a:t>ls  */migrations/0*.</a:t>
+            </a:r>
+            <a:r>
+              <a:rPr lang="en-US" sz="1600" b="1" dirty="0" err="1" smtClean="0">
+                <a:solidFill>
+                  <a:srgbClr val="FFFF00"/>
+                </a:solidFill>
+                <a:latin typeface="Courier" charset="0"/>
+                <a:ea typeface="Courier" charset="0"/>
+                <a:cs typeface="Courier" charset="0"/>
+              </a:rPr>
+              <a:t>py</a:t>
+            </a:r>
+            <a:endParaRPr lang="en-US" sz="1600" b="1" dirty="0" smtClean="0">
               <a:solidFill>
-                <a:schemeClr val="tx1"/>
+                <a:srgbClr val="FFFF00"/>
               </a:solidFill>
-              <a:latin typeface="Helvetica" charset="0"/>
-              <a:ea typeface="ＭＳ Ｐゴシック" charset="-128"/>
-              <a:sym typeface="Helvetica" charset="0"/>
+              <a:latin typeface="Courier" charset="0"/>
+              <a:ea typeface="Courier" charset="0"/>
+              <a:cs typeface="Courier" charset="0"/>
             </a:endParaRPr>
           </a:p>
           <a:p>
-            <a:pPr algn="ctr" eaLnBrk="1" hangingPunct="1"/>
-            <a:endParaRPr lang="en-US" altLang="x-none" sz="1200" dirty="0">
+            <a:r>
+              <a:rPr lang="en-US" sz="1600" dirty="0">
+                <a:latin typeface="Courier" charset="0"/>
+                <a:ea typeface="Courier" charset="0"/>
+                <a:cs typeface="Courier" charset="0"/>
+              </a:rPr>
+              <a:t>autos/migrations/0001_initial.py</a:t>
+            </a:r>
+          </a:p>
+          <a:p>
+            <a:r>
+              <a:rPr lang="en-US" sz="1600" dirty="0" err="1">
+                <a:latin typeface="Courier" charset="0"/>
+                <a:ea typeface="Courier" charset="0"/>
+                <a:cs typeface="Courier" charset="0"/>
+              </a:rPr>
+              <a:t>bookmany</a:t>
+            </a:r>
+            <a:r>
+              <a:rPr lang="en-US" sz="1600" dirty="0">
+                <a:latin typeface="Courier" charset="0"/>
+                <a:ea typeface="Courier" charset="0"/>
+                <a:cs typeface="Courier" charset="0"/>
+              </a:rPr>
+              <a:t>/migrations/0001_initial.py</a:t>
+            </a:r>
+          </a:p>
+          <a:p>
+            <a:r>
+              <a:rPr lang="en-US" sz="1600" dirty="0" err="1">
+                <a:latin typeface="Courier" charset="0"/>
+                <a:ea typeface="Courier" charset="0"/>
+                <a:cs typeface="Courier" charset="0"/>
+              </a:rPr>
+              <a:t>bookone</a:t>
+            </a:r>
+            <a:r>
+              <a:rPr lang="en-US" sz="1600" dirty="0">
+                <a:latin typeface="Courier" charset="0"/>
+                <a:ea typeface="Courier" charset="0"/>
+                <a:cs typeface="Courier" charset="0"/>
+              </a:rPr>
+              <a:t>/migrations/0001_initial.py</a:t>
+            </a:r>
+          </a:p>
+          <a:p>
+            <a:r>
+              <a:rPr lang="en-US" sz="1600" dirty="0">
+                <a:latin typeface="Courier" charset="0"/>
+                <a:ea typeface="Courier" charset="0"/>
+                <a:cs typeface="Courier" charset="0"/>
+              </a:rPr>
+              <a:t>favs/migrations/0001_initial.py</a:t>
+            </a:r>
+          </a:p>
+          <a:p>
+            <a:r>
+              <a:rPr lang="en-US" sz="1600" dirty="0" err="1">
+                <a:latin typeface="Courier" charset="0"/>
+                <a:ea typeface="Courier" charset="0"/>
+                <a:cs typeface="Courier" charset="0"/>
+              </a:rPr>
+              <a:t>favsql</a:t>
+            </a:r>
+            <a:r>
+              <a:rPr lang="en-US" sz="1600" dirty="0">
+                <a:latin typeface="Courier" charset="0"/>
+                <a:ea typeface="Courier" charset="0"/>
+                <a:cs typeface="Courier" charset="0"/>
+              </a:rPr>
+              <a:t>/migrations/0001_initial.py</a:t>
+            </a:r>
+          </a:p>
+          <a:p>
+            <a:r>
+              <a:rPr lang="en-US" sz="1600" dirty="0">
+                <a:latin typeface="Courier" charset="0"/>
+                <a:ea typeface="Courier" charset="0"/>
+                <a:cs typeface="Courier" charset="0"/>
+              </a:rPr>
+              <a:t>forums/migrations/0001_initial.py</a:t>
+            </a:r>
+          </a:p>
+          <a:p>
+            <a:r>
+              <a:rPr lang="en-US" sz="1600" dirty="0" err="1">
+                <a:latin typeface="Courier" charset="0"/>
+                <a:ea typeface="Courier" charset="0"/>
+                <a:cs typeface="Courier" charset="0"/>
+              </a:rPr>
+              <a:t>gview</a:t>
+            </a:r>
+            <a:r>
+              <a:rPr lang="en-US" sz="1600" dirty="0">
+                <a:latin typeface="Courier" charset="0"/>
+                <a:ea typeface="Courier" charset="0"/>
+                <a:cs typeface="Courier" charset="0"/>
+              </a:rPr>
+              <a:t>/migrations/0001_initial.py</a:t>
+            </a:r>
+          </a:p>
+          <a:p>
+            <a:r>
+              <a:rPr lang="en-US" sz="1600" dirty="0">
+                <a:latin typeface="Courier" charset="0"/>
+                <a:ea typeface="Courier" charset="0"/>
+                <a:cs typeface="Courier" charset="0"/>
+              </a:rPr>
+              <a:t>many/migrations/0001_initial.py</a:t>
+            </a:r>
+          </a:p>
+          <a:p>
+            <a:r>
+              <a:rPr lang="en-US" sz="1600" dirty="0" err="1">
+                <a:latin typeface="Courier" charset="0"/>
+                <a:ea typeface="Courier" charset="0"/>
+                <a:cs typeface="Courier" charset="0"/>
+              </a:rPr>
+              <a:t>myarts</a:t>
+            </a:r>
+            <a:r>
+              <a:rPr lang="en-US" sz="1600" dirty="0">
+                <a:latin typeface="Courier" charset="0"/>
+                <a:ea typeface="Courier" charset="0"/>
+                <a:cs typeface="Courier" charset="0"/>
+              </a:rPr>
+              <a:t>/migrations/0001_initial.py</a:t>
+            </a:r>
+          </a:p>
+          <a:p>
+            <a:r>
+              <a:rPr lang="en-US" sz="1600" dirty="0">
+                <a:latin typeface="Courier" charset="0"/>
+                <a:ea typeface="Courier" charset="0"/>
+                <a:cs typeface="Courier" charset="0"/>
+              </a:rPr>
+              <a:t>pics/migrations/0001_initial.py</a:t>
+            </a:r>
+          </a:p>
+          <a:p>
+            <a:r>
+              <a:rPr lang="en-US" sz="1600" dirty="0">
+                <a:latin typeface="Courier" charset="0"/>
+                <a:ea typeface="Courier" charset="0"/>
+                <a:cs typeface="Courier" charset="0"/>
+              </a:rPr>
+              <a:t>rest/migrations/0001_initial.py</a:t>
+            </a:r>
+          </a:p>
+          <a:p>
+            <a:r>
+              <a:rPr lang="en-US" sz="1600" dirty="0">
+                <a:latin typeface="Courier" charset="0"/>
+                <a:ea typeface="Courier" charset="0"/>
+                <a:cs typeface="Courier" charset="0"/>
+              </a:rPr>
+              <a:t>tracks/migrations/0001_initial.py</a:t>
+            </a:r>
+          </a:p>
+          <a:p>
+            <a:r>
+              <a:rPr lang="en-US" sz="1600" dirty="0" smtClean="0">
+                <a:latin typeface="Courier" charset="0"/>
+                <a:ea typeface="Courier" charset="0"/>
+                <a:cs typeface="Courier" charset="0"/>
+              </a:rPr>
+              <a:t>users/migrations/0001_initial.py</a:t>
+            </a:r>
+          </a:p>
+          <a:p>
+            <a:r>
+              <a:rPr lang="en-US" sz="1600" b="1" dirty="0" smtClean="0">
+                <a:solidFill>
+                  <a:srgbClr val="00FDFF"/>
+                </a:solidFill>
+                <a:latin typeface="Courier" charset="0"/>
+                <a:ea typeface="Courier" charset="0"/>
+                <a:cs typeface="Courier" charset="0"/>
+              </a:rPr>
+              <a:t>dj4e-samples$</a:t>
+            </a:r>
+            <a:endParaRPr lang="en-US" sz="1600" b="1" dirty="0">
               <a:solidFill>
-                <a:schemeClr val="tx1"/>
+                <a:srgbClr val="00FDFF"/>
               </a:solidFill>
-              <a:latin typeface="Helvetica" charset="0"/>
-              <a:ea typeface="ＭＳ Ｐゴシック" charset="-128"/>
-              <a:sym typeface="Helvetica" charset="0"/>
-            </a:endParaRPr>
-          </a:p>
-          <a:p>
-            <a:pPr algn="ctr" eaLnBrk="1" hangingPunct="1"/>
-            <a:endParaRPr lang="en-US" altLang="x-none" sz="1200" dirty="0">
-              <a:solidFill>
-                <a:schemeClr val="tx1"/>
-              </a:solidFill>
-              <a:latin typeface="Helvetica" charset="0"/>
-              <a:ea typeface="ＭＳ Ｐゴシック" charset="-128"/>
-              <a:sym typeface="Helvetica" charset="0"/>
-            </a:endParaRPr>
-          </a:p>
-          <a:p>
-            <a:pPr algn="ctr" eaLnBrk="1" hangingPunct="1"/>
-            <a:endParaRPr lang="en-US" altLang="x-none" sz="1200" dirty="0">
-              <a:solidFill>
-                <a:schemeClr val="tx1"/>
-              </a:solidFill>
-              <a:latin typeface="Helvetica" charset="0"/>
-              <a:ea typeface="ＭＳ Ｐゴシック" charset="-128"/>
-              <a:sym typeface="Helvetica" charset="0"/>
-            </a:endParaRPr>
-          </a:p>
-          <a:p>
-            <a:pPr algn="ctr" eaLnBrk="1" hangingPunct="1"/>
-            <a:endParaRPr lang="en-US" altLang="x-none" sz="1200" dirty="0">
-              <a:solidFill>
-                <a:schemeClr val="tx1"/>
-              </a:solidFill>
-              <a:latin typeface="Helvetica" charset="0"/>
-              <a:ea typeface="ＭＳ Ｐゴシック" charset="-128"/>
-              <a:sym typeface="Helvetica" charset="0"/>
-            </a:endParaRPr>
-          </a:p>
-          <a:p>
-            <a:pPr algn="ctr" eaLnBrk="1" hangingPunct="1"/>
-            <a:endParaRPr lang="en-US" altLang="x-none" sz="1200" dirty="0">
-              <a:solidFill>
-                <a:schemeClr val="tx1"/>
-              </a:solidFill>
-              <a:latin typeface="Helvetica" charset="0"/>
-              <a:ea typeface="ＭＳ Ｐゴシック" charset="-128"/>
-              <a:sym typeface="Helvetica" charset="0"/>
-            </a:endParaRPr>
-          </a:p>
-          <a:p>
-            <a:pPr algn="ctr" eaLnBrk="1" hangingPunct="1"/>
-            <a:endParaRPr lang="en-US" altLang="x-none" sz="1200" dirty="0">
-              <a:solidFill>
-                <a:schemeClr val="tx1"/>
-              </a:solidFill>
-              <a:latin typeface="Helvetica" charset="0"/>
-              <a:ea typeface="ＭＳ Ｐゴシック" charset="-128"/>
-              <a:sym typeface="Helvetica" charset="0"/>
-            </a:endParaRPr>
-          </a:p>
-          <a:p>
-            <a:pPr algn="ctr" eaLnBrk="1" hangingPunct="1"/>
-            <a:endParaRPr lang="en-US" altLang="x-none" sz="1200" dirty="0">
-              <a:solidFill>
-                <a:schemeClr val="tx1"/>
-              </a:solidFill>
-              <a:latin typeface="Helvetica" charset="0"/>
-              <a:ea typeface="ＭＳ Ｐゴシック" charset="-128"/>
-              <a:sym typeface="Helvetica" charset="0"/>
-            </a:endParaRPr>
-          </a:p>
-          <a:p>
-            <a:pPr algn="ctr" eaLnBrk="1" hangingPunct="1"/>
-            <a:endParaRPr lang="en-US" altLang="x-none" sz="1200" dirty="0">
-              <a:solidFill>
-                <a:schemeClr val="tx1"/>
-              </a:solidFill>
-              <a:latin typeface="Helvetica" charset="0"/>
-              <a:ea typeface="ＭＳ Ｐゴシック" charset="-128"/>
-              <a:sym typeface="Helvetica" charset="0"/>
-            </a:endParaRPr>
-          </a:p>
-          <a:p>
-            <a:pPr algn="ctr" eaLnBrk="1" hangingPunct="1"/>
-            <a:endParaRPr lang="en-US" altLang="x-none" sz="1200" dirty="0">
-              <a:solidFill>
-                <a:schemeClr val="tx1"/>
-              </a:solidFill>
-              <a:latin typeface="Helvetica" charset="0"/>
-              <a:ea typeface="ＭＳ Ｐゴシック" charset="-128"/>
-              <a:sym typeface="Helvetica" charset="0"/>
-            </a:endParaRPr>
-          </a:p>
-          <a:p>
-            <a:pPr algn="ctr" eaLnBrk="1" hangingPunct="1"/>
-            <a:endParaRPr lang="en-US" altLang="x-none" sz="1200" dirty="0">
-              <a:solidFill>
-                <a:schemeClr val="tx1"/>
-              </a:solidFill>
-              <a:latin typeface="Helvetica" charset="0"/>
-              <a:ea typeface="ＭＳ Ｐゴシック" charset="-128"/>
-              <a:sym typeface="Helvetica" charset="0"/>
-            </a:endParaRPr>
-          </a:p>
-          <a:p>
-            <a:pPr algn="ctr" eaLnBrk="1" hangingPunct="1"/>
-            <a:endParaRPr lang="en-US" altLang="x-none" sz="1200" dirty="0">
-              <a:solidFill>
-                <a:schemeClr val="tx1"/>
-              </a:solidFill>
-              <a:latin typeface="Helvetica" charset="0"/>
-              <a:ea typeface="ＭＳ Ｐゴシック" charset="-128"/>
-              <a:sym typeface="Helvetica" charset="0"/>
-            </a:endParaRPr>
-          </a:p>
-          <a:p>
-            <a:pPr algn="ctr" eaLnBrk="1" hangingPunct="1"/>
-            <a:endParaRPr lang="en-US" altLang="x-none" sz="1200" dirty="0">
-              <a:solidFill>
-                <a:schemeClr val="tx1"/>
-              </a:solidFill>
-              <a:latin typeface="Helvetica" charset="0"/>
-              <a:ea typeface="ＭＳ Ｐゴシック" charset="-128"/>
-              <a:sym typeface="Helvetica" charset="0"/>
-            </a:endParaRPr>
-          </a:p>
-          <a:p>
-            <a:pPr algn="ctr" eaLnBrk="1" hangingPunct="1"/>
-            <a:endParaRPr lang="en-US" altLang="x-none" sz="1200" dirty="0">
-              <a:solidFill>
-                <a:schemeClr val="tx1"/>
-              </a:solidFill>
-              <a:latin typeface="Helvetica" charset="0"/>
-              <a:ea typeface="ＭＳ Ｐゴシック" charset="-128"/>
-              <a:sym typeface="Helvetica" charset="0"/>
-            </a:endParaRPr>
-          </a:p>
-          <a:p>
-            <a:pPr algn="ctr" eaLnBrk="1" hangingPunct="1"/>
-            <a:endParaRPr lang="en-US" altLang="x-none" sz="1200" dirty="0">
-              <a:solidFill>
-                <a:schemeClr val="tx1"/>
-              </a:solidFill>
-              <a:latin typeface="Helvetica" charset="0"/>
-              <a:ea typeface="ＭＳ Ｐゴシック" charset="-128"/>
-              <a:sym typeface="Helvetica" charset="0"/>
-            </a:endParaRPr>
-          </a:p>
-          <a:p>
-            <a:pPr algn="ctr" eaLnBrk="1" hangingPunct="1"/>
-            <a:endParaRPr lang="en-US" altLang="x-none" sz="1200" dirty="0">
-              <a:solidFill>
-                <a:schemeClr val="tx1"/>
-              </a:solidFill>
-              <a:latin typeface="Helvetica" charset="0"/>
-              <a:ea typeface="ＭＳ Ｐゴシック" charset="-128"/>
-              <a:sym typeface="Helvetica" charset="0"/>
-            </a:endParaRPr>
-          </a:p>
-          <a:p>
-            <a:pPr algn="ctr" eaLnBrk="1" hangingPunct="1"/>
-            <a:endParaRPr lang="en-US" altLang="x-none" sz="1200" dirty="0">
-              <a:solidFill>
-                <a:schemeClr val="tx1"/>
-              </a:solidFill>
-              <a:latin typeface="Helvetica" charset="0"/>
-              <a:ea typeface="ＭＳ Ｐゴシック" charset="-128"/>
-              <a:sym typeface="Helvetica" charset="0"/>
-            </a:endParaRPr>
-          </a:p>
-          <a:p>
-            <a:pPr algn="ctr" eaLnBrk="1" hangingPunct="1"/>
-            <a:endParaRPr lang="en-US" altLang="x-none" sz="1200" dirty="0">
-              <a:solidFill>
-                <a:schemeClr val="tx1"/>
-              </a:solidFill>
-              <a:latin typeface="Helvetica" charset="0"/>
-              <a:ea typeface="ＭＳ Ｐゴシック" charset="-128"/>
-              <a:sym typeface="Helvetica" charset="0"/>
-            </a:endParaRPr>
-          </a:p>
-          <a:p>
-            <a:pPr algn="ctr" eaLnBrk="1" hangingPunct="1"/>
-            <a:endParaRPr lang="en-US" altLang="x-none" sz="1200" dirty="0" smtClean="0">
-              <a:solidFill>
-                <a:schemeClr val="tx1"/>
-              </a:solidFill>
-              <a:latin typeface="Helvetica" charset="0"/>
-              <a:ea typeface="ＭＳ Ｐゴシック" charset="-128"/>
-              <a:sym typeface="Helvetica" charset="0"/>
-            </a:endParaRPr>
-          </a:p>
-          <a:p>
-            <a:pPr algn="ctr" eaLnBrk="1" hangingPunct="1"/>
-            <a:endParaRPr lang="en-US" altLang="x-none" sz="1200" dirty="0">
-              <a:solidFill>
-                <a:schemeClr val="tx1"/>
-              </a:solidFill>
-              <a:latin typeface="Helvetica" charset="0"/>
-              <a:ea typeface="ＭＳ Ｐゴシック" charset="-128"/>
-              <a:sym typeface="Helvetica" charset="0"/>
-            </a:endParaRPr>
-          </a:p>
-          <a:p>
-            <a:pPr algn="ctr" eaLnBrk="1" hangingPunct="1"/>
-            <a:endParaRPr lang="en-US" altLang="x-none" sz="1200" dirty="0" smtClean="0">
-              <a:solidFill>
-                <a:schemeClr val="tx1"/>
-              </a:solidFill>
-              <a:latin typeface="Helvetica" charset="0"/>
-              <a:ea typeface="ＭＳ Ｐゴシック" charset="-128"/>
-              <a:sym typeface="Helvetica" charset="0"/>
-            </a:endParaRPr>
-          </a:p>
-          <a:p>
-            <a:pPr algn="ctr" eaLnBrk="1" hangingPunct="1"/>
-            <a:endParaRPr lang="en-US" altLang="x-none" sz="1200" dirty="0">
-              <a:solidFill>
-                <a:schemeClr val="tx1"/>
-              </a:solidFill>
-              <a:latin typeface="Helvetica" charset="0"/>
-              <a:ea typeface="ＭＳ Ｐゴシック" charset="-128"/>
-              <a:sym typeface="Helvetica" charset="0"/>
-            </a:endParaRPr>
-          </a:p>
-          <a:p>
-            <a:pPr algn="ctr" eaLnBrk="1" hangingPunct="1"/>
-            <a:endParaRPr lang="en-US" altLang="x-none" sz="1200" dirty="0" smtClean="0">
-              <a:solidFill>
-                <a:schemeClr val="tx1"/>
-              </a:solidFill>
-              <a:latin typeface="Helvetica" charset="0"/>
-              <a:ea typeface="ＭＳ Ｐゴシック" charset="-128"/>
-              <a:sym typeface="Helvetica" charset="0"/>
-            </a:endParaRPr>
-          </a:p>
-          <a:p>
-            <a:pPr algn="ctr" eaLnBrk="1" hangingPunct="1"/>
-            <a:endParaRPr lang="en-US" altLang="x-none" sz="1200" dirty="0">
-              <a:solidFill>
-                <a:schemeClr val="tx1"/>
-              </a:solidFill>
-              <a:latin typeface="Helvetica" charset="0"/>
-              <a:ea typeface="ＭＳ Ｐゴシック" charset="-128"/>
-              <a:sym typeface="Helvetica" charset="0"/>
-            </a:endParaRPr>
-          </a:p>
-          <a:p>
-            <a:pPr algn="ctr" eaLnBrk="1" hangingPunct="1"/>
-            <a:endParaRPr lang="en-US" altLang="x-none" sz="1200" dirty="0">
-              <a:solidFill>
-                <a:schemeClr val="tx1"/>
-              </a:solidFill>
-              <a:latin typeface="Helvetica" charset="0"/>
-              <a:ea typeface="ＭＳ Ｐゴシック" charset="-128"/>
-              <a:sym typeface="Helvetica" charset="0"/>
+              <a:latin typeface="Courier" charset="0"/>
+              <a:ea typeface="Courier" charset="0"/>
+              <a:cs typeface="Courier" charset="0"/>
             </a:endParaRPr>
           </a:p>
         </p:txBody>
@@ -7094,7 +8667,979 @@
     </p:spTree>
     <p:extLst>
       <p:ext uri="{BB962C8B-B14F-4D97-AF65-F5344CB8AC3E}">
-        <p14:creationId xmlns:p14="http://schemas.microsoft.com/office/powerpoint/2010/main" val="1048975579"/>
+        <p14:creationId xmlns:p14="http://schemas.microsoft.com/office/powerpoint/2010/main" val="1968221689"/>
+      </p:ext>
+    </p:extLst>
+  </p:cSld>
+  <p:clrMapOvr>
+    <a:masterClrMapping/>
+  </p:clrMapOvr>
+  <p:timing>
+    <p:tnLst>
+      <p:par>
+        <p:cTn id="1" dur="indefinite" restart="never" nodeType="tmRoot"/>
+      </p:par>
+    </p:tnLst>
+  </p:timing>
+</p:sld>
+</file>
+
+<file path=ppt/slides/slide18.xml><?xml version="1.0" encoding="utf-8"?>
+<p:sld xmlns:a="http://schemas.openxmlformats.org/drawingml/2006/main" xmlns:r="http://schemas.openxmlformats.org/officeDocument/2006/relationships" xmlns:p="http://schemas.openxmlformats.org/presentationml/2006/main">
+  <p:cSld>
+    <p:spTree>
+      <p:nvGrpSpPr>
+        <p:cNvPr id="1" name=""/>
+        <p:cNvGrpSpPr/>
+        <p:nvPr/>
+      </p:nvGrpSpPr>
+      <p:grpSpPr>
+        <a:xfrm>
+          <a:off x="0" y="0"/>
+          <a:ext cx="0" cy="0"/>
+          <a:chOff x="0" y="0"/>
+          <a:chExt cx="0" cy="0"/>
+        </a:xfrm>
+      </p:grpSpPr>
+      <p:sp>
+        <p:nvSpPr>
+          <p:cNvPr id="2" name="Title 1"/>
+          <p:cNvSpPr>
+            <a:spLocks noGrp="1"/>
+          </p:cNvSpPr>
+          <p:nvPr>
+            <p:ph type="title"/>
+          </p:nvPr>
+        </p:nvSpPr>
+        <p:spPr/>
+        <p:txBody>
+          <a:bodyPr/>
+          <a:lstStyle/>
+          <a:p>
+            <a:r>
+              <a:rPr lang="en-US" dirty="0" smtClean="0"/>
+              <a:t>Re-running </a:t>
+            </a:r>
+            <a:r>
+              <a:rPr lang="en-US" dirty="0" err="1" smtClean="0"/>
+              <a:t>makemigrate</a:t>
+            </a:r>
+            <a:endParaRPr lang="en-US" dirty="0"/>
+          </a:p>
+        </p:txBody>
+      </p:sp>
+      <p:sp>
+        <p:nvSpPr>
+          <p:cNvPr id="4" name="TextBox 3"/>
+          <p:cNvSpPr txBox="1"/>
+          <p:nvPr/>
+        </p:nvSpPr>
+        <p:spPr>
+          <a:xfrm>
+            <a:off x="1271602" y="1871663"/>
+            <a:ext cx="9648795" cy="2585323"/>
+          </a:xfrm>
+          <a:prstGeom prst="rect">
+            <a:avLst/>
+          </a:prstGeom>
+          <a:solidFill>
+            <a:schemeClr val="tx1"/>
+          </a:solidFill>
+        </p:spPr>
+        <p:txBody>
+          <a:bodyPr wrap="none" rtlCol="0">
+            <a:spAutoFit/>
+          </a:bodyPr>
+          <a:lstStyle/>
+          <a:p>
+            <a:r>
+              <a:rPr lang="en-US" dirty="0" smtClean="0">
+                <a:solidFill>
+                  <a:srgbClr val="000000"/>
+                </a:solidFill>
+                <a:latin typeface="Menlo-Regular" charset="0"/>
+              </a:rPr>
+              <a:t>dj4e-samples$ </a:t>
+            </a:r>
+            <a:r>
+              <a:rPr lang="en-US" dirty="0" err="1">
+                <a:solidFill>
+                  <a:srgbClr val="000000"/>
+                </a:solidFill>
+                <a:latin typeface="Menlo-Regular" charset="0"/>
+              </a:rPr>
+              <a:t>rm</a:t>
+            </a:r>
+            <a:r>
+              <a:rPr lang="en-US" dirty="0">
+                <a:solidFill>
+                  <a:srgbClr val="000000"/>
+                </a:solidFill>
+                <a:latin typeface="Menlo-Regular" charset="0"/>
+              </a:rPr>
+              <a:t> </a:t>
+            </a:r>
+            <a:r>
+              <a:rPr lang="en-US" dirty="0" err="1">
+                <a:solidFill>
+                  <a:srgbClr val="000000"/>
+                </a:solidFill>
+                <a:latin typeface="Menlo-Regular" charset="0"/>
+              </a:rPr>
+              <a:t>bookone</a:t>
+            </a:r>
+            <a:r>
+              <a:rPr lang="en-US" dirty="0">
+                <a:solidFill>
+                  <a:srgbClr val="000000"/>
+                </a:solidFill>
+                <a:latin typeface="Menlo-Regular" charset="0"/>
+              </a:rPr>
+              <a:t>/migrations/0001_initial.py</a:t>
+            </a:r>
+          </a:p>
+          <a:p>
+            <a:r>
+              <a:rPr lang="en-US" dirty="0">
+                <a:solidFill>
+                  <a:srgbClr val="000000"/>
+                </a:solidFill>
+                <a:latin typeface="Menlo-Regular" charset="0"/>
+              </a:rPr>
+              <a:t>MacBook-Pro-92:dj4e-samples csev$ python3 </a:t>
+            </a:r>
+            <a:r>
+              <a:rPr lang="en-US" dirty="0" err="1">
+                <a:solidFill>
+                  <a:srgbClr val="000000"/>
+                </a:solidFill>
+                <a:latin typeface="Menlo-Regular" charset="0"/>
+              </a:rPr>
+              <a:t>manage.py</a:t>
+            </a:r>
+            <a:r>
+              <a:rPr lang="en-US" dirty="0">
+                <a:solidFill>
+                  <a:srgbClr val="000000"/>
+                </a:solidFill>
+                <a:latin typeface="Menlo-Regular" charset="0"/>
+              </a:rPr>
+              <a:t> </a:t>
+            </a:r>
+            <a:r>
+              <a:rPr lang="en-US" dirty="0" err="1">
+                <a:solidFill>
+                  <a:srgbClr val="000000"/>
+                </a:solidFill>
+                <a:latin typeface="Menlo-Regular" charset="0"/>
+              </a:rPr>
+              <a:t>makemigrations</a:t>
+            </a:r>
+            <a:endParaRPr lang="en-US" dirty="0">
+              <a:solidFill>
+                <a:srgbClr val="000000"/>
+              </a:solidFill>
+              <a:latin typeface="Menlo-Regular" charset="0"/>
+            </a:endParaRPr>
+          </a:p>
+          <a:p>
+            <a:r>
+              <a:rPr lang="en-US" b="1" dirty="0">
+                <a:solidFill>
+                  <a:srgbClr val="2EAEBB"/>
+                </a:solidFill>
+                <a:latin typeface="Menlo-Bold" charset="0"/>
+              </a:rPr>
+              <a:t>Migrations for '</a:t>
+            </a:r>
+            <a:r>
+              <a:rPr lang="en-US" b="1" dirty="0" err="1">
+                <a:solidFill>
+                  <a:srgbClr val="2EAEBB"/>
+                </a:solidFill>
+                <a:latin typeface="Menlo-Bold" charset="0"/>
+              </a:rPr>
+              <a:t>bookone</a:t>
+            </a:r>
+            <a:r>
+              <a:rPr lang="en-US" b="1" dirty="0">
+                <a:solidFill>
+                  <a:srgbClr val="2EAEBB"/>
+                </a:solidFill>
+                <a:latin typeface="Menlo-Bold" charset="0"/>
+              </a:rPr>
+              <a:t>':</a:t>
+            </a:r>
+            <a:endParaRPr lang="en-US" dirty="0">
+              <a:solidFill>
+                <a:srgbClr val="000000"/>
+              </a:solidFill>
+              <a:latin typeface="Menlo-Regular" charset="0"/>
+            </a:endParaRPr>
+          </a:p>
+          <a:p>
+            <a:r>
+              <a:rPr lang="en-US" dirty="0">
+                <a:solidFill>
+                  <a:srgbClr val="000000"/>
+                </a:solidFill>
+                <a:latin typeface="Menlo-Regular" charset="0"/>
+              </a:rPr>
+              <a:t>  </a:t>
+            </a:r>
+            <a:r>
+              <a:rPr lang="en-US" b="1" dirty="0" err="1">
+                <a:solidFill>
+                  <a:srgbClr val="000000"/>
+                </a:solidFill>
+                <a:latin typeface="Menlo-Bold" charset="0"/>
+              </a:rPr>
+              <a:t>bookone</a:t>
+            </a:r>
+            <a:r>
+              <a:rPr lang="en-US" b="1" dirty="0">
+                <a:solidFill>
+                  <a:srgbClr val="000000"/>
+                </a:solidFill>
+                <a:latin typeface="Menlo-Bold" charset="0"/>
+              </a:rPr>
+              <a:t>/migrations/0001_initial.py</a:t>
+            </a:r>
+            <a:endParaRPr lang="en-US" dirty="0">
+              <a:solidFill>
+                <a:srgbClr val="000000"/>
+              </a:solidFill>
+              <a:latin typeface="Menlo-Regular" charset="0"/>
+            </a:endParaRPr>
+          </a:p>
+          <a:p>
+            <a:r>
+              <a:rPr lang="en-US" dirty="0">
+                <a:solidFill>
+                  <a:srgbClr val="000000"/>
+                </a:solidFill>
+                <a:latin typeface="Menlo-Regular" charset="0"/>
+              </a:rPr>
+              <a:t>    - Create model Book</a:t>
+            </a:r>
+          </a:p>
+          <a:p>
+            <a:r>
+              <a:rPr lang="en-US" dirty="0">
+                <a:solidFill>
+                  <a:srgbClr val="000000"/>
+                </a:solidFill>
+                <a:latin typeface="Menlo-Regular" charset="0"/>
+              </a:rPr>
+              <a:t>    - Create model Instance</a:t>
+            </a:r>
+          </a:p>
+          <a:p>
+            <a:r>
+              <a:rPr lang="en-US" dirty="0">
+                <a:solidFill>
+                  <a:srgbClr val="000000"/>
+                </a:solidFill>
+                <a:latin typeface="Menlo-Regular" charset="0"/>
+              </a:rPr>
+              <a:t>    - Create model Lang</a:t>
+            </a:r>
+          </a:p>
+          <a:p>
+            <a:r>
+              <a:rPr lang="en-US" dirty="0">
+                <a:solidFill>
+                  <a:srgbClr val="000000"/>
+                </a:solidFill>
+                <a:latin typeface="Menlo-Regular" charset="0"/>
+              </a:rPr>
+              <a:t>    - Add field </a:t>
+            </a:r>
+            <a:r>
+              <a:rPr lang="en-US" dirty="0" err="1">
+                <a:solidFill>
+                  <a:srgbClr val="000000"/>
+                </a:solidFill>
+                <a:latin typeface="Menlo-Regular" charset="0"/>
+              </a:rPr>
+              <a:t>lang</a:t>
+            </a:r>
+            <a:r>
+              <a:rPr lang="en-US" dirty="0">
+                <a:solidFill>
+                  <a:srgbClr val="000000"/>
+                </a:solidFill>
+                <a:latin typeface="Menlo-Regular" charset="0"/>
+              </a:rPr>
+              <a:t> to book</a:t>
+            </a:r>
+          </a:p>
+          <a:p>
+            <a:r>
+              <a:rPr lang="en-US" dirty="0" smtClean="0">
+                <a:solidFill>
+                  <a:srgbClr val="000000"/>
+                </a:solidFill>
+                <a:latin typeface="Menlo-Regular" charset="0"/>
+              </a:rPr>
+              <a:t>dj4e-samples$</a:t>
+            </a:r>
+            <a:endParaRPr lang="en-US" b="1" dirty="0">
+              <a:latin typeface="Courier" charset="0"/>
+              <a:ea typeface="Courier" charset="0"/>
+              <a:cs typeface="Courier" charset="0"/>
+            </a:endParaRPr>
+          </a:p>
+        </p:txBody>
+      </p:sp>
+    </p:spTree>
+    <p:extLst>
+      <p:ext uri="{BB962C8B-B14F-4D97-AF65-F5344CB8AC3E}">
+        <p14:creationId xmlns:p14="http://schemas.microsoft.com/office/powerpoint/2010/main" val="63828635"/>
+      </p:ext>
+    </p:extLst>
+  </p:cSld>
+  <p:clrMapOvr>
+    <a:masterClrMapping/>
+  </p:clrMapOvr>
+  <p:timing>
+    <p:tnLst>
+      <p:par>
+        <p:cTn id="1" dur="indefinite" restart="never" nodeType="tmRoot"/>
+      </p:par>
+    </p:tnLst>
+  </p:timing>
+</p:sld>
+</file>
+
+<file path=ppt/slides/slide19.xml><?xml version="1.0" encoding="utf-8"?>
+<p:sld xmlns:a="http://schemas.openxmlformats.org/drawingml/2006/main" xmlns:r="http://schemas.openxmlformats.org/officeDocument/2006/relationships" xmlns:p="http://schemas.openxmlformats.org/presentationml/2006/main">
+  <p:cSld>
+    <p:spTree>
+      <p:nvGrpSpPr>
+        <p:cNvPr id="1" name=""/>
+        <p:cNvGrpSpPr/>
+        <p:nvPr/>
+      </p:nvGrpSpPr>
+      <p:grpSpPr>
+        <a:xfrm>
+          <a:off x="0" y="0"/>
+          <a:ext cx="0" cy="0"/>
+          <a:chOff x="0" y="0"/>
+          <a:chExt cx="0" cy="0"/>
+        </a:xfrm>
+      </p:grpSpPr>
+      <p:sp>
+        <p:nvSpPr>
+          <p:cNvPr id="2" name="Title 1"/>
+          <p:cNvSpPr>
+            <a:spLocks noGrp="1"/>
+          </p:cNvSpPr>
+          <p:nvPr>
+            <p:ph type="title"/>
+          </p:nvPr>
+        </p:nvSpPr>
+        <p:spPr/>
+        <p:txBody>
+          <a:bodyPr/>
+          <a:lstStyle/>
+          <a:p>
+            <a:r>
+              <a:rPr lang="en-US" dirty="0" smtClean="0"/>
+              <a:t>Re-running migrate from scratch</a:t>
+            </a:r>
+            <a:endParaRPr lang="en-US" dirty="0"/>
+          </a:p>
+        </p:txBody>
+      </p:sp>
+      <p:sp>
+        <p:nvSpPr>
+          <p:cNvPr id="4" name="TextBox 3"/>
+          <p:cNvSpPr txBox="1"/>
+          <p:nvPr/>
+        </p:nvSpPr>
+        <p:spPr>
+          <a:xfrm>
+            <a:off x="1357313" y="1485900"/>
+            <a:ext cx="9834744" cy="4524315"/>
+          </a:xfrm>
+          <a:prstGeom prst="rect">
+            <a:avLst/>
+          </a:prstGeom>
+          <a:solidFill>
+            <a:schemeClr val="tx1"/>
+          </a:solidFill>
+        </p:spPr>
+        <p:txBody>
+          <a:bodyPr wrap="none" rtlCol="0">
+            <a:spAutoFit/>
+          </a:bodyPr>
+          <a:lstStyle/>
+          <a:p>
+            <a:r>
+              <a:rPr lang="en-US" b="1" dirty="0" smtClean="0">
+                <a:solidFill>
+                  <a:srgbClr val="000000"/>
+                </a:solidFill>
+                <a:latin typeface="Courier" charset="0"/>
+                <a:ea typeface="Courier" charset="0"/>
+                <a:cs typeface="Courier" charset="0"/>
+              </a:rPr>
+              <a:t>dj4e-samples$ </a:t>
+            </a:r>
+            <a:r>
+              <a:rPr lang="en-US" b="1" dirty="0" err="1">
+                <a:solidFill>
+                  <a:srgbClr val="000000"/>
+                </a:solidFill>
+                <a:latin typeface="Courier" charset="0"/>
+                <a:ea typeface="Courier" charset="0"/>
+                <a:cs typeface="Courier" charset="0"/>
+              </a:rPr>
+              <a:t>rm</a:t>
+            </a:r>
+            <a:r>
+              <a:rPr lang="en-US" b="1" dirty="0">
+                <a:solidFill>
+                  <a:srgbClr val="000000"/>
+                </a:solidFill>
+                <a:latin typeface="Courier" charset="0"/>
+                <a:ea typeface="Courier" charset="0"/>
+                <a:cs typeface="Courier" charset="0"/>
+              </a:rPr>
+              <a:t> db.sqlite3 </a:t>
+            </a:r>
+          </a:p>
+          <a:p>
+            <a:r>
+              <a:rPr lang="en-US" b="1" dirty="0" smtClean="0">
+                <a:solidFill>
+                  <a:srgbClr val="000000"/>
+                </a:solidFill>
+                <a:latin typeface="Courier" charset="0"/>
+                <a:ea typeface="Courier" charset="0"/>
+                <a:cs typeface="Courier" charset="0"/>
+              </a:rPr>
+              <a:t>dj4e-samples$ </a:t>
+            </a:r>
+            <a:r>
+              <a:rPr lang="en-US" b="1" dirty="0">
+                <a:solidFill>
+                  <a:srgbClr val="000000"/>
+                </a:solidFill>
+                <a:latin typeface="Courier" charset="0"/>
+                <a:ea typeface="Courier" charset="0"/>
+                <a:cs typeface="Courier" charset="0"/>
+              </a:rPr>
+              <a:t>python3 </a:t>
+            </a:r>
+            <a:r>
+              <a:rPr lang="en-US" b="1" dirty="0" err="1">
+                <a:solidFill>
+                  <a:srgbClr val="000000"/>
+                </a:solidFill>
+                <a:latin typeface="Courier" charset="0"/>
+                <a:ea typeface="Courier" charset="0"/>
+                <a:cs typeface="Courier" charset="0"/>
+              </a:rPr>
+              <a:t>manage.py</a:t>
+            </a:r>
+            <a:r>
+              <a:rPr lang="en-US" b="1" dirty="0">
+                <a:solidFill>
+                  <a:srgbClr val="000000"/>
+                </a:solidFill>
+                <a:latin typeface="Courier" charset="0"/>
+                <a:ea typeface="Courier" charset="0"/>
+                <a:cs typeface="Courier" charset="0"/>
+              </a:rPr>
+              <a:t> migrate</a:t>
+            </a:r>
+          </a:p>
+          <a:p>
+            <a:r>
+              <a:rPr lang="en-US" b="1" dirty="0">
+                <a:solidFill>
+                  <a:srgbClr val="2EAEBB"/>
+                </a:solidFill>
+                <a:latin typeface="Courier" charset="0"/>
+                <a:ea typeface="Courier" charset="0"/>
+                <a:cs typeface="Courier" charset="0"/>
+              </a:rPr>
+              <a:t>Operations to perform:</a:t>
+            </a:r>
+            <a:endParaRPr lang="en-US" b="1" dirty="0">
+              <a:solidFill>
+                <a:srgbClr val="000000"/>
+              </a:solidFill>
+              <a:latin typeface="Courier" charset="0"/>
+              <a:ea typeface="Courier" charset="0"/>
+              <a:cs typeface="Courier" charset="0"/>
+            </a:endParaRPr>
+          </a:p>
+          <a:p>
+            <a:r>
+              <a:rPr lang="en-US" b="1" dirty="0">
+                <a:solidFill>
+                  <a:srgbClr val="000000"/>
+                </a:solidFill>
+                <a:latin typeface="Courier" charset="0"/>
+                <a:ea typeface="Courier" charset="0"/>
+                <a:cs typeface="Courier" charset="0"/>
+              </a:rPr>
+              <a:t>  Apply all migrations: admin, </a:t>
+            </a:r>
+            <a:r>
+              <a:rPr lang="en-US" b="1" dirty="0" err="1">
+                <a:solidFill>
+                  <a:srgbClr val="000000"/>
+                </a:solidFill>
+                <a:latin typeface="Courier" charset="0"/>
+                <a:ea typeface="Courier" charset="0"/>
+                <a:cs typeface="Courier" charset="0"/>
+              </a:rPr>
+              <a:t>auth</a:t>
+            </a:r>
+            <a:r>
+              <a:rPr lang="en-US" b="1" dirty="0">
+                <a:solidFill>
+                  <a:srgbClr val="000000"/>
+                </a:solidFill>
+                <a:latin typeface="Courier" charset="0"/>
+                <a:ea typeface="Courier" charset="0"/>
+                <a:cs typeface="Courier" charset="0"/>
+              </a:rPr>
+              <a:t>, autos, </a:t>
+            </a:r>
+            <a:r>
+              <a:rPr lang="en-US" b="1" dirty="0" err="1">
+                <a:solidFill>
+                  <a:srgbClr val="000000"/>
+                </a:solidFill>
+                <a:latin typeface="Courier" charset="0"/>
+                <a:ea typeface="Courier" charset="0"/>
+                <a:cs typeface="Courier" charset="0"/>
+              </a:rPr>
+              <a:t>bookone</a:t>
+            </a:r>
+            <a:r>
+              <a:rPr lang="en-US" b="1" dirty="0">
+                <a:solidFill>
+                  <a:srgbClr val="000000"/>
+                </a:solidFill>
+                <a:latin typeface="Courier" charset="0"/>
+                <a:ea typeface="Courier" charset="0"/>
+                <a:cs typeface="Courier" charset="0"/>
+              </a:rPr>
+              <a:t>, </a:t>
+            </a:r>
+            <a:r>
+              <a:rPr lang="en-US" b="1" dirty="0" err="1">
+                <a:solidFill>
+                  <a:srgbClr val="000000"/>
+                </a:solidFill>
+                <a:latin typeface="Courier" charset="0"/>
+                <a:ea typeface="Courier" charset="0"/>
+                <a:cs typeface="Courier" charset="0"/>
+              </a:rPr>
+              <a:t>contenttypes</a:t>
+            </a:r>
+            <a:r>
+              <a:rPr lang="en-US" b="1" dirty="0">
+                <a:solidFill>
+                  <a:srgbClr val="000000"/>
+                </a:solidFill>
+                <a:latin typeface="Courier" charset="0"/>
+                <a:ea typeface="Courier" charset="0"/>
+                <a:cs typeface="Courier" charset="0"/>
+              </a:rPr>
+              <a:t>, </a:t>
+            </a:r>
+            <a:r>
+              <a:rPr lang="en-US" b="1" dirty="0" smtClean="0">
+                <a:solidFill>
+                  <a:srgbClr val="000000"/>
+                </a:solidFill>
+                <a:latin typeface="Courier" charset="0"/>
+                <a:ea typeface="Courier" charset="0"/>
+                <a:cs typeface="Courier" charset="0"/>
+              </a:rPr>
+              <a:t>...</a:t>
+            </a:r>
+            <a:endParaRPr lang="en-US" b="1" dirty="0">
+              <a:solidFill>
+                <a:srgbClr val="000000"/>
+              </a:solidFill>
+              <a:latin typeface="Courier" charset="0"/>
+              <a:ea typeface="Courier" charset="0"/>
+              <a:cs typeface="Courier" charset="0"/>
+            </a:endParaRPr>
+          </a:p>
+          <a:p>
+            <a:r>
+              <a:rPr lang="en-US" b="1" dirty="0">
+                <a:solidFill>
+                  <a:srgbClr val="2EAEBB"/>
+                </a:solidFill>
+                <a:latin typeface="Courier" charset="0"/>
+                <a:ea typeface="Courier" charset="0"/>
+                <a:cs typeface="Courier" charset="0"/>
+              </a:rPr>
+              <a:t>Running migrations:</a:t>
+            </a:r>
+            <a:endParaRPr lang="en-US" b="1" dirty="0">
+              <a:solidFill>
+                <a:srgbClr val="000000"/>
+              </a:solidFill>
+              <a:latin typeface="Courier" charset="0"/>
+              <a:ea typeface="Courier" charset="0"/>
+              <a:cs typeface="Courier" charset="0"/>
+            </a:endParaRPr>
+          </a:p>
+          <a:p>
+            <a:r>
+              <a:rPr lang="en-US" b="1" dirty="0">
+                <a:solidFill>
+                  <a:srgbClr val="000000"/>
+                </a:solidFill>
+                <a:latin typeface="Courier" charset="0"/>
+                <a:ea typeface="Courier" charset="0"/>
+                <a:cs typeface="Courier" charset="0"/>
+              </a:rPr>
+              <a:t>  Applying contenttypes.0001_initial...</a:t>
+            </a:r>
+            <a:r>
+              <a:rPr lang="en-US" b="1" dirty="0">
+                <a:solidFill>
+                  <a:srgbClr val="2FB41D"/>
+                </a:solidFill>
+                <a:latin typeface="Courier" charset="0"/>
+                <a:ea typeface="Courier" charset="0"/>
+                <a:cs typeface="Courier" charset="0"/>
+              </a:rPr>
+              <a:t> OK</a:t>
+            </a:r>
+            <a:endParaRPr lang="en-US" b="1" dirty="0">
+              <a:solidFill>
+                <a:srgbClr val="000000"/>
+              </a:solidFill>
+              <a:latin typeface="Courier" charset="0"/>
+              <a:ea typeface="Courier" charset="0"/>
+              <a:cs typeface="Courier" charset="0"/>
+            </a:endParaRPr>
+          </a:p>
+          <a:p>
+            <a:r>
+              <a:rPr lang="en-US" b="1" dirty="0">
+                <a:solidFill>
+                  <a:srgbClr val="000000"/>
+                </a:solidFill>
+                <a:latin typeface="Courier" charset="0"/>
+                <a:ea typeface="Courier" charset="0"/>
+                <a:cs typeface="Courier" charset="0"/>
+              </a:rPr>
+              <a:t>  Applying auth.0001_initial...</a:t>
+            </a:r>
+            <a:r>
+              <a:rPr lang="en-US" b="1" dirty="0">
+                <a:solidFill>
+                  <a:srgbClr val="2FB41D"/>
+                </a:solidFill>
+                <a:latin typeface="Courier" charset="0"/>
+                <a:ea typeface="Courier" charset="0"/>
+                <a:cs typeface="Courier" charset="0"/>
+              </a:rPr>
+              <a:t> OK</a:t>
+            </a:r>
+            <a:endParaRPr lang="en-US" b="1" dirty="0">
+              <a:solidFill>
+                <a:srgbClr val="000000"/>
+              </a:solidFill>
+              <a:latin typeface="Courier" charset="0"/>
+              <a:ea typeface="Courier" charset="0"/>
+              <a:cs typeface="Courier" charset="0"/>
+            </a:endParaRPr>
+          </a:p>
+          <a:p>
+            <a:r>
+              <a:rPr lang="en-US" b="1" dirty="0">
+                <a:solidFill>
+                  <a:srgbClr val="000000"/>
+                </a:solidFill>
+                <a:latin typeface="Courier" charset="0"/>
+                <a:ea typeface="Courier" charset="0"/>
+                <a:cs typeface="Courier" charset="0"/>
+              </a:rPr>
+              <a:t>  Applying admin.0001_initial...</a:t>
+            </a:r>
+            <a:r>
+              <a:rPr lang="en-US" b="1" dirty="0">
+                <a:solidFill>
+                  <a:srgbClr val="2FB41D"/>
+                </a:solidFill>
+                <a:latin typeface="Courier" charset="0"/>
+                <a:ea typeface="Courier" charset="0"/>
+                <a:cs typeface="Courier" charset="0"/>
+              </a:rPr>
+              <a:t> OK</a:t>
+            </a:r>
+            <a:endParaRPr lang="en-US" b="1" dirty="0">
+              <a:solidFill>
+                <a:srgbClr val="000000"/>
+              </a:solidFill>
+              <a:latin typeface="Courier" charset="0"/>
+              <a:ea typeface="Courier" charset="0"/>
+              <a:cs typeface="Courier" charset="0"/>
+            </a:endParaRPr>
+          </a:p>
+          <a:p>
+            <a:r>
+              <a:rPr lang="en-US" b="1" dirty="0">
+                <a:solidFill>
+                  <a:srgbClr val="000000"/>
+                </a:solidFill>
+                <a:latin typeface="Courier" charset="0"/>
+                <a:ea typeface="Courier" charset="0"/>
+                <a:cs typeface="Courier" charset="0"/>
+              </a:rPr>
+              <a:t>  Applying admin.0002_logentry_remove_auto_add...</a:t>
+            </a:r>
+            <a:r>
+              <a:rPr lang="en-US" b="1" dirty="0">
+                <a:solidFill>
+                  <a:srgbClr val="2FB41D"/>
+                </a:solidFill>
+                <a:latin typeface="Courier" charset="0"/>
+                <a:ea typeface="Courier" charset="0"/>
+                <a:cs typeface="Courier" charset="0"/>
+              </a:rPr>
+              <a:t> OK</a:t>
+            </a:r>
+            <a:endParaRPr lang="en-US" b="1" dirty="0">
+              <a:solidFill>
+                <a:srgbClr val="000000"/>
+              </a:solidFill>
+              <a:latin typeface="Courier" charset="0"/>
+              <a:ea typeface="Courier" charset="0"/>
+              <a:cs typeface="Courier" charset="0"/>
+            </a:endParaRPr>
+          </a:p>
+          <a:p>
+            <a:r>
+              <a:rPr lang="en-US" b="1" dirty="0" smtClean="0">
+                <a:solidFill>
+                  <a:srgbClr val="000000"/>
+                </a:solidFill>
+                <a:latin typeface="Courier" charset="0"/>
+                <a:ea typeface="Courier" charset="0"/>
+                <a:cs typeface="Courier" charset="0"/>
+              </a:rPr>
+              <a:t>  Applying </a:t>
+            </a:r>
+            <a:r>
+              <a:rPr lang="en-US" b="1" dirty="0">
+                <a:solidFill>
+                  <a:srgbClr val="000000"/>
+                </a:solidFill>
+                <a:latin typeface="Courier" charset="0"/>
+                <a:ea typeface="Courier" charset="0"/>
+                <a:cs typeface="Courier" charset="0"/>
+              </a:rPr>
+              <a:t>contenttypes.0002_remove_content_type_name...</a:t>
+            </a:r>
+            <a:r>
+              <a:rPr lang="en-US" b="1" dirty="0">
+                <a:solidFill>
+                  <a:srgbClr val="2FB41D"/>
+                </a:solidFill>
+                <a:latin typeface="Courier" charset="0"/>
+                <a:ea typeface="Courier" charset="0"/>
+                <a:cs typeface="Courier" charset="0"/>
+              </a:rPr>
+              <a:t> OK</a:t>
+            </a:r>
+            <a:endParaRPr lang="en-US" b="1" dirty="0">
+              <a:solidFill>
+                <a:srgbClr val="000000"/>
+              </a:solidFill>
+              <a:latin typeface="Courier" charset="0"/>
+              <a:ea typeface="Courier" charset="0"/>
+              <a:cs typeface="Courier" charset="0"/>
+            </a:endParaRPr>
+          </a:p>
+          <a:p>
+            <a:r>
+              <a:rPr lang="en-US" b="1" dirty="0">
+                <a:solidFill>
+                  <a:srgbClr val="000000"/>
+                </a:solidFill>
+                <a:latin typeface="Courier" charset="0"/>
+                <a:ea typeface="Courier" charset="0"/>
+                <a:cs typeface="Courier" charset="0"/>
+              </a:rPr>
+              <a:t>  Applying auth.0002_alter_permission_name_max_length...</a:t>
+            </a:r>
+            <a:r>
+              <a:rPr lang="en-US" b="1" dirty="0">
+                <a:solidFill>
+                  <a:srgbClr val="2FB41D"/>
+                </a:solidFill>
+                <a:latin typeface="Courier" charset="0"/>
+                <a:ea typeface="Courier" charset="0"/>
+                <a:cs typeface="Courier" charset="0"/>
+              </a:rPr>
+              <a:t> OK</a:t>
+            </a:r>
+            <a:endParaRPr lang="en-US" b="1" dirty="0">
+              <a:solidFill>
+                <a:srgbClr val="000000"/>
+              </a:solidFill>
+              <a:latin typeface="Courier" charset="0"/>
+              <a:ea typeface="Courier" charset="0"/>
+              <a:cs typeface="Courier" charset="0"/>
+            </a:endParaRPr>
+          </a:p>
+          <a:p>
+            <a:r>
+              <a:rPr lang="en-US" b="1" dirty="0" smtClean="0">
+                <a:solidFill>
+                  <a:srgbClr val="FF0000"/>
+                </a:solidFill>
+                <a:latin typeface="Courier" charset="0"/>
+                <a:ea typeface="Courier" charset="0"/>
+                <a:cs typeface="Courier" charset="0"/>
+              </a:rPr>
+              <a:t>[ ...snip ... ]</a:t>
+            </a:r>
+            <a:endParaRPr lang="en-US" b="1" dirty="0">
+              <a:solidFill>
+                <a:srgbClr val="FF0000"/>
+              </a:solidFill>
+              <a:latin typeface="Courier" charset="0"/>
+              <a:ea typeface="Courier" charset="0"/>
+              <a:cs typeface="Courier" charset="0"/>
+            </a:endParaRPr>
+          </a:p>
+          <a:p>
+            <a:r>
+              <a:rPr lang="en-US" b="1" dirty="0">
+                <a:solidFill>
+                  <a:srgbClr val="000000"/>
+                </a:solidFill>
+                <a:latin typeface="Courier" charset="0"/>
+                <a:ea typeface="Courier" charset="0"/>
+                <a:cs typeface="Courier" charset="0"/>
+              </a:rPr>
+              <a:t>  Applying social_django.0008_partial_timestamp...</a:t>
+            </a:r>
+            <a:r>
+              <a:rPr lang="en-US" b="1" dirty="0">
+                <a:solidFill>
+                  <a:srgbClr val="2FB41D"/>
+                </a:solidFill>
+                <a:latin typeface="Courier" charset="0"/>
+                <a:ea typeface="Courier" charset="0"/>
+                <a:cs typeface="Courier" charset="0"/>
+              </a:rPr>
+              <a:t> OK</a:t>
+            </a:r>
+            <a:endParaRPr lang="en-US" b="1" dirty="0">
+              <a:solidFill>
+                <a:srgbClr val="000000"/>
+              </a:solidFill>
+              <a:latin typeface="Courier" charset="0"/>
+              <a:ea typeface="Courier" charset="0"/>
+              <a:cs typeface="Courier" charset="0"/>
+            </a:endParaRPr>
+          </a:p>
+          <a:p>
+            <a:r>
+              <a:rPr lang="en-US" b="1" dirty="0">
+                <a:solidFill>
+                  <a:srgbClr val="000000"/>
+                </a:solidFill>
+                <a:latin typeface="Courier" charset="0"/>
+                <a:ea typeface="Courier" charset="0"/>
+                <a:cs typeface="Courier" charset="0"/>
+              </a:rPr>
+              <a:t>  Applying tracks.0001_initial...</a:t>
+            </a:r>
+            <a:r>
+              <a:rPr lang="en-US" b="1" dirty="0">
+                <a:solidFill>
+                  <a:srgbClr val="2FB41D"/>
+                </a:solidFill>
+                <a:latin typeface="Courier" charset="0"/>
+                <a:ea typeface="Courier" charset="0"/>
+                <a:cs typeface="Courier" charset="0"/>
+              </a:rPr>
+              <a:t> OK</a:t>
+            </a:r>
+            <a:endParaRPr lang="en-US" b="1" dirty="0">
+              <a:solidFill>
+                <a:srgbClr val="000000"/>
+              </a:solidFill>
+              <a:latin typeface="Courier" charset="0"/>
+              <a:ea typeface="Courier" charset="0"/>
+              <a:cs typeface="Courier" charset="0"/>
+            </a:endParaRPr>
+          </a:p>
+          <a:p>
+            <a:r>
+              <a:rPr lang="en-US" b="1" dirty="0">
+                <a:solidFill>
+                  <a:srgbClr val="000000"/>
+                </a:solidFill>
+                <a:latin typeface="Courier" charset="0"/>
+                <a:ea typeface="Courier" charset="0"/>
+                <a:cs typeface="Courier" charset="0"/>
+              </a:rPr>
+              <a:t>  Applying users.0001_initial...</a:t>
+            </a:r>
+            <a:r>
+              <a:rPr lang="en-US" b="1" dirty="0">
+                <a:solidFill>
+                  <a:srgbClr val="2FB41D"/>
+                </a:solidFill>
+                <a:latin typeface="Courier" charset="0"/>
+                <a:ea typeface="Courier" charset="0"/>
+                <a:cs typeface="Courier" charset="0"/>
+              </a:rPr>
+              <a:t> OK</a:t>
+            </a:r>
+            <a:endParaRPr lang="en-US" b="1" dirty="0">
+              <a:solidFill>
+                <a:srgbClr val="000000"/>
+              </a:solidFill>
+              <a:latin typeface="Courier" charset="0"/>
+              <a:ea typeface="Courier" charset="0"/>
+              <a:cs typeface="Courier" charset="0"/>
+            </a:endParaRPr>
+          </a:p>
+          <a:p>
+            <a:r>
+              <a:rPr lang="en-US" b="1" dirty="0" smtClean="0">
+                <a:solidFill>
+                  <a:srgbClr val="000000"/>
+                </a:solidFill>
+                <a:latin typeface="Courier" charset="0"/>
+                <a:ea typeface="Courier" charset="0"/>
+                <a:cs typeface="Courier" charset="0"/>
+              </a:rPr>
+              <a:t>dj4e-samples$ </a:t>
+            </a:r>
+            <a:endParaRPr lang="en-US" b="1" dirty="0">
+              <a:latin typeface="Courier" charset="0"/>
+              <a:ea typeface="Courier" charset="0"/>
+              <a:cs typeface="Courier" charset="0"/>
+            </a:endParaRPr>
+          </a:p>
+        </p:txBody>
+      </p:sp>
+    </p:spTree>
+    <p:extLst>
+      <p:ext uri="{BB962C8B-B14F-4D97-AF65-F5344CB8AC3E}">
+        <p14:creationId xmlns:p14="http://schemas.microsoft.com/office/powerpoint/2010/main" val="1173528592"/>
       </p:ext>
     </p:extLst>
   </p:cSld>
@@ -9028,6 +11573,975 @@
     <p:extLst>
       <p:ext uri="{BB962C8B-B14F-4D97-AF65-F5344CB8AC3E}">
         <p14:creationId xmlns:p14="http://schemas.microsoft.com/office/powerpoint/2010/main" val="1406373978"/>
+      </p:ext>
+    </p:extLst>
+  </p:cSld>
+  <p:clrMapOvr>
+    <a:masterClrMapping/>
+  </p:clrMapOvr>
+  <p:timing>
+    <p:tnLst>
+      <p:par>
+        <p:cTn id="1" dur="indefinite" restart="never" nodeType="tmRoot"/>
+      </p:par>
+    </p:tnLst>
+  </p:timing>
+</p:sld>
+</file>
+
+<file path=ppt/slides/slide20.xml><?xml version="1.0" encoding="utf-8"?>
+<p:sld xmlns:a="http://schemas.openxmlformats.org/drawingml/2006/main" xmlns:r="http://schemas.openxmlformats.org/officeDocument/2006/relationships" xmlns:p="http://schemas.openxmlformats.org/presentationml/2006/main">
+  <p:cSld>
+    <p:spTree>
+      <p:nvGrpSpPr>
+        <p:cNvPr id="1" name=""/>
+        <p:cNvGrpSpPr/>
+        <p:nvPr/>
+      </p:nvGrpSpPr>
+      <p:grpSpPr>
+        <a:xfrm>
+          <a:off x="0" y="0"/>
+          <a:ext cx="0" cy="0"/>
+          <a:chOff x="0" y="0"/>
+          <a:chExt cx="0" cy="0"/>
+        </a:xfrm>
+      </p:grpSpPr>
+      <p:sp>
+        <p:nvSpPr>
+          <p:cNvPr id="2" name="Title 1"/>
+          <p:cNvSpPr>
+            <a:spLocks noGrp="1"/>
+          </p:cNvSpPr>
+          <p:nvPr>
+            <p:ph type="title"/>
+          </p:nvPr>
+        </p:nvSpPr>
+        <p:spPr/>
+        <p:txBody>
+          <a:bodyPr/>
+          <a:lstStyle/>
+          <a:p>
+            <a:r>
+              <a:rPr lang="en-US" dirty="0" smtClean="0"/>
+              <a:t>Demo</a:t>
+            </a:r>
+            <a:endParaRPr lang="en-US" dirty="0"/>
+          </a:p>
+        </p:txBody>
+      </p:sp>
+      <p:sp>
+        <p:nvSpPr>
+          <p:cNvPr id="3" name="Text Placeholder 2"/>
+          <p:cNvSpPr>
+            <a:spLocks noGrp="1"/>
+          </p:cNvSpPr>
+          <p:nvPr>
+            <p:ph type="body" idx="1"/>
+          </p:nvPr>
+        </p:nvSpPr>
+        <p:spPr/>
+        <p:txBody>
+          <a:bodyPr/>
+          <a:lstStyle/>
+          <a:p>
+            <a:r>
+              <a:rPr lang="en-US" dirty="0"/>
+              <a:t>https://</a:t>
+            </a:r>
+            <a:r>
+              <a:rPr lang="en-US" dirty="0" smtClean="0"/>
+              <a:t>www.dj4e.com/lectures/DJ-03-Model-Single.txt</a:t>
+            </a:r>
+            <a:endParaRPr lang="en-US" dirty="0"/>
+          </a:p>
+          <a:p>
+            <a:endParaRPr lang="en-US" dirty="0"/>
+          </a:p>
+        </p:txBody>
+      </p:sp>
+    </p:spTree>
+    <p:extLst>
+      <p:ext uri="{BB962C8B-B14F-4D97-AF65-F5344CB8AC3E}">
+        <p14:creationId xmlns:p14="http://schemas.microsoft.com/office/powerpoint/2010/main" val="495488396"/>
+      </p:ext>
+    </p:extLst>
+  </p:cSld>
+  <p:clrMapOvr>
+    <a:masterClrMapping/>
+  </p:clrMapOvr>
+  <p:timing>
+    <p:tnLst>
+      <p:par>
+        <p:cTn id="1" dur="indefinite" restart="never" nodeType="tmRoot"/>
+      </p:par>
+    </p:tnLst>
+  </p:timing>
+</p:sld>
+</file>
+
+<file path=ppt/slides/slide21.xml><?xml version="1.0" encoding="utf-8"?>
+<p:sld xmlns:a="http://schemas.openxmlformats.org/drawingml/2006/main" xmlns:r="http://schemas.openxmlformats.org/officeDocument/2006/relationships" xmlns:p="http://schemas.openxmlformats.org/presentationml/2006/main">
+  <p:cSld>
+    <p:spTree>
+      <p:nvGrpSpPr>
+        <p:cNvPr id="1" name=""/>
+        <p:cNvGrpSpPr/>
+        <p:nvPr/>
+      </p:nvGrpSpPr>
+      <p:grpSpPr>
+        <a:xfrm>
+          <a:off x="0" y="0"/>
+          <a:ext cx="0" cy="0"/>
+          <a:chOff x="0" y="0"/>
+          <a:chExt cx="0" cy="0"/>
+        </a:xfrm>
+      </p:grpSpPr>
+      <p:sp>
+        <p:nvSpPr>
+          <p:cNvPr id="3" name="Title 2"/>
+          <p:cNvSpPr>
+            <a:spLocks noGrp="1"/>
+          </p:cNvSpPr>
+          <p:nvPr>
+            <p:ph type="title"/>
+          </p:nvPr>
+        </p:nvSpPr>
+        <p:spPr/>
+        <p:txBody>
+          <a:bodyPr/>
+          <a:lstStyle/>
+          <a:p>
+            <a:r>
+              <a:rPr lang="en-US" dirty="0" smtClean="0"/>
+              <a:t>Summary</a:t>
+            </a:r>
+            <a:endParaRPr lang="en-US" dirty="0"/>
+          </a:p>
+        </p:txBody>
+      </p:sp>
+      <p:sp>
+        <p:nvSpPr>
+          <p:cNvPr id="4" name="Content Placeholder 3"/>
+          <p:cNvSpPr>
+            <a:spLocks noGrp="1"/>
+          </p:cNvSpPr>
+          <p:nvPr>
+            <p:ph idx="1"/>
+          </p:nvPr>
+        </p:nvSpPr>
+        <p:spPr/>
+        <p:txBody>
+          <a:bodyPr/>
+          <a:lstStyle/>
+          <a:p>
+            <a:r>
+              <a:rPr lang="en-US" dirty="0" smtClean="0"/>
+              <a:t>The Django Models feature implements an Object Relational Mapper</a:t>
+            </a:r>
+          </a:p>
+          <a:p>
+            <a:r>
+              <a:rPr lang="en-US" dirty="0" smtClean="0"/>
+              <a:t>Benefits</a:t>
+            </a:r>
+          </a:p>
+          <a:p>
+            <a:pPr lvl="1"/>
+            <a:r>
+              <a:rPr lang="en-US" dirty="0" smtClean="0"/>
+              <a:t>We can write only Python code (i.e. no explicit SQL)</a:t>
+            </a:r>
+          </a:p>
+          <a:p>
+            <a:pPr lvl="1"/>
+            <a:r>
+              <a:rPr lang="en-US" dirty="0" smtClean="0"/>
+              <a:t>We gain database portability</a:t>
+            </a:r>
+          </a:p>
+          <a:p>
+            <a:pPr lvl="1"/>
+            <a:r>
+              <a:rPr lang="en-US" dirty="0" smtClean="0"/>
+              <a:t>Migrations both create and evolve our database schema</a:t>
+            </a:r>
+          </a:p>
+          <a:p>
+            <a:pPr lvl="1"/>
+            <a:r>
+              <a:rPr lang="en-US" dirty="0" smtClean="0"/>
+              <a:t>A sweet administrator interface</a:t>
+            </a:r>
+          </a:p>
+          <a:p>
+            <a:pPr lvl="1"/>
+            <a:r>
+              <a:rPr lang="en-US" dirty="0" smtClean="0"/>
+              <a:t>Automatic form generation and validation (later)</a:t>
+            </a:r>
+            <a:endParaRPr lang="en-US" dirty="0"/>
+          </a:p>
+        </p:txBody>
+      </p:sp>
+    </p:spTree>
+    <p:extLst>
+      <p:ext uri="{BB962C8B-B14F-4D97-AF65-F5344CB8AC3E}">
+        <p14:creationId xmlns:p14="http://schemas.microsoft.com/office/powerpoint/2010/main" val="1285407203"/>
+      </p:ext>
+    </p:extLst>
+  </p:cSld>
+  <p:clrMapOvr>
+    <a:masterClrMapping/>
+  </p:clrMapOvr>
+  <p:timing>
+    <p:tnLst>
+      <p:par>
+        <p:cTn id="1" dur="indefinite" restart="never" nodeType="tmRoot"/>
+      </p:par>
+    </p:tnLst>
+  </p:timing>
+</p:sld>
+</file>
+
+<file path=ppt/slides/slide22.xml><?xml version="1.0" encoding="utf-8"?>
+<p:sld xmlns:a="http://schemas.openxmlformats.org/drawingml/2006/main" xmlns:r="http://schemas.openxmlformats.org/officeDocument/2006/relationships" xmlns:p="http://schemas.openxmlformats.org/presentationml/2006/main">
+  <p:cSld>
+    <p:spTree>
+      <p:nvGrpSpPr>
+        <p:cNvPr id="1" name=""/>
+        <p:cNvGrpSpPr/>
+        <p:nvPr/>
+      </p:nvGrpSpPr>
+      <p:grpSpPr>
+        <a:xfrm>
+          <a:off x="0" y="0"/>
+          <a:ext cx="0" cy="0"/>
+          <a:chOff x="0" y="0"/>
+          <a:chExt cx="0" cy="0"/>
+        </a:xfrm>
+      </p:grpSpPr>
+      <p:sp>
+        <p:nvSpPr>
+          <p:cNvPr id="4" name="Title 3"/>
+          <p:cNvSpPr>
+            <a:spLocks noGrp="1"/>
+          </p:cNvSpPr>
+          <p:nvPr>
+            <p:ph type="title"/>
+          </p:nvPr>
+        </p:nvSpPr>
+        <p:spPr/>
+        <p:txBody>
+          <a:bodyPr/>
+          <a:lstStyle/>
+          <a:p>
+            <a:r>
+              <a:rPr lang="en-US" dirty="0"/>
+              <a:t>Acknowledgements / Contributions</a:t>
+            </a:r>
+          </a:p>
+        </p:txBody>
+      </p:sp>
+      <p:sp>
+        <p:nvSpPr>
+          <p:cNvPr id="8" name="TextBox 4"/>
+          <p:cNvSpPr txBox="1">
+            <a:spLocks noChangeArrowheads="1"/>
+          </p:cNvSpPr>
+          <p:nvPr/>
+        </p:nvSpPr>
+        <p:spPr bwMode="auto">
+          <a:xfrm>
+            <a:off x="838200" y="1512888"/>
+            <a:ext cx="5257800" cy="4401205"/>
+          </a:xfrm>
+          <a:prstGeom prst="rect">
+            <a:avLst/>
+          </a:prstGeom>
+          <a:noFill/>
+          <a:ln>
+            <a:noFill/>
+          </a:ln>
+        </p:spPr>
+        <p:txBody>
+          <a:bodyPr wrap="square">
+            <a:spAutoFit/>
+          </a:bodyPr>
+          <a:lstStyle>
+            <a:lvl1pPr>
+              <a:defRPr sz="2000">
+                <a:solidFill>
+                  <a:srgbClr val="FFFFFF"/>
+                </a:solidFill>
+                <a:latin typeface="Gill Sans" charset="0"/>
+                <a:ea typeface="ヒラギノ角ゴ ProN W3" charset="-128"/>
+                <a:sym typeface="Gill Sans" charset="0"/>
+              </a:defRPr>
+            </a:lvl1pPr>
+            <a:lvl2pPr marL="742950" indent="-285750">
+              <a:defRPr sz="2000">
+                <a:solidFill>
+                  <a:srgbClr val="FFFFFF"/>
+                </a:solidFill>
+                <a:latin typeface="Gill Sans" charset="0"/>
+                <a:ea typeface="ヒラギノ角ゴ ProN W3" charset="-128"/>
+                <a:sym typeface="Gill Sans" charset="0"/>
+              </a:defRPr>
+            </a:lvl2pPr>
+            <a:lvl3pPr marL="1143000" indent="-228600">
+              <a:defRPr sz="2000">
+                <a:solidFill>
+                  <a:srgbClr val="FFFFFF"/>
+                </a:solidFill>
+                <a:latin typeface="Gill Sans" charset="0"/>
+                <a:ea typeface="ヒラギノ角ゴ ProN W3" charset="-128"/>
+                <a:sym typeface="Gill Sans" charset="0"/>
+              </a:defRPr>
+            </a:lvl3pPr>
+            <a:lvl4pPr marL="1600200" indent="-228600">
+              <a:defRPr sz="2000">
+                <a:solidFill>
+                  <a:srgbClr val="FFFFFF"/>
+                </a:solidFill>
+                <a:latin typeface="Gill Sans" charset="0"/>
+                <a:ea typeface="ヒラギノ角ゴ ProN W3" charset="-128"/>
+                <a:sym typeface="Gill Sans" charset="0"/>
+              </a:defRPr>
+            </a:lvl4pPr>
+            <a:lvl5pPr marL="2057400" indent="-228600">
+              <a:defRPr sz="2000">
+                <a:solidFill>
+                  <a:srgbClr val="FFFFFF"/>
+                </a:solidFill>
+                <a:latin typeface="Gill Sans" charset="0"/>
+                <a:ea typeface="ヒラギノ角ゴ ProN W3" charset="-128"/>
+                <a:sym typeface="Gill Sans" charset="0"/>
+              </a:defRPr>
+            </a:lvl5pPr>
+            <a:lvl6pPr marL="2514600" indent="-228600" eaLnBrk="0" fontAlgn="base" hangingPunct="0">
+              <a:spcBef>
+                <a:spcPct val="0"/>
+              </a:spcBef>
+              <a:spcAft>
+                <a:spcPct val="0"/>
+              </a:spcAft>
+              <a:defRPr sz="2000">
+                <a:solidFill>
+                  <a:srgbClr val="FFFFFF"/>
+                </a:solidFill>
+                <a:latin typeface="Gill Sans" charset="0"/>
+                <a:ea typeface="ヒラギノ角ゴ ProN W3" charset="-128"/>
+                <a:sym typeface="Gill Sans" charset="0"/>
+              </a:defRPr>
+            </a:lvl6pPr>
+            <a:lvl7pPr marL="2971800" indent="-228600" eaLnBrk="0" fontAlgn="base" hangingPunct="0">
+              <a:spcBef>
+                <a:spcPct val="0"/>
+              </a:spcBef>
+              <a:spcAft>
+                <a:spcPct val="0"/>
+              </a:spcAft>
+              <a:defRPr sz="2000">
+                <a:solidFill>
+                  <a:srgbClr val="FFFFFF"/>
+                </a:solidFill>
+                <a:latin typeface="Gill Sans" charset="0"/>
+                <a:ea typeface="ヒラギノ角ゴ ProN W3" charset="-128"/>
+                <a:sym typeface="Gill Sans" charset="0"/>
+              </a:defRPr>
+            </a:lvl7pPr>
+            <a:lvl8pPr marL="3429000" indent="-228600" eaLnBrk="0" fontAlgn="base" hangingPunct="0">
+              <a:spcBef>
+                <a:spcPct val="0"/>
+              </a:spcBef>
+              <a:spcAft>
+                <a:spcPct val="0"/>
+              </a:spcAft>
+              <a:defRPr sz="2000">
+                <a:solidFill>
+                  <a:srgbClr val="FFFFFF"/>
+                </a:solidFill>
+                <a:latin typeface="Gill Sans" charset="0"/>
+                <a:ea typeface="ヒラギノ角ゴ ProN W3" charset="-128"/>
+                <a:sym typeface="Gill Sans" charset="0"/>
+              </a:defRPr>
+            </a:lvl8pPr>
+            <a:lvl9pPr marL="3886200" indent="-228600" eaLnBrk="0" fontAlgn="base" hangingPunct="0">
+              <a:spcBef>
+                <a:spcPct val="0"/>
+              </a:spcBef>
+              <a:spcAft>
+                <a:spcPct val="0"/>
+              </a:spcAft>
+              <a:defRPr sz="2000">
+                <a:solidFill>
+                  <a:srgbClr val="FFFFFF"/>
+                </a:solidFill>
+                <a:latin typeface="Gill Sans" charset="0"/>
+                <a:ea typeface="ヒラギノ角ゴ ProN W3" charset="-128"/>
+                <a:sym typeface="Gill Sans" charset="0"/>
+              </a:defRPr>
+            </a:lvl9pPr>
+          </a:lstStyle>
+          <a:p>
+            <a:pPr eaLnBrk="1" hangingPunct="1"/>
+            <a:r>
+              <a:rPr lang="en-US" altLang="x-none" sz="1400" dirty="0">
+                <a:solidFill>
+                  <a:schemeClr val="tx1"/>
+                </a:solidFill>
+              </a:rPr>
+              <a:t>These slides are Copyright 2019-  Charles R. Severance (</a:t>
+            </a:r>
+            <a:r>
+              <a:rPr lang="en-US" altLang="x-none" sz="1400" dirty="0" err="1">
+                <a:solidFill>
+                  <a:schemeClr val="tx1"/>
+                </a:solidFill>
+              </a:rPr>
+              <a:t>www.dr-chuck.com</a:t>
+            </a:r>
+            <a:r>
+              <a:rPr lang="en-US" altLang="x-none" sz="1400" dirty="0">
+                <a:solidFill>
+                  <a:schemeClr val="tx1"/>
+                </a:solidFill>
+              </a:rPr>
+              <a:t>) as part of www.dj4e.com and made available under a Creative Commons Attribution 4.0 License.  Please maintain this last slide in all copies of the document to comply with the attribution requirements of the license.  If you make a change, feel free to add your name and organization to the list of contributors on this page as you republish the materials.</a:t>
+            </a:r>
+          </a:p>
+          <a:p>
+            <a:pPr eaLnBrk="1" hangingPunct="1"/>
+            <a:endParaRPr lang="en-US" altLang="x-none" sz="1400" dirty="0">
+              <a:solidFill>
+                <a:schemeClr val="tx1"/>
+              </a:solidFill>
+            </a:endParaRPr>
+          </a:p>
+          <a:p>
+            <a:pPr eaLnBrk="1" hangingPunct="1"/>
+            <a:r>
+              <a:rPr lang="en-US" altLang="x-none" sz="1400" dirty="0">
+                <a:solidFill>
+                  <a:schemeClr val="tx1"/>
+                </a:solidFill>
+              </a:rPr>
+              <a:t>Initial Development: Charles Severance, University of Michigan School of Information</a:t>
+            </a:r>
+          </a:p>
+          <a:p>
+            <a:pPr eaLnBrk="1" hangingPunct="1"/>
+            <a:endParaRPr lang="en-US" altLang="x-none" sz="1400" dirty="0">
+              <a:solidFill>
+                <a:schemeClr val="tx1"/>
+              </a:solidFill>
+            </a:endParaRPr>
+          </a:p>
+          <a:p>
+            <a:pPr eaLnBrk="1" hangingPunct="1"/>
+            <a:r>
+              <a:rPr lang="en-US" altLang="x-none" sz="1400" dirty="0">
+                <a:solidFill>
+                  <a:srgbClr val="FFCC66"/>
+                </a:solidFill>
+              </a:rPr>
+              <a:t>Insert new Contributors and Translators here including names and dates</a:t>
+            </a:r>
+          </a:p>
+          <a:p>
+            <a:pPr eaLnBrk="1" hangingPunct="1"/>
+            <a:endParaRPr lang="en-US" altLang="x-none" sz="1400" dirty="0">
+              <a:solidFill>
+                <a:srgbClr val="7575D1"/>
+              </a:solidFill>
+            </a:endParaRPr>
+          </a:p>
+          <a:p>
+            <a:pPr eaLnBrk="1" hangingPunct="1"/>
+            <a:endParaRPr lang="en-US" altLang="x-none" sz="1400" dirty="0">
+              <a:solidFill>
+                <a:srgbClr val="7575D1"/>
+              </a:solidFill>
+            </a:endParaRPr>
+          </a:p>
+          <a:p>
+            <a:pPr eaLnBrk="1" hangingPunct="1"/>
+            <a:endParaRPr lang="en-US" altLang="x-none" sz="1400" dirty="0">
+              <a:solidFill>
+                <a:srgbClr val="7575D1"/>
+              </a:solidFill>
+            </a:endParaRPr>
+          </a:p>
+          <a:p>
+            <a:pPr eaLnBrk="1" hangingPunct="1"/>
+            <a:endParaRPr lang="en-US" altLang="x-none" sz="1400" dirty="0">
+              <a:solidFill>
+                <a:srgbClr val="7575D1"/>
+              </a:solidFill>
+            </a:endParaRPr>
+          </a:p>
+          <a:p>
+            <a:pPr eaLnBrk="1" hangingPunct="1"/>
+            <a:endParaRPr lang="en-US" altLang="x-none" sz="1400" dirty="0">
+              <a:solidFill>
+                <a:srgbClr val="7575D1"/>
+              </a:solidFill>
+            </a:endParaRPr>
+          </a:p>
+          <a:p>
+            <a:pPr eaLnBrk="1" hangingPunct="1"/>
+            <a:endParaRPr lang="en-US" altLang="x-none" sz="1400" dirty="0">
+              <a:solidFill>
+                <a:srgbClr val="7575D1"/>
+              </a:solidFill>
+            </a:endParaRPr>
+          </a:p>
+          <a:p>
+            <a:pPr eaLnBrk="1" hangingPunct="1"/>
+            <a:endParaRPr lang="en-US" altLang="x-none" sz="1400" dirty="0">
+              <a:solidFill>
+                <a:srgbClr val="7575D1"/>
+              </a:solidFill>
+            </a:endParaRPr>
+          </a:p>
+        </p:txBody>
+      </p:sp>
+      <p:sp>
+        <p:nvSpPr>
+          <p:cNvPr id="9" name="TextBox 5"/>
+          <p:cNvSpPr txBox="1">
+            <a:spLocks noChangeArrowheads="1"/>
+          </p:cNvSpPr>
+          <p:nvPr/>
+        </p:nvSpPr>
+        <p:spPr bwMode="auto">
+          <a:xfrm>
+            <a:off x="6310312" y="1512888"/>
+            <a:ext cx="5257800" cy="4893647"/>
+          </a:xfrm>
+          <a:prstGeom prst="rect">
+            <a:avLst/>
+          </a:prstGeom>
+          <a:noFill/>
+          <a:ln>
+            <a:noFill/>
+          </a:ln>
+        </p:spPr>
+        <p:txBody>
+          <a:bodyPr wrap="square">
+            <a:spAutoFit/>
+          </a:bodyPr>
+          <a:lstStyle>
+            <a:lvl1pPr>
+              <a:defRPr sz="2000">
+                <a:solidFill>
+                  <a:srgbClr val="FFFFFF"/>
+                </a:solidFill>
+                <a:latin typeface="Gill Sans" charset="0"/>
+                <a:ea typeface="ヒラギノ角ゴ ProN W3" charset="-128"/>
+                <a:sym typeface="Gill Sans" charset="0"/>
+              </a:defRPr>
+            </a:lvl1pPr>
+            <a:lvl2pPr marL="742950" indent="-285750">
+              <a:defRPr sz="2000">
+                <a:solidFill>
+                  <a:srgbClr val="FFFFFF"/>
+                </a:solidFill>
+                <a:latin typeface="Gill Sans" charset="0"/>
+                <a:ea typeface="ヒラギノ角ゴ ProN W3" charset="-128"/>
+                <a:sym typeface="Gill Sans" charset="0"/>
+              </a:defRPr>
+            </a:lvl2pPr>
+            <a:lvl3pPr marL="1143000" indent="-228600">
+              <a:defRPr sz="2000">
+                <a:solidFill>
+                  <a:srgbClr val="FFFFFF"/>
+                </a:solidFill>
+                <a:latin typeface="Gill Sans" charset="0"/>
+                <a:ea typeface="ヒラギノ角ゴ ProN W3" charset="-128"/>
+                <a:sym typeface="Gill Sans" charset="0"/>
+              </a:defRPr>
+            </a:lvl3pPr>
+            <a:lvl4pPr marL="1600200" indent="-228600">
+              <a:defRPr sz="2000">
+                <a:solidFill>
+                  <a:srgbClr val="FFFFFF"/>
+                </a:solidFill>
+                <a:latin typeface="Gill Sans" charset="0"/>
+                <a:ea typeface="ヒラギノ角ゴ ProN W3" charset="-128"/>
+                <a:sym typeface="Gill Sans" charset="0"/>
+              </a:defRPr>
+            </a:lvl4pPr>
+            <a:lvl5pPr marL="2057400" indent="-228600">
+              <a:defRPr sz="2000">
+                <a:solidFill>
+                  <a:srgbClr val="FFFFFF"/>
+                </a:solidFill>
+                <a:latin typeface="Gill Sans" charset="0"/>
+                <a:ea typeface="ヒラギノ角ゴ ProN W3" charset="-128"/>
+                <a:sym typeface="Gill Sans" charset="0"/>
+              </a:defRPr>
+            </a:lvl5pPr>
+            <a:lvl6pPr marL="2514600" indent="-228600" eaLnBrk="0" fontAlgn="base" hangingPunct="0">
+              <a:spcBef>
+                <a:spcPct val="0"/>
+              </a:spcBef>
+              <a:spcAft>
+                <a:spcPct val="0"/>
+              </a:spcAft>
+              <a:defRPr sz="2000">
+                <a:solidFill>
+                  <a:srgbClr val="FFFFFF"/>
+                </a:solidFill>
+                <a:latin typeface="Gill Sans" charset="0"/>
+                <a:ea typeface="ヒラギノ角ゴ ProN W3" charset="-128"/>
+                <a:sym typeface="Gill Sans" charset="0"/>
+              </a:defRPr>
+            </a:lvl6pPr>
+            <a:lvl7pPr marL="2971800" indent="-228600" eaLnBrk="0" fontAlgn="base" hangingPunct="0">
+              <a:spcBef>
+                <a:spcPct val="0"/>
+              </a:spcBef>
+              <a:spcAft>
+                <a:spcPct val="0"/>
+              </a:spcAft>
+              <a:defRPr sz="2000">
+                <a:solidFill>
+                  <a:srgbClr val="FFFFFF"/>
+                </a:solidFill>
+                <a:latin typeface="Gill Sans" charset="0"/>
+                <a:ea typeface="ヒラギノ角ゴ ProN W3" charset="-128"/>
+                <a:sym typeface="Gill Sans" charset="0"/>
+              </a:defRPr>
+            </a:lvl7pPr>
+            <a:lvl8pPr marL="3429000" indent="-228600" eaLnBrk="0" fontAlgn="base" hangingPunct="0">
+              <a:spcBef>
+                <a:spcPct val="0"/>
+              </a:spcBef>
+              <a:spcAft>
+                <a:spcPct val="0"/>
+              </a:spcAft>
+              <a:defRPr sz="2000">
+                <a:solidFill>
+                  <a:srgbClr val="FFFFFF"/>
+                </a:solidFill>
+                <a:latin typeface="Gill Sans" charset="0"/>
+                <a:ea typeface="ヒラギノ角ゴ ProN W3" charset="-128"/>
+                <a:sym typeface="Gill Sans" charset="0"/>
+              </a:defRPr>
+            </a:lvl8pPr>
+            <a:lvl9pPr marL="3886200" indent="-228600" eaLnBrk="0" fontAlgn="base" hangingPunct="0">
+              <a:spcBef>
+                <a:spcPct val="0"/>
+              </a:spcBef>
+              <a:spcAft>
+                <a:spcPct val="0"/>
+              </a:spcAft>
+              <a:defRPr sz="2000">
+                <a:solidFill>
+                  <a:srgbClr val="FFFFFF"/>
+                </a:solidFill>
+                <a:latin typeface="Gill Sans" charset="0"/>
+                <a:ea typeface="ヒラギノ角ゴ ProN W3" charset="-128"/>
+                <a:sym typeface="Gill Sans" charset="0"/>
+              </a:defRPr>
+            </a:lvl9pPr>
+          </a:lstStyle>
+          <a:p>
+            <a:pPr algn="ctr" eaLnBrk="1" hangingPunct="1"/>
+            <a:r>
+              <a:rPr lang="en-US" altLang="x-none" sz="1200" dirty="0">
+                <a:solidFill>
+                  <a:srgbClr val="FFCC66"/>
+                </a:solidFill>
+                <a:latin typeface="Helvetica" charset="0"/>
+                <a:ea typeface="ＭＳ Ｐゴシック" charset="-128"/>
+                <a:sym typeface="Helvetica" charset="0"/>
+              </a:rPr>
+              <a:t>Continue new Contributors and Translators here</a:t>
+            </a:r>
+          </a:p>
+          <a:p>
+            <a:pPr algn="ctr" eaLnBrk="1" hangingPunct="1"/>
+            <a:endParaRPr lang="en-US" altLang="x-none" sz="1200" dirty="0">
+              <a:solidFill>
+                <a:schemeClr val="tx1"/>
+              </a:solidFill>
+              <a:latin typeface="Helvetica" charset="0"/>
+              <a:ea typeface="ＭＳ Ｐゴシック" charset="-128"/>
+              <a:sym typeface="Helvetica" charset="0"/>
+            </a:endParaRPr>
+          </a:p>
+          <a:p>
+            <a:pPr algn="ctr" eaLnBrk="1" hangingPunct="1"/>
+            <a:endParaRPr lang="en-US" altLang="x-none" sz="1200" dirty="0">
+              <a:solidFill>
+                <a:schemeClr val="tx1"/>
+              </a:solidFill>
+              <a:latin typeface="Helvetica" charset="0"/>
+              <a:ea typeface="ＭＳ Ｐゴシック" charset="-128"/>
+              <a:sym typeface="Helvetica" charset="0"/>
+            </a:endParaRPr>
+          </a:p>
+          <a:p>
+            <a:pPr algn="ctr" eaLnBrk="1" hangingPunct="1"/>
+            <a:endParaRPr lang="en-US" altLang="x-none" sz="1200" dirty="0">
+              <a:solidFill>
+                <a:schemeClr val="tx1"/>
+              </a:solidFill>
+              <a:latin typeface="Helvetica" charset="0"/>
+              <a:ea typeface="ＭＳ Ｐゴシック" charset="-128"/>
+              <a:sym typeface="Helvetica" charset="0"/>
+            </a:endParaRPr>
+          </a:p>
+          <a:p>
+            <a:pPr algn="ctr" eaLnBrk="1" hangingPunct="1"/>
+            <a:endParaRPr lang="en-US" altLang="x-none" sz="1200" dirty="0">
+              <a:solidFill>
+                <a:schemeClr val="tx1"/>
+              </a:solidFill>
+              <a:latin typeface="Helvetica" charset="0"/>
+              <a:ea typeface="ＭＳ Ｐゴシック" charset="-128"/>
+              <a:sym typeface="Helvetica" charset="0"/>
+            </a:endParaRPr>
+          </a:p>
+          <a:p>
+            <a:pPr algn="ctr" eaLnBrk="1" hangingPunct="1"/>
+            <a:endParaRPr lang="en-US" altLang="x-none" sz="1200" dirty="0">
+              <a:solidFill>
+                <a:schemeClr val="tx1"/>
+              </a:solidFill>
+              <a:latin typeface="Helvetica" charset="0"/>
+              <a:ea typeface="ＭＳ Ｐゴシック" charset="-128"/>
+              <a:sym typeface="Helvetica" charset="0"/>
+            </a:endParaRPr>
+          </a:p>
+          <a:p>
+            <a:pPr algn="ctr" eaLnBrk="1" hangingPunct="1"/>
+            <a:endParaRPr lang="en-US" altLang="x-none" sz="1200" dirty="0">
+              <a:solidFill>
+                <a:schemeClr val="tx1"/>
+              </a:solidFill>
+              <a:latin typeface="Helvetica" charset="0"/>
+              <a:ea typeface="ＭＳ Ｐゴシック" charset="-128"/>
+              <a:sym typeface="Helvetica" charset="0"/>
+            </a:endParaRPr>
+          </a:p>
+          <a:p>
+            <a:pPr algn="ctr" eaLnBrk="1" hangingPunct="1"/>
+            <a:endParaRPr lang="en-US" altLang="x-none" sz="1200" dirty="0">
+              <a:solidFill>
+                <a:schemeClr val="tx1"/>
+              </a:solidFill>
+              <a:latin typeface="Helvetica" charset="0"/>
+              <a:ea typeface="ＭＳ Ｐゴシック" charset="-128"/>
+              <a:sym typeface="Helvetica" charset="0"/>
+            </a:endParaRPr>
+          </a:p>
+          <a:p>
+            <a:pPr algn="ctr" eaLnBrk="1" hangingPunct="1"/>
+            <a:endParaRPr lang="en-US" altLang="x-none" sz="1200" dirty="0">
+              <a:solidFill>
+                <a:schemeClr val="tx1"/>
+              </a:solidFill>
+              <a:latin typeface="Helvetica" charset="0"/>
+              <a:ea typeface="ＭＳ Ｐゴシック" charset="-128"/>
+              <a:sym typeface="Helvetica" charset="0"/>
+            </a:endParaRPr>
+          </a:p>
+          <a:p>
+            <a:pPr algn="ctr" eaLnBrk="1" hangingPunct="1"/>
+            <a:endParaRPr lang="en-US" altLang="x-none" sz="1200" dirty="0">
+              <a:solidFill>
+                <a:schemeClr val="tx1"/>
+              </a:solidFill>
+              <a:latin typeface="Helvetica" charset="0"/>
+              <a:ea typeface="ＭＳ Ｐゴシック" charset="-128"/>
+              <a:sym typeface="Helvetica" charset="0"/>
+            </a:endParaRPr>
+          </a:p>
+          <a:p>
+            <a:pPr algn="ctr" eaLnBrk="1" hangingPunct="1"/>
+            <a:endParaRPr lang="en-US" altLang="x-none" sz="1200" dirty="0">
+              <a:solidFill>
+                <a:schemeClr val="tx1"/>
+              </a:solidFill>
+              <a:latin typeface="Helvetica" charset="0"/>
+              <a:ea typeface="ＭＳ Ｐゴシック" charset="-128"/>
+              <a:sym typeface="Helvetica" charset="0"/>
+            </a:endParaRPr>
+          </a:p>
+          <a:p>
+            <a:pPr algn="ctr" eaLnBrk="1" hangingPunct="1"/>
+            <a:endParaRPr lang="en-US" altLang="x-none" sz="1200" dirty="0">
+              <a:solidFill>
+                <a:schemeClr val="tx1"/>
+              </a:solidFill>
+              <a:latin typeface="Helvetica" charset="0"/>
+              <a:ea typeface="ＭＳ Ｐゴシック" charset="-128"/>
+              <a:sym typeface="Helvetica" charset="0"/>
+            </a:endParaRPr>
+          </a:p>
+          <a:p>
+            <a:pPr algn="ctr" eaLnBrk="1" hangingPunct="1"/>
+            <a:endParaRPr lang="en-US" altLang="x-none" sz="1200" dirty="0">
+              <a:solidFill>
+                <a:schemeClr val="tx1"/>
+              </a:solidFill>
+              <a:latin typeface="Helvetica" charset="0"/>
+              <a:ea typeface="ＭＳ Ｐゴシック" charset="-128"/>
+              <a:sym typeface="Helvetica" charset="0"/>
+            </a:endParaRPr>
+          </a:p>
+          <a:p>
+            <a:pPr algn="ctr" eaLnBrk="1" hangingPunct="1"/>
+            <a:endParaRPr lang="en-US" altLang="x-none" sz="1200" dirty="0">
+              <a:solidFill>
+                <a:schemeClr val="tx1"/>
+              </a:solidFill>
+              <a:latin typeface="Helvetica" charset="0"/>
+              <a:ea typeface="ＭＳ Ｐゴシック" charset="-128"/>
+              <a:sym typeface="Helvetica" charset="0"/>
+            </a:endParaRPr>
+          </a:p>
+          <a:p>
+            <a:pPr algn="ctr" eaLnBrk="1" hangingPunct="1"/>
+            <a:endParaRPr lang="en-US" altLang="x-none" sz="1200" dirty="0">
+              <a:solidFill>
+                <a:schemeClr val="tx1"/>
+              </a:solidFill>
+              <a:latin typeface="Helvetica" charset="0"/>
+              <a:ea typeface="ＭＳ Ｐゴシック" charset="-128"/>
+              <a:sym typeface="Helvetica" charset="0"/>
+            </a:endParaRPr>
+          </a:p>
+          <a:p>
+            <a:pPr algn="ctr" eaLnBrk="1" hangingPunct="1"/>
+            <a:endParaRPr lang="en-US" altLang="x-none" sz="1200" dirty="0">
+              <a:solidFill>
+                <a:schemeClr val="tx1"/>
+              </a:solidFill>
+              <a:latin typeface="Helvetica" charset="0"/>
+              <a:ea typeface="ＭＳ Ｐゴシック" charset="-128"/>
+              <a:sym typeface="Helvetica" charset="0"/>
+            </a:endParaRPr>
+          </a:p>
+          <a:p>
+            <a:pPr algn="ctr" eaLnBrk="1" hangingPunct="1"/>
+            <a:endParaRPr lang="en-US" altLang="x-none" sz="1200" dirty="0">
+              <a:solidFill>
+                <a:schemeClr val="tx1"/>
+              </a:solidFill>
+              <a:latin typeface="Helvetica" charset="0"/>
+              <a:ea typeface="ＭＳ Ｐゴシック" charset="-128"/>
+              <a:sym typeface="Helvetica" charset="0"/>
+            </a:endParaRPr>
+          </a:p>
+          <a:p>
+            <a:pPr algn="ctr" eaLnBrk="1" hangingPunct="1"/>
+            <a:endParaRPr lang="en-US" altLang="x-none" sz="1200" dirty="0">
+              <a:solidFill>
+                <a:schemeClr val="tx1"/>
+              </a:solidFill>
+              <a:latin typeface="Helvetica" charset="0"/>
+              <a:ea typeface="ＭＳ Ｐゴシック" charset="-128"/>
+              <a:sym typeface="Helvetica" charset="0"/>
+            </a:endParaRPr>
+          </a:p>
+          <a:p>
+            <a:pPr algn="ctr" eaLnBrk="1" hangingPunct="1"/>
+            <a:endParaRPr lang="en-US" altLang="x-none" sz="1200" dirty="0">
+              <a:solidFill>
+                <a:schemeClr val="tx1"/>
+              </a:solidFill>
+              <a:latin typeface="Helvetica" charset="0"/>
+              <a:ea typeface="ＭＳ Ｐゴシック" charset="-128"/>
+              <a:sym typeface="Helvetica" charset="0"/>
+            </a:endParaRPr>
+          </a:p>
+          <a:p>
+            <a:pPr algn="ctr" eaLnBrk="1" hangingPunct="1"/>
+            <a:endParaRPr lang="en-US" altLang="x-none" sz="1200" dirty="0" smtClean="0">
+              <a:solidFill>
+                <a:schemeClr val="tx1"/>
+              </a:solidFill>
+              <a:latin typeface="Helvetica" charset="0"/>
+              <a:ea typeface="ＭＳ Ｐゴシック" charset="-128"/>
+              <a:sym typeface="Helvetica" charset="0"/>
+            </a:endParaRPr>
+          </a:p>
+          <a:p>
+            <a:pPr algn="ctr" eaLnBrk="1" hangingPunct="1"/>
+            <a:endParaRPr lang="en-US" altLang="x-none" sz="1200" dirty="0">
+              <a:solidFill>
+                <a:schemeClr val="tx1"/>
+              </a:solidFill>
+              <a:latin typeface="Helvetica" charset="0"/>
+              <a:ea typeface="ＭＳ Ｐゴシック" charset="-128"/>
+              <a:sym typeface="Helvetica" charset="0"/>
+            </a:endParaRPr>
+          </a:p>
+          <a:p>
+            <a:pPr algn="ctr" eaLnBrk="1" hangingPunct="1"/>
+            <a:endParaRPr lang="en-US" altLang="x-none" sz="1200" dirty="0" smtClean="0">
+              <a:solidFill>
+                <a:schemeClr val="tx1"/>
+              </a:solidFill>
+              <a:latin typeface="Helvetica" charset="0"/>
+              <a:ea typeface="ＭＳ Ｐゴシック" charset="-128"/>
+              <a:sym typeface="Helvetica" charset="0"/>
+            </a:endParaRPr>
+          </a:p>
+          <a:p>
+            <a:pPr algn="ctr" eaLnBrk="1" hangingPunct="1"/>
+            <a:endParaRPr lang="en-US" altLang="x-none" sz="1200" dirty="0">
+              <a:solidFill>
+                <a:schemeClr val="tx1"/>
+              </a:solidFill>
+              <a:latin typeface="Helvetica" charset="0"/>
+              <a:ea typeface="ＭＳ Ｐゴシック" charset="-128"/>
+              <a:sym typeface="Helvetica" charset="0"/>
+            </a:endParaRPr>
+          </a:p>
+          <a:p>
+            <a:pPr algn="ctr" eaLnBrk="1" hangingPunct="1"/>
+            <a:endParaRPr lang="en-US" altLang="x-none" sz="1200" dirty="0" smtClean="0">
+              <a:solidFill>
+                <a:schemeClr val="tx1"/>
+              </a:solidFill>
+              <a:latin typeface="Helvetica" charset="0"/>
+              <a:ea typeface="ＭＳ Ｐゴシック" charset="-128"/>
+              <a:sym typeface="Helvetica" charset="0"/>
+            </a:endParaRPr>
+          </a:p>
+          <a:p>
+            <a:pPr algn="ctr" eaLnBrk="1" hangingPunct="1"/>
+            <a:endParaRPr lang="en-US" altLang="x-none" sz="1200" dirty="0">
+              <a:solidFill>
+                <a:schemeClr val="tx1"/>
+              </a:solidFill>
+              <a:latin typeface="Helvetica" charset="0"/>
+              <a:ea typeface="ＭＳ Ｐゴシック" charset="-128"/>
+              <a:sym typeface="Helvetica" charset="0"/>
+            </a:endParaRPr>
+          </a:p>
+          <a:p>
+            <a:pPr algn="ctr" eaLnBrk="1" hangingPunct="1"/>
+            <a:endParaRPr lang="en-US" altLang="x-none" sz="1200" dirty="0">
+              <a:solidFill>
+                <a:schemeClr val="tx1"/>
+              </a:solidFill>
+              <a:latin typeface="Helvetica" charset="0"/>
+              <a:ea typeface="ＭＳ Ｐゴシック" charset="-128"/>
+              <a:sym typeface="Helvetica" charset="0"/>
+            </a:endParaRPr>
+          </a:p>
+        </p:txBody>
+      </p:sp>
+    </p:spTree>
+    <p:extLst>
+      <p:ext uri="{BB962C8B-B14F-4D97-AF65-F5344CB8AC3E}">
+        <p14:creationId xmlns:p14="http://schemas.microsoft.com/office/powerpoint/2010/main" val="1048975579"/>
       </p:ext>
     </p:extLst>
   </p:cSld>

--- a/lectures/DJ-02-Model-Single.pptx
+++ b/lectures/DJ-02-Model-Single.pptx
@@ -5,7 +5,7 @@
     <p:sldMasterId id="2147483660" r:id="rId1"/>
   </p:sldMasterIdLst>
   <p:notesMasterIdLst>
-    <p:notesMasterId r:id="rId24"/>
+    <p:notesMasterId r:id="rId23"/>
   </p:notesMasterIdLst>
   <p:sldIdLst>
     <p:sldId id="258" r:id="rId2"/>
@@ -27,9 +27,8 @@
     <p:sldId id="341" r:id="rId18"/>
     <p:sldId id="342" r:id="rId19"/>
     <p:sldId id="343" r:id="rId20"/>
-    <p:sldId id="333" r:id="rId21"/>
-    <p:sldId id="332" r:id="rId22"/>
-    <p:sldId id="273" r:id="rId23"/>
+    <p:sldId id="332" r:id="rId21"/>
+    <p:sldId id="273" r:id="rId22"/>
   </p:sldIdLst>
   <p:sldSz cx="12192000" cy="6858000"/>
   <p:notesSz cx="6858000" cy="9144000"/>
@@ -3843,10 +3842,10 @@
           <p:cNvPr id="10" name="Rectangle 9">
             <a:extLst>
               <a:ext uri="{FF2B5EF4-FFF2-40B4-BE49-F238E27FC236}">
-                <a16:creationId xmlns="" xmlns:a16="http://schemas.microsoft.com/office/drawing/2014/main" id="{E20EB187-900F-4AF5-813B-101456D9FD39}"/>
+                <a16:creationId xmlns:a16="http://schemas.microsoft.com/office/drawing/2014/main" xmlns="" id="{E20EB187-900F-4AF5-813B-101456D9FD39}"/>
               </a:ext>
               <a:ext uri="{C183D7F6-B498-43B3-948B-1728B52AA6E4}">
-                <adec:decorative xmlns="" xmlns:adec="http://schemas.microsoft.com/office/drawing/2017/decorative" val="1"/>
+                <adec:decorative xmlns:adec="http://schemas.microsoft.com/office/drawing/2017/decorative" xmlns="" val="1"/>
               </a:ext>
             </a:extLst>
           </p:cNvPr>
@@ -3990,10 +3989,10 @@
           <p:cNvPr id="12" name="Straight Connector 11">
             <a:extLst>
               <a:ext uri="{FF2B5EF4-FFF2-40B4-BE49-F238E27FC236}">
-                <a16:creationId xmlns="" xmlns:a16="http://schemas.microsoft.com/office/drawing/2014/main" id="{624D17C8-E9C2-48A4-AA36-D7048A6CCC41}"/>
+                <a16:creationId xmlns:a16="http://schemas.microsoft.com/office/drawing/2014/main" xmlns="" id="{624D17C8-E9C2-48A4-AA36-D7048A6CCC41}"/>
               </a:ext>
               <a:ext uri="{C183D7F6-B498-43B3-948B-1728B52AA6E4}">
-                <adec:decorative xmlns="" xmlns:adec="http://schemas.microsoft.com/office/drawing/2017/decorative" val="1"/>
+                <adec:decorative xmlns:adec="http://schemas.microsoft.com/office/drawing/2017/decorative" xmlns="" val="1"/>
               </a:ext>
             </a:extLst>
           </p:cNvPr>
@@ -11608,96 +11607,6 @@
       </p:grpSpPr>
       <p:sp>
         <p:nvSpPr>
-          <p:cNvPr id="2" name="Title 1"/>
-          <p:cNvSpPr>
-            <a:spLocks noGrp="1"/>
-          </p:cNvSpPr>
-          <p:nvPr>
-            <p:ph type="title"/>
-          </p:nvPr>
-        </p:nvSpPr>
-        <p:spPr/>
-        <p:txBody>
-          <a:bodyPr/>
-          <a:lstStyle/>
-          <a:p>
-            <a:r>
-              <a:rPr lang="en-US" dirty="0" smtClean="0"/>
-              <a:t>Demo</a:t>
-            </a:r>
-            <a:endParaRPr lang="en-US" dirty="0"/>
-          </a:p>
-        </p:txBody>
-      </p:sp>
-      <p:sp>
-        <p:nvSpPr>
-          <p:cNvPr id="3" name="Text Placeholder 2"/>
-          <p:cNvSpPr>
-            <a:spLocks noGrp="1"/>
-          </p:cNvSpPr>
-          <p:nvPr>
-            <p:ph type="body" idx="1"/>
-          </p:nvPr>
-        </p:nvSpPr>
-        <p:spPr/>
-        <p:txBody>
-          <a:bodyPr/>
-          <a:lstStyle/>
-          <a:p>
-            <a:r>
-              <a:rPr lang="en-US" dirty="0"/>
-              <a:t>https://</a:t>
-            </a:r>
-            <a:r>
-              <a:rPr lang="en-US" dirty="0" smtClean="0"/>
-              <a:t>www.dj4e.com/lectures/DJ-03-Model-Single.txt</a:t>
-            </a:r>
-            <a:endParaRPr lang="en-US" dirty="0"/>
-          </a:p>
-          <a:p>
-            <a:endParaRPr lang="en-US" dirty="0"/>
-          </a:p>
-        </p:txBody>
-      </p:sp>
-    </p:spTree>
-    <p:extLst>
-      <p:ext uri="{BB962C8B-B14F-4D97-AF65-F5344CB8AC3E}">
-        <p14:creationId xmlns:p14="http://schemas.microsoft.com/office/powerpoint/2010/main" val="495488396"/>
-      </p:ext>
-    </p:extLst>
-  </p:cSld>
-  <p:clrMapOvr>
-    <a:masterClrMapping/>
-  </p:clrMapOvr>
-  <p:timing>
-    <p:tnLst>
-      <p:par>
-        <p:cTn id="1" dur="indefinite" restart="never" nodeType="tmRoot"/>
-      </p:par>
-    </p:tnLst>
-  </p:timing>
-</p:sld>
-</file>
-
-<file path=ppt/slides/slide21.xml><?xml version="1.0" encoding="utf-8"?>
-<p:sld xmlns:a="http://schemas.openxmlformats.org/drawingml/2006/main" xmlns:r="http://schemas.openxmlformats.org/officeDocument/2006/relationships" xmlns:p="http://schemas.openxmlformats.org/presentationml/2006/main">
-  <p:cSld>
-    <p:spTree>
-      <p:nvGrpSpPr>
-        <p:cNvPr id="1" name=""/>
-        <p:cNvGrpSpPr/>
-        <p:nvPr/>
-      </p:nvGrpSpPr>
-      <p:grpSpPr>
-        <a:xfrm>
-          <a:off x="0" y="0"/>
-          <a:ext cx="0" cy="0"/>
-          <a:chOff x="0" y="0"/>
-          <a:chExt cx="0" cy="0"/>
-        </a:xfrm>
-      </p:grpSpPr>
-      <p:sp>
-        <p:nvSpPr>
           <p:cNvPr id="3" name="Title 2"/>
           <p:cNvSpPr>
             <a:spLocks noGrp="1"/>
@@ -11803,7 +11712,7 @@
 </p:sld>
 </file>
 
-<file path=ppt/slides/slide22.xml><?xml version="1.0" encoding="utf-8"?>
+<file path=ppt/slides/slide21.xml><?xml version="1.0" encoding="utf-8"?>
 <p:sld xmlns:a="http://schemas.openxmlformats.org/drawingml/2006/main" xmlns:r="http://schemas.openxmlformats.org/officeDocument/2006/relationships" xmlns:p="http://schemas.openxmlformats.org/presentationml/2006/main">
   <p:cSld>
     <p:spTree>

--- a/lectures/DJ-02-Model-Single.pptx
+++ b/lectures/DJ-02-Model-Single.pptx
@@ -217,7 +217,7 @@
           <a:p>
             <a:fld id="{C97B56FC-7D2E-F343-9D09-0D14B00AA564}" type="datetimeFigureOut">
               <a:rPr lang="en-US" smtClean="0"/>
-              <a:t>9/20/19</a:t>
+              <a:t>9/25/19</a:t>
             </a:fld>
             <a:endParaRPr lang="en-US"/>
           </a:p>
@@ -1154,7 +1154,7 @@
           <a:p>
             <a:fld id="{EEE7C04C-7AF8-1445-A186-502B631B934F}" type="datetimeFigureOut">
               <a:rPr lang="en-US" smtClean="0"/>
-              <a:t>9/20/19</a:t>
+              <a:t>9/25/19</a:t>
             </a:fld>
             <a:endParaRPr lang="en-US"/>
           </a:p>
@@ -1319,7 +1319,7 @@
           <a:p>
             <a:fld id="{EEE7C04C-7AF8-1445-A186-502B631B934F}" type="datetimeFigureOut">
               <a:rPr lang="en-US" smtClean="0"/>
-              <a:t>9/20/19</a:t>
+              <a:t>9/25/19</a:t>
             </a:fld>
             <a:endParaRPr lang="en-US"/>
           </a:p>
@@ -1494,7 +1494,7 @@
           <a:p>
             <a:fld id="{EEE7C04C-7AF8-1445-A186-502B631B934F}" type="datetimeFigureOut">
               <a:rPr lang="en-US" smtClean="0"/>
-              <a:t>9/20/19</a:t>
+              <a:t>9/25/19</a:t>
             </a:fld>
             <a:endParaRPr lang="en-US"/>
           </a:p>
@@ -1659,7 +1659,7 @@
           <a:p>
             <a:fld id="{EEE7C04C-7AF8-1445-A186-502B631B934F}" type="datetimeFigureOut">
               <a:rPr lang="en-US" smtClean="0"/>
-              <a:t>9/20/19</a:t>
+              <a:t>9/25/19</a:t>
             </a:fld>
             <a:endParaRPr lang="en-US"/>
           </a:p>
@@ -1900,7 +1900,7 @@
           <a:p>
             <a:fld id="{EEE7C04C-7AF8-1445-A186-502B631B934F}" type="datetimeFigureOut">
               <a:rPr lang="en-US" smtClean="0"/>
-              <a:t>9/20/19</a:t>
+              <a:t>9/25/19</a:t>
             </a:fld>
             <a:endParaRPr lang="en-US"/>
           </a:p>
@@ -2127,7 +2127,7 @@
           <a:p>
             <a:fld id="{EEE7C04C-7AF8-1445-A186-502B631B934F}" type="datetimeFigureOut">
               <a:rPr lang="en-US" smtClean="0"/>
-              <a:t>9/20/19</a:t>
+              <a:t>9/25/19</a:t>
             </a:fld>
             <a:endParaRPr lang="en-US"/>
           </a:p>
@@ -2489,7 +2489,7 @@
           <a:p>
             <a:fld id="{EEE7C04C-7AF8-1445-A186-502B631B934F}" type="datetimeFigureOut">
               <a:rPr lang="en-US" smtClean="0"/>
-              <a:t>9/20/19</a:t>
+              <a:t>9/25/19</a:t>
             </a:fld>
             <a:endParaRPr lang="en-US"/>
           </a:p>
@@ -2602,7 +2602,7 @@
           <a:p>
             <a:fld id="{EEE7C04C-7AF8-1445-A186-502B631B934F}" type="datetimeFigureOut">
               <a:rPr lang="en-US" smtClean="0"/>
-              <a:t>9/20/19</a:t>
+              <a:t>9/25/19</a:t>
             </a:fld>
             <a:endParaRPr lang="en-US"/>
           </a:p>
@@ -2692,7 +2692,7 @@
           <a:p>
             <a:fld id="{EEE7C04C-7AF8-1445-A186-502B631B934F}" type="datetimeFigureOut">
               <a:rPr lang="en-US" smtClean="0"/>
-              <a:t>9/20/19</a:t>
+              <a:t>9/25/19</a:t>
             </a:fld>
             <a:endParaRPr lang="en-US"/>
           </a:p>
@@ -2964,7 +2964,7 @@
           <a:p>
             <a:fld id="{EEE7C04C-7AF8-1445-A186-502B631B934F}" type="datetimeFigureOut">
               <a:rPr lang="en-US" smtClean="0"/>
-              <a:t>9/20/19</a:t>
+              <a:t>9/25/19</a:t>
             </a:fld>
             <a:endParaRPr lang="en-US"/>
           </a:p>
@@ -3216,7 +3216,7 @@
           <a:p>
             <a:fld id="{EEE7C04C-7AF8-1445-A186-502B631B934F}" type="datetimeFigureOut">
               <a:rPr lang="en-US" smtClean="0"/>
-              <a:t>9/20/19</a:t>
+              <a:t>9/25/19</a:t>
             </a:fld>
             <a:endParaRPr lang="en-US"/>
           </a:p>
@@ -3424,7 +3424,7 @@
           <a:p>
             <a:fld id="{EEE7C04C-7AF8-1445-A186-502B631B934F}" type="datetimeFigureOut">
               <a:rPr lang="en-US" smtClean="0"/>
-              <a:t>9/20/19</a:t>
+              <a:t>9/25/19</a:t>
             </a:fld>
             <a:endParaRPr lang="en-US"/>
           </a:p>
@@ -3842,10 +3842,10 @@
           <p:cNvPr id="10" name="Rectangle 9">
             <a:extLst>
               <a:ext uri="{FF2B5EF4-FFF2-40B4-BE49-F238E27FC236}">
-                <a16:creationId xmlns:a16="http://schemas.microsoft.com/office/drawing/2014/main" xmlns="" id="{E20EB187-900F-4AF5-813B-101456D9FD39}"/>
+                <a16:creationId xmlns="" xmlns:a16="http://schemas.microsoft.com/office/drawing/2014/main" id="{E20EB187-900F-4AF5-813B-101456D9FD39}"/>
               </a:ext>
               <a:ext uri="{C183D7F6-B498-43B3-948B-1728B52AA6E4}">
-                <adec:decorative xmlns:adec="http://schemas.microsoft.com/office/drawing/2017/decorative" xmlns="" val="1"/>
+                <adec:decorative xmlns="" xmlns:adec="http://schemas.microsoft.com/office/drawing/2017/decorative" val="1"/>
               </a:ext>
             </a:extLst>
           </p:cNvPr>
@@ -3989,10 +3989,10 @@
           <p:cNvPr id="12" name="Straight Connector 11">
             <a:extLst>
               <a:ext uri="{FF2B5EF4-FFF2-40B4-BE49-F238E27FC236}">
-                <a16:creationId xmlns:a16="http://schemas.microsoft.com/office/drawing/2014/main" xmlns="" id="{624D17C8-E9C2-48A4-AA36-D7048A6CCC41}"/>
+                <a16:creationId xmlns="" xmlns:a16="http://schemas.microsoft.com/office/drawing/2014/main" id="{624D17C8-E9C2-48A4-AA36-D7048A6CCC41}"/>
               </a:ext>
               <a:ext uri="{C183D7F6-B498-43B3-948B-1728B52AA6E4}">
-                <adec:decorative xmlns:adec="http://schemas.microsoft.com/office/drawing/2017/decorative" xmlns="" val="1"/>
+                <adec:decorative xmlns="" xmlns:adec="http://schemas.microsoft.com/office/drawing/2017/decorative" val="1"/>
               </a:ext>
             </a:extLst>
           </p:cNvPr>
@@ -11549,6 +11549,83 @@
           <a:ln w="38100">
             <a:solidFill>
               <a:srgbClr val="FFFF00"/>
+            </a:solidFill>
+            <a:tailEnd type="triangle"/>
+          </a:ln>
+        </p:spPr>
+        <p:style>
+          <a:lnRef idx="1">
+            <a:schemeClr val="accent1"/>
+          </a:lnRef>
+          <a:fillRef idx="0">
+            <a:schemeClr val="accent1"/>
+          </a:fillRef>
+          <a:effectRef idx="0">
+            <a:schemeClr val="accent1"/>
+          </a:effectRef>
+          <a:fontRef idx="minor">
+            <a:schemeClr val="tx1"/>
+          </a:fontRef>
+        </p:style>
+      </p:cxnSp>
+      <p:cxnSp>
+        <p:nvCxnSpPr>
+          <p:cNvPr id="48" name="Straight Arrow Connector 47"/>
+          <p:cNvCxnSpPr>
+            <a:stCxn id="14" idx="3"/>
+            <a:endCxn id="13" idx="2"/>
+          </p:cNvCxnSpPr>
+          <p:nvPr/>
+        </p:nvCxnSpPr>
+        <p:spPr>
+          <a:xfrm flipV="1">
+            <a:off x="9815644" y="3421029"/>
+            <a:ext cx="957940" cy="294921"/>
+          </a:xfrm>
+          <a:prstGeom prst="straightConnector1">
+            <a:avLst/>
+          </a:prstGeom>
+          <a:ln w="38100">
+            <a:solidFill>
+              <a:schemeClr val="tx1"/>
+            </a:solidFill>
+            <a:tailEnd type="triangle"/>
+          </a:ln>
+        </p:spPr>
+        <p:style>
+          <a:lnRef idx="1">
+            <a:schemeClr val="accent1"/>
+          </a:lnRef>
+          <a:fillRef idx="0">
+            <a:schemeClr val="accent1"/>
+          </a:fillRef>
+          <a:effectRef idx="0">
+            <a:schemeClr val="accent1"/>
+          </a:effectRef>
+          <a:fontRef idx="minor">
+            <a:schemeClr val="tx1"/>
+          </a:fontRef>
+        </p:style>
+      </p:cxnSp>
+      <p:cxnSp>
+        <p:nvCxnSpPr>
+          <p:cNvPr id="52" name="Straight Arrow Connector 51"/>
+          <p:cNvCxnSpPr>
+            <a:endCxn id="14" idx="2"/>
+          </p:cNvCxnSpPr>
+          <p:nvPr/>
+        </p:nvCxnSpPr>
+        <p:spPr>
+          <a:xfrm flipV="1">
+            <a:off x="8664626" y="3966793"/>
+            <a:ext cx="473108" cy="433623"/>
+          </a:xfrm>
+          <a:prstGeom prst="straightConnector1">
+            <a:avLst/>
+          </a:prstGeom>
+          <a:ln w="38100">
+            <a:solidFill>
+              <a:schemeClr val="tx1"/>
             </a:solidFill>
             <a:tailEnd type="triangle"/>
           </a:ln>

--- a/lectures/DJ-02-Model-Single.pptx
+++ b/lectures/DJ-02-Model-Single.pptx
@@ -217,7 +217,7 @@
           <a:p>
             <a:fld id="{C97B56FC-7D2E-F343-9D09-0D14B00AA564}" type="datetimeFigureOut">
               <a:rPr lang="en-US" smtClean="0"/>
-              <a:t>9/25/19</a:t>
+              <a:t>1/17/20</a:t>
             </a:fld>
             <a:endParaRPr lang="en-US"/>
           </a:p>
@@ -1154,7 +1154,7 @@
           <a:p>
             <a:fld id="{EEE7C04C-7AF8-1445-A186-502B631B934F}" type="datetimeFigureOut">
               <a:rPr lang="en-US" smtClean="0"/>
-              <a:t>9/25/19</a:t>
+              <a:t>1/17/20</a:t>
             </a:fld>
             <a:endParaRPr lang="en-US"/>
           </a:p>
@@ -1319,7 +1319,7 @@
           <a:p>
             <a:fld id="{EEE7C04C-7AF8-1445-A186-502B631B934F}" type="datetimeFigureOut">
               <a:rPr lang="en-US" smtClean="0"/>
-              <a:t>9/25/19</a:t>
+              <a:t>1/17/20</a:t>
             </a:fld>
             <a:endParaRPr lang="en-US"/>
           </a:p>
@@ -1494,7 +1494,7 @@
           <a:p>
             <a:fld id="{EEE7C04C-7AF8-1445-A186-502B631B934F}" type="datetimeFigureOut">
               <a:rPr lang="en-US" smtClean="0"/>
-              <a:t>9/25/19</a:t>
+              <a:t>1/17/20</a:t>
             </a:fld>
             <a:endParaRPr lang="en-US"/>
           </a:p>
@@ -1659,7 +1659,7 @@
           <a:p>
             <a:fld id="{EEE7C04C-7AF8-1445-A186-502B631B934F}" type="datetimeFigureOut">
               <a:rPr lang="en-US" smtClean="0"/>
-              <a:t>9/25/19</a:t>
+              <a:t>1/17/20</a:t>
             </a:fld>
             <a:endParaRPr lang="en-US"/>
           </a:p>
@@ -1900,7 +1900,7 @@
           <a:p>
             <a:fld id="{EEE7C04C-7AF8-1445-A186-502B631B934F}" type="datetimeFigureOut">
               <a:rPr lang="en-US" smtClean="0"/>
-              <a:t>9/25/19</a:t>
+              <a:t>1/17/20</a:t>
             </a:fld>
             <a:endParaRPr lang="en-US"/>
           </a:p>
@@ -2127,7 +2127,7 @@
           <a:p>
             <a:fld id="{EEE7C04C-7AF8-1445-A186-502B631B934F}" type="datetimeFigureOut">
               <a:rPr lang="en-US" smtClean="0"/>
-              <a:t>9/25/19</a:t>
+              <a:t>1/17/20</a:t>
             </a:fld>
             <a:endParaRPr lang="en-US"/>
           </a:p>
@@ -2489,7 +2489,7 @@
           <a:p>
             <a:fld id="{EEE7C04C-7AF8-1445-A186-502B631B934F}" type="datetimeFigureOut">
               <a:rPr lang="en-US" smtClean="0"/>
-              <a:t>9/25/19</a:t>
+              <a:t>1/17/20</a:t>
             </a:fld>
             <a:endParaRPr lang="en-US"/>
           </a:p>
@@ -2602,7 +2602,7 @@
           <a:p>
             <a:fld id="{EEE7C04C-7AF8-1445-A186-502B631B934F}" type="datetimeFigureOut">
               <a:rPr lang="en-US" smtClean="0"/>
-              <a:t>9/25/19</a:t>
+              <a:t>1/17/20</a:t>
             </a:fld>
             <a:endParaRPr lang="en-US"/>
           </a:p>
@@ -2692,7 +2692,7 @@
           <a:p>
             <a:fld id="{EEE7C04C-7AF8-1445-A186-502B631B934F}" type="datetimeFigureOut">
               <a:rPr lang="en-US" smtClean="0"/>
-              <a:t>9/25/19</a:t>
+              <a:t>1/17/20</a:t>
             </a:fld>
             <a:endParaRPr lang="en-US"/>
           </a:p>
@@ -2964,7 +2964,7 @@
           <a:p>
             <a:fld id="{EEE7C04C-7AF8-1445-A186-502B631B934F}" type="datetimeFigureOut">
               <a:rPr lang="en-US" smtClean="0"/>
-              <a:t>9/25/19</a:t>
+              <a:t>1/17/20</a:t>
             </a:fld>
             <a:endParaRPr lang="en-US"/>
           </a:p>
@@ -3216,7 +3216,7 @@
           <a:p>
             <a:fld id="{EEE7C04C-7AF8-1445-A186-502B631B934F}" type="datetimeFigureOut">
               <a:rPr lang="en-US" smtClean="0"/>
-              <a:t>9/25/19</a:t>
+              <a:t>1/17/20</a:t>
             </a:fld>
             <a:endParaRPr lang="en-US"/>
           </a:p>
@@ -3424,7 +3424,7 @@
           <a:p>
             <a:fld id="{EEE7C04C-7AF8-1445-A186-502B631B934F}" type="datetimeFigureOut">
               <a:rPr lang="en-US" smtClean="0"/>
-              <a:t>9/25/19</a:t>
+              <a:t>1/17/20</a:t>
             </a:fld>
             <a:endParaRPr lang="en-US"/>
           </a:p>
@@ -3842,10 +3842,10 @@
           <p:cNvPr id="10" name="Rectangle 9">
             <a:extLst>
               <a:ext uri="{FF2B5EF4-FFF2-40B4-BE49-F238E27FC236}">
-                <a16:creationId xmlns="" xmlns:a16="http://schemas.microsoft.com/office/drawing/2014/main" id="{E20EB187-900F-4AF5-813B-101456D9FD39}"/>
+                <a16:creationId xmlns:a16="http://schemas.microsoft.com/office/drawing/2014/main" xmlns="" id="{E20EB187-900F-4AF5-813B-101456D9FD39}"/>
               </a:ext>
               <a:ext uri="{C183D7F6-B498-43B3-948B-1728B52AA6E4}">
-                <adec:decorative xmlns="" xmlns:adec="http://schemas.microsoft.com/office/drawing/2017/decorative" val="1"/>
+                <adec:decorative xmlns:adec="http://schemas.microsoft.com/office/drawing/2017/decorative" xmlns="" val="1"/>
               </a:ext>
             </a:extLst>
           </p:cNvPr>
@@ -3989,10 +3989,10 @@
           <p:cNvPr id="12" name="Straight Connector 11">
             <a:extLst>
               <a:ext uri="{FF2B5EF4-FFF2-40B4-BE49-F238E27FC236}">
-                <a16:creationId xmlns="" xmlns:a16="http://schemas.microsoft.com/office/drawing/2014/main" id="{624D17C8-E9C2-48A4-AA36-D7048A6CCC41}"/>
+                <a16:creationId xmlns:a16="http://schemas.microsoft.com/office/drawing/2014/main" xmlns="" id="{624D17C8-E9C2-48A4-AA36-D7048A6CCC41}"/>
               </a:ext>
               <a:ext uri="{C183D7F6-B498-43B3-948B-1728B52AA6E4}">
-                <adec:decorative xmlns="" xmlns:adec="http://schemas.microsoft.com/office/drawing/2017/decorative" val="1"/>
+                <adec:decorative xmlns:adec="http://schemas.microsoft.com/office/drawing/2017/decorative" xmlns="" val="1"/>
               </a:ext>
             </a:extLst>
           </p:cNvPr>
@@ -4404,6 +4404,57 @@
               <a:t>&gt;&gt;&gt; </a:t>
             </a:r>
             <a:r>
+              <a:rPr lang="en-US" dirty="0" smtClean="0">
+                <a:solidFill>
+                  <a:srgbClr val="FFFF00"/>
+                </a:solidFill>
+                <a:latin typeface="Courier" charset="0"/>
+                <a:ea typeface="Courier" charset="0"/>
+                <a:cs typeface="Courier" charset="0"/>
+              </a:rPr>
+              <a:t>from </a:t>
+            </a:r>
+            <a:r>
+              <a:rPr lang="en-US" dirty="0" err="1" smtClean="0">
+                <a:solidFill>
+                  <a:srgbClr val="FFFF00"/>
+                </a:solidFill>
+                <a:latin typeface="Courier" charset="0"/>
+                <a:ea typeface="Courier" charset="0"/>
+                <a:cs typeface="Courier" charset="0"/>
+              </a:rPr>
+              <a:t>users.models</a:t>
+            </a:r>
+            <a:r>
+              <a:rPr lang="en-US" dirty="0" smtClean="0">
+                <a:solidFill>
+                  <a:srgbClr val="FFFF00"/>
+                </a:solidFill>
+                <a:latin typeface="Courier" charset="0"/>
+                <a:ea typeface="Courier" charset="0"/>
+                <a:cs typeface="Courier" charset="0"/>
+              </a:rPr>
+              <a:t> import User</a:t>
+            </a:r>
+            <a:endParaRPr lang="en-US" dirty="0">
+              <a:solidFill>
+                <a:srgbClr val="FFFF00"/>
+              </a:solidFill>
+              <a:latin typeface="Courier" charset="0"/>
+              <a:ea typeface="Courier" charset="0"/>
+              <a:cs typeface="Courier" charset="0"/>
+            </a:endParaRPr>
+          </a:p>
+          <a:p>
+            <a:r>
+              <a:rPr lang="en-US" dirty="0" smtClean="0">
+                <a:latin typeface="Courier" charset="0"/>
+                <a:ea typeface="Courier" charset="0"/>
+                <a:cs typeface="Courier" charset="0"/>
+              </a:rPr>
+              <a:t>&gt;&gt;&gt; </a:t>
+            </a:r>
+            <a:r>
               <a:rPr lang="en-US" dirty="0">
                 <a:solidFill>
                   <a:srgbClr val="FFFF00"/>
@@ -4412,10 +4463,10 @@
                 <a:ea typeface="Courier" charset="0"/>
                 <a:cs typeface="Courier" charset="0"/>
               </a:rPr>
-              <a:t>from </a:t>
-            </a:r>
-            <a:r>
-              <a:rPr lang="en-US" dirty="0" err="1" smtClean="0">
+              <a:t>u </a:t>
+            </a:r>
+            <a:r>
+              <a:rPr lang="en-US" dirty="0" smtClean="0">
                 <a:solidFill>
                   <a:srgbClr val="FFFF00"/>
                 </a:solidFill>
@@ -4423,10 +4474,10 @@
                 <a:ea typeface="Courier" charset="0"/>
                 <a:cs typeface="Courier" charset="0"/>
               </a:rPr>
-              <a:t>users.models</a:t>
-            </a:r>
-            <a:r>
-              <a:rPr lang="en-US" dirty="0" smtClean="0">
+              <a:t>= </a:t>
+            </a:r>
+            <a:r>
+              <a:rPr lang="en-US" dirty="0">
                 <a:solidFill>
                   <a:srgbClr val="FFFF00"/>
                 </a:solidFill>
@@ -4434,39 +4485,7 @@
                 <a:ea typeface="Courier" charset="0"/>
                 <a:cs typeface="Courier" charset="0"/>
               </a:rPr>
-              <a:t> </a:t>
-            </a:r>
-            <a:r>
-              <a:rPr lang="en-US" dirty="0">
-                <a:solidFill>
-                  <a:srgbClr val="FFFF00"/>
-                </a:solidFill>
-                <a:latin typeface="Courier" charset="0"/>
-                <a:ea typeface="Courier" charset="0"/>
-                <a:cs typeface="Courier" charset="0"/>
-              </a:rPr>
-              <a:t>import User</a:t>
-            </a:r>
-          </a:p>
-          <a:p>
-            <a:r>
-              <a:rPr lang="en-US" dirty="0" smtClean="0">
-                <a:latin typeface="Courier" charset="0"/>
-                <a:ea typeface="Courier" charset="0"/>
-                <a:cs typeface="Courier" charset="0"/>
-              </a:rPr>
-              <a:t>&gt;&gt;&gt; </a:t>
-            </a:r>
-            <a:r>
-              <a:rPr lang="en-US" dirty="0">
-                <a:solidFill>
-                  <a:srgbClr val="FFFF00"/>
-                </a:solidFill>
-                <a:latin typeface="Courier" charset="0"/>
-                <a:ea typeface="Courier" charset="0"/>
-                <a:cs typeface="Courier" charset="0"/>
-              </a:rPr>
-              <a:t>u = User(name='Kristen', email='</a:t>
+              <a:t>User(name='Kristen', email='</a:t>
             </a:r>
             <a:r>
               <a:rPr lang="en-US" dirty="0" err="1">
@@ -4742,273 +4761,351 @@
           <a:lstStyle/>
           <a:p>
             <a:r>
-              <a:rPr lang="pl-PL" dirty="0">
-                <a:latin typeface="Menlo" charset="0"/>
+              <a:rPr lang="pl-PL" b="1" dirty="0">
+                <a:latin typeface="Courier" charset="0"/>
+                <a:ea typeface="Courier" charset="0"/>
+                <a:cs typeface="Courier" charset="0"/>
               </a:rPr>
               <a:t>    &gt;&gt;&gt; </a:t>
             </a:r>
             <a:r>
-              <a:rPr lang="pl-PL" dirty="0">
+              <a:rPr lang="pl-PL" b="1" dirty="0">
                 <a:solidFill>
                   <a:srgbClr val="FFFF00"/>
                 </a:solidFill>
-                <a:latin typeface="Menlo" charset="0"/>
+                <a:latin typeface="Courier" charset="0"/>
+                <a:ea typeface="Courier" charset="0"/>
+                <a:cs typeface="Courier" charset="0"/>
               </a:rPr>
               <a:t>from </a:t>
             </a:r>
             <a:r>
-              <a:rPr lang="pl-PL" dirty="0" err="1">
+              <a:rPr lang="pl-PL" b="1" dirty="0" err="1">
                 <a:solidFill>
                   <a:srgbClr val="FFFF00"/>
                 </a:solidFill>
-                <a:latin typeface="Menlo" charset="0"/>
+                <a:latin typeface="Courier" charset="0"/>
+                <a:ea typeface="Courier" charset="0"/>
+                <a:cs typeface="Courier" charset="0"/>
               </a:rPr>
               <a:t>django.db</a:t>
             </a:r>
             <a:r>
-              <a:rPr lang="pl-PL" dirty="0">
+              <a:rPr lang="pl-PL" b="1" dirty="0">
                 <a:solidFill>
                   <a:srgbClr val="FFFF00"/>
                 </a:solidFill>
-                <a:latin typeface="Menlo" charset="0"/>
+                <a:latin typeface="Courier" charset="0"/>
+                <a:ea typeface="Courier" charset="0"/>
+                <a:cs typeface="Courier" charset="0"/>
               </a:rPr>
               <a:t> import </a:t>
             </a:r>
             <a:r>
-              <a:rPr lang="pl-PL" dirty="0" err="1">
+              <a:rPr lang="pl-PL" b="1" dirty="0" err="1">
                 <a:solidFill>
                   <a:srgbClr val="FFFF00"/>
                 </a:solidFill>
-                <a:latin typeface="Menlo" charset="0"/>
+                <a:latin typeface="Courier" charset="0"/>
+                <a:ea typeface="Courier" charset="0"/>
+                <a:cs typeface="Courier" charset="0"/>
               </a:rPr>
               <a:t>connection</a:t>
             </a:r>
-            <a:endParaRPr lang="pl-PL" dirty="0">
+            <a:endParaRPr lang="pl-PL" b="1" dirty="0">
               <a:solidFill>
                 <a:srgbClr val="FFFF00"/>
               </a:solidFill>
-              <a:latin typeface="Menlo" charset="0"/>
+              <a:latin typeface="Courier" charset="0"/>
+              <a:ea typeface="Courier" charset="0"/>
+              <a:cs typeface="Courier" charset="0"/>
             </a:endParaRPr>
           </a:p>
           <a:p>
             <a:r>
-              <a:rPr lang="pl-PL" dirty="0">
-                <a:latin typeface="Menlo" charset="0"/>
+              <a:rPr lang="pl-PL" b="1" dirty="0">
+                <a:latin typeface="Courier" charset="0"/>
+                <a:ea typeface="Courier" charset="0"/>
+                <a:cs typeface="Courier" charset="0"/>
               </a:rPr>
               <a:t>    &gt;&gt;&gt; </a:t>
             </a:r>
             <a:r>
-              <a:rPr lang="pl-PL" dirty="0" err="1">
+              <a:rPr lang="pl-PL" b="1" dirty="0" err="1">
                 <a:solidFill>
                   <a:srgbClr val="FFFF00"/>
                 </a:solidFill>
-                <a:latin typeface="Menlo" charset="0"/>
+                <a:latin typeface="Courier" charset="0"/>
+                <a:ea typeface="Courier" charset="0"/>
+                <a:cs typeface="Courier" charset="0"/>
               </a:rPr>
               <a:t>print</a:t>
             </a:r>
             <a:r>
-              <a:rPr lang="pl-PL" dirty="0">
+              <a:rPr lang="pl-PL" b="1" dirty="0">
                 <a:solidFill>
                   <a:srgbClr val="FFFF00"/>
                 </a:solidFill>
-                <a:latin typeface="Menlo" charset="0"/>
+                <a:latin typeface="Courier" charset="0"/>
+                <a:ea typeface="Courier" charset="0"/>
+                <a:cs typeface="Courier" charset="0"/>
               </a:rPr>
               <a:t>(</a:t>
             </a:r>
             <a:r>
-              <a:rPr lang="pl-PL" dirty="0" err="1">
+              <a:rPr lang="pl-PL" b="1" dirty="0" err="1">
                 <a:solidFill>
                   <a:srgbClr val="FFFF00"/>
                 </a:solidFill>
-                <a:latin typeface="Menlo" charset="0"/>
+                <a:latin typeface="Courier" charset="0"/>
+                <a:ea typeface="Courier" charset="0"/>
+                <a:cs typeface="Courier" charset="0"/>
               </a:rPr>
               <a:t>connection.queries</a:t>
             </a:r>
             <a:r>
-              <a:rPr lang="pl-PL" dirty="0">
+              <a:rPr lang="pl-PL" b="1" dirty="0">
                 <a:solidFill>
                   <a:srgbClr val="FFFF00"/>
                 </a:solidFill>
-                <a:latin typeface="Menlo" charset="0"/>
+                <a:latin typeface="Courier" charset="0"/>
+                <a:ea typeface="Courier" charset="0"/>
+                <a:cs typeface="Courier" charset="0"/>
               </a:rPr>
               <a:t>)</a:t>
             </a:r>
           </a:p>
           <a:p>
             <a:r>
-              <a:rPr lang="pl-PL" dirty="0">
-                <a:latin typeface="Menlo" charset="0"/>
+              <a:rPr lang="pl-PL" b="1" dirty="0">
+                <a:latin typeface="Courier" charset="0"/>
+                <a:ea typeface="Courier" charset="0"/>
+                <a:cs typeface="Courier" charset="0"/>
               </a:rPr>
               <a:t>    [</a:t>
             </a:r>
           </a:p>
           <a:p>
             <a:r>
-              <a:rPr lang="pl-PL" dirty="0">
-                <a:latin typeface="Menlo" charset="0"/>
+              <a:rPr lang="pl-PL" b="1" dirty="0">
+                <a:latin typeface="Courier" charset="0"/>
+                <a:ea typeface="Courier" charset="0"/>
+                <a:cs typeface="Courier" charset="0"/>
               </a:rPr>
               <a:t>    {'</a:t>
             </a:r>
             <a:r>
-              <a:rPr lang="pl-PL" dirty="0" err="1">
-                <a:latin typeface="Menlo" charset="0"/>
+              <a:rPr lang="pl-PL" b="1" dirty="0" err="1">
+                <a:latin typeface="Courier" charset="0"/>
+                <a:ea typeface="Courier" charset="0"/>
+                <a:cs typeface="Courier" charset="0"/>
               </a:rPr>
               <a:t>sql</a:t>
             </a:r>
             <a:r>
-              <a:rPr lang="pl-PL" dirty="0">
-                <a:latin typeface="Menlo" charset="0"/>
+              <a:rPr lang="pl-PL" b="1" dirty="0">
+                <a:latin typeface="Courier" charset="0"/>
+                <a:ea typeface="Courier" charset="0"/>
+                <a:cs typeface="Courier" charset="0"/>
               </a:rPr>
               <a:t>': 'BEGIN', '</a:t>
             </a:r>
             <a:r>
-              <a:rPr lang="pl-PL" dirty="0" err="1">
-                <a:latin typeface="Menlo" charset="0"/>
+              <a:rPr lang="pl-PL" b="1" dirty="0" err="1">
+                <a:latin typeface="Courier" charset="0"/>
+                <a:ea typeface="Courier" charset="0"/>
+                <a:cs typeface="Courier" charset="0"/>
               </a:rPr>
               <a:t>time</a:t>
             </a:r>
             <a:r>
-              <a:rPr lang="pl-PL" dirty="0">
-                <a:latin typeface="Menlo" charset="0"/>
+              <a:rPr lang="pl-PL" b="1" dirty="0">
+                <a:latin typeface="Courier" charset="0"/>
+                <a:ea typeface="Courier" charset="0"/>
+                <a:cs typeface="Courier" charset="0"/>
               </a:rPr>
               <a:t>': '0.000'}, </a:t>
             </a:r>
           </a:p>
           <a:p>
             <a:r>
-              <a:rPr lang="pl-PL" dirty="0">
-                <a:latin typeface="Menlo" charset="0"/>
+              <a:rPr lang="pl-PL" b="1" dirty="0">
+                <a:latin typeface="Courier" charset="0"/>
+                <a:ea typeface="Courier" charset="0"/>
+                <a:cs typeface="Courier" charset="0"/>
               </a:rPr>
               <a:t>    {'</a:t>
             </a:r>
             <a:r>
-              <a:rPr lang="pl-PL" dirty="0" err="1">
-                <a:latin typeface="Menlo" charset="0"/>
+              <a:rPr lang="pl-PL" b="1" dirty="0" err="1">
+                <a:latin typeface="Courier" charset="0"/>
+                <a:ea typeface="Courier" charset="0"/>
+                <a:cs typeface="Courier" charset="0"/>
               </a:rPr>
               <a:t>sql</a:t>
             </a:r>
             <a:r>
-              <a:rPr lang="pl-PL" dirty="0">
-                <a:latin typeface="Menlo" charset="0"/>
+              <a:rPr lang="pl-PL" b="1" dirty="0">
+                <a:latin typeface="Courier" charset="0"/>
+                <a:ea typeface="Courier" charset="0"/>
+                <a:cs typeface="Courier" charset="0"/>
               </a:rPr>
               <a:t>': 'INSERT INTO </a:t>
             </a:r>
             <a:r>
-              <a:rPr lang="pl-PL" dirty="0" smtClean="0">
-                <a:latin typeface="Menlo" charset="0"/>
+              <a:rPr lang="pl-PL" b="1" dirty="0" smtClean="0">
+                <a:latin typeface="Courier" charset="0"/>
+                <a:ea typeface="Courier" charset="0"/>
+                <a:cs typeface="Courier" charset="0"/>
               </a:rPr>
               <a:t>"</a:t>
             </a:r>
             <a:r>
-              <a:rPr lang="pl-PL" dirty="0" err="1" smtClean="0">
-                <a:latin typeface="Menlo" charset="0"/>
+              <a:rPr lang="pl-PL" b="1" dirty="0" err="1" smtClean="0">
+                <a:latin typeface="Courier" charset="0"/>
+                <a:ea typeface="Courier" charset="0"/>
+                <a:cs typeface="Courier" charset="0"/>
               </a:rPr>
               <a:t>users_user</a:t>
             </a:r>
             <a:r>
-              <a:rPr lang="pl-PL" dirty="0">
-                <a:latin typeface="Menlo" charset="0"/>
+              <a:rPr lang="pl-PL" b="1" dirty="0">
+                <a:latin typeface="Courier" charset="0"/>
+                <a:ea typeface="Courier" charset="0"/>
+                <a:cs typeface="Courier" charset="0"/>
               </a:rPr>
               <a:t>" ("</a:t>
             </a:r>
             <a:r>
-              <a:rPr lang="pl-PL" dirty="0" err="1">
-                <a:latin typeface="Menlo" charset="0"/>
+              <a:rPr lang="pl-PL" b="1" dirty="0" err="1">
+                <a:latin typeface="Courier" charset="0"/>
+                <a:ea typeface="Courier" charset="0"/>
+                <a:cs typeface="Courier" charset="0"/>
               </a:rPr>
               <a:t>name</a:t>
             </a:r>
             <a:r>
-              <a:rPr lang="pl-PL" dirty="0">
-                <a:latin typeface="Menlo" charset="0"/>
+              <a:rPr lang="pl-PL" b="1" dirty="0">
+                <a:latin typeface="Courier" charset="0"/>
+                <a:ea typeface="Courier" charset="0"/>
+                <a:cs typeface="Courier" charset="0"/>
               </a:rPr>
               <a:t>", "email") </a:t>
             </a:r>
-            <a:endParaRPr lang="pl-PL" dirty="0" smtClean="0">
-              <a:latin typeface="Menlo" charset="0"/>
+            <a:endParaRPr lang="pl-PL" b="1" dirty="0" smtClean="0">
+              <a:latin typeface="Courier" charset="0"/>
+              <a:ea typeface="Courier" charset="0"/>
+              <a:cs typeface="Courier" charset="0"/>
             </a:endParaRPr>
           </a:p>
           <a:p>
             <a:r>
-              <a:rPr lang="pl-PL" dirty="0">
-                <a:latin typeface="Menlo" charset="0"/>
+              <a:rPr lang="pl-PL" b="1" dirty="0">
+                <a:latin typeface="Courier" charset="0"/>
+                <a:ea typeface="Courier" charset="0"/>
+                <a:cs typeface="Courier" charset="0"/>
               </a:rPr>
               <a:t> </a:t>
             </a:r>
             <a:r>
-              <a:rPr lang="pl-PL" dirty="0" smtClean="0">
-                <a:latin typeface="Menlo" charset="0"/>
+              <a:rPr lang="pl-PL" b="1" dirty="0" smtClean="0">
+                <a:latin typeface="Courier" charset="0"/>
+                <a:ea typeface="Courier" charset="0"/>
+                <a:cs typeface="Courier" charset="0"/>
               </a:rPr>
               <a:t>            VALUES </a:t>
             </a:r>
             <a:r>
-              <a:rPr lang="pl-PL" dirty="0">
-                <a:latin typeface="Menlo" charset="0"/>
+              <a:rPr lang="pl-PL" b="1" dirty="0">
+                <a:latin typeface="Courier" charset="0"/>
+                <a:ea typeface="Courier" charset="0"/>
+                <a:cs typeface="Courier" charset="0"/>
               </a:rPr>
               <a:t>(\'</a:t>
             </a:r>
             <a:r>
-              <a:rPr lang="pl-PL" dirty="0" err="1">
-                <a:latin typeface="Menlo" charset="0"/>
+              <a:rPr lang="pl-PL" b="1" dirty="0" err="1">
+                <a:latin typeface="Courier" charset="0"/>
+                <a:ea typeface="Courier" charset="0"/>
+                <a:cs typeface="Courier" charset="0"/>
               </a:rPr>
               <a:t>Kristen</a:t>
             </a:r>
             <a:r>
-              <a:rPr lang="pl-PL" dirty="0">
-                <a:latin typeface="Menlo" charset="0"/>
+              <a:rPr lang="pl-PL" b="1" dirty="0">
+                <a:latin typeface="Courier" charset="0"/>
+                <a:ea typeface="Courier" charset="0"/>
+                <a:cs typeface="Courier" charset="0"/>
               </a:rPr>
               <a:t>\', \'</a:t>
             </a:r>
             <a:r>
-              <a:rPr lang="pl-PL" dirty="0" err="1">
-                <a:latin typeface="Menlo" charset="0"/>
+              <a:rPr lang="pl-PL" b="1" dirty="0" err="1">
+                <a:latin typeface="Courier" charset="0"/>
+                <a:ea typeface="Courier" charset="0"/>
+                <a:cs typeface="Courier" charset="0"/>
               </a:rPr>
               <a:t>kf@umich.edu</a:t>
             </a:r>
             <a:r>
-              <a:rPr lang="pl-PL" dirty="0">
-                <a:latin typeface="Menlo" charset="0"/>
+              <a:rPr lang="pl-PL" b="1" dirty="0">
+                <a:latin typeface="Courier" charset="0"/>
+                <a:ea typeface="Courier" charset="0"/>
+                <a:cs typeface="Courier" charset="0"/>
               </a:rPr>
               <a:t>\')',</a:t>
             </a:r>
           </a:p>
           <a:p>
             <a:r>
-              <a:rPr lang="pl-PL" dirty="0">
-                <a:latin typeface="Menlo" charset="0"/>
+              <a:rPr lang="pl-PL" b="1" dirty="0">
+                <a:latin typeface="Courier" charset="0"/>
+                <a:ea typeface="Courier" charset="0"/>
+                <a:cs typeface="Courier" charset="0"/>
               </a:rPr>
               <a:t>        '</a:t>
             </a:r>
             <a:r>
-              <a:rPr lang="pl-PL" dirty="0" err="1">
-                <a:latin typeface="Menlo" charset="0"/>
+              <a:rPr lang="pl-PL" b="1" dirty="0" err="1">
+                <a:latin typeface="Courier" charset="0"/>
+                <a:ea typeface="Courier" charset="0"/>
+                <a:cs typeface="Courier" charset="0"/>
               </a:rPr>
               <a:t>time</a:t>
             </a:r>
             <a:r>
-              <a:rPr lang="pl-PL" dirty="0">
-                <a:latin typeface="Menlo" charset="0"/>
+              <a:rPr lang="pl-PL" b="1" dirty="0">
+                <a:latin typeface="Courier" charset="0"/>
+                <a:ea typeface="Courier" charset="0"/>
+                <a:cs typeface="Courier" charset="0"/>
               </a:rPr>
               <a:t>': '0.002'}</a:t>
             </a:r>
           </a:p>
           <a:p>
             <a:r>
-              <a:rPr lang="pl-PL" dirty="0">
-                <a:latin typeface="Menlo" charset="0"/>
+              <a:rPr lang="pl-PL" b="1" dirty="0">
+                <a:latin typeface="Courier" charset="0"/>
+                <a:ea typeface="Courier" charset="0"/>
+                <a:cs typeface="Courier" charset="0"/>
               </a:rPr>
               <a:t>    ]</a:t>
             </a:r>
           </a:p>
           <a:p>
             <a:r>
-              <a:rPr lang="pl-PL" dirty="0">
-                <a:latin typeface="Menlo" charset="0"/>
+              <a:rPr lang="pl-PL" b="1" dirty="0">
+                <a:latin typeface="Courier" charset="0"/>
+                <a:ea typeface="Courier" charset="0"/>
+                <a:cs typeface="Courier" charset="0"/>
               </a:rPr>
               <a:t>    &gt;&gt;&gt;</a:t>
             </a:r>
-            <a:endParaRPr lang="pl-PL" dirty="0">
+            <a:endParaRPr lang="pl-PL" b="1" dirty="0">
               <a:effectLst/>
-              <a:latin typeface="Menlo" charset="0"/>
+              <a:latin typeface="Courier" charset="0"/>
+              <a:ea typeface="Courier" charset="0"/>
+              <a:cs typeface="Courier" charset="0"/>
             </a:endParaRPr>
           </a:p>
         </p:txBody>
@@ -5250,7 +5347,7 @@
           <a:lstStyle/>
           <a:p>
             <a:r>
-              <a:rPr lang="en-US" sz="2000" dirty="0">
+              <a:rPr lang="en-US" sz="2000" b="1" dirty="0">
                 <a:latin typeface="Courier" charset="0"/>
                 <a:ea typeface="Courier" charset="0"/>
                 <a:cs typeface="Courier" charset="0"/>
@@ -5260,7 +5357,7 @@
           </a:p>
           <a:p>
             <a:r>
-              <a:rPr lang="en-US" sz="2000" dirty="0" err="1">
+              <a:rPr lang="en-US" sz="2000" b="1" dirty="0" err="1">
                 <a:latin typeface="Courier" charset="0"/>
                 <a:ea typeface="Courier" charset="0"/>
                 <a:cs typeface="Courier" charset="0"/>
@@ -5268,7 +5365,7 @@
               <a:t>u.save</a:t>
             </a:r>
             <a:r>
-              <a:rPr lang="en-US" sz="2000" dirty="0">
+              <a:rPr lang="en-US" sz="2000" b="1" dirty="0">
                 <a:latin typeface="Courier" charset="0"/>
                 <a:ea typeface="Courier" charset="0"/>
                 <a:cs typeface="Courier" charset="0"/>
@@ -5277,7 +5374,7 @@
             </a:r>
           </a:p>
           <a:p>
-            <a:endParaRPr lang="en-US" sz="2000" dirty="0">
+            <a:endParaRPr lang="en-US" sz="2000" b="1" dirty="0">
               <a:latin typeface="Courier" charset="0"/>
               <a:ea typeface="Courier" charset="0"/>
               <a:cs typeface="Courier" charset="0"/>
@@ -5285,7 +5382,7 @@
           </a:p>
           <a:p>
             <a:r>
-              <a:rPr lang="en-US" sz="2000" dirty="0" err="1">
+              <a:rPr lang="en-US" sz="2000" b="1" dirty="0" err="1">
                 <a:latin typeface="Courier" charset="0"/>
                 <a:ea typeface="Courier" charset="0"/>
                 <a:cs typeface="Courier" charset="0"/>
@@ -5293,7 +5390,7 @@
               <a:t>User.objects.values</a:t>
             </a:r>
             <a:r>
-              <a:rPr lang="en-US" sz="2000" dirty="0">
+              <a:rPr lang="en-US" sz="2000" b="1" dirty="0">
                 <a:latin typeface="Courier" charset="0"/>
                 <a:ea typeface="Courier" charset="0"/>
                 <a:cs typeface="Courier" charset="0"/>
@@ -5303,7 +5400,7 @@
           </a:p>
           <a:p>
             <a:r>
-              <a:rPr lang="en-US" sz="2000" dirty="0" err="1">
+              <a:rPr lang="en-US" sz="2000" b="1" dirty="0" err="1">
                 <a:latin typeface="Courier" charset="0"/>
                 <a:ea typeface="Courier" charset="0"/>
                 <a:cs typeface="Courier" charset="0"/>
@@ -5311,7 +5408,7 @@
               <a:t>User.objects.filter</a:t>
             </a:r>
             <a:r>
-              <a:rPr lang="en-US" sz="2000" dirty="0">
+              <a:rPr lang="en-US" sz="2000" b="1" dirty="0">
                 <a:latin typeface="Courier" charset="0"/>
                 <a:ea typeface="Courier" charset="0"/>
                 <a:cs typeface="Courier" charset="0"/>
@@ -5319,7 +5416,7 @@
               <a:t>(email='</a:t>
             </a:r>
             <a:r>
-              <a:rPr lang="en-US" sz="2000" dirty="0" err="1">
+              <a:rPr lang="en-US" sz="2000" b="1" dirty="0" err="1">
                 <a:latin typeface="Courier" charset="0"/>
                 <a:ea typeface="Courier" charset="0"/>
                 <a:cs typeface="Courier" charset="0"/>
@@ -5327,7 +5424,7 @@
               <a:t>csev@umich.edu</a:t>
             </a:r>
             <a:r>
-              <a:rPr lang="en-US" sz="2000" dirty="0">
+              <a:rPr lang="en-US" sz="2000" b="1" dirty="0">
                 <a:latin typeface="Courier" charset="0"/>
                 <a:ea typeface="Courier" charset="0"/>
                 <a:cs typeface="Courier" charset="0"/>
@@ -5336,7 +5433,7 @@
             </a:r>
           </a:p>
           <a:p>
-            <a:endParaRPr lang="en-US" sz="2000" dirty="0">
+            <a:endParaRPr lang="en-US" sz="2000" b="1" dirty="0">
               <a:latin typeface="Courier" charset="0"/>
               <a:ea typeface="Courier" charset="0"/>
               <a:cs typeface="Courier" charset="0"/>
@@ -5344,7 +5441,7 @@
           </a:p>
           <a:p>
             <a:r>
-              <a:rPr lang="en-US" sz="2000" dirty="0" err="1">
+              <a:rPr lang="en-US" sz="2000" b="1" dirty="0" err="1">
                 <a:latin typeface="Courier" charset="0"/>
                 <a:ea typeface="Courier" charset="0"/>
                 <a:cs typeface="Courier" charset="0"/>
@@ -5352,7 +5449,7 @@
               <a:t>User.objects.filter</a:t>
             </a:r>
             <a:r>
-              <a:rPr lang="en-US" sz="2000" dirty="0">
+              <a:rPr lang="en-US" sz="2000" b="1" dirty="0">
                 <a:latin typeface="Courier" charset="0"/>
                 <a:ea typeface="Courier" charset="0"/>
                 <a:cs typeface="Courier" charset="0"/>
@@ -5360,7 +5457,7 @@
               <a:t>(email='</a:t>
             </a:r>
             <a:r>
-              <a:rPr lang="en-US" sz="2000" dirty="0" err="1">
+              <a:rPr lang="en-US" sz="2000" b="1" dirty="0" err="1">
                 <a:latin typeface="Courier" charset="0"/>
                 <a:ea typeface="Courier" charset="0"/>
                 <a:cs typeface="Courier" charset="0"/>
@@ -5368,7 +5465,7 @@
               <a:t>ted@umich.edu</a:t>
             </a:r>
             <a:r>
-              <a:rPr lang="en-US" sz="2000" dirty="0">
+              <a:rPr lang="en-US" sz="2000" b="1" dirty="0">
                 <a:latin typeface="Courier" charset="0"/>
                 <a:ea typeface="Courier" charset="0"/>
                 <a:cs typeface="Courier" charset="0"/>
@@ -5378,7 +5475,7 @@
           </a:p>
           <a:p>
             <a:r>
-              <a:rPr lang="en-US" sz="2000" dirty="0" err="1">
+              <a:rPr lang="en-US" sz="2000" b="1" dirty="0" err="1">
                 <a:latin typeface="Courier" charset="0"/>
                 <a:ea typeface="Courier" charset="0"/>
                 <a:cs typeface="Courier" charset="0"/>
@@ -5386,7 +5483,7 @@
               <a:t>User.objects.values</a:t>
             </a:r>
             <a:r>
-              <a:rPr lang="en-US" sz="2000" dirty="0">
+              <a:rPr lang="en-US" sz="2000" b="1" dirty="0">
                 <a:latin typeface="Courier" charset="0"/>
                 <a:ea typeface="Courier" charset="0"/>
                 <a:cs typeface="Courier" charset="0"/>
@@ -5395,7 +5492,7 @@
             </a:r>
           </a:p>
           <a:p>
-            <a:endParaRPr lang="en-US" sz="2000" dirty="0">
+            <a:endParaRPr lang="en-US" sz="2000" b="1" dirty="0">
               <a:latin typeface="Courier" charset="0"/>
               <a:ea typeface="Courier" charset="0"/>
               <a:cs typeface="Courier" charset="0"/>
@@ -5403,7 +5500,7 @@
           </a:p>
           <a:p>
             <a:r>
-              <a:rPr lang="en-US" sz="2000" dirty="0" err="1">
+              <a:rPr lang="en-US" sz="2000" b="1" dirty="0" err="1">
                 <a:latin typeface="Courier" charset="0"/>
                 <a:ea typeface="Courier" charset="0"/>
                 <a:cs typeface="Courier" charset="0"/>
@@ -5411,7 +5508,7 @@
               <a:t>User.objects.filter</a:t>
             </a:r>
             <a:r>
-              <a:rPr lang="en-US" sz="2000" dirty="0">
+              <a:rPr lang="en-US" sz="2000" b="1" dirty="0">
                 <a:latin typeface="Courier" charset="0"/>
                 <a:ea typeface="Courier" charset="0"/>
                 <a:cs typeface="Courier" charset="0"/>
@@ -5419,7 +5516,7 @@
               <a:t>(email='</a:t>
             </a:r>
             <a:r>
-              <a:rPr lang="en-US" sz="2000" dirty="0" err="1">
+              <a:rPr lang="en-US" sz="2000" b="1" dirty="0" err="1">
                 <a:latin typeface="Courier" charset="0"/>
                 <a:ea typeface="Courier" charset="0"/>
                 <a:cs typeface="Courier" charset="0"/>
@@ -5427,7 +5524,7 @@
               <a:t>csev@umich.edu</a:t>
             </a:r>
             <a:r>
-              <a:rPr lang="en-US" sz="2000" dirty="0">
+              <a:rPr lang="en-US" sz="2000" b="1" dirty="0">
                 <a:latin typeface="Courier" charset="0"/>
                 <a:ea typeface="Courier" charset="0"/>
                 <a:cs typeface="Courier" charset="0"/>
@@ -5437,7 +5534,7 @@
           </a:p>
           <a:p>
             <a:r>
-              <a:rPr lang="en-US" sz="2000" dirty="0" err="1">
+              <a:rPr lang="en-US" sz="2000" b="1" dirty="0" err="1">
                 <a:latin typeface="Courier" charset="0"/>
                 <a:ea typeface="Courier" charset="0"/>
                 <a:cs typeface="Courier" charset="0"/>
@@ -5445,7 +5542,7 @@
               <a:t>User.objects.values</a:t>
             </a:r>
             <a:r>
-              <a:rPr lang="en-US" sz="2000" dirty="0">
+              <a:rPr lang="en-US" sz="2000" b="1" dirty="0">
                 <a:latin typeface="Courier" charset="0"/>
                 <a:ea typeface="Courier" charset="0"/>
                 <a:cs typeface="Courier" charset="0"/>
@@ -5454,7 +5551,7 @@
             </a:r>
           </a:p>
           <a:p>
-            <a:endParaRPr lang="en-US" sz="2000" dirty="0">
+            <a:endParaRPr lang="en-US" sz="2000" b="1" dirty="0">
               <a:latin typeface="Courier" charset="0"/>
               <a:ea typeface="Courier" charset="0"/>
               <a:cs typeface="Courier" charset="0"/>
@@ -5462,7 +5559,7 @@
           </a:p>
           <a:p>
             <a:r>
-              <a:rPr lang="en-US" sz="2000" dirty="0" err="1">
+              <a:rPr lang="en-US" sz="2000" b="1" dirty="0" err="1">
                 <a:latin typeface="Courier" charset="0"/>
                 <a:ea typeface="Courier" charset="0"/>
                 <a:cs typeface="Courier" charset="0"/>
@@ -5470,7 +5567,7 @@
               <a:t>User.objects.values</a:t>
             </a:r>
             <a:r>
-              <a:rPr lang="en-US" sz="2000" dirty="0">
+              <a:rPr lang="en-US" sz="2000" b="1" dirty="0">
                 <a:latin typeface="Courier" charset="0"/>
                 <a:ea typeface="Courier" charset="0"/>
                 <a:cs typeface="Courier" charset="0"/>
@@ -5478,7 +5575,7 @@
               <a:t>().</a:t>
             </a:r>
             <a:r>
-              <a:rPr lang="en-US" sz="2000" dirty="0" err="1">
+              <a:rPr lang="en-US" sz="2000" b="1" dirty="0" err="1">
                 <a:latin typeface="Courier" charset="0"/>
                 <a:ea typeface="Courier" charset="0"/>
                 <a:cs typeface="Courier" charset="0"/>
@@ -5486,7 +5583,7 @@
               <a:t>order_by</a:t>
             </a:r>
             <a:r>
-              <a:rPr lang="en-US" sz="2000" dirty="0">
+              <a:rPr lang="en-US" sz="2000" b="1" dirty="0">
                 <a:latin typeface="Courier" charset="0"/>
                 <a:ea typeface="Courier" charset="0"/>
                 <a:cs typeface="Courier" charset="0"/>
@@ -5496,7 +5593,7 @@
           </a:p>
           <a:p>
             <a:r>
-              <a:rPr lang="en-US" sz="2000" dirty="0" err="1">
+              <a:rPr lang="en-US" sz="2000" b="1" dirty="0" err="1">
                 <a:latin typeface="Courier" charset="0"/>
                 <a:ea typeface="Courier" charset="0"/>
                 <a:cs typeface="Courier" charset="0"/>
@@ -5504,7 +5601,7 @@
               <a:t>User.objects.values</a:t>
             </a:r>
             <a:r>
-              <a:rPr lang="en-US" sz="2000" dirty="0">
+              <a:rPr lang="en-US" sz="2000" b="1" dirty="0">
                 <a:latin typeface="Courier" charset="0"/>
                 <a:ea typeface="Courier" charset="0"/>
                 <a:cs typeface="Courier" charset="0"/>
@@ -5512,7 +5609,7 @@
               <a:t>().</a:t>
             </a:r>
             <a:r>
-              <a:rPr lang="en-US" sz="2000" dirty="0" err="1">
+              <a:rPr lang="en-US" sz="2000" b="1" dirty="0" err="1">
                 <a:latin typeface="Courier" charset="0"/>
                 <a:ea typeface="Courier" charset="0"/>
                 <a:cs typeface="Courier" charset="0"/>
@@ -5520,7 +5617,7 @@
               <a:t>order_by</a:t>
             </a:r>
             <a:r>
-              <a:rPr lang="en-US" sz="2000" dirty="0">
+              <a:rPr lang="en-US" sz="2000" b="1" dirty="0">
                 <a:latin typeface="Courier" charset="0"/>
                 <a:ea typeface="Courier" charset="0"/>
                 <a:cs typeface="Courier" charset="0"/>
@@ -5529,7 +5626,7 @@
             </a:r>
           </a:p>
           <a:p>
-            <a:endParaRPr lang="en-US" sz="2000" dirty="0">
+            <a:endParaRPr lang="en-US" sz="2000" b="1" dirty="0">
               <a:latin typeface="Courier" charset="0"/>
               <a:ea typeface="Courier" charset="0"/>
               <a:cs typeface="Courier" charset="0"/>
@@ -8756,7 +8853,9 @@
                 <a:solidFill>
                   <a:srgbClr val="000000"/>
                 </a:solidFill>
-                <a:latin typeface="Menlo-Regular" charset="0"/>
+                <a:latin typeface="Courier" charset="0"/>
+                <a:ea typeface="Courier" charset="0"/>
+                <a:cs typeface="Courier" charset="0"/>
               </a:rPr>
               <a:t>dj4e-samples$ </a:t>
             </a:r>
@@ -8765,7 +8864,9 @@
                 <a:solidFill>
                   <a:srgbClr val="000000"/>
                 </a:solidFill>
-                <a:latin typeface="Menlo-Regular" charset="0"/>
+                <a:latin typeface="Courier" charset="0"/>
+                <a:ea typeface="Courier" charset="0"/>
+                <a:cs typeface="Courier" charset="0"/>
               </a:rPr>
               <a:t>rm</a:t>
             </a:r>
@@ -8774,7 +8875,9 @@
                 <a:solidFill>
                   <a:srgbClr val="000000"/>
                 </a:solidFill>
-                <a:latin typeface="Menlo-Regular" charset="0"/>
+                <a:latin typeface="Courier" charset="0"/>
+                <a:ea typeface="Courier" charset="0"/>
+                <a:cs typeface="Courier" charset="0"/>
               </a:rPr>
               <a:t> </a:t>
             </a:r>
@@ -8783,7 +8886,9 @@
                 <a:solidFill>
                   <a:srgbClr val="000000"/>
                 </a:solidFill>
-                <a:latin typeface="Menlo-Regular" charset="0"/>
+                <a:latin typeface="Courier" charset="0"/>
+                <a:ea typeface="Courier" charset="0"/>
+                <a:cs typeface="Courier" charset="0"/>
               </a:rPr>
               <a:t>bookone</a:t>
             </a:r>
@@ -8792,7 +8897,9 @@
                 <a:solidFill>
                   <a:srgbClr val="000000"/>
                 </a:solidFill>
-                <a:latin typeface="Menlo-Regular" charset="0"/>
+                <a:latin typeface="Courier" charset="0"/>
+                <a:ea typeface="Courier" charset="0"/>
+                <a:cs typeface="Courier" charset="0"/>
               </a:rPr>
               <a:t>/migrations/0001_initial.py</a:t>
             </a:r>
@@ -8803,7 +8910,9 @@
                 <a:solidFill>
                   <a:srgbClr val="000000"/>
                 </a:solidFill>
-                <a:latin typeface="Menlo-Regular" charset="0"/>
+                <a:latin typeface="Courier" charset="0"/>
+                <a:ea typeface="Courier" charset="0"/>
+                <a:cs typeface="Courier" charset="0"/>
               </a:rPr>
               <a:t>MacBook-Pro-92:dj4e-samples csev$ python3 </a:t>
             </a:r>
@@ -8812,7 +8921,9 @@
                 <a:solidFill>
                   <a:srgbClr val="000000"/>
                 </a:solidFill>
-                <a:latin typeface="Menlo-Regular" charset="0"/>
+                <a:latin typeface="Courier" charset="0"/>
+                <a:ea typeface="Courier" charset="0"/>
+                <a:cs typeface="Courier" charset="0"/>
               </a:rPr>
               <a:t>manage.py</a:t>
             </a:r>
@@ -8821,7 +8932,9 @@
                 <a:solidFill>
                   <a:srgbClr val="000000"/>
                 </a:solidFill>
-                <a:latin typeface="Menlo-Regular" charset="0"/>
+                <a:latin typeface="Courier" charset="0"/>
+                <a:ea typeface="Courier" charset="0"/>
+                <a:cs typeface="Courier" charset="0"/>
               </a:rPr>
               <a:t> </a:t>
             </a:r>
@@ -8830,7 +8943,9 @@
                 <a:solidFill>
                   <a:srgbClr val="000000"/>
                 </a:solidFill>
-                <a:latin typeface="Menlo-Regular" charset="0"/>
+                <a:latin typeface="Courier" charset="0"/>
+                <a:ea typeface="Courier" charset="0"/>
+                <a:cs typeface="Courier" charset="0"/>
               </a:rPr>
               <a:t>makemigrations</a:t>
             </a:r>
@@ -8838,7 +8953,9 @@
               <a:solidFill>
                 <a:srgbClr val="000000"/>
               </a:solidFill>
-              <a:latin typeface="Menlo-Regular" charset="0"/>
+              <a:latin typeface="Courier" charset="0"/>
+              <a:ea typeface="Courier" charset="0"/>
+              <a:cs typeface="Courier" charset="0"/>
             </a:endParaRPr>
           </a:p>
           <a:p>
@@ -8847,7 +8964,9 @@
                 <a:solidFill>
                   <a:srgbClr val="2EAEBB"/>
                 </a:solidFill>
-                <a:latin typeface="Menlo-Bold" charset="0"/>
+                <a:latin typeface="Courier" charset="0"/>
+                <a:ea typeface="Courier" charset="0"/>
+                <a:cs typeface="Courier" charset="0"/>
               </a:rPr>
               <a:t>Migrations for '</a:t>
             </a:r>
@@ -8856,7 +8975,9 @@
                 <a:solidFill>
                   <a:srgbClr val="2EAEBB"/>
                 </a:solidFill>
-                <a:latin typeface="Menlo-Bold" charset="0"/>
+                <a:latin typeface="Courier" charset="0"/>
+                <a:ea typeface="Courier" charset="0"/>
+                <a:cs typeface="Courier" charset="0"/>
               </a:rPr>
               <a:t>bookone</a:t>
             </a:r>
@@ -8865,7 +8986,9 @@
                 <a:solidFill>
                   <a:srgbClr val="2EAEBB"/>
                 </a:solidFill>
-                <a:latin typeface="Menlo-Bold" charset="0"/>
+                <a:latin typeface="Courier" charset="0"/>
+                <a:ea typeface="Courier" charset="0"/>
+                <a:cs typeface="Courier" charset="0"/>
               </a:rPr>
               <a:t>':</a:t>
             </a:r>
@@ -8873,7 +8996,9 @@
               <a:solidFill>
                 <a:srgbClr val="000000"/>
               </a:solidFill>
-              <a:latin typeface="Menlo-Regular" charset="0"/>
+              <a:latin typeface="Courier" charset="0"/>
+              <a:ea typeface="Courier" charset="0"/>
+              <a:cs typeface="Courier" charset="0"/>
             </a:endParaRPr>
           </a:p>
           <a:p>
@@ -8882,7 +9007,9 @@
                 <a:solidFill>
                   <a:srgbClr val="000000"/>
                 </a:solidFill>
-                <a:latin typeface="Menlo-Regular" charset="0"/>
+                <a:latin typeface="Courier" charset="0"/>
+                <a:ea typeface="Courier" charset="0"/>
+                <a:cs typeface="Courier" charset="0"/>
               </a:rPr>
               <a:t>  </a:t>
             </a:r>
@@ -8891,7 +9018,9 @@
                 <a:solidFill>
                   <a:srgbClr val="000000"/>
                 </a:solidFill>
-                <a:latin typeface="Menlo-Bold" charset="0"/>
+                <a:latin typeface="Courier" charset="0"/>
+                <a:ea typeface="Courier" charset="0"/>
+                <a:cs typeface="Courier" charset="0"/>
               </a:rPr>
               <a:t>bookone</a:t>
             </a:r>
@@ -8900,7 +9029,9 @@
                 <a:solidFill>
                   <a:srgbClr val="000000"/>
                 </a:solidFill>
-                <a:latin typeface="Menlo-Bold" charset="0"/>
+                <a:latin typeface="Courier" charset="0"/>
+                <a:ea typeface="Courier" charset="0"/>
+                <a:cs typeface="Courier" charset="0"/>
               </a:rPr>
               <a:t>/migrations/0001_initial.py</a:t>
             </a:r>
@@ -8908,7 +9039,9 @@
               <a:solidFill>
                 <a:srgbClr val="000000"/>
               </a:solidFill>
-              <a:latin typeface="Menlo-Regular" charset="0"/>
+              <a:latin typeface="Courier" charset="0"/>
+              <a:ea typeface="Courier" charset="0"/>
+              <a:cs typeface="Courier" charset="0"/>
             </a:endParaRPr>
           </a:p>
           <a:p>
@@ -8917,7 +9050,9 @@
                 <a:solidFill>
                   <a:srgbClr val="000000"/>
                 </a:solidFill>
-                <a:latin typeface="Menlo-Regular" charset="0"/>
+                <a:latin typeface="Courier" charset="0"/>
+                <a:ea typeface="Courier" charset="0"/>
+                <a:cs typeface="Courier" charset="0"/>
               </a:rPr>
               <a:t>    - Create model Book</a:t>
             </a:r>
@@ -8928,7 +9063,9 @@
                 <a:solidFill>
                   <a:srgbClr val="000000"/>
                 </a:solidFill>
-                <a:latin typeface="Menlo-Regular" charset="0"/>
+                <a:latin typeface="Courier" charset="0"/>
+                <a:ea typeface="Courier" charset="0"/>
+                <a:cs typeface="Courier" charset="0"/>
               </a:rPr>
               <a:t>    - Create model Instance</a:t>
             </a:r>
@@ -8939,7 +9076,9 @@
                 <a:solidFill>
                   <a:srgbClr val="000000"/>
                 </a:solidFill>
-                <a:latin typeface="Menlo-Regular" charset="0"/>
+                <a:latin typeface="Courier" charset="0"/>
+                <a:ea typeface="Courier" charset="0"/>
+                <a:cs typeface="Courier" charset="0"/>
               </a:rPr>
               <a:t>    - Create model Lang</a:t>
             </a:r>
@@ -8950,7 +9089,9 @@
                 <a:solidFill>
                   <a:srgbClr val="000000"/>
                 </a:solidFill>
-                <a:latin typeface="Menlo-Regular" charset="0"/>
+                <a:latin typeface="Courier" charset="0"/>
+                <a:ea typeface="Courier" charset="0"/>
+                <a:cs typeface="Courier" charset="0"/>
               </a:rPr>
               <a:t>    - Add field </a:t>
             </a:r>
@@ -8959,7 +9100,9 @@
                 <a:solidFill>
                   <a:srgbClr val="000000"/>
                 </a:solidFill>
-                <a:latin typeface="Menlo-Regular" charset="0"/>
+                <a:latin typeface="Courier" charset="0"/>
+                <a:ea typeface="Courier" charset="0"/>
+                <a:cs typeface="Courier" charset="0"/>
               </a:rPr>
               <a:t>lang</a:t>
             </a:r>
@@ -8968,7 +9111,9 @@
                 <a:solidFill>
                   <a:srgbClr val="000000"/>
                 </a:solidFill>
-                <a:latin typeface="Menlo-Regular" charset="0"/>
+                <a:latin typeface="Courier" charset="0"/>
+                <a:ea typeface="Courier" charset="0"/>
+                <a:cs typeface="Courier" charset="0"/>
               </a:rPr>
               <a:t> to book</a:t>
             </a:r>
@@ -8979,7 +9124,9 @@
                 <a:solidFill>
                   <a:srgbClr val="000000"/>
                 </a:solidFill>
-                <a:latin typeface="Menlo-Regular" charset="0"/>
+                <a:latin typeface="Courier" charset="0"/>
+                <a:ea typeface="Courier" charset="0"/>
+                <a:cs typeface="Courier" charset="0"/>
               </a:rPr>
               <a:t>dj4e-samples$</a:t>
             </a:r>

--- a/lectures/DJ-02-Model-Single.pptx
+++ b/lectures/DJ-02-Model-Single.pptx
@@ -217,7 +217,7 @@
           <a:p>
             <a:fld id="{C97B56FC-7D2E-F343-9D09-0D14B00AA564}" type="datetimeFigureOut">
               <a:rPr lang="en-US" smtClean="0"/>
-              <a:t>1/17/20</a:t>
+              <a:t>7/9/20</a:t>
             </a:fld>
             <a:endParaRPr lang="en-US"/>
           </a:p>
@@ -1154,7 +1154,7 @@
           <a:p>
             <a:fld id="{EEE7C04C-7AF8-1445-A186-502B631B934F}" type="datetimeFigureOut">
               <a:rPr lang="en-US" smtClean="0"/>
-              <a:t>1/17/20</a:t>
+              <a:t>7/9/20</a:t>
             </a:fld>
             <a:endParaRPr lang="en-US"/>
           </a:p>
@@ -1319,7 +1319,7 @@
           <a:p>
             <a:fld id="{EEE7C04C-7AF8-1445-A186-502B631B934F}" type="datetimeFigureOut">
               <a:rPr lang="en-US" smtClean="0"/>
-              <a:t>1/17/20</a:t>
+              <a:t>7/9/20</a:t>
             </a:fld>
             <a:endParaRPr lang="en-US"/>
           </a:p>
@@ -1494,7 +1494,7 @@
           <a:p>
             <a:fld id="{EEE7C04C-7AF8-1445-A186-502B631B934F}" type="datetimeFigureOut">
               <a:rPr lang="en-US" smtClean="0"/>
-              <a:t>1/17/20</a:t>
+              <a:t>7/9/20</a:t>
             </a:fld>
             <a:endParaRPr lang="en-US"/>
           </a:p>
@@ -1659,7 +1659,7 @@
           <a:p>
             <a:fld id="{EEE7C04C-7AF8-1445-A186-502B631B934F}" type="datetimeFigureOut">
               <a:rPr lang="en-US" smtClean="0"/>
-              <a:t>1/17/20</a:t>
+              <a:t>7/9/20</a:t>
             </a:fld>
             <a:endParaRPr lang="en-US"/>
           </a:p>
@@ -1900,7 +1900,7 @@
           <a:p>
             <a:fld id="{EEE7C04C-7AF8-1445-A186-502B631B934F}" type="datetimeFigureOut">
               <a:rPr lang="en-US" smtClean="0"/>
-              <a:t>1/17/20</a:t>
+              <a:t>7/9/20</a:t>
             </a:fld>
             <a:endParaRPr lang="en-US"/>
           </a:p>
@@ -2127,7 +2127,7 @@
           <a:p>
             <a:fld id="{EEE7C04C-7AF8-1445-A186-502B631B934F}" type="datetimeFigureOut">
               <a:rPr lang="en-US" smtClean="0"/>
-              <a:t>1/17/20</a:t>
+              <a:t>7/9/20</a:t>
             </a:fld>
             <a:endParaRPr lang="en-US"/>
           </a:p>
@@ -2489,7 +2489,7 @@
           <a:p>
             <a:fld id="{EEE7C04C-7AF8-1445-A186-502B631B934F}" type="datetimeFigureOut">
               <a:rPr lang="en-US" smtClean="0"/>
-              <a:t>1/17/20</a:t>
+              <a:t>7/9/20</a:t>
             </a:fld>
             <a:endParaRPr lang="en-US"/>
           </a:p>
@@ -2602,7 +2602,7 @@
           <a:p>
             <a:fld id="{EEE7C04C-7AF8-1445-A186-502B631B934F}" type="datetimeFigureOut">
               <a:rPr lang="en-US" smtClean="0"/>
-              <a:t>1/17/20</a:t>
+              <a:t>7/9/20</a:t>
             </a:fld>
             <a:endParaRPr lang="en-US"/>
           </a:p>
@@ -2692,7 +2692,7 @@
           <a:p>
             <a:fld id="{EEE7C04C-7AF8-1445-A186-502B631B934F}" type="datetimeFigureOut">
               <a:rPr lang="en-US" smtClean="0"/>
-              <a:t>1/17/20</a:t>
+              <a:t>7/9/20</a:t>
             </a:fld>
             <a:endParaRPr lang="en-US"/>
           </a:p>
@@ -2964,7 +2964,7 @@
           <a:p>
             <a:fld id="{EEE7C04C-7AF8-1445-A186-502B631B934F}" type="datetimeFigureOut">
               <a:rPr lang="en-US" smtClean="0"/>
-              <a:t>1/17/20</a:t>
+              <a:t>7/9/20</a:t>
             </a:fld>
             <a:endParaRPr lang="en-US"/>
           </a:p>
@@ -3216,7 +3216,7 @@
           <a:p>
             <a:fld id="{EEE7C04C-7AF8-1445-A186-502B631B934F}" type="datetimeFigureOut">
               <a:rPr lang="en-US" smtClean="0"/>
-              <a:t>1/17/20</a:t>
+              <a:t>7/9/20</a:t>
             </a:fld>
             <a:endParaRPr lang="en-US"/>
           </a:p>
@@ -3424,7 +3424,7 @@
           <a:p>
             <a:fld id="{EEE7C04C-7AF8-1445-A186-502B631B934F}" type="datetimeFigureOut">
               <a:rPr lang="en-US" smtClean="0"/>
-              <a:t>1/17/20</a:t>
+              <a:t>7/9/20</a:t>
             </a:fld>
             <a:endParaRPr lang="en-US"/>
           </a:p>
@@ -3842,10 +3842,10 @@
           <p:cNvPr id="10" name="Rectangle 9">
             <a:extLst>
               <a:ext uri="{FF2B5EF4-FFF2-40B4-BE49-F238E27FC236}">
-                <a16:creationId xmlns:a16="http://schemas.microsoft.com/office/drawing/2014/main" xmlns="" id="{E20EB187-900F-4AF5-813B-101456D9FD39}"/>
+                <a16:creationId xmlns="" xmlns:a16="http://schemas.microsoft.com/office/drawing/2014/main" id="{E20EB187-900F-4AF5-813B-101456D9FD39}"/>
               </a:ext>
               <a:ext uri="{C183D7F6-B498-43B3-948B-1728B52AA6E4}">
-                <adec:decorative xmlns:adec="http://schemas.microsoft.com/office/drawing/2017/decorative" xmlns="" val="1"/>
+                <adec:decorative xmlns="" xmlns:adec="http://schemas.microsoft.com/office/drawing/2017/decorative" val="1"/>
               </a:ext>
             </a:extLst>
           </p:cNvPr>
@@ -3989,10 +3989,10 @@
           <p:cNvPr id="12" name="Straight Connector 11">
             <a:extLst>
               <a:ext uri="{FF2B5EF4-FFF2-40B4-BE49-F238E27FC236}">
-                <a16:creationId xmlns:a16="http://schemas.microsoft.com/office/drawing/2014/main" xmlns="" id="{624D17C8-E9C2-48A4-AA36-D7048A6CCC41}"/>
+                <a16:creationId xmlns="" xmlns:a16="http://schemas.microsoft.com/office/drawing/2014/main" id="{624D17C8-E9C2-48A4-AA36-D7048A6CCC41}"/>
               </a:ext>
               <a:ext uri="{C183D7F6-B498-43B3-948B-1728B52AA6E4}">
-                <adec:decorative xmlns:adec="http://schemas.microsoft.com/office/drawing/2017/decorative" xmlns="" val="1"/>
+                <adec:decorative xmlns="" xmlns:adec="http://schemas.microsoft.com/office/drawing/2017/decorative" val="1"/>
               </a:ext>
             </a:extLst>
           </p:cNvPr>
@@ -9819,36 +9819,6 @@
           <a:chExt cx="0" cy="0"/>
         </a:xfrm>
       </p:grpSpPr>
-      <p:pic>
-        <p:nvPicPr>
-          <p:cNvPr id="42" name="Picture 41"/>
-          <p:cNvPicPr>
-            <a:picLocks noChangeAspect="1"/>
-          </p:cNvPicPr>
-          <p:nvPr/>
-        </p:nvPicPr>
-        <p:blipFill rotWithShape="1">
-          <a:blip r:embed="rId2">
-            <a:alphaModFix/>
-            <a:extLst>
-              <a:ext uri="{28A0092B-C50C-407E-A947-70E740481C1C}">
-                <a14:useLocalDpi xmlns:a14="http://schemas.microsoft.com/office/drawing/2010/main" val="0"/>
-              </a:ext>
-            </a:extLst>
-          </a:blip>
-          <a:srcRect b="2174"/>
-          <a:stretch/>
-        </p:blipFill>
-        <p:spPr>
-          <a:xfrm>
-            <a:off x="20" y="11704"/>
-            <a:ext cx="12191980" cy="6857999"/>
-          </a:xfrm>
-          <a:prstGeom prst="rect">
-            <a:avLst/>
-          </a:prstGeom>
-        </p:spPr>
-      </p:pic>
       <p:sp>
         <p:nvSpPr>
           <p:cNvPr id="5" name="Rectangle 4"/>
@@ -11204,7 +11174,7 @@
           <p:nvPr/>
         </p:nvPicPr>
         <p:blipFill>
-          <a:blip r:embed="rId3">
+          <a:blip r:embed="rId2">
             <a:extLst>
               <a:ext uri="{28A0092B-C50C-407E-A947-70E740481C1C}">
                 <a14:useLocalDpi xmlns:a14="http://schemas.microsoft.com/office/drawing/2010/main" val="0"/>

--- a/lectures/DJ-02-Model-Single.pptx
+++ b/lectures/DJ-02-Model-Single.pptx
@@ -217,7 +217,7 @@
           <a:p>
             <a:fld id="{C97B56FC-7D2E-F343-9D09-0D14B00AA564}" type="datetimeFigureOut">
               <a:rPr lang="en-US" smtClean="0"/>
-              <a:t>7/9/20</a:t>
+              <a:t>9/16/22</a:t>
             </a:fld>
             <a:endParaRPr lang="en-US"/>
           </a:p>
@@ -281,38 +281,37 @@
           <a:p>
             <a:pPr lvl="0"/>
             <a:r>
-              <a:rPr lang="en-US" smtClean="0"/>
+              <a:rPr lang="en-US"/>
               <a:t>Click to edit Master text styles</a:t>
             </a:r>
           </a:p>
           <a:p>
             <a:pPr lvl="1"/>
             <a:r>
-              <a:rPr lang="en-US" smtClean="0"/>
+              <a:rPr lang="en-US"/>
               <a:t>Second level</a:t>
             </a:r>
           </a:p>
           <a:p>
             <a:pPr lvl="2"/>
             <a:r>
-              <a:rPr lang="en-US" smtClean="0"/>
+              <a:rPr lang="en-US"/>
               <a:t>Third level</a:t>
             </a:r>
           </a:p>
           <a:p>
             <a:pPr lvl="3"/>
             <a:r>
-              <a:rPr lang="en-US" smtClean="0"/>
+              <a:rPr lang="en-US"/>
               <a:t>Fourth level</a:t>
             </a:r>
           </a:p>
           <a:p>
             <a:pPr lvl="4"/>
             <a:r>
-              <a:rPr lang="en-US" smtClean="0"/>
+              <a:rPr lang="en-US"/>
               <a:t>Fifth level</a:t>
             </a:r>
-            <a:endParaRPr lang="en-US"/>
           </a:p>
         </p:txBody>
       </p:sp>
@@ -531,7 +530,7 @@
               </a14:hiddenFill>
             </a:ext>
             <a:ext uri="{FAA26D3D-D897-4be2-8F04-BA451C77F1D7}">
-              <ma14:placeholderFlag xmlns:ma14="http://schemas.microsoft.com/office/mac/drawingml/2011/main" val="1"/>
+              <ma14:placeholderFlag xmlns:ma14="http://schemas.microsoft.com/office/mac/drawingml/2011/main" xmlns="" val="1"/>
             </a:ext>
           </a:extLst>
         </p:spPr>
@@ -567,7 +566,7 @@
               </a14:hiddenLine>
             </a:ext>
             <a:ext uri="{FAA26D3D-D897-4be2-8F04-BA451C77F1D7}">
-              <ma14:placeholderFlag xmlns:ma14="http://schemas.microsoft.com/office/mac/drawingml/2011/main" val="1"/>
+              <ma14:placeholderFlag xmlns:ma14="http://schemas.microsoft.com/office/mac/drawingml/2011/main" xmlns="" val="1"/>
             </a:ext>
           </a:extLst>
         </p:spPr>
@@ -1065,10 +1064,9 @@
           </a:lstStyle>
           <a:p>
             <a:r>
-              <a:rPr lang="en-US" dirty="0" smtClean="0"/>
+              <a:rPr lang="en-US" dirty="0"/>
               <a:t>Click to edit Master title style</a:t>
             </a:r>
-            <a:endParaRPr lang="en-US" dirty="0"/>
           </a:p>
         </p:txBody>
       </p:sp>
@@ -1130,7 +1128,7 @@
           </a:lstStyle>
           <a:p>
             <a:r>
-              <a:rPr lang="en-US" smtClean="0"/>
+              <a:rPr lang="en-US"/>
               <a:t>Click to edit Master subtitle style</a:t>
             </a:r>
             <a:endParaRPr lang="en-US" dirty="0"/>
@@ -1154,7 +1152,7 @@
           <a:p>
             <a:fld id="{EEE7C04C-7AF8-1445-A186-502B631B934F}" type="datetimeFigureOut">
               <a:rPr lang="en-US" smtClean="0"/>
-              <a:t>7/9/20</a:t>
+              <a:t>9/16/22</a:t>
             </a:fld>
             <a:endParaRPr lang="en-US"/>
           </a:p>
@@ -1243,7 +1241,7 @@
           <a:lstStyle/>
           <a:p>
             <a:r>
-              <a:rPr lang="en-US" smtClean="0"/>
+              <a:rPr lang="en-US"/>
               <a:t>Click to edit Master title style</a:t>
             </a:r>
             <a:endParaRPr lang="en-US" dirty="0"/>
@@ -1267,35 +1265,35 @@
           <a:p>
             <a:pPr lvl="0"/>
             <a:r>
-              <a:rPr lang="en-US" smtClean="0"/>
+              <a:rPr lang="en-US"/>
               <a:t>Click to edit Master text styles</a:t>
             </a:r>
           </a:p>
           <a:p>
             <a:pPr lvl="1"/>
             <a:r>
-              <a:rPr lang="en-US" smtClean="0"/>
+              <a:rPr lang="en-US"/>
               <a:t>Second level</a:t>
             </a:r>
           </a:p>
           <a:p>
             <a:pPr lvl="2"/>
             <a:r>
-              <a:rPr lang="en-US" smtClean="0"/>
+              <a:rPr lang="en-US"/>
               <a:t>Third level</a:t>
             </a:r>
           </a:p>
           <a:p>
             <a:pPr lvl="3"/>
             <a:r>
-              <a:rPr lang="en-US" smtClean="0"/>
+              <a:rPr lang="en-US"/>
               <a:t>Fourth level</a:t>
             </a:r>
           </a:p>
           <a:p>
             <a:pPr lvl="4"/>
             <a:r>
-              <a:rPr lang="en-US" smtClean="0"/>
+              <a:rPr lang="en-US"/>
               <a:t>Fifth level</a:t>
             </a:r>
             <a:endParaRPr lang="en-US" dirty="0"/>
@@ -1319,7 +1317,7 @@
           <a:p>
             <a:fld id="{EEE7C04C-7AF8-1445-A186-502B631B934F}" type="datetimeFigureOut">
               <a:rPr lang="en-US" smtClean="0"/>
-              <a:t>7/9/20</a:t>
+              <a:t>9/16/22</a:t>
             </a:fld>
             <a:endParaRPr lang="en-US"/>
           </a:p>
@@ -1413,7 +1411,7 @@
           <a:lstStyle/>
           <a:p>
             <a:r>
-              <a:rPr lang="en-US" smtClean="0"/>
+              <a:rPr lang="en-US"/>
               <a:t>Click to edit Master title style</a:t>
             </a:r>
             <a:endParaRPr lang="en-US" dirty="0"/>
@@ -1442,35 +1440,35 @@
           <a:p>
             <a:pPr lvl="0"/>
             <a:r>
-              <a:rPr lang="en-US" smtClean="0"/>
+              <a:rPr lang="en-US"/>
               <a:t>Click to edit Master text styles</a:t>
             </a:r>
           </a:p>
           <a:p>
             <a:pPr lvl="1"/>
             <a:r>
-              <a:rPr lang="en-US" smtClean="0"/>
+              <a:rPr lang="en-US"/>
               <a:t>Second level</a:t>
             </a:r>
           </a:p>
           <a:p>
             <a:pPr lvl="2"/>
             <a:r>
-              <a:rPr lang="en-US" smtClean="0"/>
+              <a:rPr lang="en-US"/>
               <a:t>Third level</a:t>
             </a:r>
           </a:p>
           <a:p>
             <a:pPr lvl="3"/>
             <a:r>
-              <a:rPr lang="en-US" smtClean="0"/>
+              <a:rPr lang="en-US"/>
               <a:t>Fourth level</a:t>
             </a:r>
           </a:p>
           <a:p>
             <a:pPr lvl="4"/>
             <a:r>
-              <a:rPr lang="en-US" smtClean="0"/>
+              <a:rPr lang="en-US"/>
               <a:t>Fifth level</a:t>
             </a:r>
             <a:endParaRPr lang="en-US" dirty="0"/>
@@ -1494,7 +1492,7 @@
           <a:p>
             <a:fld id="{EEE7C04C-7AF8-1445-A186-502B631B934F}" type="datetimeFigureOut">
               <a:rPr lang="en-US" smtClean="0"/>
-              <a:t>7/9/20</a:t>
+              <a:t>9/16/22</a:t>
             </a:fld>
             <a:endParaRPr lang="en-US"/>
           </a:p>
@@ -1583,7 +1581,7 @@
           <a:lstStyle/>
           <a:p>
             <a:r>
-              <a:rPr lang="en-US" smtClean="0"/>
+              <a:rPr lang="en-US"/>
               <a:t>Click to edit Master title style</a:t>
             </a:r>
             <a:endParaRPr lang="en-US" dirty="0"/>
@@ -1607,35 +1605,35 @@
           <a:p>
             <a:pPr lvl="0"/>
             <a:r>
-              <a:rPr lang="en-US" smtClean="0"/>
+              <a:rPr lang="en-US"/>
               <a:t>Click to edit Master text styles</a:t>
             </a:r>
           </a:p>
           <a:p>
             <a:pPr lvl="1"/>
             <a:r>
-              <a:rPr lang="en-US" smtClean="0"/>
+              <a:rPr lang="en-US"/>
               <a:t>Second level</a:t>
             </a:r>
           </a:p>
           <a:p>
             <a:pPr lvl="2"/>
             <a:r>
-              <a:rPr lang="en-US" smtClean="0"/>
+              <a:rPr lang="en-US"/>
               <a:t>Third level</a:t>
             </a:r>
           </a:p>
           <a:p>
             <a:pPr lvl="3"/>
             <a:r>
-              <a:rPr lang="en-US" smtClean="0"/>
+              <a:rPr lang="en-US"/>
               <a:t>Fourth level</a:t>
             </a:r>
           </a:p>
           <a:p>
             <a:pPr lvl="4"/>
             <a:r>
-              <a:rPr lang="en-US" smtClean="0"/>
+              <a:rPr lang="en-US"/>
               <a:t>Fifth level</a:t>
             </a:r>
             <a:endParaRPr lang="en-US" dirty="0"/>
@@ -1659,7 +1657,7 @@
           <a:p>
             <a:fld id="{EEE7C04C-7AF8-1445-A186-502B631B934F}" type="datetimeFigureOut">
               <a:rPr lang="en-US" smtClean="0"/>
-              <a:t>7/9/20</a:t>
+              <a:t>9/16/22</a:t>
             </a:fld>
             <a:endParaRPr lang="en-US"/>
           </a:p>
@@ -1757,7 +1755,7 @@
           </a:lstStyle>
           <a:p>
             <a:r>
-              <a:rPr lang="en-US" smtClean="0"/>
+              <a:rPr lang="en-US"/>
               <a:t>Click to edit Master title style</a:t>
             </a:r>
             <a:endParaRPr lang="en-US" dirty="0"/>
@@ -1877,7 +1875,7 @@
           <a:p>
             <a:pPr lvl="0"/>
             <a:r>
-              <a:rPr lang="en-US" smtClean="0"/>
+              <a:rPr lang="en-US"/>
               <a:t>Click to edit Master text styles</a:t>
             </a:r>
           </a:p>
@@ -1900,7 +1898,7 @@
           <a:p>
             <a:fld id="{EEE7C04C-7AF8-1445-A186-502B631B934F}" type="datetimeFigureOut">
               <a:rPr lang="en-US" smtClean="0"/>
-              <a:t>7/9/20</a:t>
+              <a:t>9/16/22</a:t>
             </a:fld>
             <a:endParaRPr lang="en-US"/>
           </a:p>
@@ -1989,7 +1987,7 @@
           <a:lstStyle/>
           <a:p>
             <a:r>
-              <a:rPr lang="en-US" smtClean="0"/>
+              <a:rPr lang="en-US"/>
               <a:t>Click to edit Master title style</a:t>
             </a:r>
             <a:endParaRPr lang="en-US" dirty="0"/>
@@ -2018,35 +2016,35 @@
           <a:p>
             <a:pPr lvl="0"/>
             <a:r>
-              <a:rPr lang="en-US" smtClean="0"/>
+              <a:rPr lang="en-US"/>
               <a:t>Click to edit Master text styles</a:t>
             </a:r>
           </a:p>
           <a:p>
             <a:pPr lvl="1"/>
             <a:r>
-              <a:rPr lang="en-US" smtClean="0"/>
+              <a:rPr lang="en-US"/>
               <a:t>Second level</a:t>
             </a:r>
           </a:p>
           <a:p>
             <a:pPr lvl="2"/>
             <a:r>
-              <a:rPr lang="en-US" smtClean="0"/>
+              <a:rPr lang="en-US"/>
               <a:t>Third level</a:t>
             </a:r>
           </a:p>
           <a:p>
             <a:pPr lvl="3"/>
             <a:r>
-              <a:rPr lang="en-US" smtClean="0"/>
+              <a:rPr lang="en-US"/>
               <a:t>Fourth level</a:t>
             </a:r>
           </a:p>
           <a:p>
             <a:pPr lvl="4"/>
             <a:r>
-              <a:rPr lang="en-US" smtClean="0"/>
+              <a:rPr lang="en-US"/>
               <a:t>Fifth level</a:t>
             </a:r>
             <a:endParaRPr lang="en-US" dirty="0"/>
@@ -2075,35 +2073,35 @@
           <a:p>
             <a:pPr lvl="0"/>
             <a:r>
-              <a:rPr lang="en-US" smtClean="0"/>
+              <a:rPr lang="en-US"/>
               <a:t>Click to edit Master text styles</a:t>
             </a:r>
           </a:p>
           <a:p>
             <a:pPr lvl="1"/>
             <a:r>
-              <a:rPr lang="en-US" smtClean="0"/>
+              <a:rPr lang="en-US"/>
               <a:t>Second level</a:t>
             </a:r>
           </a:p>
           <a:p>
             <a:pPr lvl="2"/>
             <a:r>
-              <a:rPr lang="en-US" smtClean="0"/>
+              <a:rPr lang="en-US"/>
               <a:t>Third level</a:t>
             </a:r>
           </a:p>
           <a:p>
             <a:pPr lvl="3"/>
             <a:r>
-              <a:rPr lang="en-US" smtClean="0"/>
+              <a:rPr lang="en-US"/>
               <a:t>Fourth level</a:t>
             </a:r>
           </a:p>
           <a:p>
             <a:pPr lvl="4"/>
             <a:r>
-              <a:rPr lang="en-US" smtClean="0"/>
+              <a:rPr lang="en-US"/>
               <a:t>Fifth level</a:t>
             </a:r>
             <a:endParaRPr lang="en-US" dirty="0"/>
@@ -2127,7 +2125,7 @@
           <a:p>
             <a:fld id="{EEE7C04C-7AF8-1445-A186-502B631B934F}" type="datetimeFigureOut">
               <a:rPr lang="en-US" smtClean="0"/>
-              <a:t>7/9/20</a:t>
+              <a:t>9/16/22</a:t>
             </a:fld>
             <a:endParaRPr lang="en-US"/>
           </a:p>
@@ -2221,7 +2219,7 @@
           <a:lstStyle/>
           <a:p>
             <a:r>
-              <a:rPr lang="en-US" smtClean="0"/>
+              <a:rPr lang="en-US"/>
               <a:t>Click to edit Master title style</a:t>
             </a:r>
             <a:endParaRPr lang="en-US" dirty="0"/>
@@ -2287,7 +2285,7 @@
           <a:p>
             <a:pPr lvl="0"/>
             <a:r>
-              <a:rPr lang="en-US" smtClean="0"/>
+              <a:rPr lang="en-US"/>
               <a:t>Click to edit Master text styles</a:t>
             </a:r>
           </a:p>
@@ -2315,35 +2313,35 @@
           <a:p>
             <a:pPr lvl="0"/>
             <a:r>
-              <a:rPr lang="en-US" smtClean="0"/>
+              <a:rPr lang="en-US"/>
               <a:t>Click to edit Master text styles</a:t>
             </a:r>
           </a:p>
           <a:p>
             <a:pPr lvl="1"/>
             <a:r>
-              <a:rPr lang="en-US" smtClean="0"/>
+              <a:rPr lang="en-US"/>
               <a:t>Second level</a:t>
             </a:r>
           </a:p>
           <a:p>
             <a:pPr lvl="2"/>
             <a:r>
-              <a:rPr lang="en-US" smtClean="0"/>
+              <a:rPr lang="en-US"/>
               <a:t>Third level</a:t>
             </a:r>
           </a:p>
           <a:p>
             <a:pPr lvl="3"/>
             <a:r>
-              <a:rPr lang="en-US" smtClean="0"/>
+              <a:rPr lang="en-US"/>
               <a:t>Fourth level</a:t>
             </a:r>
           </a:p>
           <a:p>
             <a:pPr lvl="4"/>
             <a:r>
-              <a:rPr lang="en-US" smtClean="0"/>
+              <a:rPr lang="en-US"/>
               <a:t>Fifth level</a:t>
             </a:r>
             <a:endParaRPr lang="en-US" dirty="0"/>
@@ -2409,7 +2407,7 @@
           <a:p>
             <a:pPr lvl="0"/>
             <a:r>
-              <a:rPr lang="en-US" smtClean="0"/>
+              <a:rPr lang="en-US"/>
               <a:t>Click to edit Master text styles</a:t>
             </a:r>
           </a:p>
@@ -2437,35 +2435,35 @@
           <a:p>
             <a:pPr lvl="0"/>
             <a:r>
-              <a:rPr lang="en-US" smtClean="0"/>
+              <a:rPr lang="en-US"/>
               <a:t>Click to edit Master text styles</a:t>
             </a:r>
           </a:p>
           <a:p>
             <a:pPr lvl="1"/>
             <a:r>
-              <a:rPr lang="en-US" smtClean="0"/>
+              <a:rPr lang="en-US"/>
               <a:t>Second level</a:t>
             </a:r>
           </a:p>
           <a:p>
             <a:pPr lvl="2"/>
             <a:r>
-              <a:rPr lang="en-US" smtClean="0"/>
+              <a:rPr lang="en-US"/>
               <a:t>Third level</a:t>
             </a:r>
           </a:p>
           <a:p>
             <a:pPr lvl="3"/>
             <a:r>
-              <a:rPr lang="en-US" smtClean="0"/>
+              <a:rPr lang="en-US"/>
               <a:t>Fourth level</a:t>
             </a:r>
           </a:p>
           <a:p>
             <a:pPr lvl="4"/>
             <a:r>
-              <a:rPr lang="en-US" smtClean="0"/>
+              <a:rPr lang="en-US"/>
               <a:t>Fifth level</a:t>
             </a:r>
             <a:endParaRPr lang="en-US" dirty="0"/>
@@ -2489,7 +2487,7 @@
           <a:p>
             <a:fld id="{EEE7C04C-7AF8-1445-A186-502B631B934F}" type="datetimeFigureOut">
               <a:rPr lang="en-US" smtClean="0"/>
-              <a:t>7/9/20</a:t>
+              <a:t>9/16/22</a:t>
             </a:fld>
             <a:endParaRPr lang="en-US"/>
           </a:p>
@@ -2578,7 +2576,7 @@
           <a:lstStyle/>
           <a:p>
             <a:r>
-              <a:rPr lang="en-US" smtClean="0"/>
+              <a:rPr lang="en-US"/>
               <a:t>Click to edit Master title style</a:t>
             </a:r>
             <a:endParaRPr lang="en-US" dirty="0"/>
@@ -2602,7 +2600,7 @@
           <a:p>
             <a:fld id="{EEE7C04C-7AF8-1445-A186-502B631B934F}" type="datetimeFigureOut">
               <a:rPr lang="en-US" smtClean="0"/>
-              <a:t>7/9/20</a:t>
+              <a:t>9/16/22</a:t>
             </a:fld>
             <a:endParaRPr lang="en-US"/>
           </a:p>
@@ -2692,7 +2690,7 @@
           <a:p>
             <a:fld id="{EEE7C04C-7AF8-1445-A186-502B631B934F}" type="datetimeFigureOut">
               <a:rPr lang="en-US" smtClean="0"/>
-              <a:t>7/9/20</a:t>
+              <a:t>9/16/22</a:t>
             </a:fld>
             <a:endParaRPr lang="en-US"/>
           </a:p>
@@ -2790,7 +2788,7 @@
           </a:lstStyle>
           <a:p>
             <a:r>
-              <a:rPr lang="en-US" smtClean="0"/>
+              <a:rPr lang="en-US"/>
               <a:t>Click to edit Master title style</a:t>
             </a:r>
             <a:endParaRPr lang="en-US" dirty="0"/>
@@ -2847,35 +2845,35 @@
           <a:p>
             <a:pPr lvl="0"/>
             <a:r>
-              <a:rPr lang="en-US" smtClean="0"/>
+              <a:rPr lang="en-US"/>
               <a:t>Click to edit Master text styles</a:t>
             </a:r>
           </a:p>
           <a:p>
             <a:pPr lvl="1"/>
             <a:r>
-              <a:rPr lang="en-US" smtClean="0"/>
+              <a:rPr lang="en-US"/>
               <a:t>Second level</a:t>
             </a:r>
           </a:p>
           <a:p>
             <a:pPr lvl="2"/>
             <a:r>
-              <a:rPr lang="en-US" smtClean="0"/>
+              <a:rPr lang="en-US"/>
               <a:t>Third level</a:t>
             </a:r>
           </a:p>
           <a:p>
             <a:pPr lvl="3"/>
             <a:r>
-              <a:rPr lang="en-US" smtClean="0"/>
+              <a:rPr lang="en-US"/>
               <a:t>Fourth level</a:t>
             </a:r>
           </a:p>
           <a:p>
             <a:pPr lvl="4"/>
             <a:r>
-              <a:rPr lang="en-US" smtClean="0"/>
+              <a:rPr lang="en-US"/>
               <a:t>Fifth level</a:t>
             </a:r>
             <a:endParaRPr lang="en-US" dirty="0"/>
@@ -2941,7 +2939,7 @@
           <a:p>
             <a:pPr lvl="0"/>
             <a:r>
-              <a:rPr lang="en-US" smtClean="0"/>
+              <a:rPr lang="en-US"/>
               <a:t>Click to edit Master text styles</a:t>
             </a:r>
           </a:p>
@@ -2964,7 +2962,7 @@
           <a:p>
             <a:fld id="{EEE7C04C-7AF8-1445-A186-502B631B934F}" type="datetimeFigureOut">
               <a:rPr lang="en-US" smtClean="0"/>
-              <a:t>7/9/20</a:t>
+              <a:t>9/16/22</a:t>
             </a:fld>
             <a:endParaRPr lang="en-US"/>
           </a:p>
@@ -3062,7 +3060,7 @@
           </a:lstStyle>
           <a:p>
             <a:r>
-              <a:rPr lang="en-US" smtClean="0"/>
+              <a:rPr lang="en-US"/>
               <a:t>Click to edit Master title style</a:t>
             </a:r>
             <a:endParaRPr lang="en-US" dirty="0"/>
@@ -3127,7 +3125,7 @@
           </a:lstStyle>
           <a:p>
             <a:r>
-              <a:rPr lang="en-US" smtClean="0"/>
+              <a:rPr lang="en-US"/>
               <a:t>Drag picture to placeholder or click icon to add</a:t>
             </a:r>
             <a:endParaRPr lang="en-US" dirty="0"/>
@@ -3193,7 +3191,7 @@
           <a:p>
             <a:pPr lvl="0"/>
             <a:r>
-              <a:rPr lang="en-US" smtClean="0"/>
+              <a:rPr lang="en-US"/>
               <a:t>Click to edit Master text styles</a:t>
             </a:r>
           </a:p>
@@ -3216,7 +3214,7 @@
           <a:p>
             <a:fld id="{EEE7C04C-7AF8-1445-A186-502B631B934F}" type="datetimeFigureOut">
               <a:rPr lang="en-US" smtClean="0"/>
-              <a:t>7/9/20</a:t>
+              <a:t>9/16/22</a:t>
             </a:fld>
             <a:endParaRPr lang="en-US"/>
           </a:p>
@@ -3320,10 +3318,9 @@
           <a:lstStyle/>
           <a:p>
             <a:r>
-              <a:rPr lang="en-US" dirty="0" smtClean="0"/>
+              <a:rPr lang="en-US" dirty="0"/>
               <a:t>Click to edit Master title style</a:t>
             </a:r>
-            <a:endParaRPr lang="en-US" dirty="0"/>
           </a:p>
         </p:txBody>
       </p:sp>
@@ -3354,35 +3351,35 @@
           <a:p>
             <a:pPr lvl="0"/>
             <a:r>
-              <a:rPr lang="en-US" smtClean="0"/>
+              <a:rPr lang="en-US"/>
               <a:t>Click to edit Master text styles</a:t>
             </a:r>
           </a:p>
           <a:p>
             <a:pPr lvl="1"/>
             <a:r>
-              <a:rPr lang="en-US" smtClean="0"/>
+              <a:rPr lang="en-US"/>
               <a:t>Second level</a:t>
             </a:r>
           </a:p>
           <a:p>
             <a:pPr lvl="2"/>
             <a:r>
-              <a:rPr lang="en-US" smtClean="0"/>
+              <a:rPr lang="en-US"/>
               <a:t>Third level</a:t>
             </a:r>
           </a:p>
           <a:p>
             <a:pPr lvl="3"/>
             <a:r>
-              <a:rPr lang="en-US" smtClean="0"/>
+              <a:rPr lang="en-US"/>
               <a:t>Fourth level</a:t>
             </a:r>
           </a:p>
           <a:p>
             <a:pPr lvl="4"/>
             <a:r>
-              <a:rPr lang="en-US" smtClean="0"/>
+              <a:rPr lang="en-US"/>
               <a:t>Fifth level</a:t>
             </a:r>
             <a:endParaRPr lang="en-US" dirty="0"/>
@@ -3424,7 +3421,7 @@
           <a:p>
             <a:fld id="{EEE7C04C-7AF8-1445-A186-502B631B934F}" type="datetimeFigureOut">
               <a:rPr lang="en-US" smtClean="0"/>
-              <a:t>7/9/20</a:t>
+              <a:t>9/16/22</a:t>
             </a:fld>
             <a:endParaRPr lang="en-US"/>
           </a:p>
@@ -3842,10 +3839,10 @@
           <p:cNvPr id="10" name="Rectangle 9">
             <a:extLst>
               <a:ext uri="{FF2B5EF4-FFF2-40B4-BE49-F238E27FC236}">
-                <a16:creationId xmlns="" xmlns:a16="http://schemas.microsoft.com/office/drawing/2014/main" id="{E20EB187-900F-4AF5-813B-101456D9FD39}"/>
+                <a16:creationId xmlns:a16="http://schemas.microsoft.com/office/drawing/2014/main" id="{E20EB187-900F-4AF5-813B-101456D9FD39}"/>
               </a:ext>
               <a:ext uri="{C183D7F6-B498-43B3-948B-1728B52AA6E4}">
-                <adec:decorative xmlns="" xmlns:adec="http://schemas.microsoft.com/office/drawing/2017/decorative" val="1"/>
+                <adec:decorative xmlns:adec="http://schemas.microsoft.com/office/drawing/2017/decorative" val="1"/>
               </a:ext>
             </a:extLst>
           </p:cNvPr>
@@ -3924,7 +3921,7 @@
           <a:p>
             <a:pPr algn="l"/>
             <a:r>
-              <a:rPr lang="en-US" sz="8000" smtClean="0"/>
+              <a:rPr lang="en-US" sz="8000"/>
               <a:t>Simple Django Models</a:t>
             </a:r>
             <a:endParaRPr lang="en-US" sz="8000" dirty="0"/>
@@ -3989,10 +3986,10 @@
           <p:cNvPr id="12" name="Straight Connector 11">
             <a:extLst>
               <a:ext uri="{FF2B5EF4-FFF2-40B4-BE49-F238E27FC236}">
-                <a16:creationId xmlns="" xmlns:a16="http://schemas.microsoft.com/office/drawing/2014/main" id="{624D17C8-E9C2-48A4-AA36-D7048A6CCC41}"/>
+                <a16:creationId xmlns:a16="http://schemas.microsoft.com/office/drawing/2014/main" id="{624D17C8-E9C2-48A4-AA36-D7048A6CCC41}"/>
               </a:ext>
               <a:ext uri="{C183D7F6-B498-43B3-948B-1728B52AA6E4}">
-                <adec:decorative xmlns="" xmlns:adec="http://schemas.microsoft.com/office/drawing/2017/decorative" val="1"/>
+                <adec:decorative xmlns:adec="http://schemas.microsoft.com/office/drawing/2017/decorative" val="1"/>
               </a:ext>
             </a:extLst>
           </p:cNvPr>
@@ -4100,13 +4097,6 @@
   <p:clrMapOvr>
     <a:masterClrMapping/>
   </p:clrMapOvr>
-  <p:timing>
-    <p:tnLst>
-      <p:par>
-        <p:cTn id="1" dur="indefinite" restart="never" nodeType="tmRoot"/>
-      </p:par>
-    </p:tnLst>
-  </p:timing>
 </p:sld>
 </file>
 
@@ -4143,10 +4133,9 @@
           <a:lstStyle/>
           <a:p>
             <a:r>
-              <a:rPr lang="en-US" dirty="0" smtClean="0"/>
+              <a:rPr lang="en-US" dirty="0"/>
               <a:t>Inserting a Record</a:t>
             </a:r>
-            <a:endParaRPr lang="en-US" dirty="0"/>
           </a:p>
         </p:txBody>
       </p:sp>
@@ -4327,7 +4316,7 @@
           <a:lstStyle/>
           <a:p>
             <a:r>
-              <a:rPr lang="en-US" dirty="0" smtClean="0">
+              <a:rPr lang="en-US" dirty="0">
                 <a:latin typeface="Courier" charset="0"/>
                 <a:ea typeface="Courier" charset="0"/>
                 <a:cs typeface="Courier" charset="0"/>
@@ -4335,7 +4324,7 @@
               <a:t>$ </a:t>
             </a:r>
             <a:r>
-              <a:rPr lang="en-US" dirty="0" smtClean="0">
+              <a:rPr lang="en-US" dirty="0">
                 <a:solidFill>
                   <a:srgbClr val="FFFF00"/>
                 </a:solidFill>
@@ -4344,255 +4333,6 @@
                 <a:cs typeface="Courier" charset="0"/>
               </a:rPr>
               <a:t>cd ~/dj4e-samples</a:t>
-            </a:r>
-            <a:endParaRPr lang="en-US" dirty="0" smtClean="0">
-              <a:latin typeface="Courier" charset="0"/>
-              <a:ea typeface="Courier" charset="0"/>
-              <a:cs typeface="Courier" charset="0"/>
-            </a:endParaRPr>
-          </a:p>
-          <a:p>
-            <a:r>
-              <a:rPr lang="en-US" dirty="0" smtClean="0">
-                <a:latin typeface="Courier" charset="0"/>
-                <a:ea typeface="Courier" charset="0"/>
-                <a:cs typeface="Courier" charset="0"/>
-              </a:rPr>
-              <a:t>$ </a:t>
-            </a:r>
-            <a:r>
-              <a:rPr lang="en-US" dirty="0">
-                <a:solidFill>
-                  <a:srgbClr val="FFFF00"/>
-                </a:solidFill>
-                <a:latin typeface="Courier" charset="0"/>
-                <a:ea typeface="Courier" charset="0"/>
-                <a:cs typeface="Courier" charset="0"/>
-              </a:rPr>
-              <a:t>python3 </a:t>
-            </a:r>
-            <a:r>
-              <a:rPr lang="en-US" dirty="0" err="1">
-                <a:solidFill>
-                  <a:srgbClr val="FFFF00"/>
-                </a:solidFill>
-                <a:latin typeface="Courier" charset="0"/>
-                <a:ea typeface="Courier" charset="0"/>
-                <a:cs typeface="Courier" charset="0"/>
-              </a:rPr>
-              <a:t>manage.py</a:t>
-            </a:r>
-            <a:r>
-              <a:rPr lang="en-US" dirty="0">
-                <a:solidFill>
-                  <a:srgbClr val="FFFF00"/>
-                </a:solidFill>
-                <a:latin typeface="Courier" charset="0"/>
-                <a:ea typeface="Courier" charset="0"/>
-                <a:cs typeface="Courier" charset="0"/>
-              </a:rPr>
-              <a:t> shell</a:t>
-            </a:r>
-          </a:p>
-          <a:p>
-            <a:r>
-              <a:rPr lang="en-US" dirty="0" smtClean="0">
-                <a:latin typeface="Courier" charset="0"/>
-                <a:ea typeface="Courier" charset="0"/>
-                <a:cs typeface="Courier" charset="0"/>
-              </a:rPr>
-              <a:t>&gt;&gt;&gt; </a:t>
-            </a:r>
-            <a:r>
-              <a:rPr lang="en-US" dirty="0" smtClean="0">
-                <a:solidFill>
-                  <a:srgbClr val="FFFF00"/>
-                </a:solidFill>
-                <a:latin typeface="Courier" charset="0"/>
-                <a:ea typeface="Courier" charset="0"/>
-                <a:cs typeface="Courier" charset="0"/>
-              </a:rPr>
-              <a:t>from </a:t>
-            </a:r>
-            <a:r>
-              <a:rPr lang="en-US" dirty="0" err="1" smtClean="0">
-                <a:solidFill>
-                  <a:srgbClr val="FFFF00"/>
-                </a:solidFill>
-                <a:latin typeface="Courier" charset="0"/>
-                <a:ea typeface="Courier" charset="0"/>
-                <a:cs typeface="Courier" charset="0"/>
-              </a:rPr>
-              <a:t>users.models</a:t>
-            </a:r>
-            <a:r>
-              <a:rPr lang="en-US" dirty="0" smtClean="0">
-                <a:solidFill>
-                  <a:srgbClr val="FFFF00"/>
-                </a:solidFill>
-                <a:latin typeface="Courier" charset="0"/>
-                <a:ea typeface="Courier" charset="0"/>
-                <a:cs typeface="Courier" charset="0"/>
-              </a:rPr>
-              <a:t> import User</a:t>
-            </a:r>
-            <a:endParaRPr lang="en-US" dirty="0">
-              <a:solidFill>
-                <a:srgbClr val="FFFF00"/>
-              </a:solidFill>
-              <a:latin typeface="Courier" charset="0"/>
-              <a:ea typeface="Courier" charset="0"/>
-              <a:cs typeface="Courier" charset="0"/>
-            </a:endParaRPr>
-          </a:p>
-          <a:p>
-            <a:r>
-              <a:rPr lang="en-US" dirty="0" smtClean="0">
-                <a:latin typeface="Courier" charset="0"/>
-                <a:ea typeface="Courier" charset="0"/>
-                <a:cs typeface="Courier" charset="0"/>
-              </a:rPr>
-              <a:t>&gt;&gt;&gt; </a:t>
-            </a:r>
-            <a:r>
-              <a:rPr lang="en-US" dirty="0">
-                <a:solidFill>
-                  <a:srgbClr val="FFFF00"/>
-                </a:solidFill>
-                <a:latin typeface="Courier" charset="0"/>
-                <a:ea typeface="Courier" charset="0"/>
-                <a:cs typeface="Courier" charset="0"/>
-              </a:rPr>
-              <a:t>u </a:t>
-            </a:r>
-            <a:r>
-              <a:rPr lang="en-US" dirty="0" smtClean="0">
-                <a:solidFill>
-                  <a:srgbClr val="FFFF00"/>
-                </a:solidFill>
-                <a:latin typeface="Courier" charset="0"/>
-                <a:ea typeface="Courier" charset="0"/>
-                <a:cs typeface="Courier" charset="0"/>
-              </a:rPr>
-              <a:t>= </a:t>
-            </a:r>
-            <a:r>
-              <a:rPr lang="en-US" dirty="0">
-                <a:solidFill>
-                  <a:srgbClr val="FFFF00"/>
-                </a:solidFill>
-                <a:latin typeface="Courier" charset="0"/>
-                <a:ea typeface="Courier" charset="0"/>
-                <a:cs typeface="Courier" charset="0"/>
-              </a:rPr>
-              <a:t>User(name='Kristen', email='</a:t>
-            </a:r>
-            <a:r>
-              <a:rPr lang="en-US" dirty="0" err="1">
-                <a:solidFill>
-                  <a:srgbClr val="FFFF00"/>
-                </a:solidFill>
-                <a:latin typeface="Courier" charset="0"/>
-                <a:ea typeface="Courier" charset="0"/>
-                <a:cs typeface="Courier" charset="0"/>
-              </a:rPr>
-              <a:t>kf@umich.edu</a:t>
-            </a:r>
-            <a:r>
-              <a:rPr lang="en-US" dirty="0">
-                <a:solidFill>
-                  <a:srgbClr val="FFFF00"/>
-                </a:solidFill>
-                <a:latin typeface="Courier" charset="0"/>
-                <a:ea typeface="Courier" charset="0"/>
-                <a:cs typeface="Courier" charset="0"/>
-              </a:rPr>
-              <a:t>')</a:t>
-            </a:r>
-          </a:p>
-          <a:p>
-            <a:r>
-              <a:rPr lang="en-US" dirty="0" smtClean="0">
-                <a:latin typeface="Courier" charset="0"/>
-                <a:ea typeface="Courier" charset="0"/>
-                <a:cs typeface="Courier" charset="0"/>
-              </a:rPr>
-              <a:t>&gt;&gt;&gt; </a:t>
-            </a:r>
-            <a:r>
-              <a:rPr lang="en-US" dirty="0" err="1">
-                <a:solidFill>
-                  <a:srgbClr val="FFFF00"/>
-                </a:solidFill>
-                <a:latin typeface="Courier" charset="0"/>
-                <a:ea typeface="Courier" charset="0"/>
-                <a:cs typeface="Courier" charset="0"/>
-              </a:rPr>
-              <a:t>u.save</a:t>
-            </a:r>
-            <a:r>
-              <a:rPr lang="en-US" dirty="0">
-                <a:solidFill>
-                  <a:srgbClr val="FFFF00"/>
-                </a:solidFill>
-                <a:latin typeface="Courier" charset="0"/>
-                <a:ea typeface="Courier" charset="0"/>
-                <a:cs typeface="Courier" charset="0"/>
-              </a:rPr>
-              <a:t>()</a:t>
-            </a:r>
-          </a:p>
-          <a:p>
-            <a:r>
-              <a:rPr lang="en-US" dirty="0" smtClean="0">
-                <a:latin typeface="Courier" charset="0"/>
-                <a:ea typeface="Courier" charset="0"/>
-                <a:cs typeface="Courier" charset="0"/>
-              </a:rPr>
-              <a:t>&gt;&gt;&gt; </a:t>
-            </a:r>
-            <a:r>
-              <a:rPr lang="en-US" dirty="0">
-                <a:solidFill>
-                  <a:srgbClr val="FFFF00"/>
-                </a:solidFill>
-                <a:latin typeface="Courier" charset="0"/>
-                <a:ea typeface="Courier" charset="0"/>
-                <a:cs typeface="Courier" charset="0"/>
-              </a:rPr>
-              <a:t>print(</a:t>
-            </a:r>
-            <a:r>
-              <a:rPr lang="en-US" dirty="0" err="1">
-                <a:solidFill>
-                  <a:srgbClr val="FFFF00"/>
-                </a:solidFill>
-                <a:latin typeface="Courier" charset="0"/>
-                <a:ea typeface="Courier" charset="0"/>
-                <a:cs typeface="Courier" charset="0"/>
-              </a:rPr>
-              <a:t>u.id</a:t>
-            </a:r>
-            <a:r>
-              <a:rPr lang="en-US" dirty="0">
-                <a:solidFill>
-                  <a:srgbClr val="FFFF00"/>
-                </a:solidFill>
-                <a:latin typeface="Courier" charset="0"/>
-                <a:ea typeface="Courier" charset="0"/>
-                <a:cs typeface="Courier" charset="0"/>
-              </a:rPr>
-              <a:t>)</a:t>
-            </a:r>
-          </a:p>
-          <a:p>
-            <a:r>
-              <a:rPr lang="en-US" dirty="0" smtClean="0">
-                <a:latin typeface="Courier" charset="0"/>
-                <a:ea typeface="Courier" charset="0"/>
-                <a:cs typeface="Courier" charset="0"/>
-              </a:rPr>
-              <a:t>1</a:t>
             </a:r>
             <a:endParaRPr lang="en-US" dirty="0">
               <a:latin typeface="Courier" charset="0"/>
@@ -4602,7 +4342,50 @@
           </a:p>
           <a:p>
             <a:r>
-              <a:rPr lang="en-US" dirty="0" smtClean="0">
+              <a:rPr lang="en-US" dirty="0">
+                <a:latin typeface="Courier" charset="0"/>
+                <a:ea typeface="Courier" charset="0"/>
+                <a:cs typeface="Courier" charset="0"/>
+              </a:rPr>
+              <a:t>$ </a:t>
+            </a:r>
+            <a:r>
+              <a:rPr lang="en-US" dirty="0">
+                <a:solidFill>
+                  <a:srgbClr val="FFFF00"/>
+                </a:solidFill>
+                <a:latin typeface="Courier" charset="0"/>
+                <a:ea typeface="Courier" charset="0"/>
+                <a:cs typeface="Courier" charset="0"/>
+              </a:rPr>
+              <a:t>python3 </a:t>
+            </a:r>
+            <a:r>
+              <a:rPr lang="en-US" dirty="0" err="1">
+                <a:solidFill>
+                  <a:srgbClr val="FFFF00"/>
+                </a:solidFill>
+                <a:latin typeface="Courier" charset="0"/>
+                <a:ea typeface="Courier" charset="0"/>
+                <a:cs typeface="Courier" charset="0"/>
+              </a:rPr>
+              <a:t>manage.py</a:t>
+            </a:r>
+            <a:r>
+              <a:rPr lang="en-US" dirty="0">
+                <a:solidFill>
+                  <a:srgbClr val="FFFF00"/>
+                </a:solidFill>
+                <a:latin typeface="Courier" charset="0"/>
+                <a:ea typeface="Courier" charset="0"/>
+                <a:cs typeface="Courier" charset="0"/>
+              </a:rPr>
+              <a:t> shell</a:t>
+            </a:r>
+          </a:p>
+          <a:p>
+            <a:r>
+              <a:rPr lang="en-US" dirty="0">
                 <a:latin typeface="Courier" charset="0"/>
                 <a:ea typeface="Courier" charset="0"/>
                 <a:cs typeface="Courier" charset="0"/>
@@ -4618,6 +4401,124 @@
                 <a:ea typeface="Courier" charset="0"/>
                 <a:cs typeface="Courier" charset="0"/>
               </a:rPr>
+              <a:t>from </a:t>
+            </a:r>
+            <a:r>
+              <a:rPr lang="en-US" dirty="0" err="1">
+                <a:solidFill>
+                  <a:srgbClr val="FFFF00"/>
+                </a:solidFill>
+                <a:latin typeface="Courier" charset="0"/>
+                <a:ea typeface="Courier" charset="0"/>
+                <a:cs typeface="Courier" charset="0"/>
+              </a:rPr>
+              <a:t>users.models</a:t>
+            </a:r>
+            <a:r>
+              <a:rPr lang="en-US" dirty="0">
+                <a:solidFill>
+                  <a:srgbClr val="FFFF00"/>
+                </a:solidFill>
+                <a:latin typeface="Courier" charset="0"/>
+                <a:ea typeface="Courier" charset="0"/>
+                <a:cs typeface="Courier" charset="0"/>
+              </a:rPr>
+              <a:t> import User</a:t>
+            </a:r>
+          </a:p>
+          <a:p>
+            <a:r>
+              <a:rPr lang="en-US" dirty="0">
+                <a:latin typeface="Courier" charset="0"/>
+                <a:ea typeface="Courier" charset="0"/>
+                <a:cs typeface="Courier" charset="0"/>
+              </a:rPr>
+              <a:t>&gt;&gt;&gt; </a:t>
+            </a:r>
+            <a:r>
+              <a:rPr lang="en-US" dirty="0">
+                <a:solidFill>
+                  <a:srgbClr val="FFFF00"/>
+                </a:solidFill>
+                <a:latin typeface="Courier" charset="0"/>
+                <a:ea typeface="Courier" charset="0"/>
+                <a:cs typeface="Courier" charset="0"/>
+              </a:rPr>
+              <a:t>u = User(name='Kristen', email='</a:t>
+            </a:r>
+            <a:r>
+              <a:rPr lang="en-US" dirty="0" err="1">
+                <a:solidFill>
+                  <a:srgbClr val="FFFF00"/>
+                </a:solidFill>
+                <a:latin typeface="Courier" charset="0"/>
+                <a:ea typeface="Courier" charset="0"/>
+                <a:cs typeface="Courier" charset="0"/>
+              </a:rPr>
+              <a:t>kf@umich.edu</a:t>
+            </a:r>
+            <a:r>
+              <a:rPr lang="en-US" dirty="0">
+                <a:solidFill>
+                  <a:srgbClr val="FFFF00"/>
+                </a:solidFill>
+                <a:latin typeface="Courier" charset="0"/>
+                <a:ea typeface="Courier" charset="0"/>
+                <a:cs typeface="Courier" charset="0"/>
+              </a:rPr>
+              <a:t>')</a:t>
+            </a:r>
+          </a:p>
+          <a:p>
+            <a:r>
+              <a:rPr lang="en-US" dirty="0">
+                <a:latin typeface="Courier" charset="0"/>
+                <a:ea typeface="Courier" charset="0"/>
+                <a:cs typeface="Courier" charset="0"/>
+              </a:rPr>
+              <a:t>&gt;&gt;&gt; </a:t>
+            </a:r>
+            <a:r>
+              <a:rPr lang="en-US" dirty="0" err="1">
+                <a:solidFill>
+                  <a:srgbClr val="FFFF00"/>
+                </a:solidFill>
+                <a:latin typeface="Courier" charset="0"/>
+                <a:ea typeface="Courier" charset="0"/>
+                <a:cs typeface="Courier" charset="0"/>
+              </a:rPr>
+              <a:t>u.save</a:t>
+            </a:r>
+            <a:r>
+              <a:rPr lang="en-US" dirty="0">
+                <a:solidFill>
+                  <a:srgbClr val="FFFF00"/>
+                </a:solidFill>
+                <a:latin typeface="Courier" charset="0"/>
+                <a:ea typeface="Courier" charset="0"/>
+                <a:cs typeface="Courier" charset="0"/>
+              </a:rPr>
+              <a:t>()</a:t>
+            </a:r>
+          </a:p>
+          <a:p>
+            <a:r>
+              <a:rPr lang="en-US" dirty="0">
+                <a:latin typeface="Courier" charset="0"/>
+                <a:ea typeface="Courier" charset="0"/>
+                <a:cs typeface="Courier" charset="0"/>
+              </a:rPr>
+              <a:t>&gt;&gt;&gt; </a:t>
+            </a:r>
+            <a:r>
+              <a:rPr lang="en-US" dirty="0">
+                <a:solidFill>
+                  <a:srgbClr val="FFFF00"/>
+                </a:solidFill>
+                <a:latin typeface="Courier" charset="0"/>
+                <a:ea typeface="Courier" charset="0"/>
+                <a:cs typeface="Courier" charset="0"/>
+              </a:rPr>
               <a:t>print(</a:t>
             </a:r>
             <a:r>
@@ -4629,6 +4530,59 @@
                 <a:ea typeface="Courier" charset="0"/>
                 <a:cs typeface="Courier" charset="0"/>
               </a:rPr>
+              <a:t>u.id</a:t>
+            </a:r>
+            <a:r>
+              <a:rPr lang="en-US" dirty="0">
+                <a:solidFill>
+                  <a:srgbClr val="FFFF00"/>
+                </a:solidFill>
+                <a:latin typeface="Courier" charset="0"/>
+                <a:ea typeface="Courier" charset="0"/>
+                <a:cs typeface="Courier" charset="0"/>
+              </a:rPr>
+              <a:t>)</a:t>
+            </a:r>
+          </a:p>
+          <a:p>
+            <a:r>
+              <a:rPr lang="en-US" dirty="0">
+                <a:latin typeface="Courier" charset="0"/>
+                <a:ea typeface="Courier" charset="0"/>
+                <a:cs typeface="Courier" charset="0"/>
+              </a:rPr>
+              <a:t>1</a:t>
+            </a:r>
+          </a:p>
+          <a:p>
+            <a:r>
+              <a:rPr lang="en-US" dirty="0">
+                <a:latin typeface="Courier" charset="0"/>
+                <a:ea typeface="Courier" charset="0"/>
+                <a:cs typeface="Courier" charset="0"/>
+              </a:rPr>
+              <a:t>&gt;&gt;&gt; </a:t>
+            </a:r>
+            <a:r>
+              <a:rPr lang="en-US" dirty="0">
+                <a:solidFill>
+                  <a:srgbClr val="FFFF00"/>
+                </a:solidFill>
+                <a:latin typeface="Courier" charset="0"/>
+                <a:ea typeface="Courier" charset="0"/>
+                <a:cs typeface="Courier" charset="0"/>
+              </a:rPr>
+              <a:t>print(</a:t>
+            </a:r>
+            <a:r>
+              <a:rPr lang="en-US" dirty="0" err="1">
+                <a:solidFill>
+                  <a:srgbClr val="FFFF00"/>
+                </a:solidFill>
+                <a:latin typeface="Courier" charset="0"/>
+                <a:ea typeface="Courier" charset="0"/>
+                <a:cs typeface="Courier" charset="0"/>
+              </a:rPr>
               <a:t>u.email</a:t>
             </a:r>
             <a:r>
@@ -4645,7 +4599,7 @@
           </a:p>
           <a:p>
             <a:r>
-              <a:rPr lang="en-US" dirty="0" err="1" smtClean="0">
+              <a:rPr lang="en-US" dirty="0" err="1">
                 <a:latin typeface="Courier" charset="0"/>
                 <a:ea typeface="Courier" charset="0"/>
                 <a:cs typeface="Courier" charset="0"/>
@@ -4660,18 +4614,13 @@
           </a:p>
           <a:p>
             <a:r>
-              <a:rPr lang="en-US" dirty="0" smtClean="0">
+              <a:rPr lang="en-US" dirty="0">
                 <a:latin typeface="Courier" charset="0"/>
                 <a:ea typeface="Courier" charset="0"/>
                 <a:cs typeface="Courier" charset="0"/>
               </a:rPr>
               <a:t>&gt;&gt;&gt;</a:t>
             </a:r>
-            <a:endParaRPr lang="en-US" dirty="0">
-              <a:latin typeface="Courier" charset="0"/>
-              <a:ea typeface="Courier" charset="0"/>
-              <a:cs typeface="Courier" charset="0"/>
-            </a:endParaRPr>
           </a:p>
         </p:txBody>
       </p:sp>
@@ -4685,13 +4634,6 @@
   <p:clrMapOvr>
     <a:masterClrMapping/>
   </p:clrMapOvr>
-  <p:timing>
-    <p:tnLst>
-      <p:par>
-        <p:cTn id="1" dur="indefinite" restart="never" nodeType="tmRoot"/>
-      </p:par>
-    </p:tnLst>
-  </p:timing>
 </p:sld>
 </file>
 
@@ -4728,11 +4670,11 @@
           <a:lstStyle/>
           <a:p>
             <a:r>
-              <a:rPr lang="en-US" dirty="0" smtClean="0"/>
+              <a:rPr lang="en-US" dirty="0"/>
               <a:t>Checking</a:t>
             </a:r>
             <a:r>
-              <a:rPr lang="mr-IN" dirty="0" smtClean="0"/>
+              <a:rPr lang="mr-IN" dirty="0"/>
               <a:t>…</a:t>
             </a:r>
             <a:endParaRPr lang="en-US" dirty="0"/>
@@ -4950,18 +4892,10 @@
                 <a:ea typeface="Courier" charset="0"/>
                 <a:cs typeface="Courier" charset="0"/>
               </a:rPr>
-              <a:t>': 'INSERT INTO </a:t>
-            </a:r>
-            <a:r>
-              <a:rPr lang="pl-PL" b="1" dirty="0" smtClean="0">
-                <a:latin typeface="Courier" charset="0"/>
-                <a:ea typeface="Courier" charset="0"/>
-                <a:cs typeface="Courier" charset="0"/>
-              </a:rPr>
-              <a:t>"</a:t>
-            </a:r>
-            <a:r>
-              <a:rPr lang="pl-PL" b="1" dirty="0" err="1" smtClean="0">
+              <a:t>': 'INSERT INTO "</a:t>
+            </a:r>
+            <a:r>
+              <a:rPr lang="pl-PL" b="1" dirty="0" err="1">
                 <a:latin typeface="Courier" charset="0"/>
                 <a:ea typeface="Courier" charset="0"/>
                 <a:cs typeface="Courier" charset="0"/>
@@ -4992,11 +4926,6 @@
               </a:rPr>
               <a:t>", "email") </a:t>
             </a:r>
-            <a:endParaRPr lang="pl-PL" b="1" dirty="0" smtClean="0">
-              <a:latin typeface="Courier" charset="0"/>
-              <a:ea typeface="Courier" charset="0"/>
-              <a:cs typeface="Courier" charset="0"/>
-            </a:endParaRPr>
           </a:p>
           <a:p>
             <a:r>
@@ -5005,23 +4934,7 @@
                 <a:ea typeface="Courier" charset="0"/>
                 <a:cs typeface="Courier" charset="0"/>
               </a:rPr>
-              <a:t> </a:t>
-            </a:r>
-            <a:r>
-              <a:rPr lang="pl-PL" b="1" dirty="0" smtClean="0">
-                <a:latin typeface="Courier" charset="0"/>
-                <a:ea typeface="Courier" charset="0"/>
-                <a:cs typeface="Courier" charset="0"/>
-              </a:rPr>
-              <a:t>            VALUES </a:t>
-            </a:r>
-            <a:r>
-              <a:rPr lang="pl-PL" b="1" dirty="0">
-                <a:latin typeface="Courier" charset="0"/>
-                <a:ea typeface="Courier" charset="0"/>
-                <a:cs typeface="Courier" charset="0"/>
-              </a:rPr>
-              <a:t>(\'</a:t>
+              <a:t>             VALUES (\'</a:t>
             </a:r>
             <a:r>
               <a:rPr lang="pl-PL" b="1" dirty="0" err="1">
@@ -5274,13 +5187,6 @@
   <p:clrMapOvr>
     <a:masterClrMapping/>
   </p:clrMapOvr>
-  <p:timing>
-    <p:tnLst>
-      <p:par>
-        <p:cTn id="1" dur="indefinite" restart="never" nodeType="tmRoot"/>
-      </p:par>
-    </p:tnLst>
-  </p:timing>
 </p:sld>
 </file>
 
@@ -5317,10 +5223,9 @@
           <a:lstStyle/>
           <a:p>
             <a:r>
-              <a:rPr lang="en-US" dirty="0" smtClean="0"/>
+              <a:rPr lang="en-US" dirty="0"/>
               <a:t>CRUD in the ORM</a:t>
             </a:r>
-            <a:endParaRPr lang="en-US" dirty="0"/>
           </a:p>
         </p:txBody>
       </p:sp>
@@ -5644,13 +5549,6 @@
   <p:clrMapOvr>
     <a:masterClrMapping/>
   </p:clrMapOvr>
-  <p:timing>
-    <p:tnLst>
-      <p:par>
-        <p:cTn id="1" dur="indefinite" restart="never" nodeType="tmRoot"/>
-      </p:par>
-    </p:tnLst>
-  </p:timing>
 </p:sld>
 </file>
 
@@ -5687,10 +5585,9 @@
           <a:lstStyle/>
           <a:p>
             <a:r>
-              <a:rPr lang="en-US" dirty="0" smtClean="0"/>
+              <a:rPr lang="en-US" dirty="0"/>
               <a:t>Model Field Types</a:t>
             </a:r>
-            <a:endParaRPr lang="en-US" dirty="0"/>
           </a:p>
         </p:txBody>
       </p:sp>
@@ -5717,73 +5614,73 @@
           <a:lstStyle/>
           <a:p>
             <a:r>
-              <a:rPr lang="en-US" dirty="0" err="1" smtClean="0"/>
+              <a:rPr lang="en-US" dirty="0" err="1"/>
               <a:t>AutoField</a:t>
             </a:r>
-            <a:endParaRPr lang="en-US" dirty="0" smtClean="0"/>
-          </a:p>
-          <a:p>
-            <a:r>
-              <a:rPr lang="en-US" dirty="0" err="1" smtClean="0"/>
+            <a:endParaRPr lang="en-US" dirty="0"/>
+          </a:p>
+          <a:p>
+            <a:r>
+              <a:rPr lang="en-US" dirty="0" err="1"/>
               <a:t>BigAutoField</a:t>
             </a:r>
-            <a:endParaRPr lang="en-US" dirty="0" smtClean="0"/>
-          </a:p>
-          <a:p>
-            <a:r>
-              <a:rPr lang="en-US" dirty="0" err="1" smtClean="0"/>
+            <a:endParaRPr lang="en-US" dirty="0"/>
+          </a:p>
+          <a:p>
+            <a:r>
+              <a:rPr lang="en-US" dirty="0" err="1"/>
               <a:t>BigIntegerField</a:t>
             </a:r>
-            <a:endParaRPr lang="en-US" dirty="0" smtClean="0"/>
-          </a:p>
-          <a:p>
-            <a:r>
-              <a:rPr lang="en-US" dirty="0" err="1" smtClean="0"/>
+            <a:endParaRPr lang="en-US" dirty="0"/>
+          </a:p>
+          <a:p>
+            <a:r>
+              <a:rPr lang="en-US" dirty="0" err="1"/>
               <a:t>BinaryField</a:t>
             </a:r>
-            <a:endParaRPr lang="en-US" dirty="0" smtClean="0"/>
-          </a:p>
-          <a:p>
-            <a:r>
-              <a:rPr lang="en-US" dirty="0" err="1" smtClean="0"/>
+            <a:endParaRPr lang="en-US" dirty="0"/>
+          </a:p>
+          <a:p>
+            <a:r>
+              <a:rPr lang="en-US" dirty="0" err="1"/>
               <a:t>BooleanField</a:t>
             </a:r>
-            <a:endParaRPr lang="en-US" dirty="0" smtClean="0"/>
-          </a:p>
-          <a:p>
-            <a:r>
-              <a:rPr lang="en-US" dirty="0" err="1" smtClean="0"/>
+            <a:endParaRPr lang="en-US" dirty="0"/>
+          </a:p>
+          <a:p>
+            <a:r>
+              <a:rPr lang="en-US" dirty="0" err="1"/>
               <a:t>CharField</a:t>
             </a:r>
-            <a:endParaRPr lang="en-US" dirty="0" smtClean="0"/>
-          </a:p>
-          <a:p>
-            <a:r>
-              <a:rPr lang="en-US" dirty="0" err="1" smtClean="0"/>
+            <a:endParaRPr lang="en-US" dirty="0"/>
+          </a:p>
+          <a:p>
+            <a:r>
+              <a:rPr lang="en-US" dirty="0" err="1"/>
               <a:t>DateField</a:t>
             </a:r>
-            <a:endParaRPr lang="en-US" dirty="0" smtClean="0"/>
-          </a:p>
-          <a:p>
-            <a:r>
-              <a:rPr lang="en-US" dirty="0" err="1" smtClean="0"/>
+            <a:endParaRPr lang="en-US" dirty="0"/>
+          </a:p>
+          <a:p>
+            <a:r>
+              <a:rPr lang="en-US" dirty="0" err="1"/>
               <a:t>DateTimeField</a:t>
             </a:r>
-            <a:endParaRPr lang="en-US" dirty="0" smtClean="0"/>
-          </a:p>
-          <a:p>
-            <a:r>
-              <a:rPr lang="en-US" dirty="0" err="1" smtClean="0"/>
+            <a:endParaRPr lang="en-US" dirty="0"/>
+          </a:p>
+          <a:p>
+            <a:r>
+              <a:rPr lang="en-US" dirty="0" err="1"/>
               <a:t>DecimalField</a:t>
             </a:r>
-            <a:endParaRPr lang="en-US" dirty="0" smtClean="0"/>
+            <a:endParaRPr lang="en-US" dirty="0"/>
           </a:p>
           <a:p>
             <a:r>
               <a:rPr lang="en-US" dirty="0" err="1"/>
               <a:t>DurationField</a:t>
             </a:r>
-            <a:endParaRPr lang="en-US" dirty="0" smtClean="0"/>
+            <a:endParaRPr lang="en-US" dirty="0"/>
           </a:p>
           <a:p>
             <a:endParaRPr lang="en-US" dirty="0"/>
@@ -5813,45 +5710,45 @@
           <a:lstStyle/>
           <a:p>
             <a:r>
-              <a:rPr lang="en-US" dirty="0" err="1" smtClean="0"/>
+              <a:rPr lang="en-US" dirty="0" err="1"/>
               <a:t>EmailField</a:t>
             </a:r>
-            <a:endParaRPr lang="en-US" dirty="0" smtClean="0"/>
-          </a:p>
-          <a:p>
-            <a:r>
-              <a:rPr lang="en-US" dirty="0" err="1" smtClean="0"/>
+            <a:endParaRPr lang="en-US" dirty="0"/>
+          </a:p>
+          <a:p>
+            <a:r>
+              <a:rPr lang="en-US" dirty="0" err="1"/>
               <a:t>FileField</a:t>
             </a:r>
             <a:endParaRPr lang="en-US" dirty="0"/>
           </a:p>
           <a:p>
             <a:r>
-              <a:rPr lang="en-US" dirty="0" err="1" smtClean="0"/>
+              <a:rPr lang="en-US" dirty="0" err="1"/>
               <a:t>FilePathField</a:t>
             </a:r>
-            <a:endParaRPr lang="en-US" dirty="0" smtClean="0"/>
-          </a:p>
-          <a:p>
-            <a:r>
-              <a:rPr lang="en-US" dirty="0" err="1" smtClean="0"/>
+            <a:endParaRPr lang="en-US" dirty="0"/>
+          </a:p>
+          <a:p>
+            <a:r>
+              <a:rPr lang="en-US" dirty="0" err="1"/>
               <a:t>FloatField</a:t>
             </a:r>
-            <a:endParaRPr lang="en-US" dirty="0" smtClean="0"/>
-          </a:p>
-          <a:p>
-            <a:r>
-              <a:rPr lang="en-US" dirty="0" err="1" smtClean="0"/>
+            <a:endParaRPr lang="en-US" dirty="0"/>
+          </a:p>
+          <a:p>
+            <a:r>
+              <a:rPr lang="en-US" dirty="0" err="1"/>
               <a:t>ImageField</a:t>
             </a:r>
             <a:endParaRPr lang="en-US" dirty="0"/>
           </a:p>
           <a:p>
             <a:r>
-              <a:rPr lang="en-US" dirty="0" err="1" smtClean="0"/>
+              <a:rPr lang="en-US" dirty="0" err="1"/>
               <a:t>IntegerField</a:t>
             </a:r>
-            <a:endParaRPr lang="en-US" dirty="0" smtClean="0"/>
+            <a:endParaRPr lang="en-US" dirty="0"/>
           </a:p>
           <a:p>
             <a:r>
@@ -5862,17 +5759,17 @@
           </a:p>
           <a:p>
             <a:r>
-              <a:rPr lang="en-US" dirty="0" err="1" smtClean="0"/>
+              <a:rPr lang="en-US" dirty="0" err="1"/>
               <a:t>NullBooleanField</a:t>
             </a:r>
-            <a:endParaRPr lang="en-US" dirty="0" smtClean="0"/>
-          </a:p>
-          <a:p>
-            <a:r>
-              <a:rPr lang="en-US" dirty="0" err="1" smtClean="0"/>
+            <a:endParaRPr lang="en-US" dirty="0"/>
+          </a:p>
+          <a:p>
+            <a:r>
+              <a:rPr lang="en-US" dirty="0" err="1"/>
               <a:t>PositiveIntegerField</a:t>
             </a:r>
-            <a:endParaRPr lang="en-US" dirty="0" smtClean="0"/>
+            <a:endParaRPr lang="en-US" dirty="0"/>
           </a:p>
         </p:txBody>
       </p:sp>
@@ -5914,8 +5811,12 @@
               <a:t>en</a:t>
             </a:r>
             <a:r>
+              <a:rPr lang="en-US"/>
+              <a:t>/4.0/</a:t>
+            </a:r>
+            <a:r>
               <a:rPr lang="en-US" dirty="0"/>
-              <a:t>/2.1/ref/models/fields/#field-types</a:t>
+              <a:t>ref/models/fields/#field-types</a:t>
             </a:r>
           </a:p>
         </p:txBody>
@@ -6114,49 +6015,49 @@
           </a:p>
           <a:p>
             <a:r>
-              <a:rPr lang="en-US" dirty="0" err="1" smtClean="0"/>
+              <a:rPr lang="en-US" dirty="0" err="1"/>
               <a:t>SlugField</a:t>
             </a:r>
-            <a:endParaRPr lang="en-US" dirty="0" smtClean="0"/>
-          </a:p>
-          <a:p>
-            <a:r>
-              <a:rPr lang="en-US" dirty="0" err="1" smtClean="0"/>
+            <a:endParaRPr lang="en-US" dirty="0"/>
+          </a:p>
+          <a:p>
+            <a:r>
+              <a:rPr lang="en-US" dirty="0" err="1"/>
               <a:t>SmallIntegerField</a:t>
             </a:r>
-            <a:endParaRPr lang="en-US" dirty="0" smtClean="0"/>
-          </a:p>
-          <a:p>
-            <a:r>
-              <a:rPr lang="en-US" dirty="0" err="1" smtClean="0"/>
+            <a:endParaRPr lang="en-US" dirty="0"/>
+          </a:p>
+          <a:p>
+            <a:r>
+              <a:rPr lang="en-US" dirty="0" err="1"/>
               <a:t>TextFIeld</a:t>
             </a:r>
-            <a:endParaRPr lang="en-US" dirty="0" smtClean="0"/>
-          </a:p>
-          <a:p>
-            <a:r>
-              <a:rPr lang="en-US" dirty="0" err="1" smtClean="0"/>
+            <a:endParaRPr lang="en-US" dirty="0"/>
+          </a:p>
+          <a:p>
+            <a:r>
+              <a:rPr lang="en-US" dirty="0" err="1"/>
               <a:t>TimeField</a:t>
             </a:r>
-            <a:endParaRPr lang="en-US" dirty="0" smtClean="0"/>
-          </a:p>
-          <a:p>
-            <a:r>
-              <a:rPr lang="en-US" dirty="0" err="1" smtClean="0"/>
+            <a:endParaRPr lang="en-US" dirty="0"/>
+          </a:p>
+          <a:p>
+            <a:r>
+              <a:rPr lang="en-US" dirty="0" err="1"/>
               <a:t>URLField</a:t>
             </a:r>
-            <a:endParaRPr lang="en-US" dirty="0" smtClean="0"/>
-          </a:p>
-          <a:p>
-            <a:r>
-              <a:rPr lang="en-US" dirty="0" err="1" smtClean="0">
+            <a:endParaRPr lang="en-US" dirty="0"/>
+          </a:p>
+          <a:p>
+            <a:r>
+              <a:rPr lang="en-US" dirty="0" err="1">
                 <a:solidFill>
                   <a:srgbClr val="FFFF00"/>
                 </a:solidFill>
               </a:rPr>
               <a:t>ForeignKey</a:t>
             </a:r>
-            <a:endParaRPr lang="en-US" dirty="0" smtClean="0">
+            <a:endParaRPr lang="en-US" dirty="0">
               <a:solidFill>
                 <a:srgbClr val="FFFF00"/>
               </a:solidFill>
@@ -6164,14 +6065,14 @@
           </a:p>
           <a:p>
             <a:r>
-              <a:rPr lang="en-US" dirty="0" err="1" smtClean="0">
+              <a:rPr lang="en-US" dirty="0" err="1">
                 <a:solidFill>
                   <a:srgbClr val="FFFF00"/>
                 </a:solidFill>
               </a:rPr>
               <a:t>ManyToManyField</a:t>
             </a:r>
-            <a:endParaRPr lang="en-US" dirty="0" smtClean="0">
+            <a:endParaRPr lang="en-US" dirty="0">
               <a:solidFill>
                 <a:srgbClr val="FFFF00"/>
               </a:solidFill>
@@ -6179,7 +6080,7 @@
           </a:p>
           <a:p>
             <a:r>
-              <a:rPr lang="en-US" dirty="0" err="1" smtClean="0">
+              <a:rPr lang="en-US" dirty="0" err="1">
                 <a:solidFill>
                   <a:srgbClr val="FFFF00"/>
                 </a:solidFill>
@@ -6204,13 +6105,6 @@
   <p:clrMapOvr>
     <a:masterClrMapping/>
   </p:clrMapOvr>
-  <p:timing>
-    <p:tnLst>
-      <p:par>
-        <p:cTn id="1" dur="indefinite" restart="never" nodeType="tmRoot"/>
-      </p:par>
-    </p:tnLst>
-  </p:timing>
 </p:sld>
 </file>
 
@@ -6247,10 +6141,9 @@
           <a:lstStyle/>
           <a:p>
             <a:r>
-              <a:rPr lang="en-US" dirty="0" smtClean="0"/>
+              <a:rPr lang="en-US" dirty="0"/>
               <a:t>Models, Migrations, and Database Tables</a:t>
             </a:r>
-            <a:endParaRPr lang="en-US" dirty="0"/>
           </a:p>
         </p:txBody>
       </p:sp>
@@ -6283,13 +6176,6 @@
   <p:clrMapOvr>
     <a:masterClrMapping/>
   </p:clrMapOvr>
-  <p:timing>
-    <p:tnLst>
-      <p:par>
-        <p:cTn id="1" dur="indefinite" restart="never" nodeType="tmRoot"/>
-      </p:par>
-    </p:tnLst>
-  </p:timing>
 </p:sld>
 </file>
 
@@ -6348,11 +6234,11 @@
           <a:lstStyle/>
           <a:p>
             <a:r>
-              <a:rPr lang="en-US" dirty="0" smtClean="0"/>
+              <a:rPr lang="en-US" dirty="0"/>
               <a:t>The </a:t>
             </a:r>
             <a:r>
-              <a:rPr lang="en-US" dirty="0" err="1" smtClean="0">
+              <a:rPr lang="en-US" dirty="0" err="1">
                 <a:solidFill>
                   <a:srgbClr val="FFFF00"/>
                 </a:solidFill>
@@ -6360,7 +6246,7 @@
               <a:t>makemigrations</a:t>
             </a:r>
             <a:r>
-              <a:rPr lang="en-US" dirty="0" smtClean="0">
+              <a:rPr lang="en-US" dirty="0">
                 <a:solidFill>
                   <a:srgbClr val="FFFF00"/>
                 </a:solidFill>
@@ -6368,11 +6254,11 @@
               <a:t> </a:t>
             </a:r>
             <a:r>
-              <a:rPr lang="en-US" dirty="0" smtClean="0"/>
+              <a:rPr lang="en-US" dirty="0"/>
               <a:t>command reads all the </a:t>
             </a:r>
             <a:r>
-              <a:rPr lang="en-US" dirty="0" err="1" smtClean="0">
+              <a:rPr lang="en-US" dirty="0" err="1">
                 <a:solidFill>
                   <a:srgbClr val="FFFF00"/>
                 </a:solidFill>
@@ -6380,24 +6266,24 @@
               <a:t>models.py</a:t>
             </a:r>
             <a:r>
-              <a:rPr lang="en-US" dirty="0" smtClean="0"/>
+              <a:rPr lang="en-US" dirty="0"/>
               <a:t> files in all the applications, end creates / evolves the migration files</a:t>
             </a:r>
           </a:p>
           <a:p>
             <a:r>
-              <a:rPr lang="en-US" dirty="0" smtClean="0"/>
+              <a:rPr lang="en-US" dirty="0"/>
               <a:t>Guided by the applications listed in </a:t>
             </a:r>
             <a:r>
-              <a:rPr lang="en-US" dirty="0" err="1" smtClean="0">
+              <a:rPr lang="en-US" dirty="0" err="1">
                 <a:solidFill>
                   <a:srgbClr val="FFFF00"/>
                 </a:solidFill>
               </a:rPr>
               <a:t>settings.py</a:t>
             </a:r>
-            <a:endParaRPr lang="en-US" dirty="0" smtClean="0">
+            <a:endParaRPr lang="en-US" dirty="0">
               <a:solidFill>
                 <a:srgbClr val="FFFF00"/>
               </a:solidFill>
@@ -6405,7 +6291,7 @@
           </a:p>
           <a:p>
             <a:r>
-              <a:rPr lang="en-US" dirty="0" smtClean="0"/>
+              <a:rPr lang="en-US" dirty="0"/>
               <a:t>Migrations are portable across databases</a:t>
             </a:r>
           </a:p>
@@ -6414,11 +6300,11 @@
           </a:p>
           <a:p>
             <a:r>
-              <a:rPr lang="en-US" dirty="0" smtClean="0"/>
+              <a:rPr lang="en-US" dirty="0"/>
               <a:t>The </a:t>
             </a:r>
             <a:r>
-              <a:rPr lang="en-US" dirty="0" smtClean="0">
+              <a:rPr lang="en-US" dirty="0">
                 <a:solidFill>
                   <a:srgbClr val="FFFF00"/>
                 </a:solidFill>
@@ -6426,11 +6312,11 @@
               <a:t>migrate </a:t>
             </a:r>
             <a:r>
-              <a:rPr lang="en-US" dirty="0" smtClean="0"/>
+              <a:rPr lang="en-US" dirty="0"/>
               <a:t>command reads all the </a:t>
             </a:r>
             <a:r>
-              <a:rPr lang="en-US" dirty="0" smtClean="0">
+              <a:rPr lang="en-US" dirty="0">
                 <a:solidFill>
                   <a:srgbClr val="FFFF00"/>
                 </a:solidFill>
@@ -6438,7 +6324,7 @@
               <a:t>migrations</a:t>
             </a:r>
             <a:r>
-              <a:rPr lang="en-US" dirty="0" smtClean="0"/>
+              <a:rPr lang="en-US" dirty="0"/>
               <a:t> folders in the application folders and creates / evolves the tables in the database (i.e. db.sqlite3)</a:t>
             </a:r>
           </a:p>
@@ -6460,13 +6346,6 @@
   <p:clrMapOvr>
     <a:masterClrMapping/>
   </p:clrMapOvr>
-  <p:timing>
-    <p:tnLst>
-      <p:par>
-        <p:cTn id="1" dur="indefinite" restart="never" nodeType="tmRoot"/>
-      </p:par>
-    </p:tnLst>
-  </p:timing>
 </p:sld>
 </file>
 
@@ -6503,7 +6382,7 @@
           <a:lstStyle/>
           <a:p>
             <a:r>
-              <a:rPr lang="en-US" dirty="0" err="1" smtClean="0"/>
+              <a:rPr lang="en-US" dirty="0" err="1"/>
               <a:t>makemigrations</a:t>
             </a:r>
             <a:endParaRPr lang="en-US" dirty="0"/>
@@ -6533,7 +6412,7 @@
           <a:lstStyle/>
           <a:p>
             <a:r>
-              <a:rPr lang="en-US" sz="1600" b="1" dirty="0" smtClean="0">
+              <a:rPr lang="en-US" sz="1600" b="1" dirty="0">
                 <a:solidFill>
                   <a:srgbClr val="00FDFF"/>
                 </a:solidFill>
@@ -6544,7 +6423,7 @@
               <a:t>dj4e-samples$ </a:t>
             </a:r>
             <a:r>
-              <a:rPr lang="en-US" sz="1600" b="1" dirty="0" smtClean="0">
+              <a:rPr lang="en-US" sz="1600" b="1" dirty="0">
                 <a:solidFill>
                   <a:srgbClr val="FFFF00"/>
                 </a:solidFill>
@@ -6555,7 +6434,7 @@
               <a:t>ls  */migrations/0*.</a:t>
             </a:r>
             <a:r>
-              <a:rPr lang="en-US" sz="1600" b="1" dirty="0" err="1" smtClean="0">
+              <a:rPr lang="en-US" sz="1600" b="1" dirty="0" err="1">
                 <a:solidFill>
                   <a:srgbClr val="FFFF00"/>
                 </a:solidFill>
@@ -6565,7 +6444,7 @@
               </a:rPr>
               <a:t>py</a:t>
             </a:r>
-            <a:endParaRPr lang="en-US" sz="1600" b="1" dirty="0" smtClean="0">
+            <a:endParaRPr lang="en-US" sz="1600" b="1" dirty="0">
               <a:solidFill>
                 <a:srgbClr val="FFFF00"/>
               </a:solidFill>
@@ -6736,7 +6615,7 @@
           </a:p>
           <a:p>
             <a:r>
-              <a:rPr lang="en-US" sz="1600" dirty="0" smtClean="0">
+              <a:rPr lang="en-US" sz="1600" dirty="0">
                 <a:latin typeface="Courier" charset="0"/>
                 <a:ea typeface="Courier" charset="0"/>
                 <a:cs typeface="Courier" charset="0"/>
@@ -6746,7 +6625,7 @@
           </a:p>
           <a:p>
             <a:r>
-              <a:rPr lang="en-US" sz="1600" b="1" dirty="0" smtClean="0">
+              <a:rPr lang="en-US" sz="1600" b="1" dirty="0">
                 <a:solidFill>
                   <a:srgbClr val="00FDFF"/>
                 </a:solidFill>
@@ -6756,14 +6635,6 @@
               </a:rPr>
               <a:t>dj4e-samples$</a:t>
             </a:r>
-            <a:endParaRPr lang="en-US" sz="1600" b="1" dirty="0">
-              <a:solidFill>
-                <a:srgbClr val="00FDFF"/>
-              </a:solidFill>
-              <a:latin typeface="Courier" charset="0"/>
-              <a:ea typeface="Courier" charset="0"/>
-              <a:cs typeface="Courier" charset="0"/>
-            </a:endParaRPr>
           </a:p>
         </p:txBody>
       </p:sp>
@@ -6790,7 +6661,7 @@
           <a:lstStyle/>
           <a:p>
             <a:r>
-              <a:rPr lang="en-US" sz="1600" b="1" dirty="0" smtClean="0">
+              <a:rPr lang="en-US" sz="1600" b="1" dirty="0">
                 <a:solidFill>
                   <a:srgbClr val="00FDFF"/>
                 </a:solidFill>
@@ -6854,18 +6725,10 @@
                 <a:ea typeface="Courier" charset="0"/>
                 <a:cs typeface="Courier" charset="0"/>
               </a:rPr>
-              <a:t>	</a:t>
-            </a:r>
-            <a:r>
-              <a:rPr lang="en-US" sz="1600" b="1" dirty="0" smtClean="0">
-                <a:latin typeface="Courier" charset="0"/>
-                <a:ea typeface="Courier" charset="0"/>
-                <a:cs typeface="Courier" charset="0"/>
-              </a:rPr>
-              <a:t>many/</a:t>
-            </a:r>
-            <a:r>
-              <a:rPr lang="en-US" sz="1600" b="1" dirty="0" err="1" smtClean="0">
+              <a:t>	many/</a:t>
+            </a:r>
+            <a:r>
+              <a:rPr lang="en-US" sz="1600" b="1" dirty="0" err="1">
                 <a:latin typeface="Courier" charset="0"/>
                 <a:ea typeface="Courier" charset="0"/>
                 <a:cs typeface="Courier" charset="0"/>
@@ -7238,18 +7101,10 @@
                 <a:ea typeface="Courier" charset="0"/>
                 <a:cs typeface="Courier" charset="0"/>
               </a:rPr>
-              <a:t>	</a:t>
-            </a:r>
-            <a:r>
-              <a:rPr lang="en-US" sz="1600" b="1" dirty="0" smtClean="0">
-                <a:latin typeface="Courier" charset="0"/>
-                <a:ea typeface="Courier" charset="0"/>
-                <a:cs typeface="Courier" charset="0"/>
-              </a:rPr>
-              <a:t>tracks/</a:t>
-            </a:r>
-            <a:r>
-              <a:rPr lang="en-US" sz="1600" b="1" dirty="0" err="1" smtClean="0">
+              <a:t>	tracks/</a:t>
+            </a:r>
+            <a:r>
+              <a:rPr lang="en-US" sz="1600" b="1" dirty="0" err="1">
                 <a:latin typeface="Courier" charset="0"/>
                 <a:ea typeface="Courier" charset="0"/>
                 <a:cs typeface="Courier" charset="0"/>
@@ -7285,18 +7140,10 @@
                 <a:ea typeface="Courier" charset="0"/>
                 <a:cs typeface="Courier" charset="0"/>
               </a:rPr>
-              <a:t>	</a:t>
-            </a:r>
-            <a:r>
-              <a:rPr lang="en-US" sz="1600" b="1" dirty="0" smtClean="0">
-                <a:latin typeface="Courier" charset="0"/>
-                <a:ea typeface="Courier" charset="0"/>
-                <a:cs typeface="Courier" charset="0"/>
-              </a:rPr>
-              <a:t>users/</a:t>
-            </a:r>
-            <a:r>
-              <a:rPr lang="en-US" sz="1600" b="1" dirty="0" err="1" smtClean="0">
+              <a:t>	users/</a:t>
+            </a:r>
+            <a:r>
+              <a:rPr lang="en-US" sz="1600" b="1" dirty="0" err="1">
                 <a:latin typeface="Courier" charset="0"/>
                 <a:ea typeface="Courier" charset="0"/>
                 <a:cs typeface="Courier" charset="0"/>
@@ -7350,7 +7197,7 @@
           </a:p>
           <a:p>
             <a:r>
-              <a:rPr lang="en-US" sz="1600" b="1" dirty="0" smtClean="0">
+              <a:rPr lang="en-US" sz="1600" b="1" dirty="0">
                 <a:solidFill>
                   <a:srgbClr val="00FDFF"/>
                 </a:solidFill>
@@ -7360,14 +7207,6 @@
               </a:rPr>
               <a:t>dj4e-samples$ </a:t>
             </a:r>
-            <a:endParaRPr lang="en-US" sz="1600" b="1" dirty="0">
-              <a:solidFill>
-                <a:srgbClr val="00FDFF"/>
-              </a:solidFill>
-              <a:latin typeface="Courier" charset="0"/>
-              <a:ea typeface="Courier" charset="0"/>
-              <a:cs typeface="Courier" charset="0"/>
-            </a:endParaRPr>
           </a:p>
         </p:txBody>
       </p:sp>
@@ -7421,13 +7260,6 @@
   <p:clrMapOvr>
     <a:masterClrMapping/>
   </p:clrMapOvr>
-  <p:timing>
-    <p:tnLst>
-      <p:par>
-        <p:cTn id="1" dur="indefinite" restart="never" nodeType="tmRoot"/>
-      </p:par>
-    </p:tnLst>
-  </p:timing>
 </p:sld>
 </file>
 
@@ -7464,10 +7296,9 @@
           <a:lstStyle/>
           <a:p>
             <a:r>
-              <a:rPr lang="en-US" dirty="0" smtClean="0"/>
+              <a:rPr lang="en-US" dirty="0"/>
               <a:t>migrate</a:t>
             </a:r>
-            <a:endParaRPr lang="en-US" dirty="0"/>
           </a:p>
         </p:txBody>
       </p:sp>
@@ -7533,7 +7364,7 @@
           <a:lstStyle/>
           <a:p>
             <a:r>
-              <a:rPr lang="en-US" sz="1200" b="1" dirty="0" smtClean="0">
+              <a:rPr lang="en-US" sz="1200" b="1" dirty="0">
                 <a:solidFill>
                   <a:srgbClr val="00FDFF"/>
                 </a:solidFill>
@@ -7544,20 +7375,12 @@
               <a:t>dj4e-samples$</a:t>
             </a:r>
             <a:r>
-              <a:rPr lang="en-US" sz="1200" b="1" dirty="0" smtClean="0">
-                <a:latin typeface="Courier" charset="0"/>
-                <a:ea typeface="Courier" charset="0"/>
-                <a:cs typeface="Courier" charset="0"/>
-              </a:rPr>
-              <a:t> </a:t>
-            </a:r>
-            <a:r>
               <a:rPr lang="en-US" sz="1200" b="1" dirty="0">
                 <a:latin typeface="Courier" charset="0"/>
                 <a:ea typeface="Courier" charset="0"/>
                 <a:cs typeface="Courier" charset="0"/>
               </a:rPr>
-              <a:t>s</a:t>
+              <a:t> s</a:t>
             </a:r>
             <a:r>
               <a:rPr lang="en-US" sz="1200" b="1" dirty="0">
@@ -8468,7 +8291,7 @@
               <a:t>&gt; </a:t>
             </a:r>
             <a:r>
-              <a:rPr lang="en-US" sz="1200" b="1" dirty="0" smtClean="0">
+              <a:rPr lang="en-US" sz="1200" b="1" dirty="0">
                 <a:solidFill>
                   <a:srgbClr val="FFFF00"/>
                 </a:solidFill>
@@ -8526,7 +8349,7 @@
           <a:lstStyle/>
           <a:p>
             <a:r>
-              <a:rPr lang="en-US" sz="1600" b="1" dirty="0" smtClean="0">
+              <a:rPr lang="en-US" sz="1600" b="1" dirty="0">
                 <a:solidFill>
                   <a:srgbClr val="00FDFF"/>
                 </a:solidFill>
@@ -8537,7 +8360,7 @@
               <a:t>dj4e-samples$ </a:t>
             </a:r>
             <a:r>
-              <a:rPr lang="en-US" sz="1600" b="1" dirty="0" smtClean="0">
+              <a:rPr lang="en-US" sz="1600" b="1" dirty="0">
                 <a:solidFill>
                   <a:srgbClr val="FFFF00"/>
                 </a:solidFill>
@@ -8548,7 +8371,7 @@
               <a:t>ls  */migrations/0*.</a:t>
             </a:r>
             <a:r>
-              <a:rPr lang="en-US" sz="1600" b="1" dirty="0" err="1" smtClean="0">
+              <a:rPr lang="en-US" sz="1600" b="1" dirty="0" err="1">
                 <a:solidFill>
                   <a:srgbClr val="FFFF00"/>
                 </a:solidFill>
@@ -8558,7 +8381,7 @@
               </a:rPr>
               <a:t>py</a:t>
             </a:r>
-            <a:endParaRPr lang="en-US" sz="1600" b="1" dirty="0" smtClean="0">
+            <a:endParaRPr lang="en-US" sz="1600" b="1" dirty="0">
               <a:solidFill>
                 <a:srgbClr val="FFFF00"/>
               </a:solidFill>
@@ -8729,7 +8552,7 @@
           </a:p>
           <a:p>
             <a:r>
-              <a:rPr lang="en-US" sz="1600" dirty="0" smtClean="0">
+              <a:rPr lang="en-US" sz="1600" dirty="0">
                 <a:latin typeface="Courier" charset="0"/>
                 <a:ea typeface="Courier" charset="0"/>
                 <a:cs typeface="Courier" charset="0"/>
@@ -8739,7 +8562,7 @@
           </a:p>
           <a:p>
             <a:r>
-              <a:rPr lang="en-US" sz="1600" b="1" dirty="0" smtClean="0">
+              <a:rPr lang="en-US" sz="1600" b="1" dirty="0">
                 <a:solidFill>
                   <a:srgbClr val="00FDFF"/>
                 </a:solidFill>
@@ -8749,14 +8572,6 @@
               </a:rPr>
               <a:t>dj4e-samples$</a:t>
             </a:r>
-            <a:endParaRPr lang="en-US" sz="1600" b="1" dirty="0">
-              <a:solidFill>
-                <a:srgbClr val="00FDFF"/>
-              </a:solidFill>
-              <a:latin typeface="Courier" charset="0"/>
-              <a:ea typeface="Courier" charset="0"/>
-              <a:cs typeface="Courier" charset="0"/>
-            </a:endParaRPr>
           </a:p>
         </p:txBody>
       </p:sp>
@@ -8770,13 +8585,6 @@
   <p:clrMapOvr>
     <a:masterClrMapping/>
   </p:clrMapOvr>
-  <p:timing>
-    <p:tnLst>
-      <p:par>
-        <p:cTn id="1" dur="indefinite" restart="never" nodeType="tmRoot"/>
-      </p:par>
-    </p:tnLst>
-  </p:timing>
 </p:sld>
 </file>
 
@@ -8813,11 +8621,11 @@
           <a:lstStyle/>
           <a:p>
             <a:r>
-              <a:rPr lang="en-US" dirty="0" smtClean="0"/>
+              <a:rPr lang="en-US" dirty="0"/>
               <a:t>Re-running </a:t>
             </a:r>
             <a:r>
-              <a:rPr lang="en-US" dirty="0" err="1" smtClean="0"/>
+              <a:rPr lang="en-US" dirty="0" err="1"/>
               <a:t>makemigrate</a:t>
             </a:r>
             <a:endParaRPr lang="en-US" dirty="0"/>
@@ -8849,7 +8657,7 @@
           <a:lstStyle/>
           <a:p>
             <a:r>
-              <a:rPr lang="en-US" dirty="0" smtClean="0">
+              <a:rPr lang="en-US" dirty="0">
                 <a:solidFill>
                   <a:srgbClr val="000000"/>
                 </a:solidFill>
@@ -9120,7 +8928,7 @@
           </a:p>
           <a:p>
             <a:r>
-              <a:rPr lang="en-US" dirty="0" smtClean="0">
+              <a:rPr lang="en-US" dirty="0">
                 <a:solidFill>
                   <a:srgbClr val="000000"/>
                 </a:solidFill>
@@ -9148,13 +8956,6 @@
   <p:clrMapOvr>
     <a:masterClrMapping/>
   </p:clrMapOvr>
-  <p:timing>
-    <p:tnLst>
-      <p:par>
-        <p:cTn id="1" dur="indefinite" restart="never" nodeType="tmRoot"/>
-      </p:par>
-    </p:tnLst>
-  </p:timing>
 </p:sld>
 </file>
 
@@ -9191,10 +8992,9 @@
           <a:lstStyle/>
           <a:p>
             <a:r>
-              <a:rPr lang="en-US" dirty="0" smtClean="0"/>
+              <a:rPr lang="en-US" dirty="0"/>
               <a:t>Re-running migrate from scratch</a:t>
             </a:r>
-            <a:endParaRPr lang="en-US" dirty="0"/>
           </a:p>
         </p:txBody>
       </p:sp>
@@ -9223,7 +9023,7 @@
           <a:lstStyle/>
           <a:p>
             <a:r>
-              <a:rPr lang="en-US" b="1" dirty="0" smtClean="0">
+              <a:rPr lang="en-US" b="1" dirty="0">
                 <a:solidFill>
                   <a:srgbClr val="000000"/>
                 </a:solidFill>
@@ -9258,7 +9058,7 @@
           </a:p>
           <a:p>
             <a:r>
-              <a:rPr lang="en-US" b="1" dirty="0" smtClean="0">
+              <a:rPr lang="en-US" b="1" dirty="0">
                 <a:solidFill>
                   <a:srgbClr val="000000"/>
                 </a:solidFill>
@@ -9266,18 +9066,7 @@
                 <a:ea typeface="Courier" charset="0"/>
                 <a:cs typeface="Courier" charset="0"/>
               </a:rPr>
-              <a:t>dj4e-samples$ </a:t>
-            </a:r>
-            <a:r>
-              <a:rPr lang="en-US" b="1" dirty="0">
-                <a:solidFill>
-                  <a:srgbClr val="000000"/>
-                </a:solidFill>
-                <a:latin typeface="Courier" charset="0"/>
-                <a:ea typeface="Courier" charset="0"/>
-                <a:cs typeface="Courier" charset="0"/>
-              </a:rPr>
-              <a:t>python3 </a:t>
+              <a:t>dj4e-samples$ python3 </a:t>
             </a:r>
             <a:r>
               <a:rPr lang="en-US" b="1" dirty="0" err="1">
@@ -9399,18 +9188,20 @@
                 <a:ea typeface="Courier" charset="0"/>
                 <a:cs typeface="Courier" charset="0"/>
               </a:rPr>
-              <a:t>, </a:t>
-            </a:r>
-            <a:r>
-              <a:rPr lang="en-US" b="1" dirty="0" smtClean="0">
-                <a:solidFill>
-                  <a:srgbClr val="000000"/>
-                </a:solidFill>
-                <a:latin typeface="Courier" charset="0"/>
-                <a:ea typeface="Courier" charset="0"/>
-                <a:cs typeface="Courier" charset="0"/>
-              </a:rPr>
-              <a:t>...</a:t>
+              <a:t>, ...</a:t>
+            </a:r>
+          </a:p>
+          <a:p>
+            <a:r>
+              <a:rPr lang="en-US" b="1" dirty="0">
+                <a:solidFill>
+                  <a:srgbClr val="2EAEBB"/>
+                </a:solidFill>
+                <a:latin typeface="Courier" charset="0"/>
+                <a:ea typeface="Courier" charset="0"/>
+                <a:cs typeface="Courier" charset="0"/>
+              </a:rPr>
+              <a:t>Running migrations:</a:t>
             </a:r>
             <a:endParaRPr lang="en-US" b="1" dirty="0">
               <a:solidFill>
@@ -9425,13 +9216,24 @@
             <a:r>
               <a:rPr lang="en-US" b="1" dirty="0">
                 <a:solidFill>
-                  <a:srgbClr val="2EAEBB"/>
-                </a:solidFill>
-                <a:latin typeface="Courier" charset="0"/>
-                <a:ea typeface="Courier" charset="0"/>
-                <a:cs typeface="Courier" charset="0"/>
-              </a:rPr>
-              <a:t>Running migrations:</a:t>
+                  <a:srgbClr val="000000"/>
+                </a:solidFill>
+                <a:latin typeface="Courier" charset="0"/>
+                <a:ea typeface="Courier" charset="0"/>
+                <a:cs typeface="Courier" charset="0"/>
+              </a:rPr>
+              <a:t>  Applying contenttypes.0001_initial...</a:t>
+            </a:r>
+            <a:r>
+              <a:rPr lang="en-US" b="1" dirty="0">
+                <a:solidFill>
+                  <a:srgbClr val="2FB41D"/>
+                </a:solidFill>
+                <a:latin typeface="Courier" charset="0"/>
+                <a:ea typeface="Courier" charset="0"/>
+                <a:cs typeface="Courier" charset="0"/>
+              </a:rPr>
+              <a:t> OK</a:t>
             </a:r>
             <a:endParaRPr lang="en-US" b="1" dirty="0">
               <a:solidFill>
@@ -9452,7 +9254,7 @@
                 <a:ea typeface="Courier" charset="0"/>
                 <a:cs typeface="Courier" charset="0"/>
               </a:rPr>
-              <a:t>  Applying contenttypes.0001_initial...</a:t>
+              <a:t>  Applying auth.0001_initial...</a:t>
             </a:r>
             <a:r>
               <a:rPr lang="en-US" b="1" dirty="0">
@@ -9484,7 +9286,7 @@
                 <a:ea typeface="Courier" charset="0"/>
                 <a:cs typeface="Courier" charset="0"/>
               </a:rPr>
-              <a:t>  Applying auth.0001_initial...</a:t>
+              <a:t>  Applying admin.0001_initial...</a:t>
             </a:r>
             <a:r>
               <a:rPr lang="en-US" b="1" dirty="0">
@@ -9516,7 +9318,7 @@
                 <a:ea typeface="Courier" charset="0"/>
                 <a:cs typeface="Courier" charset="0"/>
               </a:rPr>
-              <a:t>  Applying admin.0001_initial...</a:t>
+              <a:t>  Applying admin.0002_logentry_remove_auto_add...</a:t>
             </a:r>
             <a:r>
               <a:rPr lang="en-US" b="1" dirty="0">
@@ -9548,7 +9350,7 @@
                 <a:ea typeface="Courier" charset="0"/>
                 <a:cs typeface="Courier" charset="0"/>
               </a:rPr>
-              <a:t>  Applying admin.0002_logentry_remove_auto_add...</a:t>
+              <a:t>  Applying contenttypes.0002_remove_content_type_name...</a:t>
             </a:r>
             <a:r>
               <a:rPr lang="en-US" b="1" dirty="0">
@@ -9572,7 +9374,7 @@
           </a:p>
           <a:p>
             <a:r>
-              <a:rPr lang="en-US" b="1" dirty="0" smtClean="0">
+              <a:rPr lang="en-US" b="1" dirty="0">
                 <a:solidFill>
                   <a:srgbClr val="000000"/>
                 </a:solidFill>
@@ -9580,18 +9382,7 @@
                 <a:ea typeface="Courier" charset="0"/>
                 <a:cs typeface="Courier" charset="0"/>
               </a:rPr>
-              <a:t>  Applying </a:t>
-            </a:r>
-            <a:r>
-              <a:rPr lang="en-US" b="1" dirty="0">
-                <a:solidFill>
-                  <a:srgbClr val="000000"/>
-                </a:solidFill>
-                <a:latin typeface="Courier" charset="0"/>
-                <a:ea typeface="Courier" charset="0"/>
-                <a:cs typeface="Courier" charset="0"/>
-              </a:rPr>
-              <a:t>contenttypes.0002_remove_content_type_name...</a:t>
+              <a:t>  Applying auth.0002_alter_permission_name_max_length...</a:t>
             </a:r>
             <a:r>
               <a:rPr lang="en-US" b="1" dirty="0">
@@ -9617,13 +9408,26 @@
             <a:r>
               <a:rPr lang="en-US" b="1" dirty="0">
                 <a:solidFill>
+                  <a:srgbClr val="FF0000"/>
+                </a:solidFill>
+                <a:latin typeface="Courier" charset="0"/>
+                <a:ea typeface="Courier" charset="0"/>
+                <a:cs typeface="Courier" charset="0"/>
+              </a:rPr>
+              <a:t>[ ...snip ... ]</a:t>
+            </a:r>
+          </a:p>
+          <a:p>
+            <a:r>
+              <a:rPr lang="en-US" b="1" dirty="0">
+                <a:solidFill>
                   <a:srgbClr val="000000"/>
                 </a:solidFill>
                 <a:latin typeface="Courier" charset="0"/>
                 <a:ea typeface="Courier" charset="0"/>
                 <a:cs typeface="Courier" charset="0"/>
               </a:rPr>
-              <a:t>  Applying auth.0002_alter_permission_name_max_length...</a:t>
+              <a:t>  Applying social_django.0008_partial_timestamp...</a:t>
             </a:r>
             <a:r>
               <a:rPr lang="en-US" b="1" dirty="0">
@@ -9647,27 +9451,6 @@
           </a:p>
           <a:p>
             <a:r>
-              <a:rPr lang="en-US" b="1" dirty="0" smtClean="0">
-                <a:solidFill>
-                  <a:srgbClr val="FF0000"/>
-                </a:solidFill>
-                <a:latin typeface="Courier" charset="0"/>
-                <a:ea typeface="Courier" charset="0"/>
-                <a:cs typeface="Courier" charset="0"/>
-              </a:rPr>
-              <a:t>[ ...snip ... ]</a:t>
-            </a:r>
-            <a:endParaRPr lang="en-US" b="1" dirty="0">
-              <a:solidFill>
-                <a:srgbClr val="FF0000"/>
-              </a:solidFill>
-              <a:latin typeface="Courier" charset="0"/>
-              <a:ea typeface="Courier" charset="0"/>
-              <a:cs typeface="Courier" charset="0"/>
-            </a:endParaRPr>
-          </a:p>
-          <a:p>
-            <a:r>
               <a:rPr lang="en-US" b="1" dirty="0">
                 <a:solidFill>
                   <a:srgbClr val="000000"/>
@@ -9676,7 +9459,7 @@
                 <a:ea typeface="Courier" charset="0"/>
                 <a:cs typeface="Courier" charset="0"/>
               </a:rPr>
-              <a:t>  Applying social_django.0008_partial_timestamp...</a:t>
+              <a:t>  Applying tracks.0001_initial...</a:t>
             </a:r>
             <a:r>
               <a:rPr lang="en-US" b="1" dirty="0">
@@ -9708,7 +9491,7 @@
                 <a:ea typeface="Courier" charset="0"/>
                 <a:cs typeface="Courier" charset="0"/>
               </a:rPr>
-              <a:t>  Applying tracks.0001_initial...</a:t>
+              <a:t>  Applying users.0001_initial...</a:t>
             </a:r>
             <a:r>
               <a:rPr lang="en-US" b="1" dirty="0">
@@ -9733,38 +9516,6 @@
           <a:p>
             <a:r>
               <a:rPr lang="en-US" b="1" dirty="0">
-                <a:solidFill>
-                  <a:srgbClr val="000000"/>
-                </a:solidFill>
-                <a:latin typeface="Courier" charset="0"/>
-                <a:ea typeface="Courier" charset="0"/>
-                <a:cs typeface="Courier" charset="0"/>
-              </a:rPr>
-              <a:t>  Applying users.0001_initial...</a:t>
-            </a:r>
-            <a:r>
-              <a:rPr lang="en-US" b="1" dirty="0">
-                <a:solidFill>
-                  <a:srgbClr val="2FB41D"/>
-                </a:solidFill>
-                <a:latin typeface="Courier" charset="0"/>
-                <a:ea typeface="Courier" charset="0"/>
-                <a:cs typeface="Courier" charset="0"/>
-              </a:rPr>
-              <a:t> OK</a:t>
-            </a:r>
-            <a:endParaRPr lang="en-US" b="1" dirty="0">
-              <a:solidFill>
-                <a:srgbClr val="000000"/>
-              </a:solidFill>
-              <a:latin typeface="Courier" charset="0"/>
-              <a:ea typeface="Courier" charset="0"/>
-              <a:cs typeface="Courier" charset="0"/>
-            </a:endParaRPr>
-          </a:p>
-          <a:p>
-            <a:r>
-              <a:rPr lang="en-US" b="1" dirty="0" smtClean="0">
                 <a:solidFill>
                   <a:srgbClr val="000000"/>
                 </a:solidFill>
@@ -9792,13 +9543,6 @@
   <p:clrMapOvr>
     <a:masterClrMapping/>
   </p:clrMapOvr>
-  <p:timing>
-    <p:tnLst>
-      <p:par>
-        <p:cTn id="1" dur="indefinite" restart="never" nodeType="tmRoot"/>
-      </p:par>
-    </p:tnLst>
-  </p:timing>
 </p:sld>
 </file>
 
@@ -9864,10 +9608,9 @@
           <a:p>
             <a:pPr algn="r"/>
             <a:r>
-              <a:rPr lang="en-US" dirty="0" smtClean="0"/>
+              <a:rPr lang="en-US" dirty="0"/>
               <a:t>Linux</a:t>
             </a:r>
-            <a:endParaRPr lang="en-US" dirty="0"/>
           </a:p>
         </p:txBody>
       </p:sp>
@@ -9915,15 +9658,14 @@
           <a:lstStyle/>
           <a:p>
             <a:pPr algn="r"/>
-            <a:endParaRPr lang="en-US" dirty="0" smtClean="0"/>
+            <a:endParaRPr lang="en-US" dirty="0"/>
           </a:p>
           <a:p>
             <a:pPr algn="r"/>
             <a:r>
-              <a:rPr lang="en-US" dirty="0" smtClean="0"/>
+              <a:rPr lang="en-US" dirty="0"/>
               <a:t>Browser</a:t>
             </a:r>
-            <a:endParaRPr lang="en-US" dirty="0"/>
           </a:p>
         </p:txBody>
       </p:sp>
@@ -9972,7 +9714,7 @@
           <a:p>
             <a:pPr algn="r"/>
             <a:r>
-              <a:rPr lang="en-US" smtClean="0"/>
+              <a:rPr lang="en-US"/>
               <a:t>Django</a:t>
             </a:r>
             <a:endParaRPr lang="en-US" dirty="0"/>
@@ -10004,7 +9746,7 @@
           <a:lstStyle/>
           <a:p>
             <a:r>
-              <a:rPr lang="en-US" dirty="0" err="1" smtClean="0">
+              <a:rPr lang="en-US" dirty="0" err="1">
                 <a:solidFill>
                   <a:schemeClr val="bg1"/>
                 </a:solidFill>
@@ -10057,18 +9799,13 @@
           <a:p>
             <a:pPr algn="ctr"/>
             <a:r>
-              <a:rPr lang="en-US" smtClean="0">
+              <a:rPr lang="en-US">
                 <a:solidFill>
                   <a:schemeClr val="tx1"/>
                 </a:solidFill>
               </a:rPr>
               <a:t>Routing</a:t>
             </a:r>
-            <a:endParaRPr lang="en-US">
-              <a:solidFill>
-                <a:schemeClr val="tx1"/>
-              </a:solidFill>
-            </a:endParaRPr>
           </a:p>
         </p:txBody>
       </p:sp>
@@ -10110,18 +9847,13 @@
           <a:p>
             <a:pPr algn="ctr"/>
             <a:r>
-              <a:rPr lang="en-US" dirty="0" smtClean="0">
+              <a:rPr lang="en-US" dirty="0">
                 <a:solidFill>
                   <a:schemeClr val="bg1"/>
                 </a:solidFill>
               </a:rPr>
               <a:t>Views</a:t>
             </a:r>
-            <a:endParaRPr lang="en-US" dirty="0">
-              <a:solidFill>
-                <a:schemeClr val="bg1"/>
-              </a:solidFill>
-            </a:endParaRPr>
           </a:p>
         </p:txBody>
       </p:sp>
@@ -10165,10 +9897,9 @@
           <a:p>
             <a:pPr algn="ctr"/>
             <a:r>
-              <a:rPr lang="en-US" dirty="0" smtClean="0"/>
+              <a:rPr lang="en-US" dirty="0"/>
               <a:t>Database</a:t>
             </a:r>
-            <a:endParaRPr lang="en-US" dirty="0"/>
           </a:p>
         </p:txBody>
       </p:sp>
@@ -10212,10 +9943,10 @@
           <a:p>
             <a:pPr algn="ctr"/>
             <a:r>
-              <a:rPr lang="en-US" smtClean="0"/>
+              <a:rPr lang="en-US"/>
               <a:t>Templates</a:t>
             </a:r>
-            <a:endParaRPr lang="en-US" dirty="0" smtClean="0"/>
+            <a:endParaRPr lang="en-US" dirty="0"/>
           </a:p>
         </p:txBody>
       </p:sp>
@@ -10254,7 +9985,7 @@
           <a:p>
             <a:pPr algn="ctr"/>
             <a:r>
-              <a:rPr lang="en-US" smtClean="0"/>
+              <a:rPr lang="en-US"/>
               <a:t>settings.py</a:t>
             </a:r>
             <a:endParaRPr lang="en-US" dirty="0"/>
@@ -10342,35 +10073,35 @@
           <a:p>
             <a:pPr algn="ctr"/>
             <a:r>
-              <a:rPr lang="en-US" dirty="0" smtClean="0"/>
+              <a:rPr lang="en-US" dirty="0"/>
               <a:t>N</a:t>
             </a:r>
           </a:p>
           <a:p>
             <a:pPr algn="ctr"/>
             <a:r>
-              <a:rPr lang="en-US" dirty="0" smtClean="0"/>
+              <a:rPr lang="en-US" dirty="0"/>
               <a:t>G</a:t>
             </a:r>
           </a:p>
           <a:p>
             <a:pPr algn="ctr"/>
             <a:r>
-              <a:rPr lang="en-US" dirty="0" smtClean="0"/>
+              <a:rPr lang="en-US" dirty="0"/>
               <a:t>I</a:t>
             </a:r>
           </a:p>
           <a:p>
             <a:pPr algn="ctr"/>
             <a:r>
-              <a:rPr lang="en-US" dirty="0" smtClean="0"/>
+              <a:rPr lang="en-US" dirty="0"/>
               <a:t>N</a:t>
             </a:r>
             <a:br>
-              <a:rPr lang="en-US" dirty="0" smtClean="0"/>
+              <a:rPr lang="en-US" dirty="0"/>
             </a:br>
             <a:r>
-              <a:rPr lang="en-US" dirty="0" smtClean="0"/>
+              <a:rPr lang="en-US" dirty="0"/>
               <a:t>X</a:t>
             </a:r>
           </a:p>
@@ -10611,7 +10342,7 @@
           <a:p>
             <a:pPr algn="ctr"/>
             <a:r>
-              <a:rPr lang="en-US" dirty="0" err="1" smtClean="0"/>
+              <a:rPr lang="en-US" dirty="0" err="1"/>
               <a:t>urls.py</a:t>
             </a:r>
             <a:endParaRPr lang="en-US" dirty="0"/>
@@ -10658,10 +10389,10 @@
           <a:p>
             <a:pPr algn="ctr"/>
             <a:r>
-              <a:rPr lang="en-US" dirty="0" err="1" smtClean="0"/>
+              <a:rPr lang="en-US" dirty="0" err="1"/>
               <a:t>views.py</a:t>
             </a:r>
-            <a:endParaRPr lang="en-US" dirty="0" smtClean="0"/>
+            <a:endParaRPr lang="en-US" dirty="0"/>
           </a:p>
         </p:txBody>
       </p:sp>
@@ -10705,7 +10436,7 @@
           <a:p>
             <a:pPr algn="ctr"/>
             <a:r>
-              <a:rPr lang="en-US" dirty="0" err="1" smtClean="0"/>
+              <a:rPr lang="en-US" dirty="0" err="1"/>
               <a:t>forms.py</a:t>
             </a:r>
             <a:endParaRPr lang="en-US" dirty="0"/>
@@ -10750,18 +10481,13 @@
           <a:p>
             <a:pPr algn="ctr"/>
             <a:r>
-              <a:rPr lang="en-US" dirty="0" smtClean="0">
+              <a:rPr lang="en-US" dirty="0">
                 <a:solidFill>
                   <a:schemeClr val="tx1"/>
                 </a:solidFill>
               </a:rPr>
               <a:t>Models</a:t>
             </a:r>
-            <a:endParaRPr lang="en-US" dirty="0">
-              <a:solidFill>
-                <a:schemeClr val="tx1"/>
-              </a:solidFill>
-            </a:endParaRPr>
           </a:p>
         </p:txBody>
       </p:sp>
@@ -10969,7 +10695,7 @@
           <a:p>
             <a:pPr algn="ctr"/>
             <a:r>
-              <a:rPr lang="en-US" dirty="0" err="1" smtClean="0"/>
+              <a:rPr lang="en-US" dirty="0" err="1"/>
               <a:t>models.py</a:t>
             </a:r>
             <a:endParaRPr lang="en-US" dirty="0"/>
@@ -11021,24 +10747,23 @@
           <a:p>
             <a:pPr algn="ctr"/>
             <a:r>
-              <a:rPr lang="en-US" dirty="0" smtClean="0"/>
+              <a:rPr lang="en-US" dirty="0"/>
               <a:t>D</a:t>
             </a:r>
           </a:p>
           <a:p>
             <a:pPr algn="ctr"/>
             <a:r>
-              <a:rPr lang="en-US" dirty="0" smtClean="0"/>
+              <a:rPr lang="en-US" dirty="0"/>
               <a:t>O</a:t>
             </a:r>
           </a:p>
           <a:p>
             <a:pPr algn="ctr"/>
             <a:r>
-              <a:rPr lang="en-US" dirty="0" smtClean="0"/>
+              <a:rPr lang="en-US" dirty="0"/>
               <a:t>M</a:t>
             </a:r>
-            <a:endParaRPr lang="en-US" dirty="0"/>
           </a:p>
         </p:txBody>
       </p:sp>
@@ -11083,7 +10808,7 @@
           <a:p>
             <a:pPr algn="ctr"/>
             <a:r>
-              <a:rPr lang="en-US" dirty="0" smtClean="0">
+              <a:rPr lang="en-US" dirty="0">
                 <a:solidFill>
                   <a:schemeClr val="tx1"/>
                 </a:solidFill>
@@ -11094,18 +10819,13 @@
           <a:p>
             <a:pPr algn="ctr"/>
             <a:r>
-              <a:rPr lang="en-US" dirty="0" smtClean="0">
+              <a:rPr lang="en-US" dirty="0">
                 <a:solidFill>
                   <a:schemeClr val="tx1"/>
                 </a:solidFill>
               </a:rPr>
               <a:t>Response</a:t>
             </a:r>
-            <a:endParaRPr lang="en-US" dirty="0">
-              <a:solidFill>
-                <a:schemeClr val="tx1"/>
-              </a:solidFill>
-            </a:endParaRPr>
           </a:p>
         </p:txBody>
       </p:sp>
@@ -11155,10 +10875,10 @@
           <a:lstStyle/>
           <a:p>
             <a:r>
-              <a:rPr lang="en-US" dirty="0" err="1" smtClean="0"/>
+              <a:rPr lang="en-US" dirty="0" err="1"/>
               <a:t>Javascript</a:t>
             </a:r>
-            <a:endParaRPr lang="en-US" dirty="0" smtClean="0"/>
+            <a:endParaRPr lang="en-US" dirty="0"/>
           </a:p>
           <a:p>
             <a:endParaRPr lang="en-US" dirty="0"/>
@@ -11235,7 +10955,7 @@
           <a:p>
             <a:pPr algn="ctr"/>
             <a:r>
-              <a:rPr lang="en-US" dirty="0" err="1" smtClean="0"/>
+              <a:rPr lang="en-US" dirty="0" err="1"/>
               <a:t>admin.py</a:t>
             </a:r>
             <a:endParaRPr lang="en-US" dirty="0"/>
@@ -11280,7 +11000,7 @@
           <a:p>
             <a:pPr algn="ctr"/>
             <a:r>
-              <a:rPr lang="en-US" dirty="0" smtClean="0">
+              <a:rPr lang="en-US" dirty="0">
                 <a:solidFill>
                   <a:schemeClr val="bg1"/>
                 </a:solidFill>
@@ -11444,7 +11164,7 @@
           <a:p>
             <a:pPr algn="ctr"/>
             <a:r>
-              <a:rPr lang="en-US" dirty="0" smtClean="0">
+              <a:rPr lang="en-US" dirty="0">
                 <a:solidFill>
                   <a:schemeClr val="bg1"/>
                 </a:solidFill>
@@ -11772,13 +11492,6 @@
   <p:clrMapOvr>
     <a:masterClrMapping/>
   </p:clrMapOvr>
-  <p:timing>
-    <p:tnLst>
-      <p:par>
-        <p:cTn id="1" dur="indefinite" restart="never" nodeType="tmRoot"/>
-      </p:par>
-    </p:tnLst>
-  </p:timing>
 </p:sld>
 </file>
 
@@ -11815,10 +11528,9 @@
           <a:lstStyle/>
           <a:p>
             <a:r>
-              <a:rPr lang="en-US" dirty="0" smtClean="0"/>
+              <a:rPr lang="en-US" dirty="0"/>
               <a:t>Summary</a:t>
             </a:r>
-            <a:endParaRPr lang="en-US" dirty="0"/>
           </a:p>
         </p:txBody>
       </p:sp>
@@ -11838,51 +11550,50 @@
           <a:lstStyle/>
           <a:p>
             <a:r>
-              <a:rPr lang="en-US" dirty="0" smtClean="0"/>
+              <a:rPr lang="en-US" dirty="0"/>
               <a:t>The Django Models feature implements an Object Relational Mapper</a:t>
             </a:r>
           </a:p>
           <a:p>
             <a:r>
-              <a:rPr lang="en-US" dirty="0" smtClean="0"/>
+              <a:rPr lang="en-US" dirty="0"/>
               <a:t>Benefits</a:t>
             </a:r>
           </a:p>
           <a:p>
             <a:pPr lvl="1"/>
             <a:r>
-              <a:rPr lang="en-US" dirty="0" smtClean="0"/>
+              <a:rPr lang="en-US" dirty="0"/>
               <a:t>We can write only Python code (i.e. no explicit SQL)</a:t>
             </a:r>
           </a:p>
           <a:p>
             <a:pPr lvl="1"/>
             <a:r>
-              <a:rPr lang="en-US" dirty="0" smtClean="0"/>
+              <a:rPr lang="en-US" dirty="0"/>
               <a:t>We gain database portability</a:t>
             </a:r>
           </a:p>
           <a:p>
             <a:pPr lvl="1"/>
             <a:r>
-              <a:rPr lang="en-US" dirty="0" smtClean="0"/>
+              <a:rPr lang="en-US" dirty="0"/>
               <a:t>Migrations both create and evolve our database schema</a:t>
             </a:r>
           </a:p>
           <a:p>
             <a:pPr lvl="1"/>
             <a:r>
-              <a:rPr lang="en-US" dirty="0" smtClean="0"/>
+              <a:rPr lang="en-US" dirty="0"/>
               <a:t>A sweet administrator interface</a:t>
             </a:r>
           </a:p>
           <a:p>
             <a:pPr lvl="1"/>
             <a:r>
-              <a:rPr lang="en-US" dirty="0" smtClean="0"/>
+              <a:rPr lang="en-US" dirty="0"/>
               <a:t>Automatic form generation and validation (later)</a:t>
             </a:r>
-            <a:endParaRPr lang="en-US" dirty="0"/>
           </a:p>
         </p:txBody>
       </p:sp>
@@ -11896,13 +11607,6 @@
   <p:clrMapOvr>
     <a:masterClrMapping/>
   </p:clrMapOvr>
-  <p:timing>
-    <p:tnLst>
-      <p:par>
-        <p:cTn id="1" dur="indefinite" restart="never" nodeType="tmRoot"/>
-      </p:par>
-    </p:tnLst>
-  </p:timing>
 </p:sld>
 </file>
 
@@ -12564,7 +12268,7 @@
           </a:p>
           <a:p>
             <a:pPr algn="ctr" eaLnBrk="1" hangingPunct="1"/>
-            <a:endParaRPr lang="en-US" altLang="x-none" sz="1200" dirty="0" smtClean="0">
+            <a:endParaRPr lang="en-US" altLang="x-none" sz="1200" dirty="0">
               <a:solidFill>
                 <a:schemeClr val="tx1"/>
               </a:solidFill>
@@ -12586,7 +12290,7 @@
           </a:p>
           <a:p>
             <a:pPr algn="ctr" eaLnBrk="1" hangingPunct="1"/>
-            <a:endParaRPr lang="en-US" altLang="x-none" sz="1200" dirty="0" smtClean="0">
+            <a:endParaRPr lang="en-US" altLang="x-none" sz="1200" dirty="0">
               <a:solidFill>
                 <a:schemeClr val="tx1"/>
               </a:solidFill>
@@ -12608,7 +12312,7 @@
           </a:p>
           <a:p>
             <a:pPr algn="ctr" eaLnBrk="1" hangingPunct="1"/>
-            <a:endParaRPr lang="en-US" altLang="x-none" sz="1200" dirty="0" smtClean="0">
+            <a:endParaRPr lang="en-US" altLang="x-none" sz="1200" dirty="0">
               <a:solidFill>
                 <a:schemeClr val="tx1"/>
               </a:solidFill>
@@ -12651,13 +12355,6 @@
   <p:clrMapOvr>
     <a:masterClrMapping/>
   </p:clrMapOvr>
-  <p:timing>
-    <p:tnLst>
-      <p:par>
-        <p:cTn id="1" dur="indefinite" restart="never" nodeType="tmRoot"/>
-      </p:par>
-    </p:tnLst>
-  </p:timing>
 </p:sld>
 </file>
 
@@ -13034,21 +12731,6 @@
   <p:clrMapOvr>
     <a:masterClrMapping/>
   </p:clrMapOvr>
-  <mc:AlternateContent xmlns:mc="http://schemas.openxmlformats.org/markup-compatibility/2006" xmlns:p14="http://schemas.microsoft.com/office/powerpoint/2010/main">
-    <mc:Choice Requires="p14">
-      <p:transition spd="slow" p14:dur="2000"/>
-    </mc:Choice>
-    <mc:Fallback xmlns="">
-      <p:transition spd="slow"/>
-    </mc:Fallback>
-  </mc:AlternateContent>
-  <p:timing>
-    <p:tnLst>
-      <p:par>
-        <p:cTn id="1" dur="indefinite" restart="never" nodeType="tmRoot"/>
-      </p:par>
-    </p:tnLst>
-  </p:timing>
 </p:sld>
 </file>
 
@@ -13181,7 +12863,7 @@
               <a:t>Users</a:t>
             </a:r>
             <a:r>
-              <a:rPr lang="en" sz="2133" b="1" dirty="0" smtClean="0">
+              <a:rPr lang="en" sz="2133" b="1" dirty="0">
                 <a:solidFill>
                   <a:schemeClr val="lt1"/>
                 </a:solidFill>
@@ -13192,7 +12874,7 @@
               </a:rPr>
               <a:t>(</a:t>
             </a:r>
-            <a:endParaRPr lang="en-US" sz="2133" b="1" dirty="0" smtClean="0">
+            <a:endParaRPr lang="en-US" sz="2133" b="1" dirty="0">
               <a:solidFill>
                 <a:schemeClr val="lt1"/>
               </a:solidFill>
@@ -13210,7 +12892,7 @@
               <a:buSzPct val="25000"/>
             </a:pPr>
             <a:r>
-              <a:rPr lang="en-US" sz="2133" b="1" dirty="0" smtClean="0">
+              <a:rPr lang="en-US" sz="2133" b="1" dirty="0">
                 <a:solidFill>
                   <a:schemeClr val="lt1"/>
                 </a:solidFill>
@@ -13219,43 +12901,19 @@
                 <a:cs typeface="Courier New"/>
                 <a:sym typeface="Courier New"/>
               </a:rPr>
-              <a:t>   id </a:t>
+              <a:t>   id integer </a:t>
             </a:r>
             <a:r>
               <a:rPr lang="en-US" sz="2133" b="1" dirty="0">
                 <a:solidFill>
-                  <a:schemeClr val="lt1"/>
+                  <a:srgbClr val="FF8000"/>
                 </a:solidFill>
                 <a:latin typeface="Courier New"/>
                 <a:ea typeface="Courier New"/>
                 <a:cs typeface="Courier New"/>
                 <a:sym typeface="Courier New"/>
               </a:rPr>
-              <a:t>integer </a:t>
-            </a:r>
-            <a:r>
-              <a:rPr lang="en-US" sz="2133" b="1" dirty="0">
-                <a:solidFill>
-                  <a:srgbClr val="FF8000"/>
-                </a:solidFill>
-                <a:latin typeface="Courier New"/>
-                <a:ea typeface="Courier New"/>
-                <a:cs typeface="Courier New"/>
-                <a:sym typeface="Courier New"/>
-              </a:rPr>
-              <a:t>NOT </a:t>
-            </a:r>
-            <a:r>
-              <a:rPr lang="en-US" sz="2133" b="1" dirty="0" smtClean="0">
-                <a:solidFill>
-                  <a:srgbClr val="FF8000"/>
-                </a:solidFill>
-                <a:latin typeface="Courier New"/>
-                <a:ea typeface="Courier New"/>
-                <a:cs typeface="Courier New"/>
-                <a:sym typeface="Courier New"/>
-              </a:rPr>
-              <a:t>NULL</a:t>
+              <a:t>NOT NULL</a:t>
             </a:r>
           </a:p>
           <a:p>
@@ -13275,43 +12933,7 @@
                 <a:cs typeface="Courier New"/>
                 <a:sym typeface="Courier New"/>
               </a:rPr>
-              <a:t> </a:t>
-            </a:r>
-            <a:r>
-              <a:rPr lang="en-US" sz="2133" b="1" dirty="0" smtClean="0">
-                <a:solidFill>
-                  <a:srgbClr val="FF8000"/>
-                </a:solidFill>
-                <a:latin typeface="Courier New"/>
-                <a:ea typeface="Courier New"/>
-                <a:cs typeface="Courier New"/>
-                <a:sym typeface="Courier New"/>
-              </a:rPr>
-              <a:t>    </a:t>
-            </a:r>
-            <a:r>
-              <a:rPr lang="en-US" sz="2133" b="1" dirty="0">
-                <a:solidFill>
-                  <a:srgbClr val="FF8000"/>
-                </a:solidFill>
-                <a:latin typeface="Courier New"/>
-                <a:ea typeface="Courier New"/>
-                <a:cs typeface="Courier New"/>
-                <a:sym typeface="Courier New"/>
-              </a:rPr>
-              <a:t>PRIMARY </a:t>
-            </a:r>
-            <a:r>
-              <a:rPr lang="en-US" sz="2133" b="1" dirty="0" smtClean="0">
-                <a:solidFill>
-                  <a:srgbClr val="FF8000"/>
-                </a:solidFill>
-                <a:latin typeface="Courier New"/>
-                <a:ea typeface="Courier New"/>
-                <a:cs typeface="Courier New"/>
-                <a:sym typeface="Courier New"/>
-              </a:rPr>
-              <a:t>KEY  </a:t>
+              <a:t>     PRIMARY KEY  </a:t>
             </a:r>
           </a:p>
           <a:p>
@@ -13331,22 +12953,22 @@
                 <a:cs typeface="Courier New"/>
                 <a:sym typeface="Courier New"/>
               </a:rPr>
-              <a:t> </a:t>
-            </a:r>
-            <a:r>
-              <a:rPr lang="en-US" sz="2133" b="1" dirty="0" smtClean="0">
-                <a:solidFill>
-                  <a:srgbClr val="FF8000"/>
+              <a:t>     AUTOINCREMENT</a:t>
+            </a:r>
+            <a:r>
+              <a:rPr lang="en-US" sz="2133" b="1" dirty="0">
+                <a:solidFill>
+                  <a:schemeClr val="lt1"/>
                 </a:solidFill>
                 <a:latin typeface="Courier New"/>
                 <a:ea typeface="Courier New"/>
                 <a:cs typeface="Courier New"/>
                 <a:sym typeface="Courier New"/>
               </a:rPr>
-              <a:t>    AUTOINCREMENT</a:t>
-            </a:r>
-            <a:r>
-              <a:rPr lang="en-US" sz="2133" b="1" dirty="0">
+              <a:t>,</a:t>
+            </a:r>
+            <a:r>
+              <a:rPr lang="en" sz="2133" b="1" dirty="0">
                 <a:solidFill>
                   <a:schemeClr val="lt1"/>
                 </a:solidFill>
@@ -13355,29 +12977,8 @@
                 <a:cs typeface="Courier New"/>
                 <a:sym typeface="Courier New"/>
               </a:rPr>
-              <a:t>,</a:t>
-            </a:r>
-            <a:r>
-              <a:rPr lang="en" sz="2133" b="1" dirty="0" smtClean="0">
-                <a:solidFill>
-                  <a:schemeClr val="lt1"/>
-                </a:solidFill>
-                <a:latin typeface="Courier New"/>
-                <a:ea typeface="Courier New"/>
-                <a:cs typeface="Courier New"/>
-                <a:sym typeface="Courier New"/>
-              </a:rPr>
               <a:t> </a:t>
             </a:r>
-            <a:endParaRPr lang="en" sz="2133" b="1" dirty="0">
-              <a:solidFill>
-                <a:schemeClr val="lt1"/>
-              </a:solidFill>
-              <a:latin typeface="Courier New"/>
-              <a:ea typeface="Courier New"/>
-              <a:cs typeface="Courier New"/>
-              <a:sym typeface="Courier New"/>
-            </a:endParaRPr>
           </a:p>
           <a:p>
             <a:pPr>
@@ -13475,7 +13076,7 @@
               <a:buSzPct val="25000"/>
             </a:pPr>
             <a:r>
-              <a:rPr lang="en" sz="2133" b="1" dirty="0" smtClean="0">
+              <a:rPr lang="en" sz="2133" b="1" dirty="0">
                 <a:solidFill>
                   <a:srgbClr val="FFFFFF"/>
                 </a:solidFill>
@@ -13487,7 +13088,7 @@
               <a:t>)</a:t>
             </a:r>
             <a:r>
-              <a:rPr lang="en-US" sz="2133" b="1" dirty="0" smtClean="0">
+              <a:rPr lang="en-US" sz="2133" b="1" dirty="0">
                 <a:solidFill>
                   <a:srgbClr val="FFFFFF"/>
                 </a:solidFill>
@@ -13795,14 +13396,6 @@
               </a:rPr>
               <a:t>( </a:t>
             </a:r>
-            <a:endParaRPr lang="it-IT" dirty="0" smtClean="0">
-              <a:solidFill>
-                <a:srgbClr val="FFFF00"/>
-              </a:solidFill>
-              <a:latin typeface="Courier" charset="0"/>
-              <a:ea typeface="Courier" charset="0"/>
-              <a:cs typeface="Courier" charset="0"/>
-            </a:endParaRPr>
           </a:p>
           <a:p>
             <a:r>
@@ -13814,7 +13407,7 @@
               <a:t> </a:t>
             </a:r>
             <a:r>
-              <a:rPr lang="en-US" dirty="0" smtClean="0">
+              <a:rPr lang="en-US" dirty="0">
                 <a:latin typeface="Courier" charset="0"/>
                 <a:ea typeface="Courier" charset="0"/>
                 <a:cs typeface="Courier" charset="0"/>
@@ -13822,7 +13415,7 @@
               <a:t>  </a:t>
             </a:r>
             <a:r>
-              <a:rPr lang="mr-IN" dirty="0" smtClean="0">
+              <a:rPr lang="mr-IN" dirty="0">
                 <a:latin typeface="Courier" charset="0"/>
                 <a:ea typeface="Courier" charset="0"/>
                 <a:cs typeface="Courier" charset="0"/>
@@ -13835,18 +13428,10 @@
                 <a:ea typeface="Courier" charset="0"/>
                 <a:cs typeface="Courier" charset="0"/>
               </a:rPr>
-              <a:t> </a:t>
-            </a:r>
-            <a:r>
-              <a:rPr lang="it-IT" dirty="0" smtClean="0">
-                <a:latin typeface="Courier" charset="0"/>
-                <a:ea typeface="Courier" charset="0"/>
-                <a:cs typeface="Courier" charset="0"/>
-              </a:rPr>
-              <a:t> </a:t>
-            </a:r>
-            <a:r>
-              <a:rPr lang="it-IT" dirty="0" smtClean="0">
+              <a:t>  </a:t>
+            </a:r>
+            <a:r>
+              <a:rPr lang="it-IT" dirty="0">
                 <a:solidFill>
                   <a:srgbClr val="FFFF00"/>
                 </a:solidFill>
@@ -13854,10 +13439,28 @@
                 <a:ea typeface="Courier" charset="0"/>
                 <a:cs typeface="Courier" charset="0"/>
               </a:rPr>
-              <a:t>id INTEGER NOT </a:t>
-            </a:r>
+              <a:t>id INTEGER NOT NULL </a:t>
+            </a:r>
+          </a:p>
+          <a:p>
             <a:r>
               <a:rPr lang="it-IT" dirty="0">
+                <a:latin typeface="Courier" charset="0"/>
+                <a:ea typeface="Courier" charset="0"/>
+                <a:cs typeface="Courier" charset="0"/>
+              </a:rPr>
+              <a:t>   ...</a:t>
+            </a:r>
+            <a:r>
+              <a:rPr lang="en-US" dirty="0">
+                <a:latin typeface="Courier" charset="0"/>
+                <a:ea typeface="Courier" charset="0"/>
+                <a:cs typeface="Courier" charset="0"/>
+              </a:rPr>
+              <a:t>&gt;       </a:t>
+            </a:r>
+            <a:r>
+              <a:rPr lang="it-IT" dirty="0">
                 <a:solidFill>
                   <a:srgbClr val="FFFF00"/>
                 </a:solidFill>
@@ -13865,44 +13468,20 @@
                 <a:ea typeface="Courier" charset="0"/>
                 <a:cs typeface="Courier" charset="0"/>
               </a:rPr>
-              <a:t>NULL </a:t>
-            </a:r>
-            <a:endParaRPr lang="it-IT" dirty="0" smtClean="0">
-              <a:solidFill>
-                <a:srgbClr val="FFFF00"/>
-              </a:solidFill>
-              <a:latin typeface="Courier" charset="0"/>
-              <a:ea typeface="Courier" charset="0"/>
-              <a:cs typeface="Courier" charset="0"/>
-            </a:endParaRPr>
-          </a:p>
-          <a:p>
-            <a:r>
-              <a:rPr lang="it-IT" dirty="0">
-                <a:latin typeface="Courier" charset="0"/>
-                <a:ea typeface="Courier" charset="0"/>
-                <a:cs typeface="Courier" charset="0"/>
-              </a:rPr>
-              <a:t> </a:t>
-            </a:r>
-            <a:r>
-              <a:rPr lang="it-IT" dirty="0" smtClean="0">
-                <a:latin typeface="Courier" charset="0"/>
-                <a:ea typeface="Courier" charset="0"/>
-                <a:cs typeface="Courier" charset="0"/>
-              </a:rPr>
-              <a:t>  ...</a:t>
-            </a:r>
-            <a:r>
-              <a:rPr lang="en-US" dirty="0" smtClean="0">
-                <a:latin typeface="Courier" charset="0"/>
-                <a:ea typeface="Courier" charset="0"/>
-                <a:cs typeface="Courier" charset="0"/>
-              </a:rPr>
-              <a:t>&gt;       </a:t>
-            </a:r>
-            <a:r>
-              <a:rPr lang="it-IT" dirty="0" smtClean="0">
+              <a:t>PRIMARY KEY AUTOINCREMENT,</a:t>
+            </a:r>
+          </a:p>
+          <a:p>
+            <a:r>
+              <a:rPr lang="mr-IN" dirty="0">
+                <a:latin typeface="Courier" charset="0"/>
+                <a:ea typeface="Courier" charset="0"/>
+                <a:cs typeface="Courier" charset="0"/>
+              </a:rPr>
+              <a:t>   ...&gt;   </a:t>
+            </a:r>
+            <a:r>
+              <a:rPr lang="mr-IN" dirty="0" err="1">
                 <a:solidFill>
                   <a:srgbClr val="FFFF00"/>
                 </a:solidFill>
@@ -13910,10 +13489,10 @@
                 <a:ea typeface="Courier" charset="0"/>
                 <a:cs typeface="Courier" charset="0"/>
               </a:rPr>
-              <a:t>PRIMARY </a:t>
-            </a:r>
-            <a:r>
-              <a:rPr lang="it-IT" dirty="0">
+              <a:t>name</a:t>
+            </a:r>
+            <a:r>
+              <a:rPr lang="mr-IN" dirty="0">
                 <a:solidFill>
                   <a:srgbClr val="FFFF00"/>
                 </a:solidFill>
@@ -13921,10 +13500,20 @@
                 <a:ea typeface="Courier" charset="0"/>
                 <a:cs typeface="Courier" charset="0"/>
               </a:rPr>
-              <a:t>KEY </a:t>
-            </a:r>
-            <a:r>
-              <a:rPr lang="it-IT" dirty="0" smtClean="0">
+              <a:t> VARCHAR(128), </a:t>
+            </a:r>
+          </a:p>
+          <a:p>
+            <a:r>
+              <a:rPr lang="mr-IN" dirty="0">
+                <a:latin typeface="Courier" charset="0"/>
+                <a:ea typeface="Courier" charset="0"/>
+                <a:cs typeface="Courier" charset="0"/>
+              </a:rPr>
+              <a:t>   ...&gt;   </a:t>
+            </a:r>
+            <a:r>
+              <a:rPr lang="mr-IN" dirty="0" err="1">
                 <a:solidFill>
                   <a:srgbClr val="FFFF00"/>
                 </a:solidFill>
@@ -13932,10 +13521,10 @@
                 <a:ea typeface="Courier" charset="0"/>
                 <a:cs typeface="Courier" charset="0"/>
               </a:rPr>
-              <a:t>AUTOINCREMENT</a:t>
-            </a:r>
-            <a:r>
-              <a:rPr lang="it-IT" dirty="0">
+              <a:t>email</a:t>
+            </a:r>
+            <a:r>
+              <a:rPr lang="mr-IN" dirty="0">
                 <a:solidFill>
                   <a:srgbClr val="FFFF00"/>
                 </a:solidFill>
@@ -13943,7 +13532,7 @@
                 <a:ea typeface="Courier" charset="0"/>
                 <a:cs typeface="Courier" charset="0"/>
               </a:rPr>
-              <a:t>,</a:t>
+              <a:t> VARCHAR(128)</a:t>
             </a:r>
           </a:p>
           <a:p>
@@ -13953,10 +13542,10 @@
                 <a:ea typeface="Courier" charset="0"/>
                 <a:cs typeface="Courier" charset="0"/>
               </a:rPr>
-              <a:t>   ...&gt;   </a:t>
-            </a:r>
-            <a:r>
-              <a:rPr lang="mr-IN" dirty="0" err="1">
+              <a:t>   ...&gt; </a:t>
+            </a:r>
+            <a:r>
+              <a:rPr lang="mr-IN" dirty="0">
                 <a:solidFill>
                   <a:srgbClr val="FFFF00"/>
                 </a:solidFill>
@@ -13964,74 +13553,10 @@
                 <a:ea typeface="Courier" charset="0"/>
                 <a:cs typeface="Courier" charset="0"/>
               </a:rPr>
-              <a:t>name</a:t>
-            </a:r>
-            <a:r>
-              <a:rPr lang="mr-IN" dirty="0">
-                <a:solidFill>
-                  <a:srgbClr val="FFFF00"/>
-                </a:solidFill>
-                <a:latin typeface="Courier" charset="0"/>
-                <a:ea typeface="Courier" charset="0"/>
-                <a:cs typeface="Courier" charset="0"/>
-              </a:rPr>
-              <a:t> VARCHAR(128), </a:t>
-            </a:r>
-          </a:p>
-          <a:p>
-            <a:r>
-              <a:rPr lang="mr-IN" dirty="0">
-                <a:latin typeface="Courier" charset="0"/>
-                <a:ea typeface="Courier" charset="0"/>
-                <a:cs typeface="Courier" charset="0"/>
-              </a:rPr>
-              <a:t>   ...&gt;   </a:t>
-            </a:r>
-            <a:r>
-              <a:rPr lang="mr-IN" dirty="0" err="1">
-                <a:solidFill>
-                  <a:srgbClr val="FFFF00"/>
-                </a:solidFill>
-                <a:latin typeface="Courier" charset="0"/>
-                <a:ea typeface="Courier" charset="0"/>
-                <a:cs typeface="Courier" charset="0"/>
-              </a:rPr>
-              <a:t>email</a:t>
-            </a:r>
-            <a:r>
-              <a:rPr lang="mr-IN" dirty="0">
-                <a:solidFill>
-                  <a:srgbClr val="FFFF00"/>
-                </a:solidFill>
-                <a:latin typeface="Courier" charset="0"/>
-                <a:ea typeface="Courier" charset="0"/>
-                <a:cs typeface="Courier" charset="0"/>
-              </a:rPr>
-              <a:t> VARCHAR(128)</a:t>
-            </a:r>
-          </a:p>
-          <a:p>
-            <a:r>
-              <a:rPr lang="mr-IN" dirty="0">
-                <a:latin typeface="Courier" charset="0"/>
-                <a:ea typeface="Courier" charset="0"/>
-                <a:cs typeface="Courier" charset="0"/>
-              </a:rPr>
-              <a:t>   ...&gt; </a:t>
-            </a:r>
-            <a:r>
-              <a:rPr lang="mr-IN" dirty="0" smtClean="0">
-                <a:solidFill>
-                  <a:srgbClr val="FFFF00"/>
-                </a:solidFill>
-                <a:latin typeface="Courier" charset="0"/>
-                <a:ea typeface="Courier" charset="0"/>
-                <a:cs typeface="Courier" charset="0"/>
-              </a:rPr>
               <a:t>)</a:t>
             </a:r>
             <a:r>
-              <a:rPr lang="en-US" dirty="0" smtClean="0">
+              <a:rPr lang="en-US" dirty="0">
                 <a:solidFill>
                   <a:srgbClr val="FFFF00"/>
                 </a:solidFill>
@@ -14052,7 +13577,7 @@
           </a:p>
           <a:p>
             <a:r>
-              <a:rPr lang="en-US" dirty="0" err="1" smtClean="0">
+              <a:rPr lang="en-US" dirty="0" err="1">
                 <a:solidFill>
                   <a:schemeClr val="tx2"/>
                 </a:solidFill>
@@ -14143,10 +13668,12 @@
                 <a:ea typeface="Courier" charset="0"/>
                 <a:cs typeface="Courier" charset="0"/>
               </a:rPr>
-              <a:t>CREATE TABLE Users</a:t>
-            </a:r>
-            <a:r>
-              <a:rPr lang="en-US" dirty="0" smtClean="0">
+              <a:t>CREATE TABLE Users(</a:t>
+            </a:r>
+          </a:p>
+          <a:p>
+            <a:r>
+              <a:rPr lang="it-IT" dirty="0">
                 <a:solidFill>
                   <a:schemeClr val="tx2"/>
                 </a:solidFill>
@@ -14154,12 +13681,12 @@
                 <a:ea typeface="Courier" charset="0"/>
                 <a:cs typeface="Courier" charset="0"/>
               </a:rPr>
-              <a:t>(</a:t>
-            </a:r>
-          </a:p>
-          <a:p>
-            <a:r>
-              <a:rPr lang="it-IT" dirty="0" smtClean="0">
+              <a:t>  id INTEGER NOT NULL </a:t>
+            </a:r>
+          </a:p>
+          <a:p>
+            <a:r>
+              <a:rPr lang="it-IT" dirty="0">
                 <a:solidFill>
                   <a:schemeClr val="tx2"/>
                 </a:solidFill>
@@ -14167,53 +13694,7 @@
                 <a:ea typeface="Courier" charset="0"/>
                 <a:cs typeface="Courier" charset="0"/>
               </a:rPr>
-              <a:t>  id </a:t>
-            </a:r>
-            <a:r>
-              <a:rPr lang="it-IT" dirty="0">
-                <a:solidFill>
-                  <a:schemeClr val="tx2"/>
-                </a:solidFill>
-                <a:latin typeface="Courier" charset="0"/>
-                <a:ea typeface="Courier" charset="0"/>
-                <a:cs typeface="Courier" charset="0"/>
-              </a:rPr>
-              <a:t>INTEGER NOT NULL </a:t>
-            </a:r>
-          </a:p>
-          <a:p>
-            <a:r>
-              <a:rPr lang="it-IT" dirty="0" smtClean="0">
-                <a:solidFill>
-                  <a:schemeClr val="tx2"/>
-                </a:solidFill>
-                <a:latin typeface="Courier" charset="0"/>
-                <a:ea typeface="Courier" charset="0"/>
-                <a:cs typeface="Courier" charset="0"/>
-              </a:rPr>
-              <a:t>      PRIMARY </a:t>
-            </a:r>
-            <a:r>
-              <a:rPr lang="it-IT" dirty="0">
-                <a:solidFill>
-                  <a:schemeClr val="tx2"/>
-                </a:solidFill>
-                <a:latin typeface="Courier" charset="0"/>
-                <a:ea typeface="Courier" charset="0"/>
-                <a:cs typeface="Courier" charset="0"/>
-              </a:rPr>
-              <a:t>KEY AUTOINCREMENT</a:t>
-            </a:r>
-            <a:r>
-              <a:rPr lang="it-IT" dirty="0" smtClean="0">
-                <a:solidFill>
-                  <a:schemeClr val="tx2"/>
-                </a:solidFill>
-                <a:latin typeface="Courier" charset="0"/>
-                <a:ea typeface="Courier" charset="0"/>
-                <a:cs typeface="Courier" charset="0"/>
-              </a:rPr>
-              <a:t>,</a:t>
+              <a:t>      PRIMARY KEY AUTOINCREMENT,</a:t>
             </a:r>
             <a:endParaRPr lang="en-US" dirty="0">
               <a:solidFill>
@@ -14350,13 +13831,6 @@
   <p:clrMapOvr>
     <a:masterClrMapping/>
   </p:clrMapOvr>
-  <p:timing>
-    <p:tnLst>
-      <p:par>
-        <p:cTn id="1" dur="indefinite" restart="never" nodeType="tmRoot"/>
-      </p:par>
-    </p:tnLst>
-  </p:timing>
 </p:sld>
 </file>
 
@@ -15003,13 +14477,6 @@
   <p:clrMapOvr>
     <a:masterClrMapping/>
   </p:clrMapOvr>
-  <p:timing>
-    <p:tnLst>
-      <p:par>
-        <p:cTn id="1" dur="indefinite" restart="never" nodeType="tmRoot"/>
-      </p:par>
-    </p:tnLst>
-  </p:timing>
 </p:sld>
 </file>
 
@@ -15046,10 +14513,9 @@
           <a:lstStyle/>
           <a:p>
             <a:r>
-              <a:rPr lang="en-US" dirty="0" smtClean="0"/>
+              <a:rPr lang="en-US" dirty="0"/>
               <a:t>Object Relational Mapping (ORM)</a:t>
             </a:r>
-            <a:endParaRPr lang="en-US" dirty="0"/>
           </a:p>
         </p:txBody>
       </p:sp>
@@ -15074,22 +14540,21 @@
           <a:lstStyle/>
           <a:p>
             <a:r>
-              <a:rPr lang="en-US" dirty="0" smtClean="0"/>
+              <a:rPr lang="en-US" dirty="0"/>
               <a:t>Allows us to map tables to objects and columns</a:t>
             </a:r>
           </a:p>
           <a:p>
             <a:r>
-              <a:rPr lang="en-US" dirty="0" smtClean="0"/>
+              <a:rPr lang="en-US" dirty="0"/>
               <a:t>We use those objects to store and retrieve data from the database</a:t>
             </a:r>
           </a:p>
           <a:p>
             <a:r>
-              <a:rPr lang="en-US" dirty="0" smtClean="0"/>
+              <a:rPr lang="en-US" dirty="0"/>
               <a:t>Improved portability across database dialects (SQLite, MySQL, Postgres, Oracle)</a:t>
             </a:r>
-            <a:endParaRPr lang="en-US" dirty="0"/>
           </a:p>
         </p:txBody>
       </p:sp>
@@ -15129,10 +14594,9 @@
           <a:lstStyle/>
           <a:p>
             <a:r>
-              <a:rPr lang="en-US" sz="2400" smtClean="0"/>
+              <a:rPr lang="en-US" sz="2400"/>
               <a:t>Python</a:t>
             </a:r>
-            <a:endParaRPr lang="en-US" sz="2400"/>
           </a:p>
         </p:txBody>
       </p:sp>
@@ -15174,7 +14638,7 @@
           <a:p>
             <a:pPr algn="ctr"/>
             <a:r>
-              <a:rPr lang="en-US" sz="2400" dirty="0" smtClean="0"/>
+              <a:rPr lang="en-US" sz="2400" dirty="0"/>
               <a:t>Model library</a:t>
             </a:r>
           </a:p>
@@ -15185,7 +14649,7 @@
           <a:p>
             <a:pPr algn="ctr"/>
             <a:r>
-              <a:rPr lang="en-US" sz="2400" dirty="0" err="1" smtClean="0"/>
+              <a:rPr lang="en-US" sz="2400" dirty="0" err="1"/>
               <a:t>models.py</a:t>
             </a:r>
             <a:endParaRPr lang="en-US" sz="2400" dirty="0"/>
@@ -15229,10 +14693,9 @@
           <a:p>
             <a:pPr algn="ctr"/>
             <a:r>
-              <a:rPr lang="en-US" sz="2400" smtClean="0"/>
+              <a:rPr lang="en-US" sz="2400"/>
               <a:t>SQLite</a:t>
             </a:r>
-            <a:endParaRPr lang="en-US" sz="2400"/>
           </a:p>
         </p:txBody>
       </p:sp>
@@ -15273,10 +14736,9 @@
           <a:p>
             <a:pPr algn="ctr"/>
             <a:r>
-              <a:rPr lang="en-US" sz="2400" dirty="0" smtClean="0"/>
+              <a:rPr lang="en-US" sz="2400" dirty="0"/>
               <a:t>SQL</a:t>
             </a:r>
-            <a:endParaRPr lang="en-US" sz="2400" dirty="0"/>
           </a:p>
         </p:txBody>
       </p:sp>
@@ -15317,10 +14779,9 @@
           <a:p>
             <a:pPr algn="ctr"/>
             <a:r>
-              <a:rPr lang="en-US" sz="2400" smtClean="0"/>
+              <a:rPr lang="en-US" sz="2400"/>
               <a:t>Postgres</a:t>
             </a:r>
-            <a:endParaRPr lang="en-US" sz="2400"/>
           </a:p>
         </p:txBody>
       </p:sp>
@@ -15361,10 +14822,9 @@
           <a:p>
             <a:pPr algn="ctr"/>
             <a:r>
-              <a:rPr lang="en-US" sz="2400" dirty="0" smtClean="0"/>
+              <a:rPr lang="en-US" sz="2400" dirty="0"/>
               <a:t>MySQL</a:t>
             </a:r>
-            <a:endParaRPr lang="en-US" sz="2400" dirty="0"/>
           </a:p>
         </p:txBody>
       </p:sp>
@@ -15378,13 +14838,6 @@
   <p:clrMapOvr>
     <a:masterClrMapping/>
   </p:clrMapOvr>
-  <p:timing>
-    <p:tnLst>
-      <p:par>
-        <p:cTn id="1" dur="indefinite" restart="never" nodeType="tmRoot"/>
-      </p:par>
-    </p:tnLst>
-  </p:timing>
 </p:sld>
 </file>
 
@@ -15421,10 +14874,9 @@
           <a:lstStyle/>
           <a:p>
             <a:r>
-              <a:rPr lang="en-US" dirty="0" smtClean="0"/>
+              <a:rPr lang="en-US" dirty="0"/>
               <a:t>Defining a table</a:t>
             </a:r>
-            <a:endParaRPr lang="en-US" dirty="0"/>
           </a:p>
         </p:txBody>
       </p:sp>
@@ -15462,7 +14914,7 @@
               <a:buSzPct val="25000"/>
             </a:pPr>
             <a:r>
-              <a:rPr lang="en-US" sz="2133" b="1" dirty="0" smtClean="0">
+              <a:rPr lang="en-US" sz="2133" b="1" dirty="0">
                 <a:solidFill>
                   <a:srgbClr val="00FDFF"/>
                 </a:solidFill>
@@ -15481,7 +14933,7 @@
               </a:buClr>
               <a:buSzPct val="25000"/>
             </a:pPr>
-            <a:endParaRPr lang="en-US" sz="2133" b="1" dirty="0" smtClean="0">
+            <a:endParaRPr lang="en-US" sz="2133" b="1" dirty="0">
               <a:solidFill>
                 <a:srgbClr val="FF8000"/>
               </a:solidFill>
@@ -15499,7 +14951,7 @@
               <a:buSzPct val="25000"/>
             </a:pPr>
             <a:r>
-              <a:rPr lang="en" sz="2133" b="1" dirty="0" smtClean="0">
+              <a:rPr lang="en" sz="2133" b="1" dirty="0">
                 <a:solidFill>
                   <a:srgbClr val="FF8000"/>
                 </a:solidFill>
@@ -15508,19 +14960,7 @@
                 <a:cs typeface="Courier New"/>
                 <a:sym typeface="Courier New"/>
               </a:rPr>
-              <a:t>CREATE </a:t>
-            </a:r>
-            <a:r>
-              <a:rPr lang="en" sz="2133" b="1" dirty="0">
-                <a:solidFill>
-                  <a:srgbClr val="FF8000"/>
-                </a:solidFill>
-                <a:latin typeface="Courier New"/>
-                <a:ea typeface="Courier New"/>
-                <a:cs typeface="Courier New"/>
-                <a:sym typeface="Courier New"/>
-              </a:rPr>
-              <a:t>TABLE </a:t>
+              <a:t>CREATE TABLE </a:t>
             </a:r>
             <a:r>
               <a:rPr lang="en" sz="2133" b="1" dirty="0">
@@ -15643,7 +15083,7 @@
               <a:buSzPct val="25000"/>
             </a:pPr>
             <a:r>
-              <a:rPr lang="en" sz="2133" b="1" dirty="0" smtClean="0">
+              <a:rPr lang="en" sz="2133" b="1" dirty="0">
                 <a:solidFill>
                   <a:srgbClr val="FFFFFF"/>
                 </a:solidFill>
@@ -15655,7 +15095,7 @@
               <a:t>)</a:t>
             </a:r>
             <a:r>
-              <a:rPr lang="en-US" sz="2133" b="1" dirty="0" smtClean="0">
+              <a:rPr lang="en-US" sz="2133" b="1" dirty="0">
                 <a:solidFill>
                   <a:srgbClr val="FFFFFF"/>
                 </a:solidFill>
@@ -15728,7 +15168,7 @@
               <a:buSzPct val="25000"/>
             </a:pPr>
             <a:r>
-              <a:rPr lang="en-US" sz="2133" b="1" dirty="0" err="1" smtClean="0">
+              <a:rPr lang="en-US" sz="2133" b="1" dirty="0" err="1">
                 <a:solidFill>
                   <a:srgbClr val="00FDFF"/>
                 </a:solidFill>
@@ -15740,7 +15180,7 @@
               <a:t>models.py</a:t>
             </a:r>
             <a:r>
-              <a:rPr lang="en-US" sz="2133" b="1" dirty="0" smtClean="0">
+              <a:rPr lang="en-US" sz="2133" b="1" dirty="0">
                 <a:solidFill>
                   <a:srgbClr val="00FDFF"/>
                 </a:solidFill>
@@ -15759,7 +15199,7 @@
               </a:buClr>
               <a:buSzPct val="25000"/>
             </a:pPr>
-            <a:endParaRPr lang="en-US" sz="2133" b="1" dirty="0" smtClean="0">
+            <a:endParaRPr lang="en-US" sz="2133" b="1" dirty="0">
               <a:solidFill>
                 <a:srgbClr val="FF8000"/>
               </a:solidFill>
@@ -15777,7 +15217,7 @@
               <a:buSzPct val="25000"/>
             </a:pPr>
             <a:r>
-              <a:rPr lang="en" sz="2133" b="1" dirty="0" smtClean="0">
+              <a:rPr lang="en" sz="2133" b="1" dirty="0">
                 <a:solidFill>
                   <a:srgbClr val="FF8000"/>
                 </a:solidFill>
@@ -15810,21 +15250,9 @@
                 <a:cs typeface="Courier New"/>
                 <a:sym typeface="Courier New"/>
               </a:rPr>
-              <a:t> import </a:t>
-            </a:r>
-            <a:r>
-              <a:rPr lang="en" sz="2133" b="1" dirty="0" smtClean="0">
-                <a:solidFill>
-                  <a:srgbClr val="FF8000"/>
-                </a:solidFill>
-                <a:latin typeface="Courier New"/>
-                <a:ea typeface="Courier New"/>
-                <a:cs typeface="Courier New"/>
-                <a:sym typeface="Courier New"/>
-              </a:rPr>
-              <a:t>models</a:t>
-            </a:r>
-            <a:endParaRPr lang="en-US" sz="2133" b="1" dirty="0" smtClean="0">
+              <a:t> import models</a:t>
+            </a:r>
+            <a:endParaRPr lang="en-US" sz="2133" b="1" dirty="0">
               <a:solidFill>
                 <a:srgbClr val="FF8000"/>
               </a:solidFill>
@@ -15841,7 +15269,7 @@
               </a:buClr>
               <a:buSzPct val="25000"/>
             </a:pPr>
-            <a:endParaRPr lang="en-US" sz="2133" b="1" dirty="0" smtClean="0">
+            <a:endParaRPr lang="en-US" sz="2133" b="1" dirty="0">
               <a:solidFill>
                 <a:srgbClr val="FF8000"/>
               </a:solidFill>
@@ -15859,7 +15287,7 @@
               <a:buSzPct val="25000"/>
             </a:pPr>
             <a:r>
-              <a:rPr lang="en" sz="2133" b="1" dirty="0" smtClean="0">
+              <a:rPr lang="en" sz="2133" b="1" dirty="0">
                 <a:solidFill>
                   <a:srgbClr val="FF8000"/>
                 </a:solidFill>
@@ -15907,7 +15335,7 @@
               <a:t>models.Model</a:t>
             </a:r>
             <a:r>
-              <a:rPr lang="en" sz="2133" b="1" dirty="0" smtClean="0">
+              <a:rPr lang="en" sz="2133" b="1" dirty="0">
                 <a:solidFill>
                   <a:srgbClr val="FF8000"/>
                 </a:solidFill>
@@ -15918,7 +15346,7 @@
               </a:rPr>
               <a:t>):</a:t>
             </a:r>
-            <a:endParaRPr lang="en-US" sz="2133" b="1" dirty="0" smtClean="0">
+            <a:endParaRPr lang="en-US" sz="2133" b="1" dirty="0">
               <a:solidFill>
                 <a:srgbClr val="FF8000"/>
               </a:solidFill>
@@ -15936,7 +15364,7 @@
               <a:buSzPct val="25000"/>
             </a:pPr>
             <a:r>
-              <a:rPr lang="en" sz="2133" b="1" dirty="0" smtClean="0">
+              <a:rPr lang="en" sz="2133" b="1" dirty="0">
                 <a:solidFill>
                   <a:srgbClr val="FF8000"/>
                 </a:solidFill>
@@ -15969,7 +15397,7 @@
               <a:t> = </a:t>
             </a:r>
             <a:r>
-              <a:rPr lang="en" sz="2133" b="1" dirty="0" err="1" smtClean="0">
+              <a:rPr lang="en" sz="2133" b="1" dirty="0" err="1">
                 <a:solidFill>
                   <a:srgbClr val="FF8000"/>
                 </a:solidFill>
@@ -15981,7 +15409,7 @@
               <a:t>models.CharField</a:t>
             </a:r>
             <a:r>
-              <a:rPr lang="en" sz="2133" b="1" dirty="0" smtClean="0">
+              <a:rPr lang="en" sz="2133" b="1" dirty="0">
                 <a:solidFill>
                   <a:srgbClr val="FF8000"/>
                 </a:solidFill>
@@ -15993,7 +15421,7 @@
               <a:t>(</a:t>
             </a:r>
             <a:r>
-              <a:rPr lang="en" sz="2133" b="1" dirty="0" err="1" smtClean="0">
+              <a:rPr lang="en" sz="2133" b="1" dirty="0" err="1">
                 <a:solidFill>
                   <a:srgbClr val="FF8000"/>
                 </a:solidFill>
@@ -16005,7 +15433,7 @@
               <a:t>max_length</a:t>
             </a:r>
             <a:r>
-              <a:rPr lang="en" sz="2133" b="1" dirty="0" smtClean="0">
+              <a:rPr lang="en" sz="2133" b="1" dirty="0">
                 <a:solidFill>
                   <a:srgbClr val="FF8000"/>
                 </a:solidFill>
@@ -16017,7 +15445,7 @@
               <a:t>=</a:t>
             </a:r>
             <a:r>
-              <a:rPr lang="en" sz="2133" b="1" dirty="0" smtClean="0">
+              <a:rPr lang="en" sz="2133" b="1" dirty="0">
                 <a:latin typeface="Courier New"/>
                 <a:ea typeface="Courier New"/>
                 <a:cs typeface="Courier New"/>
@@ -16026,7 +15454,7 @@
               <a:t>128</a:t>
             </a:r>
             <a:r>
-              <a:rPr lang="en" sz="2133" b="1" dirty="0" smtClean="0">
+              <a:rPr lang="en" sz="2133" b="1" dirty="0">
                 <a:solidFill>
                   <a:srgbClr val="FF8000"/>
                 </a:solidFill>
@@ -16037,7 +15465,7 @@
               </a:rPr>
               <a:t>)</a:t>
             </a:r>
-            <a:endParaRPr lang="en-US" sz="2133" b="1" dirty="0" smtClean="0">
+            <a:endParaRPr lang="en-US" sz="2133" b="1" dirty="0">
               <a:solidFill>
                 <a:srgbClr val="FF8000"/>
               </a:solidFill>
@@ -16055,7 +15483,7 @@
               <a:buSzPct val="25000"/>
             </a:pPr>
             <a:r>
-              <a:rPr lang="en" sz="2133" b="1" dirty="0" smtClean="0">
+              <a:rPr lang="en" sz="2133" b="1" dirty="0">
                 <a:solidFill>
                   <a:srgbClr val="FF8000"/>
                 </a:solidFill>
@@ -16214,13 +15642,6 @@
   <p:clrMapOvr>
     <a:masterClrMapping/>
   </p:clrMapOvr>
-  <p:timing>
-    <p:tnLst>
-      <p:par>
-        <p:cTn id="1" dur="indefinite" restart="never" nodeType="tmRoot"/>
-      </p:par>
-    </p:tnLst>
-  </p:timing>
 </p:sld>
 </file>
 
@@ -16316,20 +15737,9 @@
                 <a:ea typeface="Courier" charset="0"/>
                 <a:cs typeface="Courier" charset="0"/>
               </a:rPr>
-              <a:t>cd ~/</a:t>
-            </a:r>
-            <a:r>
-              <a:rPr lang="en-US" dirty="0" smtClean="0">
-                <a:solidFill>
-                  <a:srgbClr val="FFFF00"/>
-                </a:solidFill>
-                <a:latin typeface="Courier" charset="0"/>
-                <a:ea typeface="Courier" charset="0"/>
-                <a:cs typeface="Courier" charset="0"/>
-              </a:rPr>
-              <a:t>dj4e-samples</a:t>
-            </a:r>
-            <a:endParaRPr lang="en-US" dirty="0" smtClean="0">
+              <a:t>cd ~/dj4e-samples</a:t>
+            </a:r>
+            <a:endParaRPr lang="en-US" dirty="0">
               <a:latin typeface="Courier" charset="0"/>
               <a:ea typeface="Courier" charset="0"/>
               <a:cs typeface="Courier" charset="0"/>
@@ -16337,7 +15747,7 @@
           </a:p>
           <a:p>
             <a:r>
-              <a:rPr lang="en-US" dirty="0" smtClean="0">
+              <a:rPr lang="en-US" dirty="0">
                 <a:latin typeface="Courier" charset="0"/>
                 <a:ea typeface="Courier" charset="0"/>
                 <a:cs typeface="Courier" charset="0"/>
@@ -16399,29 +15809,35 @@
           </a:p>
           <a:p>
             <a:r>
-              <a:rPr lang="en-US" dirty="0" smtClean="0">
-                <a:latin typeface="Courier" charset="0"/>
-                <a:ea typeface="Courier" charset="0"/>
-                <a:cs typeface="Courier" charset="0"/>
-              </a:rPr>
-              <a:t>Migrations </a:t>
-            </a:r>
-            <a:r>
               <a:rPr lang="en-US" dirty="0">
                 <a:latin typeface="Courier" charset="0"/>
                 <a:ea typeface="Courier" charset="0"/>
                 <a:cs typeface="Courier" charset="0"/>
               </a:rPr>
-              <a:t>for </a:t>
-            </a:r>
-            <a:r>
-              <a:rPr lang="en-US" dirty="0" smtClean="0">
-                <a:latin typeface="Courier" charset="0"/>
-                <a:ea typeface="Courier" charset="0"/>
-                <a:cs typeface="Courier" charset="0"/>
-              </a:rPr>
-              <a:t>'users':</a:t>
-            </a:r>
+              <a:t>Migrations for 'users':</a:t>
+            </a:r>
+          </a:p>
+          <a:p>
+            <a:r>
+              <a:rPr lang="en-US" dirty="0">
+                <a:latin typeface="Courier" charset="0"/>
+                <a:ea typeface="Courier" charset="0"/>
+                <a:cs typeface="Courier" charset="0"/>
+              </a:rPr>
+              <a:t>users/migrations/0001_initial.py</a:t>
+            </a:r>
+          </a:p>
+          <a:p>
+            <a:r>
+              <a:rPr lang="en-US" dirty="0">
+                <a:latin typeface="Courier" charset="0"/>
+                <a:ea typeface="Courier" charset="0"/>
+                <a:cs typeface="Courier" charset="0"/>
+              </a:rPr>
+              <a:t>    - Create model User</a:t>
+            </a:r>
+          </a:p>
+          <a:p>
             <a:endParaRPr lang="en-US" dirty="0">
               <a:latin typeface="Courier" charset="0"/>
               <a:ea typeface="Courier" charset="0"/>
@@ -16430,68 +15846,34 @@
           </a:p>
           <a:p>
             <a:r>
-              <a:rPr lang="en-US" dirty="0" smtClean="0">
-                <a:latin typeface="Courier" charset="0"/>
-                <a:ea typeface="Courier" charset="0"/>
-                <a:cs typeface="Courier" charset="0"/>
-              </a:rPr>
-              <a:t>users/migrations/0001_initial.py</a:t>
-            </a:r>
-            <a:endParaRPr lang="en-US" dirty="0">
-              <a:latin typeface="Courier" charset="0"/>
-              <a:ea typeface="Courier" charset="0"/>
-              <a:cs typeface="Courier" charset="0"/>
-            </a:endParaRPr>
-          </a:p>
-          <a:p>
-            <a:r>
               <a:rPr lang="en-US" dirty="0">
                 <a:latin typeface="Courier" charset="0"/>
                 <a:ea typeface="Courier" charset="0"/>
                 <a:cs typeface="Courier" charset="0"/>
               </a:rPr>
-              <a:t>   </a:t>
-            </a:r>
-            <a:r>
-              <a:rPr lang="en-US" dirty="0" smtClean="0">
-                <a:latin typeface="Courier" charset="0"/>
-                <a:ea typeface="Courier" charset="0"/>
-                <a:cs typeface="Courier" charset="0"/>
-              </a:rPr>
-              <a:t> </a:t>
+              <a:t>$ </a:t>
             </a:r>
             <a:r>
               <a:rPr lang="en-US" dirty="0">
-                <a:latin typeface="Courier" charset="0"/>
-                <a:ea typeface="Courier" charset="0"/>
-                <a:cs typeface="Courier" charset="0"/>
-              </a:rPr>
-              <a:t>- Create model </a:t>
-            </a:r>
-            <a:r>
-              <a:rPr lang="en-US" dirty="0" smtClean="0">
-                <a:latin typeface="Courier" charset="0"/>
-                <a:ea typeface="Courier" charset="0"/>
-                <a:cs typeface="Courier" charset="0"/>
-              </a:rPr>
-              <a:t>User</a:t>
-            </a:r>
-          </a:p>
-          <a:p>
-            <a:endParaRPr lang="en-US" dirty="0">
-              <a:latin typeface="Courier" charset="0"/>
-              <a:ea typeface="Courier" charset="0"/>
-              <a:cs typeface="Courier" charset="0"/>
-            </a:endParaRPr>
-          </a:p>
-          <a:p>
-            <a:r>
-              <a:rPr lang="en-US" dirty="0" smtClean="0">
-                <a:latin typeface="Courier" charset="0"/>
-                <a:ea typeface="Courier" charset="0"/>
-                <a:cs typeface="Courier" charset="0"/>
-              </a:rPr>
-              <a:t>$ </a:t>
+                <a:solidFill>
+                  <a:srgbClr val="FFFF00"/>
+                </a:solidFill>
+                <a:latin typeface="Courier" charset="0"/>
+                <a:ea typeface="Courier" charset="0"/>
+                <a:cs typeface="Courier" charset="0"/>
+              </a:rPr>
+              <a:t>python3 </a:t>
+            </a:r>
+            <a:r>
+              <a:rPr lang="en-US" dirty="0" err="1">
+                <a:solidFill>
+                  <a:srgbClr val="FFFF00"/>
+                </a:solidFill>
+                <a:latin typeface="Courier" charset="0"/>
+                <a:ea typeface="Courier" charset="0"/>
+                <a:cs typeface="Courier" charset="0"/>
+              </a:rPr>
+              <a:t>manage.py</a:t>
             </a:r>
             <a:r>
               <a:rPr lang="en-US" dirty="0">
@@ -16502,130 +15884,58 @@
                 <a:ea typeface="Courier" charset="0"/>
                 <a:cs typeface="Courier" charset="0"/>
               </a:rPr>
-              <a:t>python3 </a:t>
-            </a:r>
-            <a:r>
-              <a:rPr lang="en-US" dirty="0" err="1">
-                <a:solidFill>
-                  <a:srgbClr val="FFFF00"/>
-                </a:solidFill>
-                <a:latin typeface="Courier" charset="0"/>
-                <a:ea typeface="Courier" charset="0"/>
-                <a:cs typeface="Courier" charset="0"/>
-              </a:rPr>
-              <a:t>manage.py</a:t>
-            </a:r>
+              <a:t> migrate</a:t>
+            </a:r>
+          </a:p>
+          <a:p>
             <a:r>
               <a:rPr lang="en-US" dirty="0">
-                <a:solidFill>
-                  <a:srgbClr val="FFFF00"/>
-                </a:solidFill>
-                <a:latin typeface="Courier" charset="0"/>
-                <a:ea typeface="Courier" charset="0"/>
-                <a:cs typeface="Courier" charset="0"/>
-              </a:rPr>
-              <a:t> migrate</a:t>
-            </a:r>
-          </a:p>
-          <a:p>
-            <a:r>
-              <a:rPr lang="en-US" dirty="0" smtClean="0">
-                <a:latin typeface="Courier" charset="0"/>
-                <a:ea typeface="Courier" charset="0"/>
-                <a:cs typeface="Courier" charset="0"/>
-              </a:rPr>
-              <a:t>Running </a:t>
-            </a:r>
+                <a:latin typeface="Courier" charset="0"/>
+                <a:ea typeface="Courier" charset="0"/>
+                <a:cs typeface="Courier" charset="0"/>
+              </a:rPr>
+              <a:t>Running migrations:</a:t>
+            </a:r>
+          </a:p>
+          <a:p>
             <a:r>
               <a:rPr lang="en-US" dirty="0">
                 <a:latin typeface="Courier" charset="0"/>
                 <a:ea typeface="Courier" charset="0"/>
                 <a:cs typeface="Courier" charset="0"/>
               </a:rPr>
-              <a:t>migrations:</a:t>
-            </a:r>
-          </a:p>
-          <a:p>
-            <a:r>
-              <a:rPr lang="en-US" dirty="0" smtClean="0">
-                <a:latin typeface="Courier" charset="0"/>
-                <a:ea typeface="Courier" charset="0"/>
-                <a:cs typeface="Courier" charset="0"/>
-              </a:rPr>
-              <a:t>Applying </a:t>
-            </a:r>
+              <a:t>Applying contenttypes.0001_initial... OK</a:t>
+            </a:r>
+          </a:p>
+          <a:p>
             <a:r>
               <a:rPr lang="en-US" dirty="0">
                 <a:latin typeface="Courier" charset="0"/>
                 <a:ea typeface="Courier" charset="0"/>
                 <a:cs typeface="Courier" charset="0"/>
               </a:rPr>
-              <a:t>contenttypes.0001_initial... OK</a:t>
-            </a:r>
-          </a:p>
-          <a:p>
-            <a:r>
-              <a:rPr lang="en-US" dirty="0" smtClean="0">
-                <a:latin typeface="Courier" charset="0"/>
-                <a:ea typeface="Courier" charset="0"/>
-                <a:cs typeface="Courier" charset="0"/>
-              </a:rPr>
               <a:t>...</a:t>
             </a:r>
-            <a:endParaRPr lang="en-US" dirty="0">
-              <a:latin typeface="Courier" charset="0"/>
-              <a:ea typeface="Courier" charset="0"/>
-              <a:cs typeface="Courier" charset="0"/>
-            </a:endParaRPr>
-          </a:p>
-          <a:p>
-            <a:r>
-              <a:rPr lang="en-US" dirty="0" smtClean="0">
-                <a:latin typeface="Courier" charset="0"/>
-                <a:ea typeface="Courier" charset="0"/>
-                <a:cs typeface="Courier" charset="0"/>
-              </a:rPr>
-              <a:t>Applying </a:t>
-            </a:r>
+          </a:p>
+          <a:p>
             <a:r>
               <a:rPr lang="en-US" dirty="0">
                 <a:latin typeface="Courier" charset="0"/>
                 <a:ea typeface="Courier" charset="0"/>
                 <a:cs typeface="Courier" charset="0"/>
               </a:rPr>
-              <a:t>sessions.0001_initial... OK</a:t>
-            </a:r>
-          </a:p>
-          <a:p>
-            <a:r>
-              <a:rPr lang="en-US" dirty="0" smtClean="0">
-                <a:latin typeface="Courier" charset="0"/>
-                <a:ea typeface="Courier" charset="0"/>
-                <a:cs typeface="Courier" charset="0"/>
-              </a:rPr>
-              <a:t>Applying users.0001_initial</a:t>
-            </a:r>
+              <a:t>Applying sessions.0001_initial... OK</a:t>
+            </a:r>
+          </a:p>
+          <a:p>
             <a:r>
               <a:rPr lang="en-US" dirty="0">
                 <a:latin typeface="Courier" charset="0"/>
                 <a:ea typeface="Courier" charset="0"/>
                 <a:cs typeface="Courier" charset="0"/>
               </a:rPr>
-              <a:t>... </a:t>
-            </a:r>
-            <a:r>
-              <a:rPr lang="en-US" dirty="0" smtClean="0">
-                <a:latin typeface="Courier" charset="0"/>
-                <a:ea typeface="Courier" charset="0"/>
-                <a:cs typeface="Courier" charset="0"/>
-              </a:rPr>
-              <a:t>OK</a:t>
-            </a:r>
-            <a:endParaRPr lang="en-US" dirty="0">
-              <a:latin typeface="Courier" charset="0"/>
-              <a:ea typeface="Courier" charset="0"/>
-              <a:cs typeface="Courier" charset="0"/>
-            </a:endParaRPr>
+              <a:t>Applying users.0001_initial... OK</a:t>
+            </a:r>
           </a:p>
         </p:txBody>
       </p:sp>
@@ -16661,7 +15971,7 @@
               <a:buSzPct val="25000"/>
             </a:pPr>
             <a:r>
-              <a:rPr lang="en-US" sz="2133" b="1" dirty="0" err="1" smtClean="0">
+              <a:rPr lang="en-US" sz="2133" b="1" dirty="0" err="1">
                 <a:solidFill>
                   <a:srgbClr val="00FDFF"/>
                 </a:solidFill>
@@ -16673,7 +15983,7 @@
               <a:t>models.py</a:t>
             </a:r>
             <a:r>
-              <a:rPr lang="en-US" sz="2133" b="1" dirty="0" smtClean="0">
+              <a:rPr lang="en-US" sz="2133" b="1" dirty="0">
                 <a:solidFill>
                   <a:srgbClr val="00FDFF"/>
                 </a:solidFill>
@@ -16692,7 +16002,7 @@
               </a:buClr>
               <a:buSzPct val="25000"/>
             </a:pPr>
-            <a:endParaRPr lang="en-US" sz="2133" b="1" dirty="0" smtClean="0">
+            <a:endParaRPr lang="en-US" sz="2133" b="1" dirty="0">
               <a:solidFill>
                 <a:srgbClr val="FF8000"/>
               </a:solidFill>
@@ -16710,7 +16020,7 @@
               <a:buSzPct val="25000"/>
             </a:pPr>
             <a:r>
-              <a:rPr lang="en" sz="2133" b="1" dirty="0" smtClean="0">
+              <a:rPr lang="en" sz="2133" b="1" dirty="0">
                 <a:solidFill>
                   <a:srgbClr val="FF8000"/>
                 </a:solidFill>
@@ -16743,21 +16053,9 @@
                 <a:cs typeface="Courier New"/>
                 <a:sym typeface="Courier New"/>
               </a:rPr>
-              <a:t> import </a:t>
-            </a:r>
-            <a:r>
-              <a:rPr lang="en" sz="2133" b="1" dirty="0" smtClean="0">
-                <a:solidFill>
-                  <a:srgbClr val="FF8000"/>
-                </a:solidFill>
-                <a:latin typeface="Courier New"/>
-                <a:ea typeface="Courier New"/>
-                <a:cs typeface="Courier New"/>
-                <a:sym typeface="Courier New"/>
-              </a:rPr>
-              <a:t>models</a:t>
-            </a:r>
-            <a:endParaRPr lang="en-US" sz="2133" b="1" dirty="0" smtClean="0">
+              <a:t> import models</a:t>
+            </a:r>
+            <a:endParaRPr lang="en-US" sz="2133" b="1" dirty="0">
               <a:solidFill>
                 <a:srgbClr val="FF8000"/>
               </a:solidFill>
@@ -16774,7 +16072,7 @@
               </a:buClr>
               <a:buSzPct val="25000"/>
             </a:pPr>
-            <a:endParaRPr lang="en-US" sz="2133" b="1" dirty="0" smtClean="0">
+            <a:endParaRPr lang="en-US" sz="2133" b="1" dirty="0">
               <a:solidFill>
                 <a:srgbClr val="FF8000"/>
               </a:solidFill>
@@ -16792,7 +16090,7 @@
               <a:buSzPct val="25000"/>
             </a:pPr>
             <a:r>
-              <a:rPr lang="en" sz="2133" b="1" dirty="0" smtClean="0">
+              <a:rPr lang="en" sz="2133" b="1" dirty="0">
                 <a:solidFill>
                   <a:srgbClr val="FF8000"/>
                 </a:solidFill>
@@ -16840,7 +16138,7 @@
               <a:t>models.Model</a:t>
             </a:r>
             <a:r>
-              <a:rPr lang="en" sz="2133" b="1" dirty="0" smtClean="0">
+              <a:rPr lang="en" sz="2133" b="1" dirty="0">
                 <a:solidFill>
                   <a:srgbClr val="FF8000"/>
                 </a:solidFill>
@@ -16851,7 +16149,7 @@
               </a:rPr>
               <a:t>):</a:t>
             </a:r>
-            <a:endParaRPr lang="en-US" sz="2133" b="1" dirty="0" smtClean="0">
+            <a:endParaRPr lang="en-US" sz="2133" b="1" dirty="0">
               <a:solidFill>
                 <a:srgbClr val="FF8000"/>
               </a:solidFill>
@@ -16869,7 +16167,7 @@
               <a:buSzPct val="25000"/>
             </a:pPr>
             <a:r>
-              <a:rPr lang="en" sz="2133" b="1" dirty="0" smtClean="0">
+              <a:rPr lang="en" sz="2133" b="1" dirty="0">
                 <a:solidFill>
                   <a:srgbClr val="FF8000"/>
                 </a:solidFill>
@@ -16902,7 +16200,7 @@
               <a:t> = </a:t>
             </a:r>
             <a:r>
-              <a:rPr lang="en" sz="2133" b="1" dirty="0" err="1" smtClean="0">
+              <a:rPr lang="en" sz="2133" b="1" dirty="0" err="1">
                 <a:solidFill>
                   <a:srgbClr val="FF8000"/>
                 </a:solidFill>
@@ -16914,7 +16212,7 @@
               <a:t>models.CharField</a:t>
             </a:r>
             <a:r>
-              <a:rPr lang="en" sz="2133" b="1" dirty="0" smtClean="0">
+              <a:rPr lang="en" sz="2133" b="1" dirty="0">
                 <a:solidFill>
                   <a:srgbClr val="FF8000"/>
                 </a:solidFill>
@@ -16926,7 +16224,7 @@
               <a:t>(</a:t>
             </a:r>
             <a:r>
-              <a:rPr lang="en" sz="2133" b="1" dirty="0" err="1" smtClean="0">
+              <a:rPr lang="en" sz="2133" b="1" dirty="0" err="1">
                 <a:solidFill>
                   <a:srgbClr val="FF8000"/>
                 </a:solidFill>
@@ -16938,7 +16236,7 @@
               <a:t>max_length</a:t>
             </a:r>
             <a:r>
-              <a:rPr lang="en" sz="2133" b="1" dirty="0" smtClean="0">
+              <a:rPr lang="en" sz="2133" b="1" dirty="0">
                 <a:solidFill>
                   <a:srgbClr val="FF8000"/>
                 </a:solidFill>
@@ -16950,7 +16248,7 @@
               <a:t>=</a:t>
             </a:r>
             <a:r>
-              <a:rPr lang="en" sz="2133" b="1" dirty="0" smtClean="0">
+              <a:rPr lang="en" sz="2133" b="1" dirty="0">
                 <a:latin typeface="Courier New"/>
                 <a:ea typeface="Courier New"/>
                 <a:cs typeface="Courier New"/>
@@ -16959,7 +16257,7 @@
               <a:t>128</a:t>
             </a:r>
             <a:r>
-              <a:rPr lang="en" sz="2133" b="1" dirty="0" smtClean="0">
+              <a:rPr lang="en" sz="2133" b="1" dirty="0">
                 <a:solidFill>
                   <a:srgbClr val="FF8000"/>
                 </a:solidFill>
@@ -16970,7 +16268,7 @@
               </a:rPr>
               <a:t>)</a:t>
             </a:r>
-            <a:endParaRPr lang="en-US" sz="2133" b="1" dirty="0" smtClean="0">
+            <a:endParaRPr lang="en-US" sz="2133" b="1" dirty="0">
               <a:solidFill>
                 <a:srgbClr val="FF8000"/>
               </a:solidFill>
@@ -16988,7 +16286,7 @@
               <a:buSzPct val="25000"/>
             </a:pPr>
             <a:r>
-              <a:rPr lang="en" sz="2133" b="1" dirty="0" smtClean="0">
+              <a:rPr lang="en" sz="2133" b="1" dirty="0">
                 <a:solidFill>
                   <a:srgbClr val="FF8000"/>
                 </a:solidFill>
@@ -17122,11 +16420,11 @@
           <a:lstStyle/>
           <a:p>
             <a:r>
-              <a:rPr lang="en-US" dirty="0" smtClean="0"/>
+              <a:rPr lang="en-US" dirty="0"/>
               <a:t>Creating </a:t>
             </a:r>
             <a:r>
-              <a:rPr lang="en-US" smtClean="0"/>
+              <a:rPr lang="en-US"/>
               <a:t>the Table from the Model</a:t>
             </a:r>
             <a:endParaRPr lang="en-US" dirty="0"/>
@@ -17143,13 +16441,6 @@
   <p:clrMapOvr>
     <a:masterClrMapping/>
   </p:clrMapOvr>
-  <p:timing>
-    <p:tnLst>
-      <p:par>
-        <p:cTn id="1" dur="indefinite" restart="never" nodeType="tmRoot"/>
-      </p:par>
-    </p:tnLst>
-  </p:timing>
 </p:sld>
 </file>
 
@@ -17229,7 +16520,7 @@
           <a:lstStyle/>
           <a:p>
             <a:r>
-              <a:rPr lang="en-US" dirty="0" smtClean="0">
+              <a:rPr lang="en-US" dirty="0">
                 <a:latin typeface="Courier" charset="0"/>
                 <a:ea typeface="Courier" charset="0"/>
                 <a:cs typeface="Courier" charset="0"/>
@@ -17237,7 +16528,7 @@
               <a:t>    $ </a:t>
             </a:r>
             <a:r>
-              <a:rPr lang="en-US" dirty="0" smtClean="0">
+              <a:rPr lang="en-US" dirty="0">
                 <a:solidFill>
                   <a:srgbClr val="FFFF00"/>
                 </a:solidFill>
@@ -17246,123 +16537,6 @@
                 <a:cs typeface="Courier" charset="0"/>
               </a:rPr>
               <a:t>cd ~/dj4e-samples</a:t>
-            </a:r>
-            <a:endParaRPr lang="en-US" dirty="0" smtClean="0">
-              <a:latin typeface="Courier" charset="0"/>
-              <a:ea typeface="Courier" charset="0"/>
-              <a:cs typeface="Courier" charset="0"/>
-            </a:endParaRPr>
-          </a:p>
-          <a:p>
-            <a:r>
-              <a:rPr lang="en-US" dirty="0">
-                <a:latin typeface="Courier" charset="0"/>
-                <a:ea typeface="Courier" charset="0"/>
-                <a:cs typeface="Courier" charset="0"/>
-              </a:rPr>
-              <a:t>    $ </a:t>
-            </a:r>
-            <a:r>
-              <a:rPr lang="en-US" dirty="0">
-                <a:solidFill>
-                  <a:srgbClr val="FFFF00"/>
-                </a:solidFill>
-                <a:latin typeface="Courier" charset="0"/>
-                <a:ea typeface="Courier" charset="0"/>
-                <a:cs typeface="Courier" charset="0"/>
-              </a:rPr>
-              <a:t>sqlite3 db.sqlite3</a:t>
-            </a:r>
-          </a:p>
-          <a:p>
-            <a:r>
-              <a:rPr lang="en-US" dirty="0">
-                <a:latin typeface="Courier" charset="0"/>
-                <a:ea typeface="Courier" charset="0"/>
-                <a:cs typeface="Courier" charset="0"/>
-              </a:rPr>
-              <a:t>    SQLite version 3.24.0 2018-06-04 14:10:15</a:t>
-            </a:r>
-          </a:p>
-          <a:p>
-            <a:r>
-              <a:rPr lang="en-US" dirty="0">
-                <a:latin typeface="Courier" charset="0"/>
-                <a:ea typeface="Courier" charset="0"/>
-                <a:cs typeface="Courier" charset="0"/>
-              </a:rPr>
-              <a:t>    Enter ".help" for usage hints.</a:t>
-            </a:r>
-          </a:p>
-          <a:p>
-            <a:r>
-              <a:rPr lang="en-US" dirty="0">
-                <a:latin typeface="Courier" charset="0"/>
-                <a:ea typeface="Courier" charset="0"/>
-                <a:cs typeface="Courier" charset="0"/>
-              </a:rPr>
-              <a:t>    </a:t>
-            </a:r>
-            <a:r>
-              <a:rPr lang="en-US" dirty="0" err="1">
-                <a:latin typeface="Courier" charset="0"/>
-                <a:ea typeface="Courier" charset="0"/>
-                <a:cs typeface="Courier" charset="0"/>
-              </a:rPr>
-              <a:t>sqlite</a:t>
-            </a:r>
-            <a:r>
-              <a:rPr lang="en-US" dirty="0">
-                <a:latin typeface="Courier" charset="0"/>
-                <a:ea typeface="Courier" charset="0"/>
-                <a:cs typeface="Courier" charset="0"/>
-              </a:rPr>
-              <a:t>&gt; </a:t>
-            </a:r>
-            <a:r>
-              <a:rPr lang="en-US" dirty="0">
-                <a:solidFill>
-                  <a:srgbClr val="FFFF00"/>
-                </a:solidFill>
-                <a:latin typeface="Courier" charset="0"/>
-                <a:ea typeface="Courier" charset="0"/>
-                <a:cs typeface="Courier" charset="0"/>
-              </a:rPr>
-              <a:t>.tables</a:t>
-            </a:r>
-          </a:p>
-          <a:p>
-            <a:r>
-              <a:rPr lang="en-US" dirty="0">
-                <a:latin typeface="Courier" charset="0"/>
-                <a:ea typeface="Courier" charset="0"/>
-                <a:cs typeface="Courier" charset="0"/>
-              </a:rPr>
-              <a:t>    </a:t>
-            </a:r>
-            <a:r>
-              <a:rPr lang="en-US" dirty="0" err="1">
-                <a:latin typeface="Courier" charset="0"/>
-                <a:ea typeface="Courier" charset="0"/>
-                <a:cs typeface="Courier" charset="0"/>
-              </a:rPr>
-              <a:t>auth_group</a:t>
-            </a:r>
-            <a:r>
-              <a:rPr lang="en-US" dirty="0">
-                <a:latin typeface="Courier" charset="0"/>
-                <a:ea typeface="Courier" charset="0"/>
-                <a:cs typeface="Courier" charset="0"/>
-              </a:rPr>
-              <a:t>                  </a:t>
-            </a:r>
-            <a:r>
-              <a:rPr lang="en-US" dirty="0" err="1">
-                <a:latin typeface="Courier" charset="0"/>
-                <a:ea typeface="Courier" charset="0"/>
-                <a:cs typeface="Courier" charset="0"/>
-              </a:rPr>
-              <a:t>django_admin_log</a:t>
             </a:r>
             <a:endParaRPr lang="en-US" dirty="0">
               <a:latin typeface="Courier" charset="0"/>
@@ -17377,35 +16551,84 @@
                 <a:ea typeface="Courier" charset="0"/>
                 <a:cs typeface="Courier" charset="0"/>
               </a:rPr>
+              <a:t>    $ </a:t>
+            </a:r>
+            <a:r>
+              <a:rPr lang="en-US" dirty="0">
+                <a:solidFill>
+                  <a:srgbClr val="FFFF00"/>
+                </a:solidFill>
+                <a:latin typeface="Courier" charset="0"/>
+                <a:ea typeface="Courier" charset="0"/>
+                <a:cs typeface="Courier" charset="0"/>
+              </a:rPr>
+              <a:t>sqlite3 db.sqlite3</a:t>
+            </a:r>
+          </a:p>
+          <a:p>
+            <a:r>
+              <a:rPr lang="en-US" dirty="0">
+                <a:latin typeface="Courier" charset="0"/>
+                <a:ea typeface="Courier" charset="0"/>
+                <a:cs typeface="Courier" charset="0"/>
+              </a:rPr>
+              <a:t>    SQLite version 3.24.0 2018-06-04 14:10:15</a:t>
+            </a:r>
+          </a:p>
+          <a:p>
+            <a:r>
+              <a:rPr lang="en-US" dirty="0">
+                <a:latin typeface="Courier" charset="0"/>
+                <a:ea typeface="Courier" charset="0"/>
+                <a:cs typeface="Courier" charset="0"/>
+              </a:rPr>
+              <a:t>    Enter ".help" for usage hints.</a:t>
+            </a:r>
+          </a:p>
+          <a:p>
+            <a:r>
+              <a:rPr lang="en-US" dirty="0">
+                <a:latin typeface="Courier" charset="0"/>
+                <a:ea typeface="Courier" charset="0"/>
+                <a:cs typeface="Courier" charset="0"/>
+              </a:rPr>
               <a:t>    </a:t>
             </a:r>
             <a:r>
-              <a:rPr lang="en-US" dirty="0" smtClean="0">
-                <a:solidFill>
-                  <a:srgbClr val="FF40FF"/>
-                </a:solidFill>
-                <a:latin typeface="Courier" charset="0"/>
-                <a:ea typeface="Courier" charset="0"/>
-                <a:cs typeface="Courier" charset="0"/>
-              </a:rPr>
-              <a:t>[ ..snip ..]</a:t>
-            </a:r>
-            <a:endParaRPr lang="en-US" dirty="0">
-              <a:solidFill>
-                <a:srgbClr val="FF40FF"/>
-              </a:solidFill>
-              <a:latin typeface="Courier" charset="0"/>
-              <a:ea typeface="Courier" charset="0"/>
-              <a:cs typeface="Courier" charset="0"/>
-            </a:endParaRPr>
-          </a:p>
-          <a:p>
+              <a:rPr lang="en-US" dirty="0" err="1">
+                <a:latin typeface="Courier" charset="0"/>
+                <a:ea typeface="Courier" charset="0"/>
+                <a:cs typeface="Courier" charset="0"/>
+              </a:rPr>
+              <a:t>sqlite</a:t>
+            </a:r>
             <a:r>
               <a:rPr lang="en-US" dirty="0">
                 <a:latin typeface="Courier" charset="0"/>
                 <a:ea typeface="Courier" charset="0"/>
                 <a:cs typeface="Courier" charset="0"/>
               </a:rPr>
+              <a:t>&gt; </a:t>
+            </a:r>
+            <a:r>
+              <a:rPr lang="en-US" dirty="0">
+                <a:solidFill>
+                  <a:srgbClr val="FFFF00"/>
+                </a:solidFill>
+                <a:latin typeface="Courier" charset="0"/>
+                <a:ea typeface="Courier" charset="0"/>
+                <a:cs typeface="Courier" charset="0"/>
+              </a:rPr>
+              <a:t>.tables</a:t>
+            </a:r>
+          </a:p>
+          <a:p>
+            <a:r>
+              <a:rPr lang="en-US" dirty="0">
+                <a:latin typeface="Courier" charset="0"/>
+                <a:ea typeface="Courier" charset="0"/>
+                <a:cs typeface="Courier" charset="0"/>
+              </a:rPr>
               <a:t>    </a:t>
             </a:r>
             <a:r>
@@ -17414,7 +16637,7 @@
                 <a:ea typeface="Courier" charset="0"/>
                 <a:cs typeface="Courier" charset="0"/>
               </a:rPr>
-              <a:t>auth_user</a:t>
+              <a:t>auth_group</a:t>
             </a:r>
             <a:r>
               <a:rPr lang="en-US" dirty="0">
@@ -17422,7 +16645,7 @@
                 <a:ea typeface="Courier" charset="0"/>
                 <a:cs typeface="Courier" charset="0"/>
               </a:rPr>
-              <a:t>                   </a:t>
+              <a:t>                  </a:t>
             </a:r>
             <a:r>
               <a:rPr lang="en-US" dirty="0" err="1">
@@ -17430,7 +16653,7 @@
                 <a:ea typeface="Courier" charset="0"/>
                 <a:cs typeface="Courier" charset="0"/>
               </a:rPr>
-              <a:t>django_session</a:t>
+              <a:t>django_admin_log</a:t>
             </a:r>
             <a:endParaRPr lang="en-US" dirty="0">
               <a:latin typeface="Courier" charset="0"/>
@@ -17448,11 +16671,71 @@
               <a:t>    </a:t>
             </a:r>
             <a:r>
+              <a:rPr lang="en-US" dirty="0">
+                <a:solidFill>
+                  <a:srgbClr val="FF40FF"/>
+                </a:solidFill>
+                <a:latin typeface="Courier" charset="0"/>
+                <a:ea typeface="Courier" charset="0"/>
+                <a:cs typeface="Courier" charset="0"/>
+              </a:rPr>
+              <a:t>[ ..snip ..]</a:t>
+            </a:r>
+          </a:p>
+          <a:p>
+            <a:r>
+              <a:rPr lang="en-US" dirty="0">
+                <a:latin typeface="Courier" charset="0"/>
+                <a:ea typeface="Courier" charset="0"/>
+                <a:cs typeface="Courier" charset="0"/>
+              </a:rPr>
+              <a:t>    </a:t>
+            </a:r>
+            <a:r>
               <a:rPr lang="en-US" dirty="0" err="1">
                 <a:latin typeface="Courier" charset="0"/>
                 <a:ea typeface="Courier" charset="0"/>
                 <a:cs typeface="Courier" charset="0"/>
               </a:rPr>
+              <a:t>auth_user</a:t>
+            </a:r>
+            <a:r>
+              <a:rPr lang="en-US" dirty="0">
+                <a:latin typeface="Courier" charset="0"/>
+                <a:ea typeface="Courier" charset="0"/>
+                <a:cs typeface="Courier" charset="0"/>
+              </a:rPr>
+              <a:t>                   </a:t>
+            </a:r>
+            <a:r>
+              <a:rPr lang="en-US" dirty="0" err="1">
+                <a:latin typeface="Courier" charset="0"/>
+                <a:ea typeface="Courier" charset="0"/>
+                <a:cs typeface="Courier" charset="0"/>
+              </a:rPr>
+              <a:t>django_session</a:t>
+            </a:r>
+            <a:endParaRPr lang="en-US" dirty="0">
+              <a:latin typeface="Courier" charset="0"/>
+              <a:ea typeface="Courier" charset="0"/>
+              <a:cs typeface="Courier" charset="0"/>
+            </a:endParaRPr>
+          </a:p>
+          <a:p>
+            <a:r>
+              <a:rPr lang="en-US" dirty="0">
+                <a:latin typeface="Courier" charset="0"/>
+                <a:ea typeface="Courier" charset="0"/>
+                <a:cs typeface="Courier" charset="0"/>
+              </a:rPr>
+              <a:t>    </a:t>
+            </a:r>
+            <a:r>
+              <a:rPr lang="en-US" dirty="0" err="1">
+                <a:latin typeface="Courier" charset="0"/>
+                <a:ea typeface="Courier" charset="0"/>
+                <a:cs typeface="Courier" charset="0"/>
+              </a:rPr>
               <a:t>auth_user_groups</a:t>
             </a:r>
             <a:r>
@@ -17464,7 +16747,7 @@
               <a:t>            </a:t>
             </a:r>
             <a:r>
-              <a:rPr lang="en-US" dirty="0" err="1" smtClean="0">
+              <a:rPr lang="en-US" dirty="0" err="1">
                 <a:solidFill>
                   <a:srgbClr val="00FDFF"/>
                 </a:solidFill>
@@ -17543,7 +16826,7 @@
               <a:t>.schema </a:t>
             </a:r>
             <a:r>
-              <a:rPr lang="en-US" dirty="0" err="1" smtClean="0">
+              <a:rPr lang="en-US" dirty="0" err="1">
                 <a:solidFill>
                   <a:srgbClr val="FFFF00"/>
                 </a:solidFill>
@@ -17572,7 +16855,7 @@
               <a:t>    CREATE TABLE IF NOT EXISTS "</a:t>
             </a:r>
             <a:r>
-              <a:rPr lang="en-US" dirty="0" err="1" smtClean="0">
+              <a:rPr lang="en-US" dirty="0" err="1">
                 <a:latin typeface="Courier" charset="0"/>
                 <a:ea typeface="Courier" charset="0"/>
                 <a:cs typeface="Courier" charset="0"/>
@@ -17695,11 +16978,11 @@
           <a:lstStyle/>
           <a:p>
             <a:r>
-              <a:rPr lang="en-US" dirty="0" smtClean="0"/>
+              <a:rPr lang="en-US" dirty="0"/>
               <a:t>Checking</a:t>
             </a:r>
             <a:r>
-              <a:rPr lang="mr-IN" dirty="0" smtClean="0"/>
+              <a:rPr lang="mr-IN" dirty="0"/>
               <a:t>…</a:t>
             </a:r>
             <a:endParaRPr lang="en-US" dirty="0"/>
@@ -17716,13 +16999,6 @@
   <p:clrMapOvr>
     <a:masterClrMapping/>
   </p:clrMapOvr>
-  <p:timing>
-    <p:tnLst>
-      <p:par>
-        <p:cTn id="1" dur="indefinite" restart="never" nodeType="tmRoot"/>
-      </p:par>
-    </p:tnLst>
-  </p:timing>
 </p:sld>
 </file>
 

--- a/lectures/DJ-02-Model-Single.pptx
+++ b/lectures/DJ-02-Model-Single.pptx
@@ -217,7 +217,7 @@
           <a:p>
             <a:fld id="{C97B56FC-7D2E-F343-9D09-0D14B00AA564}" type="datetimeFigureOut">
               <a:rPr lang="en-US" smtClean="0"/>
-              <a:t>9/16/22</a:t>
+              <a:t>7/8/23</a:t>
             </a:fld>
             <a:endParaRPr lang="en-US"/>
           </a:p>
@@ -530,7 +530,7 @@
               </a14:hiddenFill>
             </a:ext>
             <a:ext uri="{FAA26D3D-D897-4be2-8F04-BA451C77F1D7}">
-              <ma14:placeholderFlag xmlns:ma14="http://schemas.microsoft.com/office/mac/drawingml/2011/main" xmlns="" val="1"/>
+              <ma14:placeholderFlag xmlns="" xmlns:ma14="http://schemas.microsoft.com/office/mac/drawingml/2011/main" val="1"/>
             </a:ext>
           </a:extLst>
         </p:spPr>
@@ -566,7 +566,7 @@
               </a14:hiddenLine>
             </a:ext>
             <a:ext uri="{FAA26D3D-D897-4be2-8F04-BA451C77F1D7}">
-              <ma14:placeholderFlag xmlns:ma14="http://schemas.microsoft.com/office/mac/drawingml/2011/main" xmlns="" val="1"/>
+              <ma14:placeholderFlag xmlns="" xmlns:ma14="http://schemas.microsoft.com/office/mac/drawingml/2011/main" val="1"/>
             </a:ext>
           </a:extLst>
         </p:spPr>
@@ -1152,7 +1152,7 @@
           <a:p>
             <a:fld id="{EEE7C04C-7AF8-1445-A186-502B631B934F}" type="datetimeFigureOut">
               <a:rPr lang="en-US" smtClean="0"/>
-              <a:t>9/16/22</a:t>
+              <a:t>7/8/23</a:t>
             </a:fld>
             <a:endParaRPr lang="en-US"/>
           </a:p>
@@ -1317,7 +1317,7 @@
           <a:p>
             <a:fld id="{EEE7C04C-7AF8-1445-A186-502B631B934F}" type="datetimeFigureOut">
               <a:rPr lang="en-US" smtClean="0"/>
-              <a:t>9/16/22</a:t>
+              <a:t>7/8/23</a:t>
             </a:fld>
             <a:endParaRPr lang="en-US"/>
           </a:p>
@@ -1492,7 +1492,7 @@
           <a:p>
             <a:fld id="{EEE7C04C-7AF8-1445-A186-502B631B934F}" type="datetimeFigureOut">
               <a:rPr lang="en-US" smtClean="0"/>
-              <a:t>9/16/22</a:t>
+              <a:t>7/8/23</a:t>
             </a:fld>
             <a:endParaRPr lang="en-US"/>
           </a:p>
@@ -1657,7 +1657,7 @@
           <a:p>
             <a:fld id="{EEE7C04C-7AF8-1445-A186-502B631B934F}" type="datetimeFigureOut">
               <a:rPr lang="en-US" smtClean="0"/>
-              <a:t>9/16/22</a:t>
+              <a:t>7/8/23</a:t>
             </a:fld>
             <a:endParaRPr lang="en-US"/>
           </a:p>
@@ -1898,7 +1898,7 @@
           <a:p>
             <a:fld id="{EEE7C04C-7AF8-1445-A186-502B631B934F}" type="datetimeFigureOut">
               <a:rPr lang="en-US" smtClean="0"/>
-              <a:t>9/16/22</a:t>
+              <a:t>7/8/23</a:t>
             </a:fld>
             <a:endParaRPr lang="en-US"/>
           </a:p>
@@ -2125,7 +2125,7 @@
           <a:p>
             <a:fld id="{EEE7C04C-7AF8-1445-A186-502B631B934F}" type="datetimeFigureOut">
               <a:rPr lang="en-US" smtClean="0"/>
-              <a:t>9/16/22</a:t>
+              <a:t>7/8/23</a:t>
             </a:fld>
             <a:endParaRPr lang="en-US"/>
           </a:p>
@@ -2487,7 +2487,7 @@
           <a:p>
             <a:fld id="{EEE7C04C-7AF8-1445-A186-502B631B934F}" type="datetimeFigureOut">
               <a:rPr lang="en-US" smtClean="0"/>
-              <a:t>9/16/22</a:t>
+              <a:t>7/8/23</a:t>
             </a:fld>
             <a:endParaRPr lang="en-US"/>
           </a:p>
@@ -2600,7 +2600,7 @@
           <a:p>
             <a:fld id="{EEE7C04C-7AF8-1445-A186-502B631B934F}" type="datetimeFigureOut">
               <a:rPr lang="en-US" smtClean="0"/>
-              <a:t>9/16/22</a:t>
+              <a:t>7/8/23</a:t>
             </a:fld>
             <a:endParaRPr lang="en-US"/>
           </a:p>
@@ -2690,7 +2690,7 @@
           <a:p>
             <a:fld id="{EEE7C04C-7AF8-1445-A186-502B631B934F}" type="datetimeFigureOut">
               <a:rPr lang="en-US" smtClean="0"/>
-              <a:t>9/16/22</a:t>
+              <a:t>7/8/23</a:t>
             </a:fld>
             <a:endParaRPr lang="en-US"/>
           </a:p>
@@ -2962,7 +2962,7 @@
           <a:p>
             <a:fld id="{EEE7C04C-7AF8-1445-A186-502B631B934F}" type="datetimeFigureOut">
               <a:rPr lang="en-US" smtClean="0"/>
-              <a:t>9/16/22</a:t>
+              <a:t>7/8/23</a:t>
             </a:fld>
             <a:endParaRPr lang="en-US"/>
           </a:p>
@@ -3214,7 +3214,7 @@
           <a:p>
             <a:fld id="{EEE7C04C-7AF8-1445-A186-502B631B934F}" type="datetimeFigureOut">
               <a:rPr lang="en-US" smtClean="0"/>
-              <a:t>9/16/22</a:t>
+              <a:t>7/8/23</a:t>
             </a:fld>
             <a:endParaRPr lang="en-US"/>
           </a:p>
@@ -3421,7 +3421,7 @@
           <a:p>
             <a:fld id="{EEE7C04C-7AF8-1445-A186-502B631B934F}" type="datetimeFigureOut">
               <a:rPr lang="en-US" smtClean="0"/>
-              <a:t>9/16/22</a:t>
+              <a:t>7/8/23</a:t>
             </a:fld>
             <a:endParaRPr lang="en-US"/>
           </a:p>
@@ -5811,12 +5811,8 @@
               <a:t>en</a:t>
             </a:r>
             <a:r>
-              <a:rPr lang="en-US"/>
-              <a:t>/4.0/</a:t>
-            </a:r>
-            <a:r>
               <a:rPr lang="en-US" dirty="0"/>
-              <a:t>ref/models/fields/#field-types</a:t>
+              <a:t>/4.2/ref/models/fields/#field-types</a:t>
             </a:r>
           </a:p>
         </p:txBody>
